--- a/poster/PDS-INFO-1-G1.3.pptx
+++ b/poster/PDS-INFO-1-G1.3.pptx
@@ -9845,9 +9845,32 @@
           <a:prstGeom prst="roundRect">
             <a:avLst/>
           </a:prstGeom>
-          <a:solidFill>
-            <a:srgbClr val="CC0000"/>
-          </a:solidFill>
+          <a:gradFill flip="none" rotWithShape="1">
+            <a:gsLst>
+              <a:gs pos="0">
+                <a:srgbClr val="6C5098">
+                  <a:tint val="66000"/>
+                  <a:satMod val="160000"/>
+                </a:srgbClr>
+              </a:gs>
+              <a:gs pos="50000">
+                <a:srgbClr val="6C5098">
+                  <a:tint val="44500"/>
+                  <a:satMod val="160000"/>
+                </a:srgbClr>
+              </a:gs>
+              <a:gs pos="100000">
+                <a:srgbClr val="6C5098">
+                  <a:tint val="23500"/>
+                  <a:satMod val="160000"/>
+                </a:srgbClr>
+              </a:gs>
+            </a:gsLst>
+            <a:path path="circle">
+              <a:fillToRect l="50000" t="50000" r="50000" b="50000"/>
+            </a:path>
+            <a:tileRect/>
+          </a:gradFill>
           <a:ln w="127000" cap="flat" cmpd="sng" algn="ctr">
             <a:solidFill>
               <a:srgbClr val="BDAFD5"/>

--- a/poster/PDS-INFO-1-G1.3.pptx
+++ b/poster/PDS-INFO-1-G1.3.pptx
@@ -1,19 +1,6116 @@
 
 <file path=ppt/presentation.xml><?xml version="1.0" encoding="utf-8"?>
-<p:presentation xmlns:a="http://schemas.openxmlformats.org/drawingml/2006/main" xmlns:p="http://schemas.openxmlformats.org/presentationml/2006/main" xmlns:r="http://schemas.openxmlformats.org/officeDocument/2006/relationships" xmlns:p14="http://schemas.microsoft.com/office/powerpoint/2010/main" xmlns:p15="http://schemas.microsoft.com/office/powerpoint/2012/main" xmlns:mc="http://schemas.openxmlformats.org/markup-compatibility/2006">
+<p:presentation xmlns:a="http://schemas.openxmlformats.org/drawingml/2006/main" xmlns:r="http://schemas.openxmlformats.org/officeDocument/2006/relationships" xmlns:p="http://schemas.openxmlformats.org/presentationml/2006/main">
   <p:sldMasterIdLst>
-    <p:sldMasterId id="2147483648" r:id="rId2"/>
+    <p:sldMasterId id="2147483648" r:id="rId1"/>
   </p:sldMasterIdLst>
   <p:sldIdLst>
-    <p:sldId id="256" r:id="rId3"/>
+    <p:sldId id="256" r:id="rId2"/>
   </p:sldIdLst>
-  <p:sldSz cx="32899350" cy="43562587"/>
-  <p:notesSz cx="6867525" cy="9993312"/>
+  <p:sldSz cx="32899350" cy="43562588"/>
+  <p:notesSz cx="6867525" cy="9993313"/>
+  <p:defaultTextStyle>
+    <a:defPPr>
+      <a:defRPr lang="fr-FR"/>
+    </a:defPPr>
+    <a:lvl1pPr marL="0" algn="l" defTabSz="914400" rtl="0" eaLnBrk="1" latinLnBrk="0" hangingPunct="1">
+      <a:defRPr sz="1800" kern="1200">
+        <a:solidFill>
+          <a:schemeClr val="tx1"/>
+        </a:solidFill>
+        <a:latin typeface="+mn-lt"/>
+        <a:ea typeface="+mn-ea"/>
+        <a:cs typeface="+mn-cs"/>
+      </a:defRPr>
+    </a:lvl1pPr>
+    <a:lvl2pPr marL="457200" algn="l" defTabSz="914400" rtl="0" eaLnBrk="1" latinLnBrk="0" hangingPunct="1">
+      <a:defRPr sz="1800" kern="1200">
+        <a:solidFill>
+          <a:schemeClr val="tx1"/>
+        </a:solidFill>
+        <a:latin typeface="+mn-lt"/>
+        <a:ea typeface="+mn-ea"/>
+        <a:cs typeface="+mn-cs"/>
+      </a:defRPr>
+    </a:lvl2pPr>
+    <a:lvl3pPr marL="914400" algn="l" defTabSz="914400" rtl="0" eaLnBrk="1" latinLnBrk="0" hangingPunct="1">
+      <a:defRPr sz="1800" kern="1200">
+        <a:solidFill>
+          <a:schemeClr val="tx1"/>
+        </a:solidFill>
+        <a:latin typeface="+mn-lt"/>
+        <a:ea typeface="+mn-ea"/>
+        <a:cs typeface="+mn-cs"/>
+      </a:defRPr>
+    </a:lvl3pPr>
+    <a:lvl4pPr marL="1371600" algn="l" defTabSz="914400" rtl="0" eaLnBrk="1" latinLnBrk="0" hangingPunct="1">
+      <a:defRPr sz="1800" kern="1200">
+        <a:solidFill>
+          <a:schemeClr val="tx1"/>
+        </a:solidFill>
+        <a:latin typeface="+mn-lt"/>
+        <a:ea typeface="+mn-ea"/>
+        <a:cs typeface="+mn-cs"/>
+      </a:defRPr>
+    </a:lvl4pPr>
+    <a:lvl5pPr marL="1828800" algn="l" defTabSz="914400" rtl="0" eaLnBrk="1" latinLnBrk="0" hangingPunct="1">
+      <a:defRPr sz="1800" kern="1200">
+        <a:solidFill>
+          <a:schemeClr val="tx1"/>
+        </a:solidFill>
+        <a:latin typeface="+mn-lt"/>
+        <a:ea typeface="+mn-ea"/>
+        <a:cs typeface="+mn-cs"/>
+      </a:defRPr>
+    </a:lvl5pPr>
+    <a:lvl6pPr marL="2286000" algn="l" defTabSz="914400" rtl="0" eaLnBrk="1" latinLnBrk="0" hangingPunct="1">
+      <a:defRPr sz="1800" kern="1200">
+        <a:solidFill>
+          <a:schemeClr val="tx1"/>
+        </a:solidFill>
+        <a:latin typeface="+mn-lt"/>
+        <a:ea typeface="+mn-ea"/>
+        <a:cs typeface="+mn-cs"/>
+      </a:defRPr>
+    </a:lvl6pPr>
+    <a:lvl7pPr marL="2743200" algn="l" defTabSz="914400" rtl="0" eaLnBrk="1" latinLnBrk="0" hangingPunct="1">
+      <a:defRPr sz="1800" kern="1200">
+        <a:solidFill>
+          <a:schemeClr val="tx1"/>
+        </a:solidFill>
+        <a:latin typeface="+mn-lt"/>
+        <a:ea typeface="+mn-ea"/>
+        <a:cs typeface="+mn-cs"/>
+      </a:defRPr>
+    </a:lvl7pPr>
+    <a:lvl8pPr marL="3200400" algn="l" defTabSz="914400" rtl="0" eaLnBrk="1" latinLnBrk="0" hangingPunct="1">
+      <a:defRPr sz="1800" kern="1200">
+        <a:solidFill>
+          <a:schemeClr val="tx1"/>
+        </a:solidFill>
+        <a:latin typeface="+mn-lt"/>
+        <a:ea typeface="+mn-ea"/>
+        <a:cs typeface="+mn-cs"/>
+      </a:defRPr>
+    </a:lvl8pPr>
+    <a:lvl9pPr marL="3657600" algn="l" defTabSz="914400" rtl="0" eaLnBrk="1" latinLnBrk="0" hangingPunct="1">
+      <a:defRPr sz="1800" kern="1200">
+        <a:solidFill>
+          <a:schemeClr val="tx1"/>
+        </a:solidFill>
+        <a:latin typeface="+mn-lt"/>
+        <a:ea typeface="+mn-ea"/>
+        <a:cs typeface="+mn-cs"/>
+      </a:defRPr>
+    </a:lvl9pPr>
+  </p:defaultTextStyle>
 </p:presentation>
 </file>
 
+<file path=ppt/diagrams/colors1.xml><?xml version="1.0" encoding="utf-8"?>
+<dgm:colorsDef xmlns:dgm="http://schemas.openxmlformats.org/drawingml/2006/diagram" xmlns:a="http://schemas.openxmlformats.org/drawingml/2006/main" uniqueId="urn:microsoft.com/office/officeart/2005/8/colors/accent2_4">
+  <dgm:title val=""/>
+  <dgm:desc val=""/>
+  <dgm:catLst>
+    <dgm:cat type="accent2" pri="11400"/>
+  </dgm:catLst>
+  <dgm:styleLbl name="node0">
+    <dgm:fillClrLst meth="cycle">
+      <a:schemeClr val="accent2">
+        <a:shade val="60000"/>
+      </a:schemeClr>
+    </dgm:fillClrLst>
+    <dgm:linClrLst meth="repeat">
+      <a:schemeClr val="lt1"/>
+    </dgm:linClrLst>
+    <dgm:effectClrLst/>
+    <dgm:txLinClrLst/>
+    <dgm:txFillClrLst/>
+    <dgm:txEffectClrLst/>
+  </dgm:styleLbl>
+  <dgm:styleLbl name="node1">
+    <dgm:fillClrLst meth="cycle">
+      <a:schemeClr val="accent2">
+        <a:shade val="50000"/>
+      </a:schemeClr>
+      <a:schemeClr val="accent2">
+        <a:tint val="45000"/>
+      </a:schemeClr>
+    </dgm:fillClrLst>
+    <dgm:linClrLst meth="repeat">
+      <a:schemeClr val="lt1"/>
+    </dgm:linClrLst>
+    <dgm:effectClrLst/>
+    <dgm:txLinClrLst/>
+    <dgm:txFillClrLst/>
+    <dgm:txEffectClrLst/>
+  </dgm:styleLbl>
+  <dgm:styleLbl name="alignNode1">
+    <dgm:fillClrLst meth="cycle">
+      <a:schemeClr val="accent2">
+        <a:shade val="50000"/>
+      </a:schemeClr>
+      <a:schemeClr val="accent2">
+        <a:tint val="45000"/>
+      </a:schemeClr>
+    </dgm:fillClrLst>
+    <dgm:linClrLst meth="cycle">
+      <a:schemeClr val="accent2">
+        <a:shade val="50000"/>
+      </a:schemeClr>
+      <a:schemeClr val="accent2">
+        <a:tint val="45000"/>
+      </a:schemeClr>
+    </dgm:linClrLst>
+    <dgm:effectClrLst/>
+    <dgm:txLinClrLst/>
+    <dgm:txFillClrLst/>
+    <dgm:txEffectClrLst/>
+  </dgm:styleLbl>
+  <dgm:styleLbl name="lnNode1">
+    <dgm:fillClrLst meth="cycle">
+      <a:schemeClr val="accent2">
+        <a:shade val="50000"/>
+      </a:schemeClr>
+      <a:schemeClr val="accent2">
+        <a:tint val="45000"/>
+      </a:schemeClr>
+    </dgm:fillClrLst>
+    <dgm:linClrLst meth="repeat">
+      <a:schemeClr val="lt1"/>
+    </dgm:linClrLst>
+    <dgm:effectClrLst/>
+    <dgm:txLinClrLst/>
+    <dgm:txFillClrLst/>
+    <dgm:txEffectClrLst/>
+  </dgm:styleLbl>
+  <dgm:styleLbl name="vennNode1">
+    <dgm:fillClrLst meth="cycle">
+      <a:schemeClr val="accent2">
+        <a:shade val="80000"/>
+        <a:alpha val="50000"/>
+      </a:schemeClr>
+      <a:schemeClr val="accent2">
+        <a:tint val="45000"/>
+        <a:alpha val="50000"/>
+      </a:schemeClr>
+    </dgm:fillClrLst>
+    <dgm:linClrLst meth="repeat">
+      <a:schemeClr val="lt1"/>
+    </dgm:linClrLst>
+    <dgm:effectClrLst/>
+    <dgm:txLinClrLst/>
+    <dgm:txFillClrLst/>
+    <dgm:txEffectClrLst/>
+  </dgm:styleLbl>
+  <dgm:styleLbl name="node2">
+    <dgm:fillClrLst>
+      <a:schemeClr val="accent2">
+        <a:shade val="80000"/>
+      </a:schemeClr>
+    </dgm:fillClrLst>
+    <dgm:linClrLst meth="repeat">
+      <a:schemeClr val="lt1"/>
+    </dgm:linClrLst>
+    <dgm:effectClrLst/>
+    <dgm:txLinClrLst/>
+    <dgm:txFillClrLst/>
+    <dgm:txEffectClrLst/>
+  </dgm:styleLbl>
+  <dgm:styleLbl name="node3">
+    <dgm:fillClrLst>
+      <a:schemeClr val="accent2">
+        <a:tint val="99000"/>
+      </a:schemeClr>
+    </dgm:fillClrLst>
+    <dgm:linClrLst meth="repeat">
+      <a:schemeClr val="lt1"/>
+    </dgm:linClrLst>
+    <dgm:effectClrLst/>
+    <dgm:txLinClrLst/>
+    <dgm:txFillClrLst/>
+    <dgm:txEffectClrLst/>
+  </dgm:styleLbl>
+  <dgm:styleLbl name="node4">
+    <dgm:fillClrLst>
+      <a:schemeClr val="accent2">
+        <a:tint val="70000"/>
+      </a:schemeClr>
+    </dgm:fillClrLst>
+    <dgm:linClrLst meth="repeat">
+      <a:schemeClr val="lt1"/>
+    </dgm:linClrLst>
+    <dgm:effectClrLst/>
+    <dgm:txLinClrLst/>
+    <dgm:txFillClrLst/>
+    <dgm:txEffectClrLst/>
+  </dgm:styleLbl>
+  <dgm:styleLbl name="fgImgPlace1">
+    <dgm:fillClrLst>
+      <a:schemeClr val="accent2">
+        <a:tint val="50000"/>
+      </a:schemeClr>
+      <a:schemeClr val="accent2">
+        <a:tint val="55000"/>
+      </a:schemeClr>
+    </dgm:fillClrLst>
+    <dgm:linClrLst meth="repeat">
+      <a:schemeClr val="lt1"/>
+    </dgm:linClrLst>
+    <dgm:effectClrLst/>
+    <dgm:txLinClrLst/>
+    <dgm:txFillClrLst meth="repeat">
+      <a:schemeClr val="lt1"/>
+    </dgm:txFillClrLst>
+    <dgm:txEffectClrLst/>
+  </dgm:styleLbl>
+  <dgm:styleLbl name="alignImgPlace1">
+    <dgm:fillClrLst>
+      <a:schemeClr val="accent2">
+        <a:tint val="50000"/>
+      </a:schemeClr>
+      <a:schemeClr val="accent2">
+        <a:tint val="55000"/>
+      </a:schemeClr>
+    </dgm:fillClrLst>
+    <dgm:linClrLst meth="repeat">
+      <a:schemeClr val="lt1"/>
+    </dgm:linClrLst>
+    <dgm:effectClrLst/>
+    <dgm:txLinClrLst/>
+    <dgm:txFillClrLst meth="repeat">
+      <a:schemeClr val="lt1"/>
+    </dgm:txFillClrLst>
+    <dgm:txEffectClrLst/>
+  </dgm:styleLbl>
+  <dgm:styleLbl name="bgImgPlace1">
+    <dgm:fillClrLst>
+      <a:schemeClr val="accent2">
+        <a:tint val="50000"/>
+      </a:schemeClr>
+      <a:schemeClr val="accent2">
+        <a:tint val="55000"/>
+      </a:schemeClr>
+    </dgm:fillClrLst>
+    <dgm:linClrLst meth="repeat">
+      <a:schemeClr val="lt1"/>
+    </dgm:linClrLst>
+    <dgm:effectClrLst/>
+    <dgm:txLinClrLst/>
+    <dgm:txFillClrLst meth="repeat">
+      <a:schemeClr val="lt1"/>
+    </dgm:txFillClrLst>
+    <dgm:txEffectClrLst/>
+  </dgm:styleLbl>
+  <dgm:styleLbl name="sibTrans2D1">
+    <dgm:fillClrLst meth="cycle">
+      <a:schemeClr val="accent2">
+        <a:shade val="90000"/>
+      </a:schemeClr>
+      <a:schemeClr val="accent2">
+        <a:tint val="50000"/>
+      </a:schemeClr>
+    </dgm:fillClrLst>
+    <dgm:linClrLst meth="cycle">
+      <a:schemeClr val="accent2">
+        <a:shade val="90000"/>
+      </a:schemeClr>
+      <a:schemeClr val="accent2">
+        <a:tint val="50000"/>
+      </a:schemeClr>
+    </dgm:linClrLst>
+    <dgm:effectClrLst/>
+    <dgm:txLinClrLst/>
+    <dgm:txFillClrLst/>
+    <dgm:txEffectClrLst/>
+  </dgm:styleLbl>
+  <dgm:styleLbl name="fgSibTrans2D1">
+    <dgm:fillClrLst meth="cycle">
+      <a:schemeClr val="accent2">
+        <a:shade val="90000"/>
+      </a:schemeClr>
+      <a:schemeClr val="accent2">
+        <a:tint val="50000"/>
+      </a:schemeClr>
+    </dgm:fillClrLst>
+    <dgm:linClrLst meth="cycle">
+      <a:schemeClr val="accent2">
+        <a:shade val="90000"/>
+      </a:schemeClr>
+      <a:schemeClr val="accent2">
+        <a:tint val="50000"/>
+      </a:schemeClr>
+    </dgm:linClrLst>
+    <dgm:effectClrLst/>
+    <dgm:txLinClrLst/>
+    <dgm:txFillClrLst/>
+    <dgm:txEffectClrLst/>
+  </dgm:styleLbl>
+  <dgm:styleLbl name="bgSibTrans2D1">
+    <dgm:fillClrLst meth="cycle">
+      <a:schemeClr val="accent2">
+        <a:shade val="90000"/>
+      </a:schemeClr>
+      <a:schemeClr val="accent2">
+        <a:tint val="50000"/>
+      </a:schemeClr>
+    </dgm:fillClrLst>
+    <dgm:linClrLst meth="cycle">
+      <a:schemeClr val="accent2">
+        <a:shade val="90000"/>
+      </a:schemeClr>
+      <a:schemeClr val="accent2">
+        <a:tint val="50000"/>
+      </a:schemeClr>
+    </dgm:linClrLst>
+    <dgm:effectClrLst/>
+    <dgm:txLinClrLst/>
+    <dgm:txFillClrLst/>
+    <dgm:txEffectClrLst/>
+  </dgm:styleLbl>
+  <dgm:styleLbl name="sibTrans1D1">
+    <dgm:fillClrLst meth="cycle">
+      <a:schemeClr val="accent2">
+        <a:shade val="90000"/>
+      </a:schemeClr>
+      <a:schemeClr val="accent2">
+        <a:tint val="50000"/>
+      </a:schemeClr>
+    </dgm:fillClrLst>
+    <dgm:linClrLst meth="cycle">
+      <a:schemeClr val="accent2">
+        <a:shade val="90000"/>
+      </a:schemeClr>
+      <a:schemeClr val="accent2">
+        <a:tint val="50000"/>
+      </a:schemeClr>
+    </dgm:linClrLst>
+    <dgm:effectClrLst/>
+    <dgm:txLinClrLst/>
+    <dgm:txFillClrLst meth="repeat">
+      <a:schemeClr val="tx1"/>
+    </dgm:txFillClrLst>
+    <dgm:txEffectClrLst/>
+  </dgm:styleLbl>
+  <dgm:styleLbl name="callout">
+    <dgm:fillClrLst meth="repeat">
+      <a:schemeClr val="accent2"/>
+    </dgm:fillClrLst>
+    <dgm:linClrLst meth="repeat">
+      <a:schemeClr val="accent2"/>
+    </dgm:linClrLst>
+    <dgm:effectClrLst/>
+    <dgm:txLinClrLst/>
+    <dgm:txFillClrLst meth="repeat">
+      <a:schemeClr val="tx1"/>
+    </dgm:txFillClrLst>
+    <dgm:txEffectClrLst/>
+  </dgm:styleLbl>
+  <dgm:styleLbl name="asst0">
+    <dgm:fillClrLst meth="repeat">
+      <a:schemeClr val="accent2">
+        <a:shade val="80000"/>
+      </a:schemeClr>
+    </dgm:fillClrLst>
+    <dgm:linClrLst meth="repeat">
+      <a:schemeClr val="lt1"/>
+    </dgm:linClrLst>
+    <dgm:effectClrLst/>
+    <dgm:txLinClrLst/>
+    <dgm:txFillClrLst/>
+    <dgm:txEffectClrLst/>
+  </dgm:styleLbl>
+  <dgm:styleLbl name="asst1">
+    <dgm:fillClrLst meth="repeat">
+      <a:schemeClr val="accent2">
+        <a:shade val="80000"/>
+      </a:schemeClr>
+    </dgm:fillClrLst>
+    <dgm:linClrLst meth="repeat">
+      <a:schemeClr val="lt1"/>
+    </dgm:linClrLst>
+    <dgm:effectClrLst/>
+    <dgm:txLinClrLst/>
+    <dgm:txFillClrLst/>
+    <dgm:txEffectClrLst/>
+  </dgm:styleLbl>
+  <dgm:styleLbl name="asst2">
+    <dgm:fillClrLst>
+      <a:schemeClr val="accent2">
+        <a:tint val="90000"/>
+      </a:schemeClr>
+    </dgm:fillClrLst>
+    <dgm:linClrLst meth="repeat">
+      <a:schemeClr val="lt1"/>
+    </dgm:linClrLst>
+    <dgm:effectClrLst/>
+    <dgm:txLinClrLst/>
+    <dgm:txFillClrLst/>
+    <dgm:txEffectClrLst/>
+  </dgm:styleLbl>
+  <dgm:styleLbl name="asst3">
+    <dgm:fillClrLst>
+      <a:schemeClr val="accent2">
+        <a:tint val="70000"/>
+      </a:schemeClr>
+    </dgm:fillClrLst>
+    <dgm:linClrLst meth="repeat">
+      <a:schemeClr val="lt1"/>
+    </dgm:linClrLst>
+    <dgm:effectClrLst/>
+    <dgm:txLinClrLst/>
+    <dgm:txFillClrLst/>
+    <dgm:txEffectClrLst/>
+  </dgm:styleLbl>
+  <dgm:styleLbl name="asst4">
+    <dgm:fillClrLst>
+      <a:schemeClr val="accent2">
+        <a:tint val="50000"/>
+      </a:schemeClr>
+    </dgm:fillClrLst>
+    <dgm:linClrLst meth="repeat">
+      <a:schemeClr val="lt1"/>
+    </dgm:linClrLst>
+    <dgm:effectClrLst/>
+    <dgm:txLinClrLst/>
+    <dgm:txFillClrLst/>
+    <dgm:txEffectClrLst/>
+  </dgm:styleLbl>
+  <dgm:styleLbl name="parChTrans2D1">
+    <dgm:fillClrLst meth="repeat">
+      <a:schemeClr val="accent2">
+        <a:tint val="60000"/>
+      </a:schemeClr>
+    </dgm:fillClrLst>
+    <dgm:linClrLst meth="repeat">
+      <a:schemeClr val="accent2">
+        <a:shade val="80000"/>
+      </a:schemeClr>
+    </dgm:linClrLst>
+    <dgm:effectClrLst/>
+    <dgm:txLinClrLst/>
+    <dgm:txFillClrLst/>
+    <dgm:txEffectClrLst/>
+  </dgm:styleLbl>
+  <dgm:styleLbl name="parChTrans2D2">
+    <dgm:fillClrLst meth="repeat">
+      <a:schemeClr val="accent2">
+        <a:tint val="90000"/>
+      </a:schemeClr>
+    </dgm:fillClrLst>
+    <dgm:linClrLst meth="repeat">
+      <a:schemeClr val="accent2">
+        <a:tint val="90000"/>
+      </a:schemeClr>
+    </dgm:linClrLst>
+    <dgm:effectClrLst/>
+    <dgm:txLinClrLst/>
+    <dgm:txFillClrLst/>
+    <dgm:txEffectClrLst/>
+  </dgm:styleLbl>
+  <dgm:styleLbl name="parChTrans2D3">
+    <dgm:fillClrLst meth="repeat">
+      <a:schemeClr val="accent2">
+        <a:tint val="70000"/>
+      </a:schemeClr>
+    </dgm:fillClrLst>
+    <dgm:linClrLst meth="repeat">
+      <a:schemeClr val="accent2">
+        <a:tint val="70000"/>
+      </a:schemeClr>
+    </dgm:linClrLst>
+    <dgm:effectClrLst/>
+    <dgm:txLinClrLst/>
+    <dgm:txFillClrLst/>
+    <dgm:txEffectClrLst/>
+  </dgm:styleLbl>
+  <dgm:styleLbl name="parChTrans2D4">
+    <dgm:fillClrLst meth="repeat">
+      <a:schemeClr val="accent2">
+        <a:tint val="50000"/>
+      </a:schemeClr>
+    </dgm:fillClrLst>
+    <dgm:linClrLst meth="repeat">
+      <a:schemeClr val="accent2">
+        <a:tint val="50000"/>
+      </a:schemeClr>
+    </dgm:linClrLst>
+    <dgm:effectClrLst/>
+    <dgm:txLinClrLst/>
+    <dgm:txFillClrLst meth="repeat">
+      <a:schemeClr val="dk1"/>
+    </dgm:txFillClrLst>
+    <dgm:txEffectClrLst/>
+  </dgm:styleLbl>
+  <dgm:styleLbl name="parChTrans1D1">
+    <dgm:fillClrLst meth="repeat">
+      <a:schemeClr val="accent2">
+        <a:shade val="80000"/>
+      </a:schemeClr>
+    </dgm:fillClrLst>
+    <dgm:linClrLst meth="repeat">
+      <a:schemeClr val="accent2">
+        <a:shade val="80000"/>
+      </a:schemeClr>
+    </dgm:linClrLst>
+    <dgm:effectClrLst/>
+    <dgm:txLinClrLst/>
+    <dgm:txFillClrLst meth="repeat">
+      <a:schemeClr val="tx1"/>
+    </dgm:txFillClrLst>
+    <dgm:txEffectClrLst/>
+  </dgm:styleLbl>
+  <dgm:styleLbl name="parChTrans1D2">
+    <dgm:fillClrLst meth="repeat">
+      <a:schemeClr val="accent2">
+        <a:tint val="90000"/>
+      </a:schemeClr>
+    </dgm:fillClrLst>
+    <dgm:linClrLst meth="repeat">
+      <a:schemeClr val="accent2">
+        <a:tint val="90000"/>
+      </a:schemeClr>
+    </dgm:linClrLst>
+    <dgm:effectClrLst/>
+    <dgm:txLinClrLst/>
+    <dgm:txFillClrLst meth="repeat">
+      <a:schemeClr val="tx1"/>
+    </dgm:txFillClrLst>
+    <dgm:txEffectClrLst/>
+  </dgm:styleLbl>
+  <dgm:styleLbl name="parChTrans1D3">
+    <dgm:fillClrLst meth="repeat">
+      <a:schemeClr val="accent2">
+        <a:tint val="70000"/>
+      </a:schemeClr>
+    </dgm:fillClrLst>
+    <dgm:linClrLst meth="repeat">
+      <a:schemeClr val="accent2">
+        <a:tint val="70000"/>
+      </a:schemeClr>
+    </dgm:linClrLst>
+    <dgm:effectClrLst/>
+    <dgm:txLinClrLst/>
+    <dgm:txFillClrLst meth="repeat">
+      <a:schemeClr val="tx1"/>
+    </dgm:txFillClrLst>
+    <dgm:txEffectClrLst/>
+  </dgm:styleLbl>
+  <dgm:styleLbl name="parChTrans1D4">
+    <dgm:fillClrLst meth="repeat">
+      <a:schemeClr val="accent2">
+        <a:tint val="50000"/>
+      </a:schemeClr>
+    </dgm:fillClrLst>
+    <dgm:linClrLst meth="repeat">
+      <a:schemeClr val="accent2">
+        <a:tint val="50000"/>
+      </a:schemeClr>
+    </dgm:linClrLst>
+    <dgm:effectClrLst/>
+    <dgm:txLinClrLst/>
+    <dgm:txFillClrLst meth="repeat">
+      <a:schemeClr val="tx1"/>
+    </dgm:txFillClrLst>
+    <dgm:txEffectClrLst/>
+  </dgm:styleLbl>
+  <dgm:styleLbl name="fgAcc1">
+    <dgm:fillClrLst meth="repeat">
+      <a:schemeClr val="lt1">
+        <a:alpha val="90000"/>
+      </a:schemeClr>
+    </dgm:fillClrLst>
+    <dgm:linClrLst meth="cycle">
+      <a:schemeClr val="accent2">
+        <a:shade val="50000"/>
+      </a:schemeClr>
+      <a:schemeClr val="accent2">
+        <a:tint val="55000"/>
+      </a:schemeClr>
+    </dgm:linClrLst>
+    <dgm:effectClrLst/>
+    <dgm:txLinClrLst/>
+    <dgm:txFillClrLst meth="repeat">
+      <a:schemeClr val="dk1"/>
+    </dgm:txFillClrLst>
+    <dgm:txEffectClrLst/>
+  </dgm:styleLbl>
+  <dgm:styleLbl name="conFgAcc1">
+    <dgm:fillClrLst meth="repeat">
+      <a:schemeClr val="lt1">
+        <a:alpha val="90000"/>
+      </a:schemeClr>
+    </dgm:fillClrLst>
+    <dgm:linClrLst meth="cycle">
+      <a:schemeClr val="accent2">
+        <a:shade val="50000"/>
+      </a:schemeClr>
+      <a:schemeClr val="accent2">
+        <a:tint val="55000"/>
+      </a:schemeClr>
+    </dgm:linClrLst>
+    <dgm:effectClrLst/>
+    <dgm:txLinClrLst/>
+    <dgm:txFillClrLst meth="repeat">
+      <a:schemeClr val="dk1"/>
+    </dgm:txFillClrLst>
+    <dgm:txEffectClrLst/>
+  </dgm:styleLbl>
+  <dgm:styleLbl name="alignAcc1">
+    <dgm:fillClrLst meth="repeat">
+      <a:schemeClr val="lt1">
+        <a:alpha val="90000"/>
+      </a:schemeClr>
+    </dgm:fillClrLst>
+    <dgm:linClrLst meth="cycle">
+      <a:schemeClr val="accent2">
+        <a:shade val="50000"/>
+      </a:schemeClr>
+      <a:schemeClr val="accent2">
+        <a:tint val="55000"/>
+      </a:schemeClr>
+    </dgm:linClrLst>
+    <dgm:effectClrLst/>
+    <dgm:txLinClrLst/>
+    <dgm:txFillClrLst meth="repeat">
+      <a:schemeClr val="dk1"/>
+    </dgm:txFillClrLst>
+    <dgm:txEffectClrLst/>
+  </dgm:styleLbl>
+  <dgm:styleLbl name="trAlignAcc1">
+    <dgm:fillClrLst meth="repeat">
+      <a:schemeClr val="lt1">
+        <a:alpha val="55000"/>
+      </a:schemeClr>
+    </dgm:fillClrLst>
+    <dgm:linClrLst meth="repeat">
+      <a:schemeClr val="accent2"/>
+    </dgm:linClrLst>
+    <dgm:effectClrLst/>
+    <dgm:txLinClrLst/>
+    <dgm:txFillClrLst meth="repeat">
+      <a:schemeClr val="dk1"/>
+    </dgm:txFillClrLst>
+    <dgm:txEffectClrLst/>
+  </dgm:styleLbl>
+  <dgm:styleLbl name="bgAcc1">
+    <dgm:fillClrLst meth="repeat">
+      <a:schemeClr val="lt1">
+        <a:alpha val="90000"/>
+      </a:schemeClr>
+    </dgm:fillClrLst>
+    <dgm:linClrLst meth="cycle">
+      <a:schemeClr val="accent2">
+        <a:shade val="50000"/>
+      </a:schemeClr>
+      <a:schemeClr val="accent2">
+        <a:tint val="55000"/>
+      </a:schemeClr>
+    </dgm:linClrLst>
+    <dgm:effectClrLst/>
+    <dgm:txLinClrLst/>
+    <dgm:txFillClrLst meth="repeat">
+      <a:schemeClr val="dk1"/>
+    </dgm:txFillClrLst>
+    <dgm:txEffectClrLst/>
+  </dgm:styleLbl>
+  <dgm:styleLbl name="solidFgAcc1">
+    <dgm:fillClrLst meth="repeat">
+      <a:schemeClr val="lt1"/>
+    </dgm:fillClrLst>
+    <dgm:linClrLst meth="cycle">
+      <a:schemeClr val="accent2">
+        <a:shade val="50000"/>
+      </a:schemeClr>
+      <a:schemeClr val="accent2">
+        <a:tint val="55000"/>
+      </a:schemeClr>
+    </dgm:linClrLst>
+    <dgm:effectClrLst/>
+    <dgm:txLinClrLst/>
+    <dgm:txFillClrLst meth="repeat">
+      <a:schemeClr val="dk1"/>
+    </dgm:txFillClrLst>
+    <dgm:txEffectClrLst/>
+  </dgm:styleLbl>
+  <dgm:styleLbl name="solidAlignAcc1">
+    <dgm:fillClrLst meth="repeat">
+      <a:schemeClr val="lt1"/>
+    </dgm:fillClrLst>
+    <dgm:linClrLst meth="repeat">
+      <a:schemeClr val="accent2"/>
+    </dgm:linClrLst>
+    <dgm:effectClrLst/>
+    <dgm:txLinClrLst/>
+    <dgm:txFillClrLst meth="repeat">
+      <a:schemeClr val="dk1"/>
+    </dgm:txFillClrLst>
+    <dgm:txEffectClrLst/>
+  </dgm:styleLbl>
+  <dgm:styleLbl name="solidBgAcc1">
+    <dgm:fillClrLst meth="repeat">
+      <a:schemeClr val="lt1"/>
+    </dgm:fillClrLst>
+    <dgm:linClrLst meth="repeat">
+      <a:schemeClr val="accent2"/>
+    </dgm:linClrLst>
+    <dgm:effectClrLst/>
+    <dgm:txLinClrLst/>
+    <dgm:txFillClrLst meth="repeat">
+      <a:schemeClr val="dk1"/>
+    </dgm:txFillClrLst>
+    <dgm:txEffectClrLst/>
+  </dgm:styleLbl>
+  <dgm:styleLbl name="fgAccFollowNode1">
+    <dgm:fillClrLst meth="repeat">
+      <a:schemeClr val="accent2">
+        <a:alpha val="90000"/>
+        <a:tint val="55000"/>
+      </a:schemeClr>
+    </dgm:fillClrLst>
+    <dgm:linClrLst meth="repeat">
+      <a:schemeClr val="accent2">
+        <a:alpha val="90000"/>
+        <a:tint val="55000"/>
+      </a:schemeClr>
+    </dgm:linClrLst>
+    <dgm:effectClrLst/>
+    <dgm:txLinClrLst/>
+    <dgm:txFillClrLst meth="repeat">
+      <a:schemeClr val="dk1"/>
+    </dgm:txFillClrLst>
+    <dgm:txEffectClrLst/>
+  </dgm:styleLbl>
+  <dgm:styleLbl name="alignAccFollowNode1">
+    <dgm:fillClrLst meth="repeat">
+      <a:schemeClr val="accent2">
+        <a:alpha val="90000"/>
+        <a:tint val="55000"/>
+      </a:schemeClr>
+    </dgm:fillClrLst>
+    <dgm:linClrLst meth="repeat">
+      <a:schemeClr val="accent2">
+        <a:alpha val="90000"/>
+        <a:tint val="55000"/>
+      </a:schemeClr>
+    </dgm:linClrLst>
+    <dgm:effectClrLst/>
+    <dgm:txLinClrLst/>
+    <dgm:txFillClrLst meth="repeat">
+      <a:schemeClr val="dk1"/>
+    </dgm:txFillClrLst>
+    <dgm:txEffectClrLst/>
+  </dgm:styleLbl>
+  <dgm:styleLbl name="bgAccFollowNode1">
+    <dgm:fillClrLst meth="repeat">
+      <a:schemeClr val="accent2">
+        <a:alpha val="90000"/>
+        <a:tint val="55000"/>
+      </a:schemeClr>
+    </dgm:fillClrLst>
+    <dgm:linClrLst meth="repeat">
+      <a:schemeClr val="lt1"/>
+    </dgm:linClrLst>
+    <dgm:effectClrLst/>
+    <dgm:txLinClrLst/>
+    <dgm:txFillClrLst meth="repeat">
+      <a:schemeClr val="dk1"/>
+    </dgm:txFillClrLst>
+    <dgm:txEffectClrLst/>
+  </dgm:styleLbl>
+  <dgm:styleLbl name="fgAcc0">
+    <dgm:fillClrLst meth="repeat">
+      <a:schemeClr val="lt1">
+        <a:alpha val="90000"/>
+      </a:schemeClr>
+    </dgm:fillClrLst>
+    <dgm:linClrLst meth="repeat">
+      <a:schemeClr val="accent2">
+        <a:shade val="80000"/>
+      </a:schemeClr>
+    </dgm:linClrLst>
+    <dgm:effectClrLst/>
+    <dgm:txLinClrLst/>
+    <dgm:txFillClrLst meth="repeat">
+      <a:schemeClr val="dk1"/>
+    </dgm:txFillClrLst>
+    <dgm:txEffectClrLst/>
+  </dgm:styleLbl>
+  <dgm:styleLbl name="fgAcc2">
+    <dgm:fillClrLst meth="repeat">
+      <a:schemeClr val="lt1">
+        <a:alpha val="90000"/>
+      </a:schemeClr>
+    </dgm:fillClrLst>
+    <dgm:linClrLst meth="repeat">
+      <a:schemeClr val="accent2">
+        <a:tint val="90000"/>
+      </a:schemeClr>
+    </dgm:linClrLst>
+    <dgm:effectClrLst/>
+    <dgm:txLinClrLst/>
+    <dgm:txFillClrLst meth="repeat">
+      <a:schemeClr val="dk1"/>
+    </dgm:txFillClrLst>
+    <dgm:txEffectClrLst/>
+  </dgm:styleLbl>
+  <dgm:styleLbl name="fgAcc3">
+    <dgm:fillClrLst meth="repeat">
+      <a:schemeClr val="lt1">
+        <a:alpha val="90000"/>
+      </a:schemeClr>
+    </dgm:fillClrLst>
+    <dgm:linClrLst meth="repeat">
+      <a:schemeClr val="accent2">
+        <a:tint val="70000"/>
+      </a:schemeClr>
+    </dgm:linClrLst>
+    <dgm:effectClrLst/>
+    <dgm:txLinClrLst/>
+    <dgm:txFillClrLst meth="repeat">
+      <a:schemeClr val="dk1"/>
+    </dgm:txFillClrLst>
+    <dgm:txEffectClrLst/>
+  </dgm:styleLbl>
+  <dgm:styleLbl name="fgAcc4">
+    <dgm:fillClrLst meth="repeat">
+      <a:schemeClr val="lt1">
+        <a:alpha val="90000"/>
+      </a:schemeClr>
+    </dgm:fillClrLst>
+    <dgm:linClrLst meth="repeat">
+      <a:schemeClr val="accent2">
+        <a:tint val="50000"/>
+      </a:schemeClr>
+    </dgm:linClrLst>
+    <dgm:effectClrLst/>
+    <dgm:txLinClrLst/>
+    <dgm:txFillClrLst meth="repeat">
+      <a:schemeClr val="dk1"/>
+    </dgm:txFillClrLst>
+    <dgm:txEffectClrLst/>
+  </dgm:styleLbl>
+  <dgm:styleLbl name="bgShp">
+    <dgm:fillClrLst meth="repeat">
+      <a:schemeClr val="accent2">
+        <a:tint val="55000"/>
+      </a:schemeClr>
+    </dgm:fillClrLst>
+    <dgm:linClrLst meth="repeat">
+      <a:schemeClr val="dk1"/>
+    </dgm:linClrLst>
+    <dgm:effectClrLst/>
+    <dgm:txLinClrLst/>
+    <dgm:txFillClrLst meth="repeat">
+      <a:schemeClr val="dk1"/>
+    </dgm:txFillClrLst>
+    <dgm:txEffectClrLst/>
+  </dgm:styleLbl>
+  <dgm:styleLbl name="dkBgShp">
+    <dgm:fillClrLst meth="repeat">
+      <a:schemeClr val="accent2">
+        <a:shade val="90000"/>
+      </a:schemeClr>
+    </dgm:fillClrLst>
+    <dgm:linClrLst meth="repeat">
+      <a:schemeClr val="dk1"/>
+    </dgm:linClrLst>
+    <dgm:effectClrLst/>
+    <dgm:txLinClrLst/>
+    <dgm:txFillClrLst meth="repeat">
+      <a:schemeClr val="lt1"/>
+    </dgm:txFillClrLst>
+    <dgm:txEffectClrLst/>
+  </dgm:styleLbl>
+  <dgm:styleLbl name="trBgShp">
+    <dgm:fillClrLst meth="repeat">
+      <a:schemeClr val="accent2">
+        <a:tint val="50000"/>
+        <a:alpha val="55000"/>
+      </a:schemeClr>
+    </dgm:fillClrLst>
+    <dgm:linClrLst meth="repeat">
+      <a:schemeClr val="accent2"/>
+    </dgm:linClrLst>
+    <dgm:effectClrLst/>
+    <dgm:txLinClrLst/>
+    <dgm:txFillClrLst meth="repeat">
+      <a:schemeClr val="lt1"/>
+    </dgm:txFillClrLst>
+    <dgm:txEffectClrLst/>
+  </dgm:styleLbl>
+  <dgm:styleLbl name="fgShp">
+    <dgm:fillClrLst meth="repeat">
+      <a:schemeClr val="accent2">
+        <a:tint val="55000"/>
+      </a:schemeClr>
+    </dgm:fillClrLst>
+    <dgm:linClrLst meth="repeat">
+      <a:schemeClr val="lt1"/>
+    </dgm:linClrLst>
+    <dgm:effectClrLst/>
+    <dgm:txLinClrLst/>
+    <dgm:txFillClrLst meth="repeat">
+      <a:schemeClr val="dk1"/>
+    </dgm:txFillClrLst>
+    <dgm:txEffectClrLst/>
+  </dgm:styleLbl>
+  <dgm:styleLbl name="revTx">
+    <dgm:fillClrLst meth="repeat">
+      <a:schemeClr val="lt1">
+        <a:alpha val="0"/>
+      </a:schemeClr>
+    </dgm:fillClrLst>
+    <dgm:linClrLst meth="repeat">
+      <a:schemeClr val="dk1">
+        <a:alpha val="0"/>
+      </a:schemeClr>
+    </dgm:linClrLst>
+    <dgm:effectClrLst/>
+    <dgm:txLinClrLst/>
+    <dgm:txFillClrLst meth="repeat">
+      <a:schemeClr val="tx1"/>
+    </dgm:txFillClrLst>
+    <dgm:txEffectClrLst/>
+  </dgm:styleLbl>
+</dgm:colorsDef>
+</file>
+
+<file path=ppt/diagrams/colors2.xml><?xml version="1.0" encoding="utf-8"?>
+<dgm:colorsDef xmlns:dgm="http://schemas.openxmlformats.org/drawingml/2006/diagram" xmlns:a="http://schemas.openxmlformats.org/drawingml/2006/main" uniqueId="urn:microsoft.com/office/officeart/2005/8/colors/accent2_3">
+  <dgm:title val=""/>
+  <dgm:desc val=""/>
+  <dgm:catLst>
+    <dgm:cat type="accent2" pri="11300"/>
+  </dgm:catLst>
+  <dgm:styleLbl name="node0">
+    <dgm:fillClrLst meth="repeat">
+      <a:schemeClr val="accent2">
+        <a:shade val="80000"/>
+      </a:schemeClr>
+    </dgm:fillClrLst>
+    <dgm:linClrLst meth="repeat">
+      <a:schemeClr val="lt1"/>
+    </dgm:linClrLst>
+    <dgm:effectClrLst/>
+    <dgm:txLinClrLst/>
+    <dgm:txFillClrLst/>
+    <dgm:txEffectClrLst/>
+  </dgm:styleLbl>
+  <dgm:styleLbl name="node1">
+    <dgm:fillClrLst>
+      <a:schemeClr val="accent2">
+        <a:shade val="80000"/>
+      </a:schemeClr>
+      <a:schemeClr val="accent2">
+        <a:tint val="70000"/>
+      </a:schemeClr>
+    </dgm:fillClrLst>
+    <dgm:linClrLst meth="repeat">
+      <a:schemeClr val="lt1"/>
+    </dgm:linClrLst>
+    <dgm:effectClrLst/>
+    <dgm:txLinClrLst/>
+    <dgm:txFillClrLst/>
+    <dgm:txEffectClrLst/>
+  </dgm:styleLbl>
+  <dgm:styleLbl name="alignNode1">
+    <dgm:fillClrLst>
+      <a:schemeClr val="accent2">
+        <a:shade val="80000"/>
+      </a:schemeClr>
+      <a:schemeClr val="accent2">
+        <a:tint val="70000"/>
+      </a:schemeClr>
+    </dgm:fillClrLst>
+    <dgm:linClrLst>
+      <a:schemeClr val="accent2">
+        <a:shade val="80000"/>
+      </a:schemeClr>
+      <a:schemeClr val="accent2">
+        <a:tint val="70000"/>
+      </a:schemeClr>
+    </dgm:linClrLst>
+    <dgm:effectClrLst/>
+    <dgm:txLinClrLst/>
+    <dgm:txFillClrLst/>
+    <dgm:txEffectClrLst/>
+  </dgm:styleLbl>
+  <dgm:styleLbl name="lnNode1">
+    <dgm:fillClrLst>
+      <a:schemeClr val="accent2">
+        <a:shade val="80000"/>
+      </a:schemeClr>
+      <a:schemeClr val="accent2">
+        <a:tint val="70000"/>
+      </a:schemeClr>
+    </dgm:fillClrLst>
+    <dgm:linClrLst meth="repeat">
+      <a:schemeClr val="lt1"/>
+    </dgm:linClrLst>
+    <dgm:effectClrLst/>
+    <dgm:txLinClrLst/>
+    <dgm:txFillClrLst/>
+    <dgm:txEffectClrLst/>
+  </dgm:styleLbl>
+  <dgm:styleLbl name="vennNode1">
+    <dgm:fillClrLst>
+      <a:schemeClr val="accent2">
+        <a:shade val="80000"/>
+        <a:alpha val="50000"/>
+      </a:schemeClr>
+      <a:schemeClr val="accent2">
+        <a:tint val="70000"/>
+        <a:alpha val="50000"/>
+      </a:schemeClr>
+    </dgm:fillClrLst>
+    <dgm:linClrLst meth="repeat">
+      <a:schemeClr val="lt1"/>
+    </dgm:linClrLst>
+    <dgm:effectClrLst/>
+    <dgm:txLinClrLst/>
+    <dgm:txFillClrLst/>
+    <dgm:txEffectClrLst/>
+  </dgm:styleLbl>
+  <dgm:styleLbl name="node2">
+    <dgm:fillClrLst>
+      <a:schemeClr val="accent2">
+        <a:tint val="99000"/>
+      </a:schemeClr>
+    </dgm:fillClrLst>
+    <dgm:linClrLst meth="repeat">
+      <a:schemeClr val="lt1"/>
+    </dgm:linClrLst>
+    <dgm:effectClrLst/>
+    <dgm:txLinClrLst/>
+    <dgm:txFillClrLst/>
+    <dgm:txEffectClrLst/>
+  </dgm:styleLbl>
+  <dgm:styleLbl name="node3">
+    <dgm:fillClrLst>
+      <a:schemeClr val="accent2">
+        <a:tint val="80000"/>
+      </a:schemeClr>
+    </dgm:fillClrLst>
+    <dgm:linClrLst meth="repeat">
+      <a:schemeClr val="lt1"/>
+    </dgm:linClrLst>
+    <dgm:effectClrLst/>
+    <dgm:txLinClrLst/>
+    <dgm:txFillClrLst/>
+    <dgm:txEffectClrLst/>
+  </dgm:styleLbl>
+  <dgm:styleLbl name="node4">
+    <dgm:fillClrLst>
+      <a:schemeClr val="accent2">
+        <a:tint val="70000"/>
+      </a:schemeClr>
+    </dgm:fillClrLst>
+    <dgm:linClrLst meth="repeat">
+      <a:schemeClr val="lt1"/>
+    </dgm:linClrLst>
+    <dgm:effectClrLst/>
+    <dgm:txLinClrLst/>
+    <dgm:txFillClrLst/>
+    <dgm:txEffectClrLst/>
+  </dgm:styleLbl>
+  <dgm:styleLbl name="fgImgPlace1">
+    <dgm:fillClrLst>
+      <a:schemeClr val="accent2">
+        <a:tint val="50000"/>
+      </a:schemeClr>
+      <a:schemeClr val="accent2">
+        <a:tint val="20000"/>
+      </a:schemeClr>
+    </dgm:fillClrLst>
+    <dgm:linClrLst meth="repeat">
+      <a:schemeClr val="lt1"/>
+    </dgm:linClrLst>
+    <dgm:effectClrLst/>
+    <dgm:txLinClrLst/>
+    <dgm:txFillClrLst meth="repeat">
+      <a:schemeClr val="lt1"/>
+    </dgm:txFillClrLst>
+    <dgm:txEffectClrLst/>
+  </dgm:styleLbl>
+  <dgm:styleLbl name="alignImgPlace1">
+    <dgm:fillClrLst>
+      <a:schemeClr val="accent2">
+        <a:tint val="50000"/>
+      </a:schemeClr>
+      <a:schemeClr val="accent2">
+        <a:tint val="20000"/>
+      </a:schemeClr>
+    </dgm:fillClrLst>
+    <dgm:linClrLst meth="repeat">
+      <a:schemeClr val="lt1"/>
+    </dgm:linClrLst>
+    <dgm:effectClrLst/>
+    <dgm:txLinClrLst/>
+    <dgm:txFillClrLst meth="repeat">
+      <a:schemeClr val="lt1"/>
+    </dgm:txFillClrLst>
+    <dgm:txEffectClrLst/>
+  </dgm:styleLbl>
+  <dgm:styleLbl name="bgImgPlace1">
+    <dgm:fillClrLst>
+      <a:schemeClr val="accent2">
+        <a:tint val="50000"/>
+      </a:schemeClr>
+      <a:schemeClr val="accent2">
+        <a:tint val="20000"/>
+      </a:schemeClr>
+    </dgm:fillClrLst>
+    <dgm:linClrLst meth="repeat">
+      <a:schemeClr val="lt1"/>
+    </dgm:linClrLst>
+    <dgm:effectClrLst/>
+    <dgm:txLinClrLst/>
+    <dgm:txFillClrLst meth="repeat">
+      <a:schemeClr val="lt1"/>
+    </dgm:txFillClrLst>
+    <dgm:txEffectClrLst/>
+  </dgm:styleLbl>
+  <dgm:styleLbl name="sibTrans2D1">
+    <dgm:fillClrLst>
+      <a:schemeClr val="accent2">
+        <a:shade val="90000"/>
+      </a:schemeClr>
+      <a:schemeClr val="accent2">
+        <a:tint val="70000"/>
+      </a:schemeClr>
+    </dgm:fillClrLst>
+    <dgm:linClrLst>
+      <a:schemeClr val="accent2">
+        <a:shade val="90000"/>
+      </a:schemeClr>
+      <a:schemeClr val="accent2">
+        <a:tint val="70000"/>
+      </a:schemeClr>
+    </dgm:linClrLst>
+    <dgm:effectClrLst/>
+    <dgm:txLinClrLst/>
+    <dgm:txFillClrLst/>
+    <dgm:txEffectClrLst/>
+  </dgm:styleLbl>
+  <dgm:styleLbl name="fgSibTrans2D1">
+    <dgm:fillClrLst>
+      <a:schemeClr val="accent2">
+        <a:shade val="90000"/>
+      </a:schemeClr>
+      <a:schemeClr val="accent2">
+        <a:tint val="70000"/>
+      </a:schemeClr>
+    </dgm:fillClrLst>
+    <dgm:linClrLst>
+      <a:schemeClr val="accent2">
+        <a:shade val="90000"/>
+      </a:schemeClr>
+      <a:schemeClr val="accent2">
+        <a:tint val="70000"/>
+      </a:schemeClr>
+    </dgm:linClrLst>
+    <dgm:effectClrLst/>
+    <dgm:txLinClrLst/>
+    <dgm:txFillClrLst meth="repeat">
+      <a:schemeClr val="lt1"/>
+    </dgm:txFillClrLst>
+    <dgm:txEffectClrLst/>
+  </dgm:styleLbl>
+  <dgm:styleLbl name="bgSibTrans2D1">
+    <dgm:fillClrLst>
+      <a:schemeClr val="accent2">
+        <a:shade val="90000"/>
+      </a:schemeClr>
+      <a:schemeClr val="accent2">
+        <a:tint val="70000"/>
+      </a:schemeClr>
+    </dgm:fillClrLst>
+    <dgm:linClrLst>
+      <a:schemeClr val="accent2">
+        <a:shade val="90000"/>
+      </a:schemeClr>
+      <a:schemeClr val="accent2">
+        <a:tint val="70000"/>
+      </a:schemeClr>
+    </dgm:linClrLst>
+    <dgm:effectClrLst/>
+    <dgm:txLinClrLst/>
+    <dgm:txFillClrLst meth="repeat">
+      <a:schemeClr val="lt1"/>
+    </dgm:txFillClrLst>
+    <dgm:txEffectClrLst/>
+  </dgm:styleLbl>
+  <dgm:styleLbl name="sibTrans1D1">
+    <dgm:fillClrLst>
+      <a:schemeClr val="accent2">
+        <a:shade val="90000"/>
+      </a:schemeClr>
+      <a:schemeClr val="accent2">
+        <a:tint val="70000"/>
+      </a:schemeClr>
+    </dgm:fillClrLst>
+    <dgm:linClrLst>
+      <a:schemeClr val="accent2">
+        <a:shade val="90000"/>
+      </a:schemeClr>
+      <a:schemeClr val="accent2">
+        <a:tint val="70000"/>
+      </a:schemeClr>
+    </dgm:linClrLst>
+    <dgm:effectClrLst/>
+    <dgm:txLinClrLst/>
+    <dgm:txFillClrLst meth="repeat">
+      <a:schemeClr val="tx1"/>
+    </dgm:txFillClrLst>
+    <dgm:txEffectClrLst/>
+  </dgm:styleLbl>
+  <dgm:styleLbl name="callout">
+    <dgm:fillClrLst meth="repeat">
+      <a:schemeClr val="accent2"/>
+    </dgm:fillClrLst>
+    <dgm:linClrLst meth="repeat">
+      <a:schemeClr val="accent2"/>
+    </dgm:linClrLst>
+    <dgm:effectClrLst/>
+    <dgm:txLinClrLst/>
+    <dgm:txFillClrLst meth="repeat">
+      <a:schemeClr val="tx1"/>
+    </dgm:txFillClrLst>
+    <dgm:txEffectClrLst/>
+  </dgm:styleLbl>
+  <dgm:styleLbl name="asst0">
+    <dgm:fillClrLst meth="repeat">
+      <a:schemeClr val="accent2">
+        <a:shade val="80000"/>
+      </a:schemeClr>
+    </dgm:fillClrLst>
+    <dgm:linClrLst meth="repeat">
+      <a:schemeClr val="lt1"/>
+    </dgm:linClrLst>
+    <dgm:effectClrLst/>
+    <dgm:txLinClrLst/>
+    <dgm:txFillClrLst/>
+    <dgm:txEffectClrLst/>
+  </dgm:styleLbl>
+  <dgm:styleLbl name="asst1">
+    <dgm:fillClrLst meth="repeat">
+      <a:schemeClr val="accent2">
+        <a:shade val="80000"/>
+      </a:schemeClr>
+    </dgm:fillClrLst>
+    <dgm:linClrLst meth="repeat">
+      <a:schemeClr val="lt1"/>
+    </dgm:linClrLst>
+    <dgm:effectClrLst/>
+    <dgm:txLinClrLst/>
+    <dgm:txFillClrLst/>
+    <dgm:txEffectClrLst/>
+  </dgm:styleLbl>
+  <dgm:styleLbl name="asst2">
+    <dgm:fillClrLst>
+      <a:schemeClr val="accent2">
+        <a:tint val="99000"/>
+      </a:schemeClr>
+    </dgm:fillClrLst>
+    <dgm:linClrLst meth="repeat">
+      <a:schemeClr val="lt1"/>
+    </dgm:linClrLst>
+    <dgm:effectClrLst/>
+    <dgm:txLinClrLst/>
+    <dgm:txFillClrLst/>
+    <dgm:txEffectClrLst/>
+  </dgm:styleLbl>
+  <dgm:styleLbl name="asst3">
+    <dgm:fillClrLst>
+      <a:schemeClr val="accent2">
+        <a:tint val="80000"/>
+      </a:schemeClr>
+    </dgm:fillClrLst>
+    <dgm:linClrLst meth="repeat">
+      <a:schemeClr val="lt1"/>
+    </dgm:linClrLst>
+    <dgm:effectClrLst/>
+    <dgm:txLinClrLst/>
+    <dgm:txFillClrLst/>
+    <dgm:txEffectClrLst/>
+  </dgm:styleLbl>
+  <dgm:styleLbl name="asst4">
+    <dgm:fillClrLst>
+      <a:schemeClr val="accent2">
+        <a:tint val="70000"/>
+      </a:schemeClr>
+    </dgm:fillClrLst>
+    <dgm:linClrLst meth="repeat">
+      <a:schemeClr val="lt1"/>
+    </dgm:linClrLst>
+    <dgm:effectClrLst/>
+    <dgm:txLinClrLst/>
+    <dgm:txFillClrLst/>
+    <dgm:txEffectClrLst/>
+  </dgm:styleLbl>
+  <dgm:styleLbl name="parChTrans2D1">
+    <dgm:fillClrLst meth="repeat">
+      <a:schemeClr val="accent2">
+        <a:tint val="60000"/>
+      </a:schemeClr>
+    </dgm:fillClrLst>
+    <dgm:linClrLst meth="repeat">
+      <a:schemeClr val="accent2">
+        <a:tint val="60000"/>
+      </a:schemeClr>
+    </dgm:linClrLst>
+    <dgm:effectClrLst/>
+    <dgm:txLinClrLst/>
+    <dgm:txFillClrLst meth="repeat">
+      <a:schemeClr val="lt1"/>
+    </dgm:txFillClrLst>
+    <dgm:txEffectClrLst/>
+  </dgm:styleLbl>
+  <dgm:styleLbl name="parChTrans2D2">
+    <dgm:fillClrLst meth="repeat">
+      <a:schemeClr val="accent2">
+        <a:tint val="90000"/>
+      </a:schemeClr>
+    </dgm:fillClrLst>
+    <dgm:linClrLst meth="repeat">
+      <a:schemeClr val="accent2">
+        <a:tint val="90000"/>
+      </a:schemeClr>
+    </dgm:linClrLst>
+    <dgm:effectClrLst/>
+    <dgm:txLinClrLst/>
+    <dgm:txFillClrLst/>
+    <dgm:txEffectClrLst/>
+  </dgm:styleLbl>
+  <dgm:styleLbl name="parChTrans2D3">
+    <dgm:fillClrLst meth="repeat">
+      <a:schemeClr val="accent2">
+        <a:tint val="70000"/>
+      </a:schemeClr>
+    </dgm:fillClrLst>
+    <dgm:linClrLst meth="repeat">
+      <a:schemeClr val="accent2">
+        <a:tint val="70000"/>
+      </a:schemeClr>
+    </dgm:linClrLst>
+    <dgm:effectClrLst/>
+    <dgm:txLinClrLst/>
+    <dgm:txFillClrLst/>
+    <dgm:txEffectClrLst/>
+  </dgm:styleLbl>
+  <dgm:styleLbl name="parChTrans2D4">
+    <dgm:fillClrLst meth="repeat">
+      <a:schemeClr val="accent2">
+        <a:tint val="50000"/>
+      </a:schemeClr>
+    </dgm:fillClrLst>
+    <dgm:linClrLst meth="repeat">
+      <a:schemeClr val="accent2">
+        <a:tint val="50000"/>
+      </a:schemeClr>
+    </dgm:linClrLst>
+    <dgm:effectClrLst/>
+    <dgm:txLinClrLst/>
+    <dgm:txFillClrLst meth="repeat">
+      <a:schemeClr val="lt1"/>
+    </dgm:txFillClrLst>
+    <dgm:txEffectClrLst/>
+  </dgm:styleLbl>
+  <dgm:styleLbl name="parChTrans1D1">
+    <dgm:fillClrLst meth="repeat">
+      <a:schemeClr val="accent2">
+        <a:shade val="80000"/>
+      </a:schemeClr>
+    </dgm:fillClrLst>
+    <dgm:linClrLst meth="repeat">
+      <a:schemeClr val="accent2">
+        <a:shade val="80000"/>
+      </a:schemeClr>
+    </dgm:linClrLst>
+    <dgm:effectClrLst/>
+    <dgm:txLinClrLst/>
+    <dgm:txFillClrLst meth="repeat">
+      <a:schemeClr val="tx1"/>
+    </dgm:txFillClrLst>
+    <dgm:txEffectClrLst/>
+  </dgm:styleLbl>
+  <dgm:styleLbl name="parChTrans1D2">
+    <dgm:fillClrLst meth="repeat">
+      <a:schemeClr val="accent2">
+        <a:tint val="99000"/>
+      </a:schemeClr>
+    </dgm:fillClrLst>
+    <dgm:linClrLst meth="repeat">
+      <a:schemeClr val="accent2">
+        <a:tint val="99000"/>
+      </a:schemeClr>
+    </dgm:linClrLst>
+    <dgm:effectClrLst/>
+    <dgm:txLinClrLst/>
+    <dgm:txFillClrLst meth="repeat">
+      <a:schemeClr val="tx1"/>
+    </dgm:txFillClrLst>
+    <dgm:txEffectClrLst/>
+  </dgm:styleLbl>
+  <dgm:styleLbl name="parChTrans1D3">
+    <dgm:fillClrLst meth="repeat">
+      <a:schemeClr val="accent2">
+        <a:tint val="80000"/>
+      </a:schemeClr>
+    </dgm:fillClrLst>
+    <dgm:linClrLst meth="repeat">
+      <a:schemeClr val="accent2">
+        <a:tint val="80000"/>
+      </a:schemeClr>
+    </dgm:linClrLst>
+    <dgm:effectClrLst/>
+    <dgm:txLinClrLst/>
+    <dgm:txFillClrLst meth="repeat">
+      <a:schemeClr val="tx1"/>
+    </dgm:txFillClrLst>
+    <dgm:txEffectClrLst/>
+  </dgm:styleLbl>
+  <dgm:styleLbl name="parChTrans1D4">
+    <dgm:fillClrLst meth="repeat">
+      <a:schemeClr val="accent2">
+        <a:tint val="70000"/>
+      </a:schemeClr>
+    </dgm:fillClrLst>
+    <dgm:linClrLst meth="repeat">
+      <a:schemeClr val="accent2">
+        <a:tint val="70000"/>
+      </a:schemeClr>
+    </dgm:linClrLst>
+    <dgm:effectClrLst/>
+    <dgm:txLinClrLst/>
+    <dgm:txFillClrLst meth="repeat">
+      <a:schemeClr val="tx1"/>
+    </dgm:txFillClrLst>
+    <dgm:txEffectClrLst/>
+  </dgm:styleLbl>
+  <dgm:styleLbl name="fgAcc1">
+    <dgm:fillClrLst meth="repeat">
+      <a:schemeClr val="lt1">
+        <a:alpha val="90000"/>
+      </a:schemeClr>
+    </dgm:fillClrLst>
+    <dgm:linClrLst>
+      <a:schemeClr val="accent2">
+        <a:shade val="80000"/>
+      </a:schemeClr>
+      <a:schemeClr val="accent2">
+        <a:tint val="70000"/>
+      </a:schemeClr>
+    </dgm:linClrLst>
+    <dgm:effectClrLst/>
+    <dgm:txLinClrLst/>
+    <dgm:txFillClrLst meth="repeat">
+      <a:schemeClr val="dk1"/>
+    </dgm:txFillClrLst>
+    <dgm:txEffectClrLst/>
+  </dgm:styleLbl>
+  <dgm:styleLbl name="conFgAcc1">
+    <dgm:fillClrLst meth="repeat">
+      <a:schemeClr val="lt1">
+        <a:alpha val="90000"/>
+      </a:schemeClr>
+    </dgm:fillClrLst>
+    <dgm:linClrLst>
+      <a:schemeClr val="accent2">
+        <a:shade val="80000"/>
+      </a:schemeClr>
+      <a:schemeClr val="accent2">
+        <a:tint val="70000"/>
+      </a:schemeClr>
+    </dgm:linClrLst>
+    <dgm:effectClrLst/>
+    <dgm:txLinClrLst/>
+    <dgm:txFillClrLst meth="repeat">
+      <a:schemeClr val="dk1"/>
+    </dgm:txFillClrLst>
+    <dgm:txEffectClrLst/>
+  </dgm:styleLbl>
+  <dgm:styleLbl name="alignAcc1">
+    <dgm:fillClrLst meth="repeat">
+      <a:schemeClr val="lt1">
+        <a:alpha val="90000"/>
+      </a:schemeClr>
+    </dgm:fillClrLst>
+    <dgm:linClrLst>
+      <a:schemeClr val="accent2">
+        <a:shade val="80000"/>
+      </a:schemeClr>
+      <a:schemeClr val="accent2">
+        <a:tint val="70000"/>
+      </a:schemeClr>
+    </dgm:linClrLst>
+    <dgm:effectClrLst/>
+    <dgm:txLinClrLst/>
+    <dgm:txFillClrLst meth="repeat">
+      <a:schemeClr val="dk1"/>
+    </dgm:txFillClrLst>
+    <dgm:txEffectClrLst/>
+  </dgm:styleLbl>
+  <dgm:styleLbl name="trAlignAcc1">
+    <dgm:fillClrLst meth="repeat">
+      <a:schemeClr val="lt1">
+        <a:alpha val="40000"/>
+      </a:schemeClr>
+    </dgm:fillClrLst>
+    <dgm:linClrLst meth="repeat">
+      <a:schemeClr val="accent2"/>
+    </dgm:linClrLst>
+    <dgm:effectClrLst/>
+    <dgm:txLinClrLst/>
+    <dgm:txFillClrLst meth="repeat">
+      <a:schemeClr val="dk1"/>
+    </dgm:txFillClrLst>
+    <dgm:txEffectClrLst/>
+  </dgm:styleLbl>
+  <dgm:styleLbl name="bgAcc1">
+    <dgm:fillClrLst meth="repeat">
+      <a:schemeClr val="lt1">
+        <a:alpha val="90000"/>
+      </a:schemeClr>
+    </dgm:fillClrLst>
+    <dgm:linClrLst>
+      <a:schemeClr val="accent2">
+        <a:shade val="80000"/>
+      </a:schemeClr>
+      <a:schemeClr val="accent2">
+        <a:tint val="70000"/>
+      </a:schemeClr>
+    </dgm:linClrLst>
+    <dgm:effectClrLst/>
+    <dgm:txLinClrLst/>
+    <dgm:txFillClrLst meth="repeat">
+      <a:schemeClr val="dk1"/>
+    </dgm:txFillClrLst>
+    <dgm:txEffectClrLst/>
+  </dgm:styleLbl>
+  <dgm:styleLbl name="solidFgAcc1">
+    <dgm:fillClrLst meth="repeat">
+      <a:schemeClr val="lt1"/>
+    </dgm:fillClrLst>
+    <dgm:linClrLst>
+      <a:schemeClr val="accent2">
+        <a:shade val="80000"/>
+      </a:schemeClr>
+      <a:schemeClr val="accent2">
+        <a:tint val="70000"/>
+      </a:schemeClr>
+    </dgm:linClrLst>
+    <dgm:effectClrLst/>
+    <dgm:txLinClrLst/>
+    <dgm:txFillClrLst meth="repeat">
+      <a:schemeClr val="dk1"/>
+    </dgm:txFillClrLst>
+    <dgm:txEffectClrLst/>
+  </dgm:styleLbl>
+  <dgm:styleLbl name="solidAlignAcc1">
+    <dgm:fillClrLst meth="repeat">
+      <a:schemeClr val="lt1"/>
+    </dgm:fillClrLst>
+    <dgm:linClrLst meth="repeat">
+      <a:schemeClr val="accent2"/>
+    </dgm:linClrLst>
+    <dgm:effectClrLst/>
+    <dgm:txLinClrLst/>
+    <dgm:txFillClrLst meth="repeat">
+      <a:schemeClr val="dk1"/>
+    </dgm:txFillClrLst>
+    <dgm:txEffectClrLst/>
+  </dgm:styleLbl>
+  <dgm:styleLbl name="solidBgAcc1">
+    <dgm:fillClrLst meth="repeat">
+      <a:schemeClr val="lt1"/>
+    </dgm:fillClrLst>
+    <dgm:linClrLst meth="repeat">
+      <a:schemeClr val="accent2"/>
+    </dgm:linClrLst>
+    <dgm:effectClrLst/>
+    <dgm:txLinClrLst/>
+    <dgm:txFillClrLst meth="repeat">
+      <a:schemeClr val="dk1"/>
+    </dgm:txFillClrLst>
+    <dgm:txEffectClrLst/>
+  </dgm:styleLbl>
+  <dgm:styleLbl name="fgAccFollowNode1">
+    <dgm:fillClrLst meth="repeat">
+      <a:schemeClr val="accent2">
+        <a:alpha val="90000"/>
+        <a:tint val="40000"/>
+      </a:schemeClr>
+    </dgm:fillClrLst>
+    <dgm:linClrLst meth="repeat">
+      <a:schemeClr val="accent2">
+        <a:alpha val="90000"/>
+        <a:tint val="40000"/>
+      </a:schemeClr>
+    </dgm:linClrLst>
+    <dgm:effectClrLst/>
+    <dgm:txLinClrLst/>
+    <dgm:txFillClrLst meth="repeat">
+      <a:schemeClr val="dk1"/>
+    </dgm:txFillClrLst>
+    <dgm:txEffectClrLst/>
+  </dgm:styleLbl>
+  <dgm:styleLbl name="alignAccFollowNode1">
+    <dgm:fillClrLst meth="repeat">
+      <a:schemeClr val="accent2">
+        <a:alpha val="90000"/>
+        <a:tint val="40000"/>
+      </a:schemeClr>
+    </dgm:fillClrLst>
+    <dgm:linClrLst meth="repeat">
+      <a:schemeClr val="accent2">
+        <a:alpha val="90000"/>
+        <a:tint val="40000"/>
+      </a:schemeClr>
+    </dgm:linClrLst>
+    <dgm:effectClrLst/>
+    <dgm:txLinClrLst/>
+    <dgm:txFillClrLst meth="repeat">
+      <a:schemeClr val="dk1"/>
+    </dgm:txFillClrLst>
+    <dgm:txEffectClrLst/>
+  </dgm:styleLbl>
+  <dgm:styleLbl name="bgAccFollowNode1">
+    <dgm:fillClrLst meth="repeat">
+      <a:schemeClr val="accent2">
+        <a:alpha val="90000"/>
+        <a:tint val="40000"/>
+      </a:schemeClr>
+    </dgm:fillClrLst>
+    <dgm:linClrLst meth="repeat">
+      <a:schemeClr val="lt1"/>
+    </dgm:linClrLst>
+    <dgm:effectClrLst/>
+    <dgm:txLinClrLst/>
+    <dgm:txFillClrLst meth="repeat">
+      <a:schemeClr val="dk1"/>
+    </dgm:txFillClrLst>
+    <dgm:txEffectClrLst/>
+  </dgm:styleLbl>
+  <dgm:styleLbl name="fgAcc0">
+    <dgm:fillClrLst meth="repeat">
+      <a:schemeClr val="lt1">
+        <a:alpha val="90000"/>
+      </a:schemeClr>
+    </dgm:fillClrLst>
+    <dgm:linClrLst meth="repeat">
+      <a:schemeClr val="accent2">
+        <a:shade val="80000"/>
+      </a:schemeClr>
+    </dgm:linClrLst>
+    <dgm:effectClrLst/>
+    <dgm:txLinClrLst/>
+    <dgm:txFillClrLst meth="repeat">
+      <a:schemeClr val="dk1"/>
+    </dgm:txFillClrLst>
+    <dgm:txEffectClrLst/>
+  </dgm:styleLbl>
+  <dgm:styleLbl name="fgAcc2">
+    <dgm:fillClrLst meth="repeat">
+      <a:schemeClr val="lt1">
+        <a:alpha val="90000"/>
+      </a:schemeClr>
+    </dgm:fillClrLst>
+    <dgm:linClrLst meth="repeat">
+      <a:schemeClr val="accent2">
+        <a:tint val="99000"/>
+      </a:schemeClr>
+    </dgm:linClrLst>
+    <dgm:effectClrLst/>
+    <dgm:txLinClrLst/>
+    <dgm:txFillClrLst meth="repeat">
+      <a:schemeClr val="dk1"/>
+    </dgm:txFillClrLst>
+    <dgm:txEffectClrLst/>
+  </dgm:styleLbl>
+  <dgm:styleLbl name="fgAcc3">
+    <dgm:fillClrLst meth="repeat">
+      <a:schemeClr val="lt1">
+        <a:alpha val="90000"/>
+      </a:schemeClr>
+    </dgm:fillClrLst>
+    <dgm:linClrLst meth="repeat">
+      <a:schemeClr val="accent2">
+        <a:tint val="80000"/>
+      </a:schemeClr>
+    </dgm:linClrLst>
+    <dgm:effectClrLst/>
+    <dgm:txLinClrLst/>
+    <dgm:txFillClrLst meth="repeat">
+      <a:schemeClr val="dk1"/>
+    </dgm:txFillClrLst>
+    <dgm:txEffectClrLst/>
+  </dgm:styleLbl>
+  <dgm:styleLbl name="fgAcc4">
+    <dgm:fillClrLst meth="repeat">
+      <a:schemeClr val="lt1">
+        <a:alpha val="90000"/>
+      </a:schemeClr>
+    </dgm:fillClrLst>
+    <dgm:linClrLst meth="repeat">
+      <a:schemeClr val="accent2">
+        <a:tint val="70000"/>
+      </a:schemeClr>
+    </dgm:linClrLst>
+    <dgm:effectClrLst/>
+    <dgm:txLinClrLst/>
+    <dgm:txFillClrLst meth="repeat">
+      <a:schemeClr val="dk1"/>
+    </dgm:txFillClrLst>
+    <dgm:txEffectClrLst/>
+  </dgm:styleLbl>
+  <dgm:styleLbl name="bgShp">
+    <dgm:fillClrLst meth="repeat">
+      <a:schemeClr val="accent2">
+        <a:tint val="40000"/>
+      </a:schemeClr>
+    </dgm:fillClrLst>
+    <dgm:linClrLst meth="repeat">
+      <a:schemeClr val="dk1"/>
+    </dgm:linClrLst>
+    <dgm:effectClrLst/>
+    <dgm:txLinClrLst/>
+    <dgm:txFillClrLst meth="repeat">
+      <a:schemeClr val="dk1"/>
+    </dgm:txFillClrLst>
+    <dgm:txEffectClrLst/>
+  </dgm:styleLbl>
+  <dgm:styleLbl name="dkBgShp">
+    <dgm:fillClrLst meth="repeat">
+      <a:schemeClr val="accent2">
+        <a:shade val="90000"/>
+      </a:schemeClr>
+    </dgm:fillClrLst>
+    <dgm:linClrLst meth="repeat">
+      <a:schemeClr val="dk1"/>
+    </dgm:linClrLst>
+    <dgm:effectClrLst/>
+    <dgm:txLinClrLst/>
+    <dgm:txFillClrLst meth="repeat">
+      <a:schemeClr val="lt1"/>
+    </dgm:txFillClrLst>
+    <dgm:txEffectClrLst/>
+  </dgm:styleLbl>
+  <dgm:styleLbl name="trBgShp">
+    <dgm:fillClrLst meth="repeat">
+      <a:schemeClr val="accent2">
+        <a:tint val="50000"/>
+        <a:alpha val="40000"/>
+      </a:schemeClr>
+    </dgm:fillClrLst>
+    <dgm:linClrLst meth="repeat">
+      <a:schemeClr val="accent2"/>
+    </dgm:linClrLst>
+    <dgm:effectClrLst/>
+    <dgm:txLinClrLst/>
+    <dgm:txFillClrLst meth="repeat">
+      <a:schemeClr val="lt1"/>
+    </dgm:txFillClrLst>
+    <dgm:txEffectClrLst/>
+  </dgm:styleLbl>
+  <dgm:styleLbl name="fgShp">
+    <dgm:fillClrLst meth="repeat">
+      <a:schemeClr val="accent2">
+        <a:tint val="40000"/>
+      </a:schemeClr>
+    </dgm:fillClrLst>
+    <dgm:linClrLst meth="repeat">
+      <a:schemeClr val="lt1"/>
+    </dgm:linClrLst>
+    <dgm:effectClrLst/>
+    <dgm:txLinClrLst/>
+    <dgm:txFillClrLst meth="repeat">
+      <a:schemeClr val="dk1"/>
+    </dgm:txFillClrLst>
+    <dgm:txEffectClrLst/>
+  </dgm:styleLbl>
+  <dgm:styleLbl name="revTx">
+    <dgm:fillClrLst meth="repeat">
+      <a:schemeClr val="lt1">
+        <a:alpha val="0"/>
+      </a:schemeClr>
+    </dgm:fillClrLst>
+    <dgm:linClrLst meth="repeat">
+      <a:schemeClr val="dk1">
+        <a:alpha val="0"/>
+      </a:schemeClr>
+    </dgm:linClrLst>
+    <dgm:effectClrLst/>
+    <dgm:txLinClrLst/>
+    <dgm:txFillClrLst meth="repeat">
+      <a:schemeClr val="tx1"/>
+    </dgm:txFillClrLst>
+    <dgm:txEffectClrLst/>
+  </dgm:styleLbl>
+</dgm:colorsDef>
+</file>
+
+<file path=ppt/diagrams/data1.xml><?xml version="1.0" encoding="utf-8"?>
+<dgm:dataModel xmlns:dgm="http://schemas.openxmlformats.org/drawingml/2006/diagram" xmlns:a="http://schemas.openxmlformats.org/drawingml/2006/main">
+  <dgm:ptLst>
+    <dgm:pt modelId="{3627312D-AD3A-4202-9DC7-FCC8C6CC3235}" type="doc">
+      <dgm:prSet loTypeId="urn:microsoft.com/office/officeart/2005/8/layout/process2" loCatId="process" qsTypeId="urn:microsoft.com/office/officeart/2005/8/quickstyle/simple1" qsCatId="simple" csTypeId="urn:microsoft.com/office/officeart/2005/8/colors/accent2_4" csCatId="accent2" phldr="1"/>
+      <dgm:spPr/>
+    </dgm:pt>
+    <dgm:pt modelId="{6E4F3A0B-C0FC-4DF8-97A2-27FA7E53BEC1}">
+      <dgm:prSet phldrT="[Texte]"/>
+      <dgm:spPr>
+        <a:xfrm>
+          <a:off x="5875449" y="5340"/>
+          <a:ext cx="3576042" cy="1986690"/>
+        </a:xfrm>
+        <a:prstGeom prst="roundRect">
+          <a:avLst>
+            <a:gd name="adj" fmla="val 10000"/>
+          </a:avLst>
+        </a:prstGeom>
+        <a:solidFill>
+          <a:srgbClr val="333399">
+            <a:shade val="50000"/>
+            <a:hueOff val="0"/>
+            <a:satOff val="0"/>
+            <a:lumOff val="0"/>
+            <a:alphaOff val="0"/>
+          </a:srgbClr>
+        </a:solidFill>
+        <a:ln w="25400" cap="flat" cmpd="sng" algn="ctr">
+          <a:solidFill>
+            <a:srgbClr val="FFFFFF">
+              <a:hueOff val="0"/>
+              <a:satOff val="0"/>
+              <a:lumOff val="0"/>
+              <a:alphaOff val="0"/>
+            </a:srgbClr>
+          </a:solidFill>
+          <a:prstDash val="solid"/>
+        </a:ln>
+        <a:effectLst/>
+      </dgm:spPr>
+      <dgm:t>
+        <a:bodyPr/>
+        <a:lstStyle/>
+        <a:p>
+          <a:pPr>
+            <a:buNone/>
+          </a:pPr>
+          <a:r>
+            <a:rPr lang="fr-BE" dirty="0">
+              <a:solidFill>
+                <a:srgbClr val="FFFFFF"/>
+              </a:solidFill>
+              <a:latin typeface="Arial"/>
+              <a:ea typeface="ＭＳ Ｐゴシック"/>
+              <a:cs typeface="+mn-cs"/>
+            </a:rPr>
+            <a:t>Préparation des données</a:t>
+          </a:r>
+        </a:p>
+      </dgm:t>
+    </dgm:pt>
+    <dgm:pt modelId="{E85523AA-B1F5-4862-88A7-E2B445818C34}" type="parTrans" cxnId="{A41029DA-8106-4301-85EC-E0EE81F67002}">
+      <dgm:prSet/>
+      <dgm:spPr/>
+      <dgm:t>
+        <a:bodyPr/>
+        <a:lstStyle/>
+        <a:p>
+          <a:endParaRPr lang="fr-BE"/>
+        </a:p>
+      </dgm:t>
+    </dgm:pt>
+    <dgm:pt modelId="{0C6731B2-2807-4C9A-B4CA-91A67E050C52}" type="sibTrans" cxnId="{A41029DA-8106-4301-85EC-E0EE81F67002}">
+      <dgm:prSet/>
+      <dgm:spPr>
+        <a:xfrm rot="5400000">
+          <a:off x="7290966" y="2041697"/>
+          <a:ext cx="745008" cy="894010"/>
+        </a:xfrm>
+        <a:prstGeom prst="rightArrow">
+          <a:avLst>
+            <a:gd name="adj1" fmla="val 60000"/>
+            <a:gd name="adj2" fmla="val 50000"/>
+          </a:avLst>
+        </a:prstGeom>
+        <a:solidFill>
+          <a:srgbClr val="333399">
+            <a:shade val="90000"/>
+            <a:hueOff val="0"/>
+            <a:satOff val="0"/>
+            <a:lumOff val="0"/>
+            <a:alphaOff val="0"/>
+          </a:srgbClr>
+        </a:solidFill>
+        <a:ln>
+          <a:noFill/>
+        </a:ln>
+        <a:effectLst/>
+      </dgm:spPr>
+      <dgm:t>
+        <a:bodyPr/>
+        <a:lstStyle/>
+        <a:p>
+          <a:pPr>
+            <a:buNone/>
+          </a:pPr>
+          <a:endParaRPr lang="fr-BE">
+            <a:solidFill>
+              <a:srgbClr val="FFFFFF"/>
+            </a:solidFill>
+            <a:latin typeface="Arial"/>
+            <a:ea typeface="ＭＳ Ｐゴシック"/>
+            <a:cs typeface="+mn-cs"/>
+          </a:endParaRPr>
+        </a:p>
+      </dgm:t>
+    </dgm:pt>
+    <dgm:pt modelId="{BC129CAB-95F1-4BED-BB08-C294D41D478F}">
+      <dgm:prSet phldrT="[Texte]"/>
+      <dgm:spPr>
+        <a:xfrm>
+          <a:off x="5875449" y="2985375"/>
+          <a:ext cx="3576042" cy="1986690"/>
+        </a:xfrm>
+        <a:prstGeom prst="roundRect">
+          <a:avLst>
+            <a:gd name="adj" fmla="val 10000"/>
+          </a:avLst>
+        </a:prstGeom>
+        <a:solidFill>
+          <a:srgbClr val="333399">
+            <a:shade val="50000"/>
+            <a:hueOff val="0"/>
+            <a:satOff val="-16266"/>
+            <a:lumOff val="26389"/>
+            <a:alphaOff val="0"/>
+          </a:srgbClr>
+        </a:solidFill>
+        <a:ln w="25400" cap="flat" cmpd="sng" algn="ctr">
+          <a:solidFill>
+            <a:srgbClr val="FFFFFF">
+              <a:hueOff val="0"/>
+              <a:satOff val="0"/>
+              <a:lumOff val="0"/>
+              <a:alphaOff val="0"/>
+            </a:srgbClr>
+          </a:solidFill>
+          <a:prstDash val="solid"/>
+        </a:ln>
+        <a:effectLst/>
+      </dgm:spPr>
+      <dgm:t>
+        <a:bodyPr/>
+        <a:lstStyle/>
+        <a:p>
+          <a:pPr>
+            <a:buNone/>
+          </a:pPr>
+          <a:r>
+            <a:rPr lang="fr-BE" dirty="0">
+              <a:solidFill>
+                <a:srgbClr val="FFFFFF"/>
+              </a:solidFill>
+              <a:latin typeface="Arial"/>
+              <a:ea typeface="ＭＳ Ｐゴシック"/>
+              <a:cs typeface="+mn-cs"/>
+            </a:rPr>
+            <a:t>Sélection du modèle de Machine Learning </a:t>
+          </a:r>
+        </a:p>
+      </dgm:t>
+    </dgm:pt>
+    <dgm:pt modelId="{1D165C42-A762-4A38-B797-720F007CD770}" type="parTrans" cxnId="{E1E08854-9593-48A7-9E99-3B1E908828D7}">
+      <dgm:prSet/>
+      <dgm:spPr/>
+      <dgm:t>
+        <a:bodyPr/>
+        <a:lstStyle/>
+        <a:p>
+          <a:endParaRPr lang="fr-BE"/>
+        </a:p>
+      </dgm:t>
+    </dgm:pt>
+    <dgm:pt modelId="{A8F3E80F-CB9E-4192-8496-AA74E8B0D6F6}" type="sibTrans" cxnId="{E1E08854-9593-48A7-9E99-3B1E908828D7}">
+      <dgm:prSet/>
+      <dgm:spPr>
+        <a:xfrm rot="5400000">
+          <a:off x="7290966" y="5021733"/>
+          <a:ext cx="745008" cy="894010"/>
+        </a:xfrm>
+        <a:prstGeom prst="rightArrow">
+          <a:avLst>
+            <a:gd name="adj1" fmla="val 60000"/>
+            <a:gd name="adj2" fmla="val 50000"/>
+          </a:avLst>
+        </a:prstGeom>
+        <a:solidFill>
+          <a:srgbClr val="333399">
+            <a:shade val="90000"/>
+            <a:hueOff val="0"/>
+            <a:satOff val="-19999"/>
+            <a:lumOff val="27237"/>
+            <a:alphaOff val="0"/>
+          </a:srgbClr>
+        </a:solidFill>
+        <a:ln>
+          <a:noFill/>
+        </a:ln>
+        <a:effectLst/>
+      </dgm:spPr>
+      <dgm:t>
+        <a:bodyPr/>
+        <a:lstStyle/>
+        <a:p>
+          <a:pPr>
+            <a:buNone/>
+          </a:pPr>
+          <a:endParaRPr lang="fr-BE">
+            <a:solidFill>
+              <a:srgbClr val="FFFFFF"/>
+            </a:solidFill>
+            <a:latin typeface="Arial"/>
+            <a:ea typeface="ＭＳ Ｐゴシック"/>
+            <a:cs typeface="+mn-cs"/>
+          </a:endParaRPr>
+        </a:p>
+      </dgm:t>
+    </dgm:pt>
+    <dgm:pt modelId="{E399151A-AB81-43F1-9928-DFFFF8337D0F}">
+      <dgm:prSet phldrT="[Texte]"/>
+      <dgm:spPr>
+        <a:xfrm>
+          <a:off x="5875449" y="5965411"/>
+          <a:ext cx="3576042" cy="1986690"/>
+        </a:xfrm>
+        <a:prstGeom prst="roundRect">
+          <a:avLst>
+            <a:gd name="adj" fmla="val 10000"/>
+          </a:avLst>
+        </a:prstGeom>
+        <a:solidFill>
+          <a:srgbClr val="333399">
+            <a:shade val="50000"/>
+            <a:hueOff val="0"/>
+            <a:satOff val="-32532"/>
+            <a:lumOff val="52778"/>
+            <a:alphaOff val="0"/>
+          </a:srgbClr>
+        </a:solidFill>
+        <a:ln w="25400" cap="flat" cmpd="sng" algn="ctr">
+          <a:solidFill>
+            <a:srgbClr val="FFFFFF">
+              <a:hueOff val="0"/>
+              <a:satOff val="0"/>
+              <a:lumOff val="0"/>
+              <a:alphaOff val="0"/>
+            </a:srgbClr>
+          </a:solidFill>
+          <a:prstDash val="solid"/>
+        </a:ln>
+        <a:effectLst/>
+      </dgm:spPr>
+      <dgm:t>
+        <a:bodyPr/>
+        <a:lstStyle/>
+        <a:p>
+          <a:pPr>
+            <a:buNone/>
+          </a:pPr>
+          <a:r>
+            <a:rPr lang="fr-BE" dirty="0">
+              <a:solidFill>
+                <a:srgbClr val="FFFFFF"/>
+              </a:solidFill>
+              <a:latin typeface="Arial"/>
+              <a:ea typeface="ＭＳ Ｐゴシック"/>
+              <a:cs typeface="+mn-cs"/>
+            </a:rPr>
+            <a:t>Entraînement du modèle</a:t>
+          </a:r>
+        </a:p>
+      </dgm:t>
+    </dgm:pt>
+    <dgm:pt modelId="{FE4F7F40-882F-4702-BAEC-003B7DDD88C9}" type="parTrans" cxnId="{DAF6777F-7BD2-40E8-BE25-BFE799B0C637}">
+      <dgm:prSet/>
+      <dgm:spPr/>
+      <dgm:t>
+        <a:bodyPr/>
+        <a:lstStyle/>
+        <a:p>
+          <a:endParaRPr lang="fr-BE"/>
+        </a:p>
+      </dgm:t>
+    </dgm:pt>
+    <dgm:pt modelId="{1B0645FF-4549-4999-974D-FB90974C8F3C}" type="sibTrans" cxnId="{DAF6777F-7BD2-40E8-BE25-BFE799B0C637}">
+      <dgm:prSet/>
+      <dgm:spPr>
+        <a:xfrm rot="5400000">
+          <a:off x="7290966" y="8001768"/>
+          <a:ext cx="745008" cy="894010"/>
+        </a:xfrm>
+        <a:prstGeom prst="rightArrow">
+          <a:avLst>
+            <a:gd name="adj1" fmla="val 60000"/>
+            <a:gd name="adj2" fmla="val 50000"/>
+          </a:avLst>
+        </a:prstGeom>
+        <a:solidFill>
+          <a:srgbClr val="333399">
+            <a:shade val="90000"/>
+            <a:hueOff val="0"/>
+            <a:satOff val="-19999"/>
+            <a:lumOff val="27237"/>
+            <a:alphaOff val="0"/>
+          </a:srgbClr>
+        </a:solidFill>
+        <a:ln>
+          <a:noFill/>
+        </a:ln>
+        <a:effectLst/>
+      </dgm:spPr>
+      <dgm:t>
+        <a:bodyPr/>
+        <a:lstStyle/>
+        <a:p>
+          <a:pPr>
+            <a:buNone/>
+          </a:pPr>
+          <a:endParaRPr lang="fr-BE">
+            <a:solidFill>
+              <a:srgbClr val="FFFFFF"/>
+            </a:solidFill>
+            <a:latin typeface="Arial"/>
+            <a:ea typeface="ＭＳ Ｐゴシック"/>
+            <a:cs typeface="+mn-cs"/>
+          </a:endParaRPr>
+        </a:p>
+      </dgm:t>
+    </dgm:pt>
+    <dgm:pt modelId="{86804250-3EC7-43C1-94D9-856541B3235E}">
+      <dgm:prSet phldrT="[Texte]"/>
+      <dgm:spPr>
+        <a:xfrm>
+          <a:off x="5875449" y="8945446"/>
+          <a:ext cx="3576042" cy="1986690"/>
+        </a:xfrm>
+        <a:prstGeom prst="roundRect">
+          <a:avLst>
+            <a:gd name="adj" fmla="val 10000"/>
+          </a:avLst>
+        </a:prstGeom>
+        <a:solidFill>
+          <a:srgbClr val="333399">
+            <a:shade val="50000"/>
+            <a:hueOff val="0"/>
+            <a:satOff val="-16266"/>
+            <a:lumOff val="26389"/>
+            <a:alphaOff val="0"/>
+          </a:srgbClr>
+        </a:solidFill>
+        <a:ln w="25400" cap="flat" cmpd="sng" algn="ctr">
+          <a:solidFill>
+            <a:srgbClr val="FFFFFF">
+              <a:hueOff val="0"/>
+              <a:satOff val="0"/>
+              <a:lumOff val="0"/>
+              <a:alphaOff val="0"/>
+            </a:srgbClr>
+          </a:solidFill>
+          <a:prstDash val="solid"/>
+        </a:ln>
+        <a:effectLst/>
+      </dgm:spPr>
+      <dgm:t>
+        <a:bodyPr/>
+        <a:lstStyle/>
+        <a:p>
+          <a:pPr>
+            <a:buNone/>
+          </a:pPr>
+          <a:r>
+            <a:rPr lang="fr-BE" dirty="0">
+              <a:solidFill>
+                <a:srgbClr val="FFFFFF"/>
+              </a:solidFill>
+              <a:latin typeface="Arial"/>
+              <a:ea typeface="ＭＳ Ｐゴシック"/>
+              <a:cs typeface="+mn-cs"/>
+            </a:rPr>
+            <a:t>Test du modèle</a:t>
+          </a:r>
+        </a:p>
+      </dgm:t>
+    </dgm:pt>
+    <dgm:pt modelId="{D23AD7E3-8B43-4650-BCAC-5E55FF75FEDE}" type="parTrans" cxnId="{47DBD707-46B0-404E-9A41-8EA6A8EC76CB}">
+      <dgm:prSet/>
+      <dgm:spPr/>
+      <dgm:t>
+        <a:bodyPr/>
+        <a:lstStyle/>
+        <a:p>
+          <a:endParaRPr lang="fr-BE"/>
+        </a:p>
+      </dgm:t>
+    </dgm:pt>
+    <dgm:pt modelId="{83F0E861-1F6A-47BB-BEEF-EB6BC171FC6F}" type="sibTrans" cxnId="{47DBD707-46B0-404E-9A41-8EA6A8EC76CB}">
+      <dgm:prSet/>
+      <dgm:spPr/>
+      <dgm:t>
+        <a:bodyPr/>
+        <a:lstStyle/>
+        <a:p>
+          <a:endParaRPr lang="fr-BE"/>
+        </a:p>
+      </dgm:t>
+    </dgm:pt>
+    <dgm:pt modelId="{551D5DBC-278C-4989-9171-74AD561FB0F3}" type="pres">
+      <dgm:prSet presAssocID="{3627312D-AD3A-4202-9DC7-FCC8C6CC3235}" presName="linearFlow" presStyleCnt="0">
+        <dgm:presLayoutVars>
+          <dgm:resizeHandles val="exact"/>
+        </dgm:presLayoutVars>
+      </dgm:prSet>
+      <dgm:spPr/>
+    </dgm:pt>
+    <dgm:pt modelId="{FEBD2BFB-FE10-48CE-A63C-1C177440BFC0}" type="pres">
+      <dgm:prSet presAssocID="{6E4F3A0B-C0FC-4DF8-97A2-27FA7E53BEC1}" presName="node" presStyleLbl="node1" presStyleIdx="0" presStyleCnt="4">
+        <dgm:presLayoutVars>
+          <dgm:bulletEnabled val="1"/>
+        </dgm:presLayoutVars>
+      </dgm:prSet>
+      <dgm:spPr/>
+    </dgm:pt>
+    <dgm:pt modelId="{AAC6A5C6-2EBF-4879-AB06-6ACDA9B440A0}" type="pres">
+      <dgm:prSet presAssocID="{0C6731B2-2807-4C9A-B4CA-91A67E050C52}" presName="sibTrans" presStyleLbl="sibTrans2D1" presStyleIdx="0" presStyleCnt="3"/>
+      <dgm:spPr/>
+    </dgm:pt>
+    <dgm:pt modelId="{DD125903-8FDE-41F0-836C-825CEEAEEBC4}" type="pres">
+      <dgm:prSet presAssocID="{0C6731B2-2807-4C9A-B4CA-91A67E050C52}" presName="connectorText" presStyleLbl="sibTrans2D1" presStyleIdx="0" presStyleCnt="3"/>
+      <dgm:spPr/>
+    </dgm:pt>
+    <dgm:pt modelId="{2A7C9563-5D9C-4672-8DDA-2BD8144BC428}" type="pres">
+      <dgm:prSet presAssocID="{BC129CAB-95F1-4BED-BB08-C294D41D478F}" presName="node" presStyleLbl="node1" presStyleIdx="1" presStyleCnt="4">
+        <dgm:presLayoutVars>
+          <dgm:bulletEnabled val="1"/>
+        </dgm:presLayoutVars>
+      </dgm:prSet>
+      <dgm:spPr/>
+    </dgm:pt>
+    <dgm:pt modelId="{319D40C4-650B-4330-88C5-66ADE1996AB9}" type="pres">
+      <dgm:prSet presAssocID="{A8F3E80F-CB9E-4192-8496-AA74E8B0D6F6}" presName="sibTrans" presStyleLbl="sibTrans2D1" presStyleIdx="1" presStyleCnt="3"/>
+      <dgm:spPr/>
+    </dgm:pt>
+    <dgm:pt modelId="{ABF37EC6-0CF8-4834-BC68-5AB00FE740FC}" type="pres">
+      <dgm:prSet presAssocID="{A8F3E80F-CB9E-4192-8496-AA74E8B0D6F6}" presName="connectorText" presStyleLbl="sibTrans2D1" presStyleIdx="1" presStyleCnt="3"/>
+      <dgm:spPr/>
+    </dgm:pt>
+    <dgm:pt modelId="{80F5EDC1-D654-4BD2-8FF3-50F42695B8BC}" type="pres">
+      <dgm:prSet presAssocID="{E399151A-AB81-43F1-9928-DFFFF8337D0F}" presName="node" presStyleLbl="node1" presStyleIdx="2" presStyleCnt="4">
+        <dgm:presLayoutVars>
+          <dgm:bulletEnabled val="1"/>
+        </dgm:presLayoutVars>
+      </dgm:prSet>
+      <dgm:spPr/>
+    </dgm:pt>
+    <dgm:pt modelId="{A8442167-04BD-4F02-A580-14DF90931651}" type="pres">
+      <dgm:prSet presAssocID="{1B0645FF-4549-4999-974D-FB90974C8F3C}" presName="sibTrans" presStyleLbl="sibTrans2D1" presStyleIdx="2" presStyleCnt="3"/>
+      <dgm:spPr/>
+    </dgm:pt>
+    <dgm:pt modelId="{051F06D6-CCE3-47D9-A741-5A535C7BD273}" type="pres">
+      <dgm:prSet presAssocID="{1B0645FF-4549-4999-974D-FB90974C8F3C}" presName="connectorText" presStyleLbl="sibTrans2D1" presStyleIdx="2" presStyleCnt="3"/>
+      <dgm:spPr/>
+    </dgm:pt>
+    <dgm:pt modelId="{C9A18AD4-2C2A-46D2-BFA6-1DF71ACA83B7}" type="pres">
+      <dgm:prSet presAssocID="{86804250-3EC7-43C1-94D9-856541B3235E}" presName="node" presStyleLbl="node1" presStyleIdx="3" presStyleCnt="4">
+        <dgm:presLayoutVars>
+          <dgm:bulletEnabled val="1"/>
+        </dgm:presLayoutVars>
+      </dgm:prSet>
+      <dgm:spPr/>
+    </dgm:pt>
+  </dgm:ptLst>
+  <dgm:cxnLst>
+    <dgm:cxn modelId="{A015B400-504B-4C54-80E7-196BDA687757}" type="presOf" srcId="{3627312D-AD3A-4202-9DC7-FCC8C6CC3235}" destId="{551D5DBC-278C-4989-9171-74AD561FB0F3}" srcOrd="0" destOrd="0" presId="urn:microsoft.com/office/officeart/2005/8/layout/process2"/>
+    <dgm:cxn modelId="{4C17D302-5385-4383-95A0-7B02944DEE00}" type="presOf" srcId="{1B0645FF-4549-4999-974D-FB90974C8F3C}" destId="{051F06D6-CCE3-47D9-A741-5A535C7BD273}" srcOrd="1" destOrd="0" presId="urn:microsoft.com/office/officeart/2005/8/layout/process2"/>
+    <dgm:cxn modelId="{47DBD707-46B0-404E-9A41-8EA6A8EC76CB}" srcId="{3627312D-AD3A-4202-9DC7-FCC8C6CC3235}" destId="{86804250-3EC7-43C1-94D9-856541B3235E}" srcOrd="3" destOrd="0" parTransId="{D23AD7E3-8B43-4650-BCAC-5E55FF75FEDE}" sibTransId="{83F0E861-1F6A-47BB-BEEF-EB6BC171FC6F}"/>
+    <dgm:cxn modelId="{97CCD21B-01EF-4893-B5C6-E7A2484F0C98}" type="presOf" srcId="{BC129CAB-95F1-4BED-BB08-C294D41D478F}" destId="{2A7C9563-5D9C-4672-8DDA-2BD8144BC428}" srcOrd="0" destOrd="0" presId="urn:microsoft.com/office/officeart/2005/8/layout/process2"/>
+    <dgm:cxn modelId="{2B0F6D2C-C433-4E9E-A8F7-F6A105A1707C}" type="presOf" srcId="{1B0645FF-4549-4999-974D-FB90974C8F3C}" destId="{A8442167-04BD-4F02-A580-14DF90931651}" srcOrd="0" destOrd="0" presId="urn:microsoft.com/office/officeart/2005/8/layout/process2"/>
+    <dgm:cxn modelId="{D2E4356B-9D98-44ED-A6E6-90A572B71B03}" type="presOf" srcId="{6E4F3A0B-C0FC-4DF8-97A2-27FA7E53BEC1}" destId="{FEBD2BFB-FE10-48CE-A63C-1C177440BFC0}" srcOrd="0" destOrd="0" presId="urn:microsoft.com/office/officeart/2005/8/layout/process2"/>
+    <dgm:cxn modelId="{E1E08854-9593-48A7-9E99-3B1E908828D7}" srcId="{3627312D-AD3A-4202-9DC7-FCC8C6CC3235}" destId="{BC129CAB-95F1-4BED-BB08-C294D41D478F}" srcOrd="1" destOrd="0" parTransId="{1D165C42-A762-4A38-B797-720F007CD770}" sibTransId="{A8F3E80F-CB9E-4192-8496-AA74E8B0D6F6}"/>
+    <dgm:cxn modelId="{DAF6777F-7BD2-40E8-BE25-BFE799B0C637}" srcId="{3627312D-AD3A-4202-9DC7-FCC8C6CC3235}" destId="{E399151A-AB81-43F1-9928-DFFFF8337D0F}" srcOrd="2" destOrd="0" parTransId="{FE4F7F40-882F-4702-BAEC-003B7DDD88C9}" sibTransId="{1B0645FF-4549-4999-974D-FB90974C8F3C}"/>
+    <dgm:cxn modelId="{5B83438A-287E-4E58-9FDC-401A1F0A4023}" type="presOf" srcId="{E399151A-AB81-43F1-9928-DFFFF8337D0F}" destId="{80F5EDC1-D654-4BD2-8FF3-50F42695B8BC}" srcOrd="0" destOrd="0" presId="urn:microsoft.com/office/officeart/2005/8/layout/process2"/>
+    <dgm:cxn modelId="{B50B9297-BCDD-4139-8F65-5C25EC69710A}" type="presOf" srcId="{0C6731B2-2807-4C9A-B4CA-91A67E050C52}" destId="{DD125903-8FDE-41F0-836C-825CEEAEEBC4}" srcOrd="1" destOrd="0" presId="urn:microsoft.com/office/officeart/2005/8/layout/process2"/>
+    <dgm:cxn modelId="{9FAAD1B6-E91C-4CA5-9A4C-42662FABDBCD}" type="presOf" srcId="{A8F3E80F-CB9E-4192-8496-AA74E8B0D6F6}" destId="{ABF37EC6-0CF8-4834-BC68-5AB00FE740FC}" srcOrd="1" destOrd="0" presId="urn:microsoft.com/office/officeart/2005/8/layout/process2"/>
+    <dgm:cxn modelId="{878E09D9-1A40-4FD4-BEB3-4450E1463265}" type="presOf" srcId="{86804250-3EC7-43C1-94D9-856541B3235E}" destId="{C9A18AD4-2C2A-46D2-BFA6-1DF71ACA83B7}" srcOrd="0" destOrd="0" presId="urn:microsoft.com/office/officeart/2005/8/layout/process2"/>
+    <dgm:cxn modelId="{A41029DA-8106-4301-85EC-E0EE81F67002}" srcId="{3627312D-AD3A-4202-9DC7-FCC8C6CC3235}" destId="{6E4F3A0B-C0FC-4DF8-97A2-27FA7E53BEC1}" srcOrd="0" destOrd="0" parTransId="{E85523AA-B1F5-4862-88A7-E2B445818C34}" sibTransId="{0C6731B2-2807-4C9A-B4CA-91A67E050C52}"/>
+    <dgm:cxn modelId="{EE7087EC-943D-4F46-814E-EF52D95605F5}" type="presOf" srcId="{0C6731B2-2807-4C9A-B4CA-91A67E050C52}" destId="{AAC6A5C6-2EBF-4879-AB06-6ACDA9B440A0}" srcOrd="0" destOrd="0" presId="urn:microsoft.com/office/officeart/2005/8/layout/process2"/>
+    <dgm:cxn modelId="{8A1E39FC-7C07-4B65-A3C3-F84EF1ADFA0F}" type="presOf" srcId="{A8F3E80F-CB9E-4192-8496-AA74E8B0D6F6}" destId="{319D40C4-650B-4330-88C5-66ADE1996AB9}" srcOrd="0" destOrd="0" presId="urn:microsoft.com/office/officeart/2005/8/layout/process2"/>
+    <dgm:cxn modelId="{93FCF39A-CA05-4185-88C8-D03B0D4B5F54}" type="presParOf" srcId="{551D5DBC-278C-4989-9171-74AD561FB0F3}" destId="{FEBD2BFB-FE10-48CE-A63C-1C177440BFC0}" srcOrd="0" destOrd="0" presId="urn:microsoft.com/office/officeart/2005/8/layout/process2"/>
+    <dgm:cxn modelId="{F5254FD4-7F75-4D4B-A63B-F2E635341961}" type="presParOf" srcId="{551D5DBC-278C-4989-9171-74AD561FB0F3}" destId="{AAC6A5C6-2EBF-4879-AB06-6ACDA9B440A0}" srcOrd="1" destOrd="0" presId="urn:microsoft.com/office/officeart/2005/8/layout/process2"/>
+    <dgm:cxn modelId="{41AC62BE-DDC4-4A59-A70E-42E37FC706E0}" type="presParOf" srcId="{AAC6A5C6-2EBF-4879-AB06-6ACDA9B440A0}" destId="{DD125903-8FDE-41F0-836C-825CEEAEEBC4}" srcOrd="0" destOrd="0" presId="urn:microsoft.com/office/officeart/2005/8/layout/process2"/>
+    <dgm:cxn modelId="{0F690849-82A9-4A34-A2A4-BCCFAA8F07A6}" type="presParOf" srcId="{551D5DBC-278C-4989-9171-74AD561FB0F3}" destId="{2A7C9563-5D9C-4672-8DDA-2BD8144BC428}" srcOrd="2" destOrd="0" presId="urn:microsoft.com/office/officeart/2005/8/layout/process2"/>
+    <dgm:cxn modelId="{1DDF85C6-DEF4-413D-AAF3-3EC3554667FB}" type="presParOf" srcId="{551D5DBC-278C-4989-9171-74AD561FB0F3}" destId="{319D40C4-650B-4330-88C5-66ADE1996AB9}" srcOrd="3" destOrd="0" presId="urn:microsoft.com/office/officeart/2005/8/layout/process2"/>
+    <dgm:cxn modelId="{F173F7F5-CF06-4DDA-B2EF-47243B3E4048}" type="presParOf" srcId="{319D40C4-650B-4330-88C5-66ADE1996AB9}" destId="{ABF37EC6-0CF8-4834-BC68-5AB00FE740FC}" srcOrd="0" destOrd="0" presId="urn:microsoft.com/office/officeart/2005/8/layout/process2"/>
+    <dgm:cxn modelId="{507AEDDE-AB30-402E-851C-439174005AE1}" type="presParOf" srcId="{551D5DBC-278C-4989-9171-74AD561FB0F3}" destId="{80F5EDC1-D654-4BD2-8FF3-50F42695B8BC}" srcOrd="4" destOrd="0" presId="urn:microsoft.com/office/officeart/2005/8/layout/process2"/>
+    <dgm:cxn modelId="{15D44D22-2C94-470D-9646-CA2CD6BBE471}" type="presParOf" srcId="{551D5DBC-278C-4989-9171-74AD561FB0F3}" destId="{A8442167-04BD-4F02-A580-14DF90931651}" srcOrd="5" destOrd="0" presId="urn:microsoft.com/office/officeart/2005/8/layout/process2"/>
+    <dgm:cxn modelId="{032B43ED-CF58-4586-849F-9AC6A302CEE6}" type="presParOf" srcId="{A8442167-04BD-4F02-A580-14DF90931651}" destId="{051F06D6-CCE3-47D9-A741-5A535C7BD273}" srcOrd="0" destOrd="0" presId="urn:microsoft.com/office/officeart/2005/8/layout/process2"/>
+    <dgm:cxn modelId="{45E52735-9AEF-462D-9356-F73468ABE646}" type="presParOf" srcId="{551D5DBC-278C-4989-9171-74AD561FB0F3}" destId="{C9A18AD4-2C2A-46D2-BFA6-1DF71ACA83B7}" srcOrd="6" destOrd="0" presId="urn:microsoft.com/office/officeart/2005/8/layout/process2"/>
+  </dgm:cxnLst>
+  <dgm:bg/>
+  <dgm:whole/>
+  <dgm:extLst>
+    <a:ext uri="http://schemas.microsoft.com/office/drawing/2008/diagram">
+      <dsp:dataModelExt xmlns:dsp="http://schemas.microsoft.com/office/drawing/2008/diagram" relId="rId14" minVer="http://schemas.openxmlformats.org/drawingml/2006/diagram"/>
+    </a:ext>
+  </dgm:extLst>
+</dgm:dataModel>
+</file>
+
+<file path=ppt/diagrams/data2.xml><?xml version="1.0" encoding="utf-8"?>
+<dgm:dataModel xmlns:dgm="http://schemas.openxmlformats.org/drawingml/2006/diagram" xmlns:a="http://schemas.openxmlformats.org/drawingml/2006/main">
+  <dgm:ptLst>
+    <dgm:pt modelId="{B4AC31F5-73A8-48F5-94A0-779E2B838007}" type="doc">
+      <dgm:prSet loTypeId="urn:microsoft.com/office/officeart/2005/8/layout/equation1" loCatId="process" qsTypeId="urn:microsoft.com/office/officeart/2005/8/quickstyle/simple1" qsCatId="simple" csTypeId="urn:microsoft.com/office/officeart/2005/8/colors/accent2_3" csCatId="accent2" phldr="1"/>
+      <dgm:spPr/>
+    </dgm:pt>
+    <dgm:pt modelId="{3BABFCD6-7EBF-4579-9304-C8D5FDC21C30}">
+      <dgm:prSet phldrT="[Texte]"/>
+      <dgm:spPr>
+        <a:xfrm>
+          <a:off x="2193596" y="0"/>
+          <a:ext cx="2546268" cy="2546268"/>
+        </a:xfrm>
+        <a:prstGeom prst="ellipse">
+          <a:avLst/>
+        </a:prstGeom>
+        <a:solidFill>
+          <a:srgbClr val="333399">
+            <a:shade val="80000"/>
+            <a:hueOff val="0"/>
+            <a:satOff val="0"/>
+            <a:lumOff val="0"/>
+            <a:alphaOff val="0"/>
+          </a:srgbClr>
+        </a:solidFill>
+        <a:ln w="25400" cap="flat" cmpd="sng" algn="ctr">
+          <a:solidFill>
+            <a:srgbClr val="FFFFFF">
+              <a:hueOff val="0"/>
+              <a:satOff val="0"/>
+              <a:lumOff val="0"/>
+              <a:alphaOff val="0"/>
+            </a:srgbClr>
+          </a:solidFill>
+          <a:prstDash val="solid"/>
+        </a:ln>
+        <a:effectLst/>
+      </dgm:spPr>
+      <dgm:t>
+        <a:bodyPr/>
+        <a:lstStyle/>
+        <a:p>
+          <a:pPr>
+            <a:buNone/>
+          </a:pPr>
+          <a:r>
+            <a:rPr lang="fr-BE" dirty="0">
+              <a:solidFill>
+                <a:srgbClr val="FFFFFF"/>
+              </a:solidFill>
+              <a:latin typeface="Arial"/>
+              <a:ea typeface="ＭＳ Ｐゴシック"/>
+              <a:cs typeface="+mn-cs"/>
+            </a:rPr>
+            <a:t>Modèle</a:t>
+          </a:r>
+        </a:p>
+      </dgm:t>
+    </dgm:pt>
+    <dgm:pt modelId="{9C48E76F-0088-4DD8-9DF2-14EAB7C68526}" type="parTrans" cxnId="{D2AB1976-9C45-4ECA-A3DB-80E859FA8DF1}">
+      <dgm:prSet/>
+      <dgm:spPr/>
+      <dgm:t>
+        <a:bodyPr/>
+        <a:lstStyle/>
+        <a:p>
+          <a:endParaRPr lang="fr-BE"/>
+        </a:p>
+      </dgm:t>
+    </dgm:pt>
+    <dgm:pt modelId="{2E23EB69-6623-4996-B783-3C46AD87516B}" type="sibTrans" cxnId="{D2AB1976-9C45-4ECA-A3DB-80E859FA8DF1}">
+      <dgm:prSet/>
+      <dgm:spPr>
+        <a:xfrm>
+          <a:off x="2783884" y="2555611"/>
+          <a:ext cx="1476835" cy="1476835"/>
+        </a:xfrm>
+        <a:prstGeom prst="mathPlus">
+          <a:avLst/>
+        </a:prstGeom>
+        <a:solidFill>
+          <a:srgbClr val="303092"/>
+        </a:solidFill>
+        <a:ln>
+          <a:noFill/>
+        </a:ln>
+        <a:effectLst/>
+      </dgm:spPr>
+      <dgm:t>
+        <a:bodyPr/>
+        <a:lstStyle/>
+        <a:p>
+          <a:pPr>
+            <a:buNone/>
+          </a:pPr>
+          <a:endParaRPr lang="fr-BE" dirty="0">
+            <a:solidFill>
+              <a:srgbClr val="FFFFFF"/>
+            </a:solidFill>
+            <a:latin typeface="Arial"/>
+            <a:ea typeface="ＭＳ Ｐゴシック"/>
+            <a:cs typeface="+mn-cs"/>
+          </a:endParaRPr>
+        </a:p>
+      </dgm:t>
+    </dgm:pt>
+    <dgm:pt modelId="{91C538B9-004A-4737-974F-96F9C205B87C}">
+      <dgm:prSet phldrT="[Texte]"/>
+      <dgm:spPr>
+        <a:xfrm>
+          <a:off x="2193596" y="4363096"/>
+          <a:ext cx="2546268" cy="2546268"/>
+        </a:xfrm>
+        <a:prstGeom prst="ellipse">
+          <a:avLst/>
+        </a:prstGeom>
+        <a:solidFill>
+          <a:srgbClr val="333399">
+            <a:shade val="80000"/>
+            <a:hueOff val="0"/>
+            <a:satOff val="-14010"/>
+            <a:lumOff val="15876"/>
+            <a:alphaOff val="0"/>
+          </a:srgbClr>
+        </a:solidFill>
+        <a:ln w="25400" cap="flat" cmpd="sng" algn="ctr">
+          <a:solidFill>
+            <a:srgbClr val="FFFFFF">
+              <a:hueOff val="0"/>
+              <a:satOff val="0"/>
+              <a:lumOff val="0"/>
+              <a:alphaOff val="0"/>
+            </a:srgbClr>
+          </a:solidFill>
+          <a:prstDash val="solid"/>
+        </a:ln>
+        <a:effectLst/>
+      </dgm:spPr>
+      <dgm:t>
+        <a:bodyPr/>
+        <a:lstStyle/>
+        <a:p>
+          <a:pPr>
+            <a:buNone/>
+          </a:pPr>
+          <a:r>
+            <a:rPr lang="fr-BE" dirty="0">
+              <a:solidFill>
+                <a:srgbClr val="FFFFFF"/>
+              </a:solidFill>
+              <a:latin typeface="Arial"/>
+              <a:ea typeface="ＭＳ Ｐゴシック"/>
+              <a:cs typeface="+mn-cs"/>
+            </a:rPr>
+            <a:t>Article de presse</a:t>
+          </a:r>
+        </a:p>
+      </dgm:t>
+    </dgm:pt>
+    <dgm:pt modelId="{9971B8A0-5286-4833-89F3-B03710DBBBC1}" type="parTrans" cxnId="{5198CFA8-1E57-43AD-8B95-77D379B742C7}">
+      <dgm:prSet/>
+      <dgm:spPr/>
+      <dgm:t>
+        <a:bodyPr/>
+        <a:lstStyle/>
+        <a:p>
+          <a:endParaRPr lang="fr-BE"/>
+        </a:p>
+      </dgm:t>
+    </dgm:pt>
+    <dgm:pt modelId="{71A18920-61B2-44F1-82CE-D916F8605964}" type="sibTrans" cxnId="{5198CFA8-1E57-43AD-8B95-77D379B742C7}">
+      <dgm:prSet/>
+      <dgm:spPr>
+        <a:xfrm>
+          <a:off x="2684395" y="7128796"/>
+          <a:ext cx="1476835" cy="1476835"/>
+        </a:xfrm>
+        <a:prstGeom prst="mathEqual">
+          <a:avLst/>
+        </a:prstGeom>
+        <a:solidFill>
+          <a:srgbClr val="303092"/>
+        </a:solidFill>
+        <a:ln>
+          <a:noFill/>
+        </a:ln>
+        <a:effectLst/>
+      </dgm:spPr>
+      <dgm:t>
+        <a:bodyPr/>
+        <a:lstStyle/>
+        <a:p>
+          <a:pPr>
+            <a:buNone/>
+          </a:pPr>
+          <a:endParaRPr lang="fr-BE">
+            <a:solidFill>
+              <a:srgbClr val="FFFFFF"/>
+            </a:solidFill>
+            <a:latin typeface="Arial"/>
+            <a:ea typeface="ＭＳ Ｐゴシック"/>
+            <a:cs typeface="+mn-cs"/>
+          </a:endParaRPr>
+        </a:p>
+      </dgm:t>
+    </dgm:pt>
+    <dgm:pt modelId="{07097C75-B5B6-4A4A-BEFA-A8CACAC2F8EA}">
+      <dgm:prSet phldrT="[Texte]"/>
+      <dgm:spPr>
+        <a:xfrm>
+          <a:off x="2193596" y="8702921"/>
+          <a:ext cx="2546268" cy="2546268"/>
+        </a:xfrm>
+        <a:prstGeom prst="ellipse">
+          <a:avLst/>
+        </a:prstGeom>
+        <a:solidFill>
+          <a:srgbClr val="333399">
+            <a:shade val="80000"/>
+            <a:hueOff val="0"/>
+            <a:satOff val="-28019"/>
+            <a:lumOff val="31752"/>
+            <a:alphaOff val="0"/>
+          </a:srgbClr>
+        </a:solidFill>
+        <a:ln w="25400" cap="flat" cmpd="sng" algn="ctr">
+          <a:solidFill>
+            <a:srgbClr val="FFFFFF">
+              <a:hueOff val="0"/>
+              <a:satOff val="0"/>
+              <a:lumOff val="0"/>
+              <a:alphaOff val="0"/>
+            </a:srgbClr>
+          </a:solidFill>
+          <a:prstDash val="solid"/>
+        </a:ln>
+        <a:effectLst/>
+      </dgm:spPr>
+      <dgm:t>
+        <a:bodyPr/>
+        <a:lstStyle/>
+        <a:p>
+          <a:pPr>
+            <a:buNone/>
+          </a:pPr>
+          <a:r>
+            <a:rPr lang="fr-BE" dirty="0">
+              <a:solidFill>
+                <a:srgbClr val="FFFFFF"/>
+              </a:solidFill>
+              <a:latin typeface="Arial"/>
+              <a:ea typeface="ＭＳ Ｐゴシック"/>
+              <a:cs typeface="+mn-cs"/>
+            </a:rPr>
+            <a:t>Prédiction</a:t>
+          </a:r>
+        </a:p>
+      </dgm:t>
+    </dgm:pt>
+    <dgm:pt modelId="{61D36D01-8F1A-41C4-9541-F8A0E461CB73}" type="parTrans" cxnId="{45DD0C94-2228-461E-9515-5AA88E14B1C5}">
+      <dgm:prSet/>
+      <dgm:spPr/>
+      <dgm:t>
+        <a:bodyPr/>
+        <a:lstStyle/>
+        <a:p>
+          <a:endParaRPr lang="fr-BE"/>
+        </a:p>
+      </dgm:t>
+    </dgm:pt>
+    <dgm:pt modelId="{3E3AD809-3264-4BC6-AA94-54B5D540E533}" type="sibTrans" cxnId="{45DD0C94-2228-461E-9515-5AA88E14B1C5}">
+      <dgm:prSet/>
+      <dgm:spPr/>
+      <dgm:t>
+        <a:bodyPr/>
+        <a:lstStyle/>
+        <a:p>
+          <a:endParaRPr lang="fr-BE"/>
+        </a:p>
+      </dgm:t>
+    </dgm:pt>
+    <dgm:pt modelId="{B1D1A71D-1031-4F52-B0CE-8C2ABB1FBB27}" type="pres">
+      <dgm:prSet presAssocID="{B4AC31F5-73A8-48F5-94A0-779E2B838007}" presName="linearFlow" presStyleCnt="0">
+        <dgm:presLayoutVars>
+          <dgm:dir/>
+          <dgm:resizeHandles val="exact"/>
+        </dgm:presLayoutVars>
+      </dgm:prSet>
+      <dgm:spPr/>
+    </dgm:pt>
+    <dgm:pt modelId="{7CB4AD6C-A81A-4F1E-9D8D-676175E79D75}" type="pres">
+      <dgm:prSet presAssocID="{3BABFCD6-7EBF-4579-9304-C8D5FDC21C30}" presName="node" presStyleLbl="node1" presStyleIdx="0" presStyleCnt="3" custLinFactX="77954" custLinFactY="-100000" custLinFactNeighborX="100000" custLinFactNeighborY="-108037">
+        <dgm:presLayoutVars>
+          <dgm:bulletEnabled val="1"/>
+        </dgm:presLayoutVars>
+      </dgm:prSet>
+      <dgm:spPr/>
+    </dgm:pt>
+    <dgm:pt modelId="{1552EC66-7828-484D-8F92-585B4BF436AA}" type="pres">
+      <dgm:prSet presAssocID="{2E23EB69-6623-4996-B783-3C46AD87516B}" presName="spacerL" presStyleCnt="0"/>
+      <dgm:spPr/>
+    </dgm:pt>
+    <dgm:pt modelId="{EC3917F5-05F3-4B32-A96B-9093911EAA4A}" type="pres">
+      <dgm:prSet presAssocID="{2E23EB69-6623-4996-B783-3C46AD87516B}" presName="sibTrans" presStyleLbl="sibTrans2D1" presStyleIdx="0" presStyleCnt="2" custLinFactY="-57808" custLinFactNeighborX="13996" custLinFactNeighborY="-100000"/>
+      <dgm:spPr/>
+    </dgm:pt>
+    <dgm:pt modelId="{DA0388FA-9B36-4E1C-B02C-44073D582C98}" type="pres">
+      <dgm:prSet presAssocID="{2E23EB69-6623-4996-B783-3C46AD87516B}" presName="spacerR" presStyleCnt="0"/>
+      <dgm:spPr/>
+    </dgm:pt>
+    <dgm:pt modelId="{CA806A45-C18C-479A-9AFA-BD498CAE342C}" type="pres">
+      <dgm:prSet presAssocID="{91C538B9-004A-4737-974F-96F9C205B87C}" presName="node" presStyleLbl="node1" presStyleIdx="1" presStyleCnt="3" custLinFactX="-80046" custLinFactNeighborX="-100000" custLinFactNeighborY="457">
+        <dgm:presLayoutVars>
+          <dgm:bulletEnabled val="1"/>
+        </dgm:presLayoutVars>
+      </dgm:prSet>
+      <dgm:spPr/>
+    </dgm:pt>
+    <dgm:pt modelId="{3A7943F0-D958-4999-AE28-DA0DDF591CF3}" type="pres">
+      <dgm:prSet presAssocID="{71A18920-61B2-44F1-82CE-D916F8605964}" presName="spacerL" presStyleCnt="0"/>
+      <dgm:spPr/>
+    </dgm:pt>
+    <dgm:pt modelId="{FD2E0414-B98C-4E02-B479-0E69B8B90541}" type="pres">
+      <dgm:prSet presAssocID="{71A18920-61B2-44F1-82CE-D916F8605964}" presName="sibTrans" presStyleLbl="sibTrans2D1" presStyleIdx="1" presStyleCnt="2" custLinFactX="-263191" custLinFactY="51853" custLinFactNeighborX="-300000" custLinFactNeighborY="100000"/>
+      <dgm:spPr/>
+    </dgm:pt>
+    <dgm:pt modelId="{BAE64904-BD5F-4344-A855-82576AA69DBA}" type="pres">
+      <dgm:prSet presAssocID="{71A18920-61B2-44F1-82CE-D916F8605964}" presName="spacerR" presStyleCnt="0"/>
+      <dgm:spPr/>
+    </dgm:pt>
+    <dgm:pt modelId="{17D56751-DED1-4650-AA24-25CA0FE5CE33}" type="pres">
+      <dgm:prSet presAssocID="{07097C75-B5B6-4A4A-BEFA-A8CACAC2F8EA}" presName="node" presStyleLbl="node1" presStyleIdx="2" presStyleCnt="3" custLinFactX="-238046" custLinFactY="100000" custLinFactNeighborX="-300000" custLinFactNeighborY="120149">
+        <dgm:presLayoutVars>
+          <dgm:bulletEnabled val="1"/>
+        </dgm:presLayoutVars>
+      </dgm:prSet>
+      <dgm:spPr/>
+    </dgm:pt>
+  </dgm:ptLst>
+  <dgm:cxnLst>
+    <dgm:cxn modelId="{CBF9F525-42DE-4D38-A431-8CB3B058E6BD}" type="presOf" srcId="{3BABFCD6-7EBF-4579-9304-C8D5FDC21C30}" destId="{7CB4AD6C-A81A-4F1E-9D8D-676175E79D75}" srcOrd="0" destOrd="0" presId="urn:microsoft.com/office/officeart/2005/8/layout/equation1"/>
+    <dgm:cxn modelId="{DF4C0736-E296-4ACF-9A72-FF6E87307E3E}" type="presOf" srcId="{91C538B9-004A-4737-974F-96F9C205B87C}" destId="{CA806A45-C18C-479A-9AFA-BD498CAE342C}" srcOrd="0" destOrd="0" presId="urn:microsoft.com/office/officeart/2005/8/layout/equation1"/>
+    <dgm:cxn modelId="{D2AB1976-9C45-4ECA-A3DB-80E859FA8DF1}" srcId="{B4AC31F5-73A8-48F5-94A0-779E2B838007}" destId="{3BABFCD6-7EBF-4579-9304-C8D5FDC21C30}" srcOrd="0" destOrd="0" parTransId="{9C48E76F-0088-4DD8-9DF2-14EAB7C68526}" sibTransId="{2E23EB69-6623-4996-B783-3C46AD87516B}"/>
+    <dgm:cxn modelId="{63CDF47F-2302-42CC-8E70-008A83CD70BF}" type="presOf" srcId="{07097C75-B5B6-4A4A-BEFA-A8CACAC2F8EA}" destId="{17D56751-DED1-4650-AA24-25CA0FE5CE33}" srcOrd="0" destOrd="0" presId="urn:microsoft.com/office/officeart/2005/8/layout/equation1"/>
+    <dgm:cxn modelId="{45DD0C94-2228-461E-9515-5AA88E14B1C5}" srcId="{B4AC31F5-73A8-48F5-94A0-779E2B838007}" destId="{07097C75-B5B6-4A4A-BEFA-A8CACAC2F8EA}" srcOrd="2" destOrd="0" parTransId="{61D36D01-8F1A-41C4-9541-F8A0E461CB73}" sibTransId="{3E3AD809-3264-4BC6-AA94-54B5D540E533}"/>
+    <dgm:cxn modelId="{5198CFA8-1E57-43AD-8B95-77D379B742C7}" srcId="{B4AC31F5-73A8-48F5-94A0-779E2B838007}" destId="{91C538B9-004A-4737-974F-96F9C205B87C}" srcOrd="1" destOrd="0" parTransId="{9971B8A0-5286-4833-89F3-B03710DBBBC1}" sibTransId="{71A18920-61B2-44F1-82CE-D916F8605964}"/>
+    <dgm:cxn modelId="{4DAB30E8-5953-444E-AA36-2F09BE550826}" type="presOf" srcId="{2E23EB69-6623-4996-B783-3C46AD87516B}" destId="{EC3917F5-05F3-4B32-A96B-9093911EAA4A}" srcOrd="0" destOrd="0" presId="urn:microsoft.com/office/officeart/2005/8/layout/equation1"/>
+    <dgm:cxn modelId="{00F01AFD-C4DD-4346-82D8-A2E31644AE3E}" type="presOf" srcId="{71A18920-61B2-44F1-82CE-D916F8605964}" destId="{FD2E0414-B98C-4E02-B479-0E69B8B90541}" srcOrd="0" destOrd="0" presId="urn:microsoft.com/office/officeart/2005/8/layout/equation1"/>
+    <dgm:cxn modelId="{15FE12FF-7510-4AB6-A8CE-DFBD880E51F3}" type="presOf" srcId="{B4AC31F5-73A8-48F5-94A0-779E2B838007}" destId="{B1D1A71D-1031-4F52-B0CE-8C2ABB1FBB27}" srcOrd="0" destOrd="0" presId="urn:microsoft.com/office/officeart/2005/8/layout/equation1"/>
+    <dgm:cxn modelId="{040E3BC5-50BB-4D0E-8641-DA3235B01FA4}" type="presParOf" srcId="{B1D1A71D-1031-4F52-B0CE-8C2ABB1FBB27}" destId="{7CB4AD6C-A81A-4F1E-9D8D-676175E79D75}" srcOrd="0" destOrd="0" presId="urn:microsoft.com/office/officeart/2005/8/layout/equation1"/>
+    <dgm:cxn modelId="{CDBE8353-6DF2-411D-8893-B2EA6C5975B9}" type="presParOf" srcId="{B1D1A71D-1031-4F52-B0CE-8C2ABB1FBB27}" destId="{1552EC66-7828-484D-8F92-585B4BF436AA}" srcOrd="1" destOrd="0" presId="urn:microsoft.com/office/officeart/2005/8/layout/equation1"/>
+    <dgm:cxn modelId="{5E952622-2DD8-45FA-9CD8-52EBAE40FCC3}" type="presParOf" srcId="{B1D1A71D-1031-4F52-B0CE-8C2ABB1FBB27}" destId="{EC3917F5-05F3-4B32-A96B-9093911EAA4A}" srcOrd="2" destOrd="0" presId="urn:microsoft.com/office/officeart/2005/8/layout/equation1"/>
+    <dgm:cxn modelId="{934565A0-DAF6-471D-AC68-69EC6D1DCF7D}" type="presParOf" srcId="{B1D1A71D-1031-4F52-B0CE-8C2ABB1FBB27}" destId="{DA0388FA-9B36-4E1C-B02C-44073D582C98}" srcOrd="3" destOrd="0" presId="urn:microsoft.com/office/officeart/2005/8/layout/equation1"/>
+    <dgm:cxn modelId="{ECCF8C98-A5FA-4AF5-AE32-D150753E3A34}" type="presParOf" srcId="{B1D1A71D-1031-4F52-B0CE-8C2ABB1FBB27}" destId="{CA806A45-C18C-479A-9AFA-BD498CAE342C}" srcOrd="4" destOrd="0" presId="urn:microsoft.com/office/officeart/2005/8/layout/equation1"/>
+    <dgm:cxn modelId="{2F5A0A67-B09A-423E-BB85-4ECB797F9D98}" type="presParOf" srcId="{B1D1A71D-1031-4F52-B0CE-8C2ABB1FBB27}" destId="{3A7943F0-D958-4999-AE28-DA0DDF591CF3}" srcOrd="5" destOrd="0" presId="urn:microsoft.com/office/officeart/2005/8/layout/equation1"/>
+    <dgm:cxn modelId="{2FDFCA03-3CE7-4F39-902A-34E615D0A063}" type="presParOf" srcId="{B1D1A71D-1031-4F52-B0CE-8C2ABB1FBB27}" destId="{FD2E0414-B98C-4E02-B479-0E69B8B90541}" srcOrd="6" destOrd="0" presId="urn:microsoft.com/office/officeart/2005/8/layout/equation1"/>
+    <dgm:cxn modelId="{33E73D87-2BA3-41DD-9EED-77B73B6BA3C0}" type="presParOf" srcId="{B1D1A71D-1031-4F52-B0CE-8C2ABB1FBB27}" destId="{BAE64904-BD5F-4344-A855-82576AA69DBA}" srcOrd="7" destOrd="0" presId="urn:microsoft.com/office/officeart/2005/8/layout/equation1"/>
+    <dgm:cxn modelId="{7C65BCDD-BE72-4E7B-852C-732C90523EFC}" type="presParOf" srcId="{B1D1A71D-1031-4F52-B0CE-8C2ABB1FBB27}" destId="{17D56751-DED1-4650-AA24-25CA0FE5CE33}" srcOrd="8" destOrd="0" presId="urn:microsoft.com/office/officeart/2005/8/layout/equation1"/>
+  </dgm:cxnLst>
+  <dgm:bg/>
+  <dgm:whole/>
+  <dgm:extLst>
+    <a:ext uri="http://schemas.microsoft.com/office/drawing/2008/diagram">
+      <dsp:dataModelExt xmlns:dsp="http://schemas.microsoft.com/office/drawing/2008/diagram" relId="rId19" minVer="http://schemas.openxmlformats.org/drawingml/2006/diagram"/>
+    </a:ext>
+    <a:ext uri="{C62137D5-CB1D-491B-B009-E17868A290BF}">
+      <dgm14:recolorImg xmlns:dgm14="http://schemas.microsoft.com/office/drawing/2010/diagram" val="1"/>
+    </a:ext>
+  </dgm:extLst>
+</dgm:dataModel>
+</file>
+
+<file path=ppt/diagrams/drawing1.xml><?xml version="1.0" encoding="utf-8"?>
+<dsp:drawing xmlns:dgm="http://schemas.openxmlformats.org/drawingml/2006/diagram" xmlns:dsp="http://schemas.microsoft.com/office/drawing/2008/diagram" xmlns:a="http://schemas.openxmlformats.org/drawingml/2006/main">
+  <dsp:spTree>
+    <dsp:nvGrpSpPr>
+      <dsp:cNvPr id="0" name=""/>
+      <dsp:cNvGrpSpPr/>
+    </dsp:nvGrpSpPr>
+    <dsp:grpSpPr/>
+    <dsp:sp modelId="{FEBD2BFB-FE10-48CE-A63C-1C177440BFC0}">
+      <dsp:nvSpPr>
+        <dsp:cNvPr id="0" name=""/>
+        <dsp:cNvSpPr/>
+      </dsp:nvSpPr>
+      <dsp:spPr>
+        <a:xfrm>
+          <a:off x="5875449" y="5340"/>
+          <a:ext cx="3576042" cy="1986690"/>
+        </a:xfrm>
+        <a:prstGeom prst="roundRect">
+          <a:avLst>
+            <a:gd name="adj" fmla="val 10000"/>
+          </a:avLst>
+        </a:prstGeom>
+        <a:solidFill>
+          <a:srgbClr val="333399">
+            <a:shade val="50000"/>
+            <a:hueOff val="0"/>
+            <a:satOff val="0"/>
+            <a:lumOff val="0"/>
+            <a:alphaOff val="0"/>
+          </a:srgbClr>
+        </a:solidFill>
+        <a:ln w="25400" cap="flat" cmpd="sng" algn="ctr">
+          <a:solidFill>
+            <a:srgbClr val="FFFFFF">
+              <a:hueOff val="0"/>
+              <a:satOff val="0"/>
+              <a:lumOff val="0"/>
+              <a:alphaOff val="0"/>
+            </a:srgbClr>
+          </a:solidFill>
+          <a:prstDash val="solid"/>
+        </a:ln>
+        <a:effectLst/>
+      </dsp:spPr>
+      <dsp:style>
+        <a:lnRef idx="2">
+          <a:scrgbClr r="0" g="0" b="0"/>
+        </a:lnRef>
+        <a:fillRef idx="1">
+          <a:scrgbClr r="0" g="0" b="0"/>
+        </a:fillRef>
+        <a:effectRef idx="0">
+          <a:scrgbClr r="0" g="0" b="0"/>
+        </a:effectRef>
+        <a:fontRef idx="minor">
+          <a:schemeClr val="lt1"/>
+        </a:fontRef>
+      </dsp:style>
+      <dsp:txBody>
+        <a:bodyPr spcFirstLastPara="0" vert="horz" wrap="square" lIns="118110" tIns="118110" rIns="118110" bIns="118110" numCol="1" spcCol="1270" anchor="ctr" anchorCtr="0">
+          <a:noAutofit/>
+        </a:bodyPr>
+        <a:lstStyle/>
+        <a:p>
+          <a:pPr marL="0" lvl="0" indent="0" algn="ctr" defTabSz="1377950">
+            <a:lnSpc>
+              <a:spcPct val="90000"/>
+            </a:lnSpc>
+            <a:spcBef>
+              <a:spcPct val="0"/>
+            </a:spcBef>
+            <a:spcAft>
+              <a:spcPct val="35000"/>
+            </a:spcAft>
+            <a:buNone/>
+          </a:pPr>
+          <a:r>
+            <a:rPr lang="fr-BE" sz="3100" kern="1200" dirty="0">
+              <a:solidFill>
+                <a:srgbClr val="FFFFFF"/>
+              </a:solidFill>
+              <a:latin typeface="Arial"/>
+              <a:ea typeface="ＭＳ Ｐゴシック"/>
+              <a:cs typeface="+mn-cs"/>
+            </a:rPr>
+            <a:t>Préparation des données</a:t>
+          </a:r>
+        </a:p>
+      </dsp:txBody>
+      <dsp:txXfrm>
+        <a:off x="5933637" y="63528"/>
+        <a:ext cx="3459666" cy="1870314"/>
+      </dsp:txXfrm>
+    </dsp:sp>
+    <dsp:sp modelId="{AAC6A5C6-2EBF-4879-AB06-6ACDA9B440A0}">
+      <dsp:nvSpPr>
+        <dsp:cNvPr id="0" name=""/>
+        <dsp:cNvSpPr/>
+      </dsp:nvSpPr>
+      <dsp:spPr>
+        <a:xfrm rot="5400000">
+          <a:off x="7290966" y="2041697"/>
+          <a:ext cx="745008" cy="894010"/>
+        </a:xfrm>
+        <a:prstGeom prst="rightArrow">
+          <a:avLst>
+            <a:gd name="adj1" fmla="val 60000"/>
+            <a:gd name="adj2" fmla="val 50000"/>
+          </a:avLst>
+        </a:prstGeom>
+        <a:solidFill>
+          <a:srgbClr val="333399">
+            <a:shade val="90000"/>
+            <a:hueOff val="0"/>
+            <a:satOff val="0"/>
+            <a:lumOff val="0"/>
+            <a:alphaOff val="0"/>
+          </a:srgbClr>
+        </a:solidFill>
+        <a:ln>
+          <a:noFill/>
+        </a:ln>
+        <a:effectLst/>
+      </dsp:spPr>
+      <dsp:style>
+        <a:lnRef idx="0">
+          <a:scrgbClr r="0" g="0" b="0"/>
+        </a:lnRef>
+        <a:fillRef idx="1">
+          <a:scrgbClr r="0" g="0" b="0"/>
+        </a:fillRef>
+        <a:effectRef idx="0">
+          <a:scrgbClr r="0" g="0" b="0"/>
+        </a:effectRef>
+        <a:fontRef idx="minor">
+          <a:schemeClr val="lt1"/>
+        </a:fontRef>
+      </dsp:style>
+      <dsp:txBody>
+        <a:bodyPr spcFirstLastPara="0" vert="horz" wrap="square" lIns="0" tIns="0" rIns="0" bIns="0" numCol="1" spcCol="1270" anchor="ctr" anchorCtr="0">
+          <a:noAutofit/>
+        </a:bodyPr>
+        <a:lstStyle/>
+        <a:p>
+          <a:pPr marL="0" lvl="0" indent="0" algn="ctr" defTabSz="1111250">
+            <a:lnSpc>
+              <a:spcPct val="90000"/>
+            </a:lnSpc>
+            <a:spcBef>
+              <a:spcPct val="0"/>
+            </a:spcBef>
+            <a:spcAft>
+              <a:spcPct val="35000"/>
+            </a:spcAft>
+            <a:buNone/>
+          </a:pPr>
+          <a:endParaRPr lang="fr-BE" sz="2500" kern="1200">
+            <a:solidFill>
+              <a:srgbClr val="FFFFFF"/>
+            </a:solidFill>
+            <a:latin typeface="Arial"/>
+            <a:ea typeface="ＭＳ Ｐゴシック"/>
+            <a:cs typeface="+mn-cs"/>
+          </a:endParaRPr>
+        </a:p>
+      </dsp:txBody>
+      <dsp:txXfrm rot="-5400000">
+        <a:off x="7395267" y="2116198"/>
+        <a:ext cx="536406" cy="521506"/>
+      </dsp:txXfrm>
+    </dsp:sp>
+    <dsp:sp modelId="{2A7C9563-5D9C-4672-8DDA-2BD8144BC428}">
+      <dsp:nvSpPr>
+        <dsp:cNvPr id="0" name=""/>
+        <dsp:cNvSpPr/>
+      </dsp:nvSpPr>
+      <dsp:spPr>
+        <a:xfrm>
+          <a:off x="5875449" y="2985375"/>
+          <a:ext cx="3576042" cy="1986690"/>
+        </a:xfrm>
+        <a:prstGeom prst="roundRect">
+          <a:avLst>
+            <a:gd name="adj" fmla="val 10000"/>
+          </a:avLst>
+        </a:prstGeom>
+        <a:solidFill>
+          <a:srgbClr val="333399">
+            <a:shade val="50000"/>
+            <a:hueOff val="0"/>
+            <a:satOff val="-16266"/>
+            <a:lumOff val="26389"/>
+            <a:alphaOff val="0"/>
+          </a:srgbClr>
+        </a:solidFill>
+        <a:ln w="25400" cap="flat" cmpd="sng" algn="ctr">
+          <a:solidFill>
+            <a:srgbClr val="FFFFFF">
+              <a:hueOff val="0"/>
+              <a:satOff val="0"/>
+              <a:lumOff val="0"/>
+              <a:alphaOff val="0"/>
+            </a:srgbClr>
+          </a:solidFill>
+          <a:prstDash val="solid"/>
+        </a:ln>
+        <a:effectLst/>
+      </dsp:spPr>
+      <dsp:style>
+        <a:lnRef idx="2">
+          <a:scrgbClr r="0" g="0" b="0"/>
+        </a:lnRef>
+        <a:fillRef idx="1">
+          <a:scrgbClr r="0" g="0" b="0"/>
+        </a:fillRef>
+        <a:effectRef idx="0">
+          <a:scrgbClr r="0" g="0" b="0"/>
+        </a:effectRef>
+        <a:fontRef idx="minor">
+          <a:schemeClr val="lt1"/>
+        </a:fontRef>
+      </dsp:style>
+      <dsp:txBody>
+        <a:bodyPr spcFirstLastPara="0" vert="horz" wrap="square" lIns="118110" tIns="118110" rIns="118110" bIns="118110" numCol="1" spcCol="1270" anchor="ctr" anchorCtr="0">
+          <a:noAutofit/>
+        </a:bodyPr>
+        <a:lstStyle/>
+        <a:p>
+          <a:pPr marL="0" lvl="0" indent="0" algn="ctr" defTabSz="1377950">
+            <a:lnSpc>
+              <a:spcPct val="90000"/>
+            </a:lnSpc>
+            <a:spcBef>
+              <a:spcPct val="0"/>
+            </a:spcBef>
+            <a:spcAft>
+              <a:spcPct val="35000"/>
+            </a:spcAft>
+            <a:buNone/>
+          </a:pPr>
+          <a:r>
+            <a:rPr lang="fr-BE" sz="3100" kern="1200" dirty="0">
+              <a:solidFill>
+                <a:srgbClr val="FFFFFF"/>
+              </a:solidFill>
+              <a:latin typeface="Arial"/>
+              <a:ea typeface="ＭＳ Ｐゴシック"/>
+              <a:cs typeface="+mn-cs"/>
+            </a:rPr>
+            <a:t>Sélection du modèle de Machine Learning </a:t>
+          </a:r>
+        </a:p>
+      </dsp:txBody>
+      <dsp:txXfrm>
+        <a:off x="5933637" y="3043563"/>
+        <a:ext cx="3459666" cy="1870314"/>
+      </dsp:txXfrm>
+    </dsp:sp>
+    <dsp:sp modelId="{319D40C4-650B-4330-88C5-66ADE1996AB9}">
+      <dsp:nvSpPr>
+        <dsp:cNvPr id="0" name=""/>
+        <dsp:cNvSpPr/>
+      </dsp:nvSpPr>
+      <dsp:spPr>
+        <a:xfrm rot="5400000">
+          <a:off x="7290966" y="5021733"/>
+          <a:ext cx="745008" cy="894010"/>
+        </a:xfrm>
+        <a:prstGeom prst="rightArrow">
+          <a:avLst>
+            <a:gd name="adj1" fmla="val 60000"/>
+            <a:gd name="adj2" fmla="val 50000"/>
+          </a:avLst>
+        </a:prstGeom>
+        <a:solidFill>
+          <a:srgbClr val="333399">
+            <a:shade val="90000"/>
+            <a:hueOff val="0"/>
+            <a:satOff val="-19999"/>
+            <a:lumOff val="27237"/>
+            <a:alphaOff val="0"/>
+          </a:srgbClr>
+        </a:solidFill>
+        <a:ln>
+          <a:noFill/>
+        </a:ln>
+        <a:effectLst/>
+      </dsp:spPr>
+      <dsp:style>
+        <a:lnRef idx="0">
+          <a:scrgbClr r="0" g="0" b="0"/>
+        </a:lnRef>
+        <a:fillRef idx="1">
+          <a:scrgbClr r="0" g="0" b="0"/>
+        </a:fillRef>
+        <a:effectRef idx="0">
+          <a:scrgbClr r="0" g="0" b="0"/>
+        </a:effectRef>
+        <a:fontRef idx="minor">
+          <a:schemeClr val="lt1"/>
+        </a:fontRef>
+      </dsp:style>
+      <dsp:txBody>
+        <a:bodyPr spcFirstLastPara="0" vert="horz" wrap="square" lIns="0" tIns="0" rIns="0" bIns="0" numCol="1" spcCol="1270" anchor="ctr" anchorCtr="0">
+          <a:noAutofit/>
+        </a:bodyPr>
+        <a:lstStyle/>
+        <a:p>
+          <a:pPr marL="0" lvl="0" indent="0" algn="ctr" defTabSz="1111250">
+            <a:lnSpc>
+              <a:spcPct val="90000"/>
+            </a:lnSpc>
+            <a:spcBef>
+              <a:spcPct val="0"/>
+            </a:spcBef>
+            <a:spcAft>
+              <a:spcPct val="35000"/>
+            </a:spcAft>
+            <a:buNone/>
+          </a:pPr>
+          <a:endParaRPr lang="fr-BE" sz="2500" kern="1200">
+            <a:solidFill>
+              <a:srgbClr val="FFFFFF"/>
+            </a:solidFill>
+            <a:latin typeface="Arial"/>
+            <a:ea typeface="ＭＳ Ｐゴシック"/>
+            <a:cs typeface="+mn-cs"/>
+          </a:endParaRPr>
+        </a:p>
+      </dsp:txBody>
+      <dsp:txXfrm rot="-5400000">
+        <a:off x="7395267" y="5096234"/>
+        <a:ext cx="536406" cy="521506"/>
+      </dsp:txXfrm>
+    </dsp:sp>
+    <dsp:sp modelId="{80F5EDC1-D654-4BD2-8FF3-50F42695B8BC}">
+      <dsp:nvSpPr>
+        <dsp:cNvPr id="0" name=""/>
+        <dsp:cNvSpPr/>
+      </dsp:nvSpPr>
+      <dsp:spPr>
+        <a:xfrm>
+          <a:off x="5875449" y="5965411"/>
+          <a:ext cx="3576042" cy="1986690"/>
+        </a:xfrm>
+        <a:prstGeom prst="roundRect">
+          <a:avLst>
+            <a:gd name="adj" fmla="val 10000"/>
+          </a:avLst>
+        </a:prstGeom>
+        <a:solidFill>
+          <a:srgbClr val="333399">
+            <a:shade val="50000"/>
+            <a:hueOff val="0"/>
+            <a:satOff val="-32532"/>
+            <a:lumOff val="52778"/>
+            <a:alphaOff val="0"/>
+          </a:srgbClr>
+        </a:solidFill>
+        <a:ln w="25400" cap="flat" cmpd="sng" algn="ctr">
+          <a:solidFill>
+            <a:srgbClr val="FFFFFF">
+              <a:hueOff val="0"/>
+              <a:satOff val="0"/>
+              <a:lumOff val="0"/>
+              <a:alphaOff val="0"/>
+            </a:srgbClr>
+          </a:solidFill>
+          <a:prstDash val="solid"/>
+        </a:ln>
+        <a:effectLst/>
+      </dsp:spPr>
+      <dsp:style>
+        <a:lnRef idx="2">
+          <a:scrgbClr r="0" g="0" b="0"/>
+        </a:lnRef>
+        <a:fillRef idx="1">
+          <a:scrgbClr r="0" g="0" b="0"/>
+        </a:fillRef>
+        <a:effectRef idx="0">
+          <a:scrgbClr r="0" g="0" b="0"/>
+        </a:effectRef>
+        <a:fontRef idx="minor">
+          <a:schemeClr val="lt1"/>
+        </a:fontRef>
+      </dsp:style>
+      <dsp:txBody>
+        <a:bodyPr spcFirstLastPara="0" vert="horz" wrap="square" lIns="118110" tIns="118110" rIns="118110" bIns="118110" numCol="1" spcCol="1270" anchor="ctr" anchorCtr="0">
+          <a:noAutofit/>
+        </a:bodyPr>
+        <a:lstStyle/>
+        <a:p>
+          <a:pPr marL="0" lvl="0" indent="0" algn="ctr" defTabSz="1377950">
+            <a:lnSpc>
+              <a:spcPct val="90000"/>
+            </a:lnSpc>
+            <a:spcBef>
+              <a:spcPct val="0"/>
+            </a:spcBef>
+            <a:spcAft>
+              <a:spcPct val="35000"/>
+            </a:spcAft>
+            <a:buNone/>
+          </a:pPr>
+          <a:r>
+            <a:rPr lang="fr-BE" sz="3100" kern="1200" dirty="0">
+              <a:solidFill>
+                <a:srgbClr val="FFFFFF"/>
+              </a:solidFill>
+              <a:latin typeface="Arial"/>
+              <a:ea typeface="ＭＳ Ｐゴシック"/>
+              <a:cs typeface="+mn-cs"/>
+            </a:rPr>
+            <a:t>Entraînement du modèle</a:t>
+          </a:r>
+        </a:p>
+      </dsp:txBody>
+      <dsp:txXfrm>
+        <a:off x="5933637" y="6023599"/>
+        <a:ext cx="3459666" cy="1870314"/>
+      </dsp:txXfrm>
+    </dsp:sp>
+    <dsp:sp modelId="{A8442167-04BD-4F02-A580-14DF90931651}">
+      <dsp:nvSpPr>
+        <dsp:cNvPr id="0" name=""/>
+        <dsp:cNvSpPr/>
+      </dsp:nvSpPr>
+      <dsp:spPr>
+        <a:xfrm rot="5400000">
+          <a:off x="7290966" y="8001768"/>
+          <a:ext cx="745008" cy="894010"/>
+        </a:xfrm>
+        <a:prstGeom prst="rightArrow">
+          <a:avLst>
+            <a:gd name="adj1" fmla="val 60000"/>
+            <a:gd name="adj2" fmla="val 50000"/>
+          </a:avLst>
+        </a:prstGeom>
+        <a:solidFill>
+          <a:srgbClr val="333399">
+            <a:shade val="90000"/>
+            <a:hueOff val="0"/>
+            <a:satOff val="-19999"/>
+            <a:lumOff val="27237"/>
+            <a:alphaOff val="0"/>
+          </a:srgbClr>
+        </a:solidFill>
+        <a:ln>
+          <a:noFill/>
+        </a:ln>
+        <a:effectLst/>
+      </dsp:spPr>
+      <dsp:style>
+        <a:lnRef idx="0">
+          <a:scrgbClr r="0" g="0" b="0"/>
+        </a:lnRef>
+        <a:fillRef idx="1">
+          <a:scrgbClr r="0" g="0" b="0"/>
+        </a:fillRef>
+        <a:effectRef idx="0">
+          <a:scrgbClr r="0" g="0" b="0"/>
+        </a:effectRef>
+        <a:fontRef idx="minor">
+          <a:schemeClr val="lt1"/>
+        </a:fontRef>
+      </dsp:style>
+      <dsp:txBody>
+        <a:bodyPr spcFirstLastPara="0" vert="horz" wrap="square" lIns="0" tIns="0" rIns="0" bIns="0" numCol="1" spcCol="1270" anchor="ctr" anchorCtr="0">
+          <a:noAutofit/>
+        </a:bodyPr>
+        <a:lstStyle/>
+        <a:p>
+          <a:pPr marL="0" lvl="0" indent="0" algn="ctr" defTabSz="1111250">
+            <a:lnSpc>
+              <a:spcPct val="90000"/>
+            </a:lnSpc>
+            <a:spcBef>
+              <a:spcPct val="0"/>
+            </a:spcBef>
+            <a:spcAft>
+              <a:spcPct val="35000"/>
+            </a:spcAft>
+            <a:buNone/>
+          </a:pPr>
+          <a:endParaRPr lang="fr-BE" sz="2500" kern="1200">
+            <a:solidFill>
+              <a:srgbClr val="FFFFFF"/>
+            </a:solidFill>
+            <a:latin typeface="Arial"/>
+            <a:ea typeface="ＭＳ Ｐゴシック"/>
+            <a:cs typeface="+mn-cs"/>
+          </a:endParaRPr>
+        </a:p>
+      </dsp:txBody>
+      <dsp:txXfrm rot="-5400000">
+        <a:off x="7395267" y="8076269"/>
+        <a:ext cx="536406" cy="521506"/>
+      </dsp:txXfrm>
+    </dsp:sp>
+    <dsp:sp modelId="{C9A18AD4-2C2A-46D2-BFA6-1DF71ACA83B7}">
+      <dsp:nvSpPr>
+        <dsp:cNvPr id="0" name=""/>
+        <dsp:cNvSpPr/>
+      </dsp:nvSpPr>
+      <dsp:spPr>
+        <a:xfrm>
+          <a:off x="5875449" y="8945446"/>
+          <a:ext cx="3576042" cy="1986690"/>
+        </a:xfrm>
+        <a:prstGeom prst="roundRect">
+          <a:avLst>
+            <a:gd name="adj" fmla="val 10000"/>
+          </a:avLst>
+        </a:prstGeom>
+        <a:solidFill>
+          <a:srgbClr val="333399">
+            <a:shade val="50000"/>
+            <a:hueOff val="0"/>
+            <a:satOff val="-16266"/>
+            <a:lumOff val="26389"/>
+            <a:alphaOff val="0"/>
+          </a:srgbClr>
+        </a:solidFill>
+        <a:ln w="25400" cap="flat" cmpd="sng" algn="ctr">
+          <a:solidFill>
+            <a:srgbClr val="FFFFFF">
+              <a:hueOff val="0"/>
+              <a:satOff val="0"/>
+              <a:lumOff val="0"/>
+              <a:alphaOff val="0"/>
+            </a:srgbClr>
+          </a:solidFill>
+          <a:prstDash val="solid"/>
+        </a:ln>
+        <a:effectLst/>
+      </dsp:spPr>
+      <dsp:style>
+        <a:lnRef idx="2">
+          <a:scrgbClr r="0" g="0" b="0"/>
+        </a:lnRef>
+        <a:fillRef idx="1">
+          <a:scrgbClr r="0" g="0" b="0"/>
+        </a:fillRef>
+        <a:effectRef idx="0">
+          <a:scrgbClr r="0" g="0" b="0"/>
+        </a:effectRef>
+        <a:fontRef idx="minor">
+          <a:schemeClr val="lt1"/>
+        </a:fontRef>
+      </dsp:style>
+      <dsp:txBody>
+        <a:bodyPr spcFirstLastPara="0" vert="horz" wrap="square" lIns="118110" tIns="118110" rIns="118110" bIns="118110" numCol="1" spcCol="1270" anchor="ctr" anchorCtr="0">
+          <a:noAutofit/>
+        </a:bodyPr>
+        <a:lstStyle/>
+        <a:p>
+          <a:pPr marL="0" lvl="0" indent="0" algn="ctr" defTabSz="1377950">
+            <a:lnSpc>
+              <a:spcPct val="90000"/>
+            </a:lnSpc>
+            <a:spcBef>
+              <a:spcPct val="0"/>
+            </a:spcBef>
+            <a:spcAft>
+              <a:spcPct val="35000"/>
+            </a:spcAft>
+            <a:buNone/>
+          </a:pPr>
+          <a:r>
+            <a:rPr lang="fr-BE" sz="3100" kern="1200" dirty="0">
+              <a:solidFill>
+                <a:srgbClr val="FFFFFF"/>
+              </a:solidFill>
+              <a:latin typeface="Arial"/>
+              <a:ea typeface="ＭＳ Ｐゴシック"/>
+              <a:cs typeface="+mn-cs"/>
+            </a:rPr>
+            <a:t>Test du modèle</a:t>
+          </a:r>
+        </a:p>
+      </dsp:txBody>
+      <dsp:txXfrm>
+        <a:off x="5933637" y="9003634"/>
+        <a:ext cx="3459666" cy="1870314"/>
+      </dsp:txXfrm>
+    </dsp:sp>
+  </dsp:spTree>
+</dsp:drawing>
+</file>
+
+<file path=ppt/diagrams/drawing2.xml><?xml version="1.0" encoding="utf-8"?>
+<dsp:drawing xmlns:dgm="http://schemas.openxmlformats.org/drawingml/2006/diagram" xmlns:dsp="http://schemas.microsoft.com/office/drawing/2008/diagram" xmlns:a="http://schemas.openxmlformats.org/drawingml/2006/main">
+  <dsp:spTree>
+    <dsp:nvGrpSpPr>
+      <dsp:cNvPr id="0" name=""/>
+      <dsp:cNvGrpSpPr/>
+    </dsp:nvGrpSpPr>
+    <dsp:grpSpPr/>
+    <dsp:sp modelId="{7CB4AD6C-A81A-4F1E-9D8D-676175E79D75}">
+      <dsp:nvSpPr>
+        <dsp:cNvPr id="0" name=""/>
+        <dsp:cNvSpPr/>
+      </dsp:nvSpPr>
+      <dsp:spPr>
+        <a:xfrm>
+          <a:off x="2193596" y="0"/>
+          <a:ext cx="2546268" cy="2546268"/>
+        </a:xfrm>
+        <a:prstGeom prst="ellipse">
+          <a:avLst/>
+        </a:prstGeom>
+        <a:solidFill>
+          <a:srgbClr val="333399">
+            <a:shade val="80000"/>
+            <a:hueOff val="0"/>
+            <a:satOff val="0"/>
+            <a:lumOff val="0"/>
+            <a:alphaOff val="0"/>
+          </a:srgbClr>
+        </a:solidFill>
+        <a:ln w="25400" cap="flat" cmpd="sng" algn="ctr">
+          <a:solidFill>
+            <a:srgbClr val="FFFFFF">
+              <a:hueOff val="0"/>
+              <a:satOff val="0"/>
+              <a:lumOff val="0"/>
+              <a:alphaOff val="0"/>
+            </a:srgbClr>
+          </a:solidFill>
+          <a:prstDash val="solid"/>
+        </a:ln>
+        <a:effectLst/>
+      </dsp:spPr>
+      <dsp:style>
+        <a:lnRef idx="2">
+          <a:scrgbClr r="0" g="0" b="0"/>
+        </a:lnRef>
+        <a:fillRef idx="1">
+          <a:scrgbClr r="0" g="0" b="0"/>
+        </a:fillRef>
+        <a:effectRef idx="0">
+          <a:scrgbClr r="0" g="0" b="0"/>
+        </a:effectRef>
+        <a:fontRef idx="minor">
+          <a:schemeClr val="lt1"/>
+        </a:fontRef>
+      </dsp:style>
+      <dsp:txBody>
+        <a:bodyPr spcFirstLastPara="0" vert="horz" wrap="square" lIns="38100" tIns="38100" rIns="38100" bIns="38100" numCol="1" spcCol="1270" anchor="ctr" anchorCtr="0">
+          <a:noAutofit/>
+        </a:bodyPr>
+        <a:lstStyle/>
+        <a:p>
+          <a:pPr marL="0" lvl="0" indent="0" algn="ctr" defTabSz="1333500">
+            <a:lnSpc>
+              <a:spcPct val="90000"/>
+            </a:lnSpc>
+            <a:spcBef>
+              <a:spcPct val="0"/>
+            </a:spcBef>
+            <a:spcAft>
+              <a:spcPct val="35000"/>
+            </a:spcAft>
+            <a:buNone/>
+          </a:pPr>
+          <a:r>
+            <a:rPr lang="fr-BE" sz="3000" kern="1200" dirty="0">
+              <a:solidFill>
+                <a:srgbClr val="FFFFFF"/>
+              </a:solidFill>
+              <a:latin typeface="Arial"/>
+              <a:ea typeface="ＭＳ Ｐゴシック"/>
+              <a:cs typeface="+mn-cs"/>
+            </a:rPr>
+            <a:t>Modèle</a:t>
+          </a:r>
+        </a:p>
+      </dsp:txBody>
+      <dsp:txXfrm>
+        <a:off x="2566488" y="372892"/>
+        <a:ext cx="1800484" cy="1800484"/>
+      </dsp:txXfrm>
+    </dsp:sp>
+    <dsp:sp modelId="{EC3917F5-05F3-4B32-A96B-9093911EAA4A}">
+      <dsp:nvSpPr>
+        <dsp:cNvPr id="0" name=""/>
+        <dsp:cNvSpPr/>
+      </dsp:nvSpPr>
+      <dsp:spPr>
+        <a:xfrm>
+          <a:off x="2783884" y="2555611"/>
+          <a:ext cx="1476835" cy="1476835"/>
+        </a:xfrm>
+        <a:prstGeom prst="mathPlus">
+          <a:avLst/>
+        </a:prstGeom>
+        <a:solidFill>
+          <a:srgbClr val="303092"/>
+        </a:solidFill>
+        <a:ln>
+          <a:noFill/>
+        </a:ln>
+        <a:effectLst/>
+      </dsp:spPr>
+      <dsp:style>
+        <a:lnRef idx="0">
+          <a:scrgbClr r="0" g="0" b="0"/>
+        </a:lnRef>
+        <a:fillRef idx="1">
+          <a:scrgbClr r="0" g="0" b="0"/>
+        </a:fillRef>
+        <a:effectRef idx="0">
+          <a:scrgbClr r="0" g="0" b="0"/>
+        </a:effectRef>
+        <a:fontRef idx="minor">
+          <a:schemeClr val="lt1"/>
+        </a:fontRef>
+      </dsp:style>
+      <dsp:txBody>
+        <a:bodyPr spcFirstLastPara="0" vert="horz" wrap="square" lIns="0" tIns="0" rIns="0" bIns="0" numCol="1" spcCol="1270" anchor="ctr" anchorCtr="0">
+          <a:noAutofit/>
+        </a:bodyPr>
+        <a:lstStyle/>
+        <a:p>
+          <a:pPr marL="0" lvl="0" indent="0" algn="ctr" defTabSz="1066800">
+            <a:lnSpc>
+              <a:spcPct val="90000"/>
+            </a:lnSpc>
+            <a:spcBef>
+              <a:spcPct val="0"/>
+            </a:spcBef>
+            <a:spcAft>
+              <a:spcPct val="35000"/>
+            </a:spcAft>
+            <a:buNone/>
+          </a:pPr>
+          <a:endParaRPr lang="fr-BE" sz="2400" kern="1200" dirty="0">
+            <a:solidFill>
+              <a:srgbClr val="FFFFFF"/>
+            </a:solidFill>
+            <a:latin typeface="Arial"/>
+            <a:ea typeface="ＭＳ Ｐゴシック"/>
+            <a:cs typeface="+mn-cs"/>
+          </a:endParaRPr>
+        </a:p>
+      </dsp:txBody>
+      <dsp:txXfrm>
+        <a:off x="2979638" y="3120353"/>
+        <a:ext cx="1085327" cy="347351"/>
+      </dsp:txXfrm>
+    </dsp:sp>
+    <dsp:sp modelId="{CA806A45-C18C-479A-9AFA-BD498CAE342C}">
+      <dsp:nvSpPr>
+        <dsp:cNvPr id="0" name=""/>
+        <dsp:cNvSpPr/>
+      </dsp:nvSpPr>
+      <dsp:spPr>
+        <a:xfrm>
+          <a:off x="2193596" y="4363096"/>
+          <a:ext cx="2546268" cy="2546268"/>
+        </a:xfrm>
+        <a:prstGeom prst="ellipse">
+          <a:avLst/>
+        </a:prstGeom>
+        <a:solidFill>
+          <a:srgbClr val="333399">
+            <a:shade val="80000"/>
+            <a:hueOff val="0"/>
+            <a:satOff val="-14010"/>
+            <a:lumOff val="15876"/>
+            <a:alphaOff val="0"/>
+          </a:srgbClr>
+        </a:solidFill>
+        <a:ln w="25400" cap="flat" cmpd="sng" algn="ctr">
+          <a:solidFill>
+            <a:srgbClr val="FFFFFF">
+              <a:hueOff val="0"/>
+              <a:satOff val="0"/>
+              <a:lumOff val="0"/>
+              <a:alphaOff val="0"/>
+            </a:srgbClr>
+          </a:solidFill>
+          <a:prstDash val="solid"/>
+        </a:ln>
+        <a:effectLst/>
+      </dsp:spPr>
+      <dsp:style>
+        <a:lnRef idx="2">
+          <a:scrgbClr r="0" g="0" b="0"/>
+        </a:lnRef>
+        <a:fillRef idx="1">
+          <a:scrgbClr r="0" g="0" b="0"/>
+        </a:fillRef>
+        <a:effectRef idx="0">
+          <a:scrgbClr r="0" g="0" b="0"/>
+        </a:effectRef>
+        <a:fontRef idx="minor">
+          <a:schemeClr val="lt1"/>
+        </a:fontRef>
+      </dsp:style>
+      <dsp:txBody>
+        <a:bodyPr spcFirstLastPara="0" vert="horz" wrap="square" lIns="38100" tIns="38100" rIns="38100" bIns="38100" numCol="1" spcCol="1270" anchor="ctr" anchorCtr="0">
+          <a:noAutofit/>
+        </a:bodyPr>
+        <a:lstStyle/>
+        <a:p>
+          <a:pPr marL="0" lvl="0" indent="0" algn="ctr" defTabSz="1333500">
+            <a:lnSpc>
+              <a:spcPct val="90000"/>
+            </a:lnSpc>
+            <a:spcBef>
+              <a:spcPct val="0"/>
+            </a:spcBef>
+            <a:spcAft>
+              <a:spcPct val="35000"/>
+            </a:spcAft>
+            <a:buNone/>
+          </a:pPr>
+          <a:r>
+            <a:rPr lang="fr-BE" sz="3000" kern="1200" dirty="0">
+              <a:solidFill>
+                <a:srgbClr val="FFFFFF"/>
+              </a:solidFill>
+              <a:latin typeface="Arial"/>
+              <a:ea typeface="ＭＳ Ｐゴシック"/>
+              <a:cs typeface="+mn-cs"/>
+            </a:rPr>
+            <a:t>Article de presse</a:t>
+          </a:r>
+        </a:p>
+      </dsp:txBody>
+      <dsp:txXfrm>
+        <a:off x="2566488" y="4735988"/>
+        <a:ext cx="1800484" cy="1800484"/>
+      </dsp:txXfrm>
+    </dsp:sp>
+    <dsp:sp modelId="{FD2E0414-B98C-4E02-B479-0E69B8B90541}">
+      <dsp:nvSpPr>
+        <dsp:cNvPr id="0" name=""/>
+        <dsp:cNvSpPr/>
+      </dsp:nvSpPr>
+      <dsp:spPr>
+        <a:xfrm>
+          <a:off x="2684395" y="7128796"/>
+          <a:ext cx="1476835" cy="1476835"/>
+        </a:xfrm>
+        <a:prstGeom prst="mathEqual">
+          <a:avLst/>
+        </a:prstGeom>
+        <a:solidFill>
+          <a:srgbClr val="303092"/>
+        </a:solidFill>
+        <a:ln>
+          <a:noFill/>
+        </a:ln>
+        <a:effectLst/>
+      </dsp:spPr>
+      <dsp:style>
+        <a:lnRef idx="0">
+          <a:scrgbClr r="0" g="0" b="0"/>
+        </a:lnRef>
+        <a:fillRef idx="1">
+          <a:scrgbClr r="0" g="0" b="0"/>
+        </a:fillRef>
+        <a:effectRef idx="0">
+          <a:scrgbClr r="0" g="0" b="0"/>
+        </a:effectRef>
+        <a:fontRef idx="minor">
+          <a:schemeClr val="lt1"/>
+        </a:fontRef>
+      </dsp:style>
+      <dsp:txBody>
+        <a:bodyPr spcFirstLastPara="0" vert="horz" wrap="square" lIns="0" tIns="0" rIns="0" bIns="0" numCol="1" spcCol="1270" anchor="ctr" anchorCtr="0">
+          <a:noAutofit/>
+        </a:bodyPr>
+        <a:lstStyle/>
+        <a:p>
+          <a:pPr marL="0" lvl="0" indent="0" algn="ctr" defTabSz="1066800">
+            <a:lnSpc>
+              <a:spcPct val="90000"/>
+            </a:lnSpc>
+            <a:spcBef>
+              <a:spcPct val="0"/>
+            </a:spcBef>
+            <a:spcAft>
+              <a:spcPct val="35000"/>
+            </a:spcAft>
+            <a:buNone/>
+          </a:pPr>
+          <a:endParaRPr lang="fr-BE" sz="2400" kern="1200">
+            <a:solidFill>
+              <a:srgbClr val="FFFFFF"/>
+            </a:solidFill>
+            <a:latin typeface="Arial"/>
+            <a:ea typeface="ＭＳ Ｐゴシック"/>
+            <a:cs typeface="+mn-cs"/>
+          </a:endParaRPr>
+        </a:p>
+      </dsp:txBody>
+      <dsp:txXfrm>
+        <a:off x="2880149" y="7433024"/>
+        <a:ext cx="1085327" cy="868379"/>
+      </dsp:txXfrm>
+    </dsp:sp>
+    <dsp:sp modelId="{17D56751-DED1-4650-AA24-25CA0FE5CE33}">
+      <dsp:nvSpPr>
+        <dsp:cNvPr id="0" name=""/>
+        <dsp:cNvSpPr/>
+      </dsp:nvSpPr>
+      <dsp:spPr>
+        <a:xfrm>
+          <a:off x="2193596" y="8702921"/>
+          <a:ext cx="2546268" cy="2546268"/>
+        </a:xfrm>
+        <a:prstGeom prst="ellipse">
+          <a:avLst/>
+        </a:prstGeom>
+        <a:solidFill>
+          <a:srgbClr val="333399">
+            <a:shade val="80000"/>
+            <a:hueOff val="0"/>
+            <a:satOff val="-28019"/>
+            <a:lumOff val="31752"/>
+            <a:alphaOff val="0"/>
+          </a:srgbClr>
+        </a:solidFill>
+        <a:ln w="25400" cap="flat" cmpd="sng" algn="ctr">
+          <a:solidFill>
+            <a:srgbClr val="FFFFFF">
+              <a:hueOff val="0"/>
+              <a:satOff val="0"/>
+              <a:lumOff val="0"/>
+              <a:alphaOff val="0"/>
+            </a:srgbClr>
+          </a:solidFill>
+          <a:prstDash val="solid"/>
+        </a:ln>
+        <a:effectLst/>
+      </dsp:spPr>
+      <dsp:style>
+        <a:lnRef idx="2">
+          <a:scrgbClr r="0" g="0" b="0"/>
+        </a:lnRef>
+        <a:fillRef idx="1">
+          <a:scrgbClr r="0" g="0" b="0"/>
+        </a:fillRef>
+        <a:effectRef idx="0">
+          <a:scrgbClr r="0" g="0" b="0"/>
+        </a:effectRef>
+        <a:fontRef idx="minor">
+          <a:schemeClr val="lt1"/>
+        </a:fontRef>
+      </dsp:style>
+      <dsp:txBody>
+        <a:bodyPr spcFirstLastPara="0" vert="horz" wrap="square" lIns="38100" tIns="38100" rIns="38100" bIns="38100" numCol="1" spcCol="1270" anchor="ctr" anchorCtr="0">
+          <a:noAutofit/>
+        </a:bodyPr>
+        <a:lstStyle/>
+        <a:p>
+          <a:pPr marL="0" lvl="0" indent="0" algn="ctr" defTabSz="1333500">
+            <a:lnSpc>
+              <a:spcPct val="90000"/>
+            </a:lnSpc>
+            <a:spcBef>
+              <a:spcPct val="0"/>
+            </a:spcBef>
+            <a:spcAft>
+              <a:spcPct val="35000"/>
+            </a:spcAft>
+            <a:buNone/>
+          </a:pPr>
+          <a:r>
+            <a:rPr lang="fr-BE" sz="3000" kern="1200" dirty="0">
+              <a:solidFill>
+                <a:srgbClr val="FFFFFF"/>
+              </a:solidFill>
+              <a:latin typeface="Arial"/>
+              <a:ea typeface="ＭＳ Ｐゴシック"/>
+              <a:cs typeface="+mn-cs"/>
+            </a:rPr>
+            <a:t>Prédiction</a:t>
+          </a:r>
+        </a:p>
+      </dsp:txBody>
+      <dsp:txXfrm>
+        <a:off x="2566488" y="9075813"/>
+        <a:ext cx="1800484" cy="1800484"/>
+      </dsp:txXfrm>
+    </dsp:sp>
+  </dsp:spTree>
+</dsp:drawing>
+</file>
+
+<file path=ppt/diagrams/layout1.xml><?xml version="1.0" encoding="utf-8"?>
+<dgm:layoutDef xmlns:dgm="http://schemas.openxmlformats.org/drawingml/2006/diagram" xmlns:a="http://schemas.openxmlformats.org/drawingml/2006/main" uniqueId="urn:microsoft.com/office/officeart/2005/8/layout/process2">
+  <dgm:title val=""/>
+  <dgm:desc val=""/>
+  <dgm:catLst>
+    <dgm:cat type="process" pri="13000"/>
+  </dgm:catLst>
+  <dgm:sampData useDef="1">
+    <dgm:dataModel>
+      <dgm:ptLst/>
+      <dgm:bg/>
+      <dgm:whole/>
+    </dgm:dataModel>
+  </dgm:sampData>
+  <dgm:styleData>
+    <dgm:dataModel>
+      <dgm:ptLst>
+        <dgm:pt modelId="0" type="doc"/>
+        <dgm:pt modelId="1"/>
+        <dgm:pt modelId="2"/>
+      </dgm:ptLst>
+      <dgm:cxnLst>
+        <dgm:cxn modelId="3" srcId="0" destId="1" srcOrd="0" destOrd="0"/>
+        <dgm:cxn modelId="4" srcId="0" destId="2" srcOrd="1" destOrd="0"/>
+      </dgm:cxnLst>
+      <dgm:bg/>
+      <dgm:whole/>
+    </dgm:dataModel>
+  </dgm:styleData>
+  <dgm:clrData>
+    <dgm:dataModel>
+      <dgm:ptLst>
+        <dgm:pt modelId="0" type="doc"/>
+        <dgm:pt modelId="1"/>
+        <dgm:pt modelId="2"/>
+        <dgm:pt modelId="3"/>
+        <dgm:pt modelId="4"/>
+      </dgm:ptLst>
+      <dgm:cxnLst>
+        <dgm:cxn modelId="5" srcId="0" destId="1" srcOrd="0" destOrd="0"/>
+        <dgm:cxn modelId="6" srcId="0" destId="2" srcOrd="1" destOrd="0"/>
+        <dgm:cxn modelId="7" srcId="0" destId="3" srcOrd="2" destOrd="0"/>
+        <dgm:cxn modelId="8" srcId="0" destId="4" srcOrd="3" destOrd="0"/>
+      </dgm:cxnLst>
+      <dgm:bg/>
+      <dgm:whole/>
+    </dgm:dataModel>
+  </dgm:clrData>
+  <dgm:layoutNode name="linearFlow">
+    <dgm:varLst>
+      <dgm:resizeHandles val="exact"/>
+    </dgm:varLst>
+    <dgm:alg type="lin">
+      <dgm:param type="linDir" val="fromT"/>
+    </dgm:alg>
+    <dgm:shape xmlns:r="http://schemas.openxmlformats.org/officeDocument/2006/relationships" r:blip="">
+      <dgm:adjLst/>
+    </dgm:shape>
+    <dgm:presOf/>
+    <dgm:constrLst>
+      <dgm:constr type="h" for="ch" ptType="node" refType="h"/>
+      <dgm:constr type="h" for="ch" ptType="sibTrans" refType="h" refFor="ch" refPtType="node" fact="0.5"/>
+      <dgm:constr type="w" for="ch" ptType="node" op="equ"/>
+      <dgm:constr type="primFontSz" for="ch" ptType="node" op="equ" val="65"/>
+      <dgm:constr type="primFontSz" for="des" forName="connectorText" op="equ" val="55"/>
+      <dgm:constr type="primFontSz" for="des" forName="connectorText" refType="primFontSz" refFor="ch" refPtType="node" op="lte" fact="0.8"/>
+    </dgm:constrLst>
+    <dgm:ruleLst/>
+    <dgm:forEach name="nodesForEach" axis="ch" ptType="node">
+      <dgm:layoutNode name="node">
+        <dgm:varLst>
+          <dgm:bulletEnabled val="1"/>
+        </dgm:varLst>
+        <dgm:choose name="Name0">
+          <dgm:if name="Name1" axis="root des" ptType="all node" func="maxDepth" op="gt" val="1">
+            <dgm:alg type="tx">
+              <dgm:param type="parTxLTRAlign" val="l"/>
+              <dgm:param type="parTxRTLAlign" val="r"/>
+              <dgm:param type="txAnchorVertCh" val="mid"/>
+            </dgm:alg>
+          </dgm:if>
+          <dgm:else name="Name2">
+            <dgm:alg type="tx"/>
+          </dgm:else>
+        </dgm:choose>
+        <dgm:shape xmlns:r="http://schemas.openxmlformats.org/officeDocument/2006/relationships" type="roundRect" r:blip="">
+          <dgm:adjLst>
+            <dgm:adj idx="1" val="0.1"/>
+          </dgm:adjLst>
+        </dgm:shape>
+        <dgm:presOf axis="desOrSelf" ptType="node"/>
+        <dgm:constrLst>
+          <dgm:constr type="w" refType="h" fact="1.8"/>
+          <dgm:constr type="tMarg" refType="primFontSz" fact="0.3"/>
+          <dgm:constr type="bMarg" refType="primFontSz" fact="0.3"/>
+          <dgm:constr type="lMarg" refType="primFontSz" fact="0.3"/>
+          <dgm:constr type="rMarg" refType="primFontSz" fact="0.3"/>
+        </dgm:constrLst>
+        <dgm:ruleLst>
+          <dgm:rule type="primFontSz" val="18" fact="NaN" max="NaN"/>
+          <dgm:rule type="w" val="NaN" fact="4" max="NaN"/>
+          <dgm:rule type="primFontSz" val="5" fact="NaN" max="NaN"/>
+        </dgm:ruleLst>
+      </dgm:layoutNode>
+      <dgm:forEach name="sibTransForEach" axis="followSib" ptType="sibTrans" cnt="1">
+        <dgm:layoutNode name="sibTrans">
+          <dgm:alg type="conn">
+            <dgm:param type="begPts" val="auto"/>
+            <dgm:param type="endPts" val="auto"/>
+          </dgm:alg>
+          <dgm:shape xmlns:r="http://schemas.openxmlformats.org/officeDocument/2006/relationships" type="conn" r:blip="">
+            <dgm:adjLst/>
+          </dgm:shape>
+          <dgm:presOf axis="self"/>
+          <dgm:constrLst>
+            <dgm:constr type="w" refType="h" fact="0.9"/>
+            <dgm:constr type="connDist"/>
+            <dgm:constr type="wArH" refType="w" fact="0.5"/>
+            <dgm:constr type="hArH" refType="w"/>
+            <dgm:constr type="stemThick" refType="w" fact="0.6"/>
+            <dgm:constr type="begPad" refType="connDist" fact="0.125"/>
+            <dgm:constr type="endPad" refType="connDist" fact="0.125"/>
+          </dgm:constrLst>
+          <dgm:ruleLst/>
+          <dgm:layoutNode name="connectorText">
+            <dgm:alg type="tx">
+              <dgm:param type="autoTxRot" val="upr"/>
+            </dgm:alg>
+            <dgm:shape xmlns:r="http://schemas.openxmlformats.org/officeDocument/2006/relationships" type="conn" r:blip="" hideGeom="1">
+              <dgm:adjLst/>
+            </dgm:shape>
+            <dgm:presOf axis="self"/>
+            <dgm:constrLst>
+              <dgm:constr type="lMarg"/>
+              <dgm:constr type="rMarg"/>
+              <dgm:constr type="tMarg"/>
+              <dgm:constr type="bMarg"/>
+            </dgm:constrLst>
+            <dgm:ruleLst>
+              <dgm:rule type="primFontSz" val="5" fact="NaN" max="NaN"/>
+            </dgm:ruleLst>
+          </dgm:layoutNode>
+        </dgm:layoutNode>
+      </dgm:forEach>
+    </dgm:forEach>
+  </dgm:layoutNode>
+</dgm:layoutDef>
+</file>
+
+<file path=ppt/diagrams/layout2.xml><?xml version="1.0" encoding="utf-8"?>
+<dgm:layoutDef xmlns:dgm="http://schemas.openxmlformats.org/drawingml/2006/diagram" xmlns:a="http://schemas.openxmlformats.org/drawingml/2006/main" uniqueId="urn:microsoft.com/office/officeart/2005/8/layout/equation1">
+  <dgm:title val=""/>
+  <dgm:desc val=""/>
+  <dgm:catLst>
+    <dgm:cat type="relationship" pri="17000"/>
+    <dgm:cat type="process" pri="25000"/>
+  </dgm:catLst>
+  <dgm:sampData useDef="1">
+    <dgm:dataModel>
+      <dgm:ptLst/>
+      <dgm:bg/>
+      <dgm:whole/>
+    </dgm:dataModel>
+  </dgm:sampData>
+  <dgm:styleData>
+    <dgm:dataModel>
+      <dgm:ptLst>
+        <dgm:pt modelId="0" type="doc"/>
+        <dgm:pt modelId="1"/>
+        <dgm:pt modelId="2"/>
+      </dgm:ptLst>
+      <dgm:cxnLst>
+        <dgm:cxn modelId="3" srcId="0" destId="1" srcOrd="0" destOrd="0"/>
+        <dgm:cxn modelId="4" srcId="0" destId="2" srcOrd="1" destOrd="0"/>
+      </dgm:cxnLst>
+      <dgm:bg/>
+      <dgm:whole/>
+    </dgm:dataModel>
+  </dgm:styleData>
+  <dgm:clrData>
+    <dgm:dataModel>
+      <dgm:ptLst>
+        <dgm:pt modelId="0" type="doc"/>
+        <dgm:pt modelId="1"/>
+        <dgm:pt modelId="2"/>
+        <dgm:pt modelId="3"/>
+        <dgm:pt modelId="4"/>
+      </dgm:ptLst>
+      <dgm:cxnLst>
+        <dgm:cxn modelId="5" srcId="0" destId="1" srcOrd="0" destOrd="0"/>
+        <dgm:cxn modelId="6" srcId="0" destId="2" srcOrd="1" destOrd="0"/>
+        <dgm:cxn modelId="7" srcId="0" destId="3" srcOrd="2" destOrd="0"/>
+        <dgm:cxn modelId="8" srcId="0" destId="4" srcOrd="3" destOrd="0"/>
+      </dgm:cxnLst>
+      <dgm:bg/>
+      <dgm:whole/>
+    </dgm:dataModel>
+  </dgm:clrData>
+  <dgm:layoutNode name="linearFlow">
+    <dgm:varLst>
+      <dgm:dir/>
+      <dgm:resizeHandles val="exact"/>
+    </dgm:varLst>
+    <dgm:choose name="Name0">
+      <dgm:if name="Name1" func="var" arg="dir" op="equ" val="norm">
+        <dgm:alg type="lin">
+          <dgm:param type="fallback" val="2D"/>
+        </dgm:alg>
+      </dgm:if>
+      <dgm:else name="Name2">
+        <dgm:alg type="lin">
+          <dgm:param type="linDir" val="fromR"/>
+          <dgm:param type="fallback" val="2D"/>
+        </dgm:alg>
+      </dgm:else>
+    </dgm:choose>
+    <dgm:shape xmlns:r="http://schemas.openxmlformats.org/officeDocument/2006/relationships" r:blip="">
+      <dgm:adjLst/>
+    </dgm:shape>
+    <dgm:presOf/>
+    <dgm:constrLst>
+      <dgm:constr type="w" for="ch" ptType="node" refType="w"/>
+      <dgm:constr type="w" for="ch" ptType="sibTrans" refType="w" refFor="ch" refPtType="node" fact="0.58"/>
+      <dgm:constr type="primFontSz" for="ch" ptType="node" op="equ" val="65"/>
+      <dgm:constr type="primFontSz" for="ch" ptType="sibTrans" op="equ" val="55"/>
+      <dgm:constr type="primFontSz" for="ch" ptType="sibTrans" refType="primFontSz" refFor="ch" refPtType="node" op="lte" fact="0.8"/>
+      <dgm:constr type="w" for="ch" forName="spacerL" refType="w" refFor="ch" refPtType="sibTrans" fact="0.14"/>
+      <dgm:constr type="w" for="ch" forName="spacerR" refType="w" refFor="ch" refPtType="sibTrans" fact="0.14"/>
+    </dgm:constrLst>
+    <dgm:ruleLst/>
+    <dgm:forEach name="nodesForEach" axis="ch" ptType="node">
+      <dgm:layoutNode name="node">
+        <dgm:varLst>
+          <dgm:bulletEnabled val="1"/>
+        </dgm:varLst>
+        <dgm:alg type="tx">
+          <dgm:param type="txAnchorVertCh" val="mid"/>
+        </dgm:alg>
+        <dgm:shape xmlns:r="http://schemas.openxmlformats.org/officeDocument/2006/relationships" type="ellipse" r:blip="">
+          <dgm:adjLst/>
+        </dgm:shape>
+        <dgm:presOf axis="desOrSelf" ptType="node"/>
+        <dgm:constrLst>
+          <dgm:constr type="h" refType="w"/>
+          <dgm:constr type="tMarg" refType="primFontSz" fact="0.1"/>
+          <dgm:constr type="bMarg" refType="primFontSz" fact="0.1"/>
+          <dgm:constr type="lMarg" refType="primFontSz" fact="0.1"/>
+          <dgm:constr type="rMarg" refType="primFontSz" fact="0.1"/>
+        </dgm:constrLst>
+        <dgm:ruleLst>
+          <dgm:rule type="primFontSz" val="5" fact="NaN" max="NaN"/>
+        </dgm:ruleLst>
+      </dgm:layoutNode>
+      <dgm:forEach name="sibTransForEach" axis="followSib" ptType="sibTrans" cnt="1">
+        <dgm:layoutNode name="spacerL">
+          <dgm:alg type="sp"/>
+          <dgm:shape xmlns:r="http://schemas.openxmlformats.org/officeDocument/2006/relationships" r:blip="">
+            <dgm:adjLst/>
+          </dgm:shape>
+          <dgm:presOf/>
+          <dgm:constrLst/>
+          <dgm:ruleLst/>
+        </dgm:layoutNode>
+        <dgm:layoutNode name="sibTrans">
+          <dgm:alg type="tx"/>
+          <dgm:choose name="Name3">
+            <dgm:if name="Name4" axis="followSib" ptType="sibTrans" func="cnt" op="equ" val="0">
+              <dgm:shape xmlns:r="http://schemas.openxmlformats.org/officeDocument/2006/relationships" type="mathEqual" r:blip="">
+                <dgm:adjLst/>
+              </dgm:shape>
+            </dgm:if>
+            <dgm:else name="Name5">
+              <dgm:shape xmlns:r="http://schemas.openxmlformats.org/officeDocument/2006/relationships" type="mathPlus" r:blip="">
+                <dgm:adjLst/>
+              </dgm:shape>
+            </dgm:else>
+          </dgm:choose>
+          <dgm:presOf axis="self"/>
+          <dgm:constrLst>
+            <dgm:constr type="h" refType="w"/>
+            <dgm:constr type="lMarg"/>
+            <dgm:constr type="rMarg"/>
+            <dgm:constr type="tMarg"/>
+            <dgm:constr type="bMarg"/>
+          </dgm:constrLst>
+          <dgm:ruleLst>
+            <dgm:rule type="primFontSz" val="5" fact="NaN" max="NaN"/>
+          </dgm:ruleLst>
+        </dgm:layoutNode>
+        <dgm:layoutNode name="spacerR">
+          <dgm:alg type="sp"/>
+          <dgm:shape xmlns:r="http://schemas.openxmlformats.org/officeDocument/2006/relationships" r:blip="">
+            <dgm:adjLst/>
+          </dgm:shape>
+          <dgm:presOf/>
+          <dgm:constrLst/>
+          <dgm:ruleLst/>
+        </dgm:layoutNode>
+      </dgm:forEach>
+    </dgm:forEach>
+  </dgm:layoutNode>
+</dgm:layoutDef>
+</file>
+
+<file path=ppt/diagrams/quickStyle1.xml><?xml version="1.0" encoding="utf-8"?>
+<dgm:styleDef xmlns:dgm="http://schemas.openxmlformats.org/drawingml/2006/diagram" xmlns:a="http://schemas.openxmlformats.org/drawingml/2006/main" uniqueId="urn:microsoft.com/office/officeart/2005/8/quickstyle/simple1">
+  <dgm:title val=""/>
+  <dgm:desc val=""/>
+  <dgm:catLst>
+    <dgm:cat type="simple" pri="10100"/>
+  </dgm:catLst>
+  <dgm:scene3d>
+    <a:camera prst="orthographicFront"/>
+    <a:lightRig rig="threePt" dir="t"/>
+  </dgm:scene3d>
+  <dgm:styleLbl name="node0">
+    <dgm:scene3d>
+      <a:camera prst="orthographicFront"/>
+      <a:lightRig rig="threePt" dir="t"/>
+    </dgm:scene3d>
+    <dgm:sp3d/>
+    <dgm:txPr/>
+    <dgm:style>
+      <a:lnRef idx="2">
+        <a:scrgbClr r="0" g="0" b="0"/>
+      </a:lnRef>
+      <a:fillRef idx="1">
+        <a:scrgbClr r="0" g="0" b="0"/>
+      </a:fillRef>
+      <a:effectRef idx="0">
+        <a:scrgbClr r="0" g="0" b="0"/>
+      </a:effectRef>
+      <a:fontRef idx="minor">
+        <a:schemeClr val="lt1"/>
+      </a:fontRef>
+    </dgm:style>
+  </dgm:styleLbl>
+  <dgm:styleLbl name="lnNode1">
+    <dgm:scene3d>
+      <a:camera prst="orthographicFront"/>
+      <a:lightRig rig="threePt" dir="t"/>
+    </dgm:scene3d>
+    <dgm:sp3d/>
+    <dgm:txPr/>
+    <dgm:style>
+      <a:lnRef idx="2">
+        <a:scrgbClr r="0" g="0" b="0"/>
+      </a:lnRef>
+      <a:fillRef idx="1">
+        <a:scrgbClr r="0" g="0" b="0"/>
+      </a:fillRef>
+      <a:effectRef idx="0">
+        <a:scrgbClr r="0" g="0" b="0"/>
+      </a:effectRef>
+      <a:fontRef idx="minor">
+        <a:schemeClr val="lt1"/>
+      </a:fontRef>
+    </dgm:style>
+  </dgm:styleLbl>
+  <dgm:styleLbl name="vennNode1">
+    <dgm:scene3d>
+      <a:camera prst="orthographicFront"/>
+      <a:lightRig rig="threePt" dir="t"/>
+    </dgm:scene3d>
+    <dgm:sp3d/>
+    <dgm:txPr/>
+    <dgm:style>
+      <a:lnRef idx="2">
+        <a:scrgbClr r="0" g="0" b="0"/>
+      </a:lnRef>
+      <a:fillRef idx="1">
+        <a:scrgbClr r="0" g="0" b="0"/>
+      </a:fillRef>
+      <a:effectRef idx="0">
+        <a:scrgbClr r="0" g="0" b="0"/>
+      </a:effectRef>
+      <a:fontRef idx="minor">
+        <a:schemeClr val="tx1"/>
+      </a:fontRef>
+    </dgm:style>
+  </dgm:styleLbl>
+  <dgm:styleLbl name="alignNode1">
+    <dgm:scene3d>
+      <a:camera prst="orthographicFront"/>
+      <a:lightRig rig="threePt" dir="t"/>
+    </dgm:scene3d>
+    <dgm:sp3d/>
+    <dgm:txPr/>
+    <dgm:style>
+      <a:lnRef idx="2">
+        <a:scrgbClr r="0" g="0" b="0"/>
+      </a:lnRef>
+      <a:fillRef idx="1">
+        <a:scrgbClr r="0" g="0" b="0"/>
+      </a:fillRef>
+      <a:effectRef idx="0">
+        <a:scrgbClr r="0" g="0" b="0"/>
+      </a:effectRef>
+      <a:fontRef idx="minor">
+        <a:schemeClr val="lt1"/>
+      </a:fontRef>
+    </dgm:style>
+  </dgm:styleLbl>
+  <dgm:styleLbl name="node1">
+    <dgm:scene3d>
+      <a:camera prst="orthographicFront"/>
+      <a:lightRig rig="threePt" dir="t"/>
+    </dgm:scene3d>
+    <dgm:sp3d/>
+    <dgm:txPr/>
+    <dgm:style>
+      <a:lnRef idx="2">
+        <a:scrgbClr r="0" g="0" b="0"/>
+      </a:lnRef>
+      <a:fillRef idx="1">
+        <a:scrgbClr r="0" g="0" b="0"/>
+      </a:fillRef>
+      <a:effectRef idx="0">
+        <a:scrgbClr r="0" g="0" b="0"/>
+      </a:effectRef>
+      <a:fontRef idx="minor">
+        <a:schemeClr val="lt1"/>
+      </a:fontRef>
+    </dgm:style>
+  </dgm:styleLbl>
+  <dgm:styleLbl name="node2">
+    <dgm:scene3d>
+      <a:camera prst="orthographicFront"/>
+      <a:lightRig rig="threePt" dir="t"/>
+    </dgm:scene3d>
+    <dgm:sp3d/>
+    <dgm:txPr/>
+    <dgm:style>
+      <a:lnRef idx="2">
+        <a:scrgbClr r="0" g="0" b="0"/>
+      </a:lnRef>
+      <a:fillRef idx="1">
+        <a:scrgbClr r="0" g="0" b="0"/>
+      </a:fillRef>
+      <a:effectRef idx="0">
+        <a:scrgbClr r="0" g="0" b="0"/>
+      </a:effectRef>
+      <a:fontRef idx="minor">
+        <a:schemeClr val="lt1"/>
+      </a:fontRef>
+    </dgm:style>
+  </dgm:styleLbl>
+  <dgm:styleLbl name="node3">
+    <dgm:scene3d>
+      <a:camera prst="orthographicFront"/>
+      <a:lightRig rig="threePt" dir="t"/>
+    </dgm:scene3d>
+    <dgm:sp3d/>
+    <dgm:txPr/>
+    <dgm:style>
+      <a:lnRef idx="2">
+        <a:scrgbClr r="0" g="0" b="0"/>
+      </a:lnRef>
+      <a:fillRef idx="1">
+        <a:scrgbClr r="0" g="0" b="0"/>
+      </a:fillRef>
+      <a:effectRef idx="0">
+        <a:scrgbClr r="0" g="0" b="0"/>
+      </a:effectRef>
+      <a:fontRef idx="minor">
+        <a:schemeClr val="lt1"/>
+      </a:fontRef>
+    </dgm:style>
+  </dgm:styleLbl>
+  <dgm:styleLbl name="node4">
+    <dgm:scene3d>
+      <a:camera prst="orthographicFront"/>
+      <a:lightRig rig="threePt" dir="t"/>
+    </dgm:scene3d>
+    <dgm:sp3d/>
+    <dgm:txPr/>
+    <dgm:style>
+      <a:lnRef idx="2">
+        <a:scrgbClr r="0" g="0" b="0"/>
+      </a:lnRef>
+      <a:fillRef idx="1">
+        <a:scrgbClr r="0" g="0" b="0"/>
+      </a:fillRef>
+      <a:effectRef idx="0">
+        <a:scrgbClr r="0" g="0" b="0"/>
+      </a:effectRef>
+      <a:fontRef idx="minor">
+        <a:schemeClr val="lt1"/>
+      </a:fontRef>
+    </dgm:style>
+  </dgm:styleLbl>
+  <dgm:styleLbl name="fgImgPlace1">
+    <dgm:scene3d>
+      <a:camera prst="orthographicFront"/>
+      <a:lightRig rig="threePt" dir="t"/>
+    </dgm:scene3d>
+    <dgm:sp3d/>
+    <dgm:txPr/>
+    <dgm:style>
+      <a:lnRef idx="2">
+        <a:scrgbClr r="0" g="0" b="0"/>
+      </a:lnRef>
+      <a:fillRef idx="1">
+        <a:scrgbClr r="0" g="0" b="0"/>
+      </a:fillRef>
+      <a:effectRef idx="0">
+        <a:scrgbClr r="0" g="0" b="0"/>
+      </a:effectRef>
+      <a:fontRef idx="minor"/>
+    </dgm:style>
+  </dgm:styleLbl>
+  <dgm:styleLbl name="alignImgPlace1">
+    <dgm:scene3d>
+      <a:camera prst="orthographicFront"/>
+      <a:lightRig rig="threePt" dir="t"/>
+    </dgm:scene3d>
+    <dgm:sp3d/>
+    <dgm:txPr/>
+    <dgm:style>
+      <a:lnRef idx="2">
+        <a:scrgbClr r="0" g="0" b="0"/>
+      </a:lnRef>
+      <a:fillRef idx="1">
+        <a:scrgbClr r="0" g="0" b="0"/>
+      </a:fillRef>
+      <a:effectRef idx="0">
+        <a:scrgbClr r="0" g="0" b="0"/>
+      </a:effectRef>
+      <a:fontRef idx="minor"/>
+    </dgm:style>
+  </dgm:styleLbl>
+  <dgm:styleLbl name="bgImgPlace1">
+    <dgm:scene3d>
+      <a:camera prst="orthographicFront"/>
+      <a:lightRig rig="threePt" dir="t"/>
+    </dgm:scene3d>
+    <dgm:sp3d/>
+    <dgm:txPr/>
+    <dgm:style>
+      <a:lnRef idx="2">
+        <a:scrgbClr r="0" g="0" b="0"/>
+      </a:lnRef>
+      <a:fillRef idx="1">
+        <a:scrgbClr r="0" g="0" b="0"/>
+      </a:fillRef>
+      <a:effectRef idx="0">
+        <a:scrgbClr r="0" g="0" b="0"/>
+      </a:effectRef>
+      <a:fontRef idx="minor"/>
+    </dgm:style>
+  </dgm:styleLbl>
+  <dgm:styleLbl name="sibTrans2D1">
+    <dgm:scene3d>
+      <a:camera prst="orthographicFront"/>
+      <a:lightRig rig="threePt" dir="t"/>
+    </dgm:scene3d>
+    <dgm:sp3d/>
+    <dgm:txPr/>
+    <dgm:style>
+      <a:lnRef idx="0">
+        <a:scrgbClr r="0" g="0" b="0"/>
+      </a:lnRef>
+      <a:fillRef idx="1">
+        <a:scrgbClr r="0" g="0" b="0"/>
+      </a:fillRef>
+      <a:effectRef idx="0">
+        <a:scrgbClr r="0" g="0" b="0"/>
+      </a:effectRef>
+      <a:fontRef idx="minor">
+        <a:schemeClr val="lt1"/>
+      </a:fontRef>
+    </dgm:style>
+  </dgm:styleLbl>
+  <dgm:styleLbl name="fgSibTrans2D1">
+    <dgm:scene3d>
+      <a:camera prst="orthographicFront"/>
+      <a:lightRig rig="threePt" dir="t"/>
+    </dgm:scene3d>
+    <dgm:sp3d/>
+    <dgm:txPr/>
+    <dgm:style>
+      <a:lnRef idx="0">
+        <a:scrgbClr r="0" g="0" b="0"/>
+      </a:lnRef>
+      <a:fillRef idx="1">
+        <a:scrgbClr r="0" g="0" b="0"/>
+      </a:fillRef>
+      <a:effectRef idx="0">
+        <a:scrgbClr r="0" g="0" b="0"/>
+      </a:effectRef>
+      <a:fontRef idx="minor">
+        <a:schemeClr val="lt1"/>
+      </a:fontRef>
+    </dgm:style>
+  </dgm:styleLbl>
+  <dgm:styleLbl name="bgSibTrans2D1">
+    <dgm:scene3d>
+      <a:camera prst="orthographicFront"/>
+      <a:lightRig rig="threePt" dir="t"/>
+    </dgm:scene3d>
+    <dgm:sp3d/>
+    <dgm:txPr/>
+    <dgm:style>
+      <a:lnRef idx="0">
+        <a:scrgbClr r="0" g="0" b="0"/>
+      </a:lnRef>
+      <a:fillRef idx="1">
+        <a:scrgbClr r="0" g="0" b="0"/>
+      </a:fillRef>
+      <a:effectRef idx="0">
+        <a:scrgbClr r="0" g="0" b="0"/>
+      </a:effectRef>
+      <a:fontRef idx="minor">
+        <a:schemeClr val="lt1"/>
+      </a:fontRef>
+    </dgm:style>
+  </dgm:styleLbl>
+  <dgm:styleLbl name="sibTrans1D1">
+    <dgm:scene3d>
+      <a:camera prst="orthographicFront"/>
+      <a:lightRig rig="threePt" dir="t"/>
+    </dgm:scene3d>
+    <dgm:sp3d/>
+    <dgm:txPr/>
+    <dgm:style>
+      <a:lnRef idx="1">
+        <a:scrgbClr r="0" g="0" b="0"/>
+      </a:lnRef>
+      <a:fillRef idx="0">
+        <a:scrgbClr r="0" g="0" b="0"/>
+      </a:fillRef>
+      <a:effectRef idx="0">
+        <a:scrgbClr r="0" g="0" b="0"/>
+      </a:effectRef>
+      <a:fontRef idx="minor"/>
+    </dgm:style>
+  </dgm:styleLbl>
+  <dgm:styleLbl name="callout">
+    <dgm:scene3d>
+      <a:camera prst="orthographicFront"/>
+      <a:lightRig rig="threePt" dir="t"/>
+    </dgm:scene3d>
+    <dgm:sp3d/>
+    <dgm:txPr/>
+    <dgm:style>
+      <a:lnRef idx="2">
+        <a:scrgbClr r="0" g="0" b="0"/>
+      </a:lnRef>
+      <a:fillRef idx="1">
+        <a:scrgbClr r="0" g="0" b="0"/>
+      </a:fillRef>
+      <a:effectRef idx="0">
+        <a:scrgbClr r="0" g="0" b="0"/>
+      </a:effectRef>
+      <a:fontRef idx="minor"/>
+    </dgm:style>
+  </dgm:styleLbl>
+  <dgm:styleLbl name="asst0">
+    <dgm:scene3d>
+      <a:camera prst="orthographicFront"/>
+      <a:lightRig rig="threePt" dir="t"/>
+    </dgm:scene3d>
+    <dgm:sp3d/>
+    <dgm:txPr/>
+    <dgm:style>
+      <a:lnRef idx="2">
+        <a:scrgbClr r="0" g="0" b="0"/>
+      </a:lnRef>
+      <a:fillRef idx="1">
+        <a:scrgbClr r="0" g="0" b="0"/>
+      </a:fillRef>
+      <a:effectRef idx="0">
+        <a:scrgbClr r="0" g="0" b="0"/>
+      </a:effectRef>
+      <a:fontRef idx="minor">
+        <a:schemeClr val="lt1"/>
+      </a:fontRef>
+    </dgm:style>
+  </dgm:styleLbl>
+  <dgm:styleLbl name="asst1">
+    <dgm:scene3d>
+      <a:camera prst="orthographicFront"/>
+      <a:lightRig rig="threePt" dir="t"/>
+    </dgm:scene3d>
+    <dgm:sp3d/>
+    <dgm:txPr/>
+    <dgm:style>
+      <a:lnRef idx="2">
+        <a:scrgbClr r="0" g="0" b="0"/>
+      </a:lnRef>
+      <a:fillRef idx="1">
+        <a:scrgbClr r="0" g="0" b="0"/>
+      </a:fillRef>
+      <a:effectRef idx="0">
+        <a:scrgbClr r="0" g="0" b="0"/>
+      </a:effectRef>
+      <a:fontRef idx="minor">
+        <a:schemeClr val="lt1"/>
+      </a:fontRef>
+    </dgm:style>
+  </dgm:styleLbl>
+  <dgm:styleLbl name="asst2">
+    <dgm:scene3d>
+      <a:camera prst="orthographicFront"/>
+      <a:lightRig rig="threePt" dir="t"/>
+    </dgm:scene3d>
+    <dgm:sp3d/>
+    <dgm:txPr/>
+    <dgm:style>
+      <a:lnRef idx="2">
+        <a:scrgbClr r="0" g="0" b="0"/>
+      </a:lnRef>
+      <a:fillRef idx="1">
+        <a:scrgbClr r="0" g="0" b="0"/>
+      </a:fillRef>
+      <a:effectRef idx="0">
+        <a:scrgbClr r="0" g="0" b="0"/>
+      </a:effectRef>
+      <a:fontRef idx="minor">
+        <a:schemeClr val="lt1"/>
+      </a:fontRef>
+    </dgm:style>
+  </dgm:styleLbl>
+  <dgm:styleLbl name="asst3">
+    <dgm:scene3d>
+      <a:camera prst="orthographicFront"/>
+      <a:lightRig rig="threePt" dir="t"/>
+    </dgm:scene3d>
+    <dgm:sp3d/>
+    <dgm:txPr/>
+    <dgm:style>
+      <a:lnRef idx="2">
+        <a:scrgbClr r="0" g="0" b="0"/>
+      </a:lnRef>
+      <a:fillRef idx="1">
+        <a:scrgbClr r="0" g="0" b="0"/>
+      </a:fillRef>
+      <a:effectRef idx="0">
+        <a:scrgbClr r="0" g="0" b="0"/>
+      </a:effectRef>
+      <a:fontRef idx="minor">
+        <a:schemeClr val="lt1"/>
+      </a:fontRef>
+    </dgm:style>
+  </dgm:styleLbl>
+  <dgm:styleLbl name="asst4">
+    <dgm:scene3d>
+      <a:camera prst="orthographicFront"/>
+      <a:lightRig rig="threePt" dir="t"/>
+    </dgm:scene3d>
+    <dgm:sp3d/>
+    <dgm:txPr/>
+    <dgm:style>
+      <a:lnRef idx="2">
+        <a:scrgbClr r="0" g="0" b="0"/>
+      </a:lnRef>
+      <a:fillRef idx="1">
+        <a:scrgbClr r="0" g="0" b="0"/>
+      </a:fillRef>
+      <a:effectRef idx="0">
+        <a:scrgbClr r="0" g="0" b="0"/>
+      </a:effectRef>
+      <a:fontRef idx="minor">
+        <a:schemeClr val="lt1"/>
+      </a:fontRef>
+    </dgm:style>
+  </dgm:styleLbl>
+  <dgm:styleLbl name="parChTrans2D1">
+    <dgm:scene3d>
+      <a:camera prst="orthographicFront"/>
+      <a:lightRig rig="threePt" dir="t"/>
+    </dgm:scene3d>
+    <dgm:sp3d/>
+    <dgm:txPr/>
+    <dgm:style>
+      <a:lnRef idx="2">
+        <a:scrgbClr r="0" g="0" b="0"/>
+      </a:lnRef>
+      <a:fillRef idx="1">
+        <a:scrgbClr r="0" g="0" b="0"/>
+      </a:fillRef>
+      <a:effectRef idx="0">
+        <a:scrgbClr r="0" g="0" b="0"/>
+      </a:effectRef>
+      <a:fontRef idx="minor">
+        <a:schemeClr val="lt1"/>
+      </a:fontRef>
+    </dgm:style>
+  </dgm:styleLbl>
+  <dgm:styleLbl name="parChTrans2D2">
+    <dgm:scene3d>
+      <a:camera prst="orthographicFront"/>
+      <a:lightRig rig="threePt" dir="t"/>
+    </dgm:scene3d>
+    <dgm:sp3d/>
+    <dgm:txPr/>
+    <dgm:style>
+      <a:lnRef idx="2">
+        <a:scrgbClr r="0" g="0" b="0"/>
+      </a:lnRef>
+      <a:fillRef idx="1">
+        <a:scrgbClr r="0" g="0" b="0"/>
+      </a:fillRef>
+      <a:effectRef idx="0">
+        <a:scrgbClr r="0" g="0" b="0"/>
+      </a:effectRef>
+      <a:fontRef idx="minor">
+        <a:schemeClr val="lt1"/>
+      </a:fontRef>
+    </dgm:style>
+  </dgm:styleLbl>
+  <dgm:styleLbl name="parChTrans2D3">
+    <dgm:scene3d>
+      <a:camera prst="orthographicFront"/>
+      <a:lightRig rig="threePt" dir="t"/>
+    </dgm:scene3d>
+    <dgm:sp3d/>
+    <dgm:txPr/>
+    <dgm:style>
+      <a:lnRef idx="2">
+        <a:scrgbClr r="0" g="0" b="0"/>
+      </a:lnRef>
+      <a:fillRef idx="1">
+        <a:scrgbClr r="0" g="0" b="0"/>
+      </a:fillRef>
+      <a:effectRef idx="0">
+        <a:scrgbClr r="0" g="0" b="0"/>
+      </a:effectRef>
+      <a:fontRef idx="minor">
+        <a:schemeClr val="lt1"/>
+      </a:fontRef>
+    </dgm:style>
+  </dgm:styleLbl>
+  <dgm:styleLbl name="parChTrans2D4">
+    <dgm:scene3d>
+      <a:camera prst="orthographicFront"/>
+      <a:lightRig rig="threePt" dir="t"/>
+    </dgm:scene3d>
+    <dgm:sp3d/>
+    <dgm:txPr/>
+    <dgm:style>
+      <a:lnRef idx="2">
+        <a:scrgbClr r="0" g="0" b="0"/>
+      </a:lnRef>
+      <a:fillRef idx="1">
+        <a:scrgbClr r="0" g="0" b="0"/>
+      </a:fillRef>
+      <a:effectRef idx="0">
+        <a:scrgbClr r="0" g="0" b="0"/>
+      </a:effectRef>
+      <a:fontRef idx="minor">
+        <a:schemeClr val="lt1"/>
+      </a:fontRef>
+    </dgm:style>
+  </dgm:styleLbl>
+  <dgm:styleLbl name="parChTrans1D1">
+    <dgm:scene3d>
+      <a:camera prst="orthographicFront"/>
+      <a:lightRig rig="threePt" dir="t"/>
+    </dgm:scene3d>
+    <dgm:sp3d/>
+    <dgm:txPr/>
+    <dgm:style>
+      <a:lnRef idx="2">
+        <a:scrgbClr r="0" g="0" b="0"/>
+      </a:lnRef>
+      <a:fillRef idx="0">
+        <a:scrgbClr r="0" g="0" b="0"/>
+      </a:fillRef>
+      <a:effectRef idx="0">
+        <a:scrgbClr r="0" g="0" b="0"/>
+      </a:effectRef>
+      <a:fontRef idx="minor"/>
+    </dgm:style>
+  </dgm:styleLbl>
+  <dgm:styleLbl name="parChTrans1D2">
+    <dgm:scene3d>
+      <a:camera prst="orthographicFront"/>
+      <a:lightRig rig="threePt" dir="t"/>
+    </dgm:scene3d>
+    <dgm:sp3d/>
+    <dgm:txPr/>
+    <dgm:style>
+      <a:lnRef idx="2">
+        <a:scrgbClr r="0" g="0" b="0"/>
+      </a:lnRef>
+      <a:fillRef idx="0">
+        <a:scrgbClr r="0" g="0" b="0"/>
+      </a:fillRef>
+      <a:effectRef idx="0">
+        <a:scrgbClr r="0" g="0" b="0"/>
+      </a:effectRef>
+      <a:fontRef idx="minor"/>
+    </dgm:style>
+  </dgm:styleLbl>
+  <dgm:styleLbl name="parChTrans1D3">
+    <dgm:scene3d>
+      <a:camera prst="orthographicFront"/>
+      <a:lightRig rig="threePt" dir="t"/>
+    </dgm:scene3d>
+    <dgm:sp3d/>
+    <dgm:txPr/>
+    <dgm:style>
+      <a:lnRef idx="2">
+        <a:scrgbClr r="0" g="0" b="0"/>
+      </a:lnRef>
+      <a:fillRef idx="0">
+        <a:scrgbClr r="0" g="0" b="0"/>
+      </a:fillRef>
+      <a:effectRef idx="0">
+        <a:scrgbClr r="0" g="0" b="0"/>
+      </a:effectRef>
+      <a:fontRef idx="minor"/>
+    </dgm:style>
+  </dgm:styleLbl>
+  <dgm:styleLbl name="parChTrans1D4">
+    <dgm:scene3d>
+      <a:camera prst="orthographicFront"/>
+      <a:lightRig rig="threePt" dir="t"/>
+    </dgm:scene3d>
+    <dgm:sp3d/>
+    <dgm:txPr/>
+    <dgm:style>
+      <a:lnRef idx="2">
+        <a:scrgbClr r="0" g="0" b="0"/>
+      </a:lnRef>
+      <a:fillRef idx="0">
+        <a:scrgbClr r="0" g="0" b="0"/>
+      </a:fillRef>
+      <a:effectRef idx="0">
+        <a:scrgbClr r="0" g="0" b="0"/>
+      </a:effectRef>
+      <a:fontRef idx="minor"/>
+    </dgm:style>
+  </dgm:styleLbl>
+  <dgm:styleLbl name="fgAcc1">
+    <dgm:scene3d>
+      <a:camera prst="orthographicFront"/>
+      <a:lightRig rig="threePt" dir="t"/>
+    </dgm:scene3d>
+    <dgm:sp3d/>
+    <dgm:txPr/>
+    <dgm:style>
+      <a:lnRef idx="2">
+        <a:scrgbClr r="0" g="0" b="0"/>
+      </a:lnRef>
+      <a:fillRef idx="1">
+        <a:scrgbClr r="0" g="0" b="0"/>
+      </a:fillRef>
+      <a:effectRef idx="0">
+        <a:scrgbClr r="0" g="0" b="0"/>
+      </a:effectRef>
+      <a:fontRef idx="minor"/>
+    </dgm:style>
+  </dgm:styleLbl>
+  <dgm:styleLbl name="conFgAcc1">
+    <dgm:scene3d>
+      <a:camera prst="orthographicFront"/>
+      <a:lightRig rig="threePt" dir="t"/>
+    </dgm:scene3d>
+    <dgm:sp3d/>
+    <dgm:txPr/>
+    <dgm:style>
+      <a:lnRef idx="2">
+        <a:scrgbClr r="0" g="0" b="0"/>
+      </a:lnRef>
+      <a:fillRef idx="1">
+        <a:scrgbClr r="0" g="0" b="0"/>
+      </a:fillRef>
+      <a:effectRef idx="0">
+        <a:scrgbClr r="0" g="0" b="0"/>
+      </a:effectRef>
+      <a:fontRef idx="minor"/>
+    </dgm:style>
+  </dgm:styleLbl>
+  <dgm:styleLbl name="alignAcc1">
+    <dgm:scene3d>
+      <a:camera prst="orthographicFront"/>
+      <a:lightRig rig="threePt" dir="t"/>
+    </dgm:scene3d>
+    <dgm:sp3d/>
+    <dgm:txPr/>
+    <dgm:style>
+      <a:lnRef idx="2">
+        <a:scrgbClr r="0" g="0" b="0"/>
+      </a:lnRef>
+      <a:fillRef idx="1">
+        <a:scrgbClr r="0" g="0" b="0"/>
+      </a:fillRef>
+      <a:effectRef idx="0">
+        <a:scrgbClr r="0" g="0" b="0"/>
+      </a:effectRef>
+      <a:fontRef idx="minor"/>
+    </dgm:style>
+  </dgm:styleLbl>
+  <dgm:styleLbl name="trAlignAcc1">
+    <dgm:scene3d>
+      <a:camera prst="orthographicFront"/>
+      <a:lightRig rig="threePt" dir="t"/>
+    </dgm:scene3d>
+    <dgm:sp3d/>
+    <dgm:txPr/>
+    <dgm:style>
+      <a:lnRef idx="1">
+        <a:scrgbClr r="0" g="0" b="0"/>
+      </a:lnRef>
+      <a:fillRef idx="1">
+        <a:scrgbClr r="0" g="0" b="0"/>
+      </a:fillRef>
+      <a:effectRef idx="0">
+        <a:scrgbClr r="0" g="0" b="0"/>
+      </a:effectRef>
+      <a:fontRef idx="minor"/>
+    </dgm:style>
+  </dgm:styleLbl>
+  <dgm:styleLbl name="bgAcc1">
+    <dgm:scene3d>
+      <a:camera prst="orthographicFront"/>
+      <a:lightRig rig="threePt" dir="t"/>
+    </dgm:scene3d>
+    <dgm:sp3d/>
+    <dgm:txPr/>
+    <dgm:style>
+      <a:lnRef idx="2">
+        <a:scrgbClr r="0" g="0" b="0"/>
+      </a:lnRef>
+      <a:fillRef idx="1">
+        <a:scrgbClr r="0" g="0" b="0"/>
+      </a:fillRef>
+      <a:effectRef idx="0">
+        <a:scrgbClr r="0" g="0" b="0"/>
+      </a:effectRef>
+      <a:fontRef idx="minor"/>
+    </dgm:style>
+  </dgm:styleLbl>
+  <dgm:styleLbl name="solidFgAcc1">
+    <dgm:scene3d>
+      <a:camera prst="orthographicFront"/>
+      <a:lightRig rig="threePt" dir="t"/>
+    </dgm:scene3d>
+    <dgm:sp3d/>
+    <dgm:txPr/>
+    <dgm:style>
+      <a:lnRef idx="2">
+        <a:scrgbClr r="0" g="0" b="0"/>
+      </a:lnRef>
+      <a:fillRef idx="1">
+        <a:scrgbClr r="0" g="0" b="0"/>
+      </a:fillRef>
+      <a:effectRef idx="0">
+        <a:scrgbClr r="0" g="0" b="0"/>
+      </a:effectRef>
+      <a:fontRef idx="minor"/>
+    </dgm:style>
+  </dgm:styleLbl>
+  <dgm:styleLbl name="solidAlignAcc1">
+    <dgm:scene3d>
+      <a:camera prst="orthographicFront"/>
+      <a:lightRig rig="threePt" dir="t"/>
+    </dgm:scene3d>
+    <dgm:sp3d/>
+    <dgm:txPr/>
+    <dgm:style>
+      <a:lnRef idx="2">
+        <a:scrgbClr r="0" g="0" b="0"/>
+      </a:lnRef>
+      <a:fillRef idx="1">
+        <a:scrgbClr r="0" g="0" b="0"/>
+      </a:fillRef>
+      <a:effectRef idx="0">
+        <a:scrgbClr r="0" g="0" b="0"/>
+      </a:effectRef>
+      <a:fontRef idx="minor"/>
+    </dgm:style>
+  </dgm:styleLbl>
+  <dgm:styleLbl name="solidBgAcc1">
+    <dgm:scene3d>
+      <a:camera prst="orthographicFront"/>
+      <a:lightRig rig="threePt" dir="t"/>
+    </dgm:scene3d>
+    <dgm:sp3d/>
+    <dgm:txPr/>
+    <dgm:style>
+      <a:lnRef idx="2">
+        <a:scrgbClr r="0" g="0" b="0"/>
+      </a:lnRef>
+      <a:fillRef idx="1">
+        <a:scrgbClr r="0" g="0" b="0"/>
+      </a:fillRef>
+      <a:effectRef idx="0">
+        <a:scrgbClr r="0" g="0" b="0"/>
+      </a:effectRef>
+      <a:fontRef idx="minor"/>
+    </dgm:style>
+  </dgm:styleLbl>
+  <dgm:styleLbl name="fgAccFollowNode1">
+    <dgm:scene3d>
+      <a:camera prst="orthographicFront"/>
+      <a:lightRig rig="threePt" dir="t"/>
+    </dgm:scene3d>
+    <dgm:sp3d/>
+    <dgm:txPr/>
+    <dgm:style>
+      <a:lnRef idx="2">
+        <a:scrgbClr r="0" g="0" b="0"/>
+      </a:lnRef>
+      <a:fillRef idx="1">
+        <a:scrgbClr r="0" g="0" b="0"/>
+      </a:fillRef>
+      <a:effectRef idx="0">
+        <a:scrgbClr r="0" g="0" b="0"/>
+      </a:effectRef>
+      <a:fontRef idx="minor"/>
+    </dgm:style>
+  </dgm:styleLbl>
+  <dgm:styleLbl name="alignAccFollowNode1">
+    <dgm:scene3d>
+      <a:camera prst="orthographicFront"/>
+      <a:lightRig rig="threePt" dir="t"/>
+    </dgm:scene3d>
+    <dgm:sp3d/>
+    <dgm:txPr/>
+    <dgm:style>
+      <a:lnRef idx="2">
+        <a:scrgbClr r="0" g="0" b="0"/>
+      </a:lnRef>
+      <a:fillRef idx="1">
+        <a:scrgbClr r="0" g="0" b="0"/>
+      </a:fillRef>
+      <a:effectRef idx="0">
+        <a:scrgbClr r="0" g="0" b="0"/>
+      </a:effectRef>
+      <a:fontRef idx="minor"/>
+    </dgm:style>
+  </dgm:styleLbl>
+  <dgm:styleLbl name="bgAccFollowNode1">
+    <dgm:scene3d>
+      <a:camera prst="orthographicFront"/>
+      <a:lightRig rig="threePt" dir="t"/>
+    </dgm:scene3d>
+    <dgm:sp3d/>
+    <dgm:txPr/>
+    <dgm:style>
+      <a:lnRef idx="2">
+        <a:scrgbClr r="0" g="0" b="0"/>
+      </a:lnRef>
+      <a:fillRef idx="1">
+        <a:scrgbClr r="0" g="0" b="0"/>
+      </a:fillRef>
+      <a:effectRef idx="0">
+        <a:scrgbClr r="0" g="0" b="0"/>
+      </a:effectRef>
+      <a:fontRef idx="minor"/>
+    </dgm:style>
+  </dgm:styleLbl>
+  <dgm:styleLbl name="fgAcc0">
+    <dgm:scene3d>
+      <a:camera prst="orthographicFront"/>
+      <a:lightRig rig="threePt" dir="t"/>
+    </dgm:scene3d>
+    <dgm:sp3d/>
+    <dgm:txPr/>
+    <dgm:style>
+      <a:lnRef idx="2">
+        <a:scrgbClr r="0" g="0" b="0"/>
+      </a:lnRef>
+      <a:fillRef idx="1">
+        <a:scrgbClr r="0" g="0" b="0"/>
+      </a:fillRef>
+      <a:effectRef idx="0">
+        <a:scrgbClr r="0" g="0" b="0"/>
+      </a:effectRef>
+      <a:fontRef idx="minor"/>
+    </dgm:style>
+  </dgm:styleLbl>
+  <dgm:styleLbl name="fgAcc2">
+    <dgm:scene3d>
+      <a:camera prst="orthographicFront"/>
+      <a:lightRig rig="threePt" dir="t"/>
+    </dgm:scene3d>
+    <dgm:sp3d/>
+    <dgm:txPr/>
+    <dgm:style>
+      <a:lnRef idx="2">
+        <a:scrgbClr r="0" g="0" b="0"/>
+      </a:lnRef>
+      <a:fillRef idx="1">
+        <a:scrgbClr r="0" g="0" b="0"/>
+      </a:fillRef>
+      <a:effectRef idx="0">
+        <a:scrgbClr r="0" g="0" b="0"/>
+      </a:effectRef>
+      <a:fontRef idx="minor"/>
+    </dgm:style>
+  </dgm:styleLbl>
+  <dgm:styleLbl name="fgAcc3">
+    <dgm:scene3d>
+      <a:camera prst="orthographicFront"/>
+      <a:lightRig rig="threePt" dir="t"/>
+    </dgm:scene3d>
+    <dgm:sp3d/>
+    <dgm:txPr/>
+    <dgm:style>
+      <a:lnRef idx="2">
+        <a:scrgbClr r="0" g="0" b="0"/>
+      </a:lnRef>
+      <a:fillRef idx="1">
+        <a:scrgbClr r="0" g="0" b="0"/>
+      </a:fillRef>
+      <a:effectRef idx="0">
+        <a:scrgbClr r="0" g="0" b="0"/>
+      </a:effectRef>
+      <a:fontRef idx="minor"/>
+    </dgm:style>
+  </dgm:styleLbl>
+  <dgm:styleLbl name="fgAcc4">
+    <dgm:scene3d>
+      <a:camera prst="orthographicFront"/>
+      <a:lightRig rig="threePt" dir="t"/>
+    </dgm:scene3d>
+    <dgm:sp3d/>
+    <dgm:txPr/>
+    <dgm:style>
+      <a:lnRef idx="2">
+        <a:scrgbClr r="0" g="0" b="0"/>
+      </a:lnRef>
+      <a:fillRef idx="1">
+        <a:scrgbClr r="0" g="0" b="0"/>
+      </a:fillRef>
+      <a:effectRef idx="0">
+        <a:scrgbClr r="0" g="0" b="0"/>
+      </a:effectRef>
+      <a:fontRef idx="minor"/>
+    </dgm:style>
+  </dgm:styleLbl>
+  <dgm:styleLbl name="bgShp">
+    <dgm:scene3d>
+      <a:camera prst="orthographicFront"/>
+      <a:lightRig rig="threePt" dir="t"/>
+    </dgm:scene3d>
+    <dgm:sp3d/>
+    <dgm:txPr/>
+    <dgm:style>
+      <a:lnRef idx="0">
+        <a:scrgbClr r="0" g="0" b="0"/>
+      </a:lnRef>
+      <a:fillRef idx="1">
+        <a:scrgbClr r="0" g="0" b="0"/>
+      </a:fillRef>
+      <a:effectRef idx="0">
+        <a:scrgbClr r="0" g="0" b="0"/>
+      </a:effectRef>
+      <a:fontRef idx="minor"/>
+    </dgm:style>
+  </dgm:styleLbl>
+  <dgm:styleLbl name="dkBgShp">
+    <dgm:scene3d>
+      <a:camera prst="orthographicFront"/>
+      <a:lightRig rig="threePt" dir="t"/>
+    </dgm:scene3d>
+    <dgm:sp3d/>
+    <dgm:txPr/>
+    <dgm:style>
+      <a:lnRef idx="0">
+        <a:scrgbClr r="0" g="0" b="0"/>
+      </a:lnRef>
+      <a:fillRef idx="1">
+        <a:scrgbClr r="0" g="0" b="0"/>
+      </a:fillRef>
+      <a:effectRef idx="0">
+        <a:scrgbClr r="0" g="0" b="0"/>
+      </a:effectRef>
+      <a:fontRef idx="minor"/>
+    </dgm:style>
+  </dgm:styleLbl>
+  <dgm:styleLbl name="trBgShp">
+    <dgm:scene3d>
+      <a:camera prst="orthographicFront"/>
+      <a:lightRig rig="threePt" dir="t"/>
+    </dgm:scene3d>
+    <dgm:sp3d/>
+    <dgm:txPr/>
+    <dgm:style>
+      <a:lnRef idx="0">
+        <a:scrgbClr r="0" g="0" b="0"/>
+      </a:lnRef>
+      <a:fillRef idx="1">
+        <a:scrgbClr r="0" g="0" b="0"/>
+      </a:fillRef>
+      <a:effectRef idx="0">
+        <a:scrgbClr r="0" g="0" b="0"/>
+      </a:effectRef>
+      <a:fontRef idx="minor"/>
+    </dgm:style>
+  </dgm:styleLbl>
+  <dgm:styleLbl name="fgShp">
+    <dgm:scene3d>
+      <a:camera prst="orthographicFront"/>
+      <a:lightRig rig="threePt" dir="t"/>
+    </dgm:scene3d>
+    <dgm:sp3d/>
+    <dgm:txPr/>
+    <dgm:style>
+      <a:lnRef idx="2">
+        <a:scrgbClr r="0" g="0" b="0"/>
+      </a:lnRef>
+      <a:fillRef idx="1">
+        <a:scrgbClr r="0" g="0" b="0"/>
+      </a:fillRef>
+      <a:effectRef idx="0">
+        <a:scrgbClr r="0" g="0" b="0"/>
+      </a:effectRef>
+      <a:fontRef idx="minor"/>
+    </dgm:style>
+  </dgm:styleLbl>
+  <dgm:styleLbl name="revTx">
+    <dgm:scene3d>
+      <a:camera prst="orthographicFront"/>
+      <a:lightRig rig="threePt" dir="t"/>
+    </dgm:scene3d>
+    <dgm:sp3d/>
+    <dgm:txPr/>
+    <dgm:style>
+      <a:lnRef idx="0">
+        <a:scrgbClr r="0" g="0" b="0"/>
+      </a:lnRef>
+      <a:fillRef idx="0">
+        <a:scrgbClr r="0" g="0" b="0"/>
+      </a:fillRef>
+      <a:effectRef idx="0">
+        <a:scrgbClr r="0" g="0" b="0"/>
+      </a:effectRef>
+      <a:fontRef idx="minor"/>
+    </dgm:style>
+  </dgm:styleLbl>
+</dgm:styleDef>
+</file>
+
+<file path=ppt/diagrams/quickStyle2.xml><?xml version="1.0" encoding="utf-8"?>
+<dgm:styleDef xmlns:dgm="http://schemas.openxmlformats.org/drawingml/2006/diagram" xmlns:a="http://schemas.openxmlformats.org/drawingml/2006/main" uniqueId="urn:microsoft.com/office/officeart/2005/8/quickstyle/simple1">
+  <dgm:title val=""/>
+  <dgm:desc val=""/>
+  <dgm:catLst>
+    <dgm:cat type="simple" pri="10100"/>
+  </dgm:catLst>
+  <dgm:scene3d>
+    <a:camera prst="orthographicFront"/>
+    <a:lightRig rig="threePt" dir="t"/>
+  </dgm:scene3d>
+  <dgm:styleLbl name="node0">
+    <dgm:scene3d>
+      <a:camera prst="orthographicFront"/>
+      <a:lightRig rig="threePt" dir="t"/>
+    </dgm:scene3d>
+    <dgm:sp3d/>
+    <dgm:txPr/>
+    <dgm:style>
+      <a:lnRef idx="2">
+        <a:scrgbClr r="0" g="0" b="0"/>
+      </a:lnRef>
+      <a:fillRef idx="1">
+        <a:scrgbClr r="0" g="0" b="0"/>
+      </a:fillRef>
+      <a:effectRef idx="0">
+        <a:scrgbClr r="0" g="0" b="0"/>
+      </a:effectRef>
+      <a:fontRef idx="minor">
+        <a:schemeClr val="lt1"/>
+      </a:fontRef>
+    </dgm:style>
+  </dgm:styleLbl>
+  <dgm:styleLbl name="lnNode1">
+    <dgm:scene3d>
+      <a:camera prst="orthographicFront"/>
+      <a:lightRig rig="threePt" dir="t"/>
+    </dgm:scene3d>
+    <dgm:sp3d/>
+    <dgm:txPr/>
+    <dgm:style>
+      <a:lnRef idx="2">
+        <a:scrgbClr r="0" g="0" b="0"/>
+      </a:lnRef>
+      <a:fillRef idx="1">
+        <a:scrgbClr r="0" g="0" b="0"/>
+      </a:fillRef>
+      <a:effectRef idx="0">
+        <a:scrgbClr r="0" g="0" b="0"/>
+      </a:effectRef>
+      <a:fontRef idx="minor">
+        <a:schemeClr val="lt1"/>
+      </a:fontRef>
+    </dgm:style>
+  </dgm:styleLbl>
+  <dgm:styleLbl name="vennNode1">
+    <dgm:scene3d>
+      <a:camera prst="orthographicFront"/>
+      <a:lightRig rig="threePt" dir="t"/>
+    </dgm:scene3d>
+    <dgm:sp3d/>
+    <dgm:txPr/>
+    <dgm:style>
+      <a:lnRef idx="2">
+        <a:scrgbClr r="0" g="0" b="0"/>
+      </a:lnRef>
+      <a:fillRef idx="1">
+        <a:scrgbClr r="0" g="0" b="0"/>
+      </a:fillRef>
+      <a:effectRef idx="0">
+        <a:scrgbClr r="0" g="0" b="0"/>
+      </a:effectRef>
+      <a:fontRef idx="minor">
+        <a:schemeClr val="tx1"/>
+      </a:fontRef>
+    </dgm:style>
+  </dgm:styleLbl>
+  <dgm:styleLbl name="alignNode1">
+    <dgm:scene3d>
+      <a:camera prst="orthographicFront"/>
+      <a:lightRig rig="threePt" dir="t"/>
+    </dgm:scene3d>
+    <dgm:sp3d/>
+    <dgm:txPr/>
+    <dgm:style>
+      <a:lnRef idx="2">
+        <a:scrgbClr r="0" g="0" b="0"/>
+      </a:lnRef>
+      <a:fillRef idx="1">
+        <a:scrgbClr r="0" g="0" b="0"/>
+      </a:fillRef>
+      <a:effectRef idx="0">
+        <a:scrgbClr r="0" g="0" b="0"/>
+      </a:effectRef>
+      <a:fontRef idx="minor">
+        <a:schemeClr val="lt1"/>
+      </a:fontRef>
+    </dgm:style>
+  </dgm:styleLbl>
+  <dgm:styleLbl name="node1">
+    <dgm:scene3d>
+      <a:camera prst="orthographicFront"/>
+      <a:lightRig rig="threePt" dir="t"/>
+    </dgm:scene3d>
+    <dgm:sp3d/>
+    <dgm:txPr/>
+    <dgm:style>
+      <a:lnRef idx="2">
+        <a:scrgbClr r="0" g="0" b="0"/>
+      </a:lnRef>
+      <a:fillRef idx="1">
+        <a:scrgbClr r="0" g="0" b="0"/>
+      </a:fillRef>
+      <a:effectRef idx="0">
+        <a:scrgbClr r="0" g="0" b="0"/>
+      </a:effectRef>
+      <a:fontRef idx="minor">
+        <a:schemeClr val="lt1"/>
+      </a:fontRef>
+    </dgm:style>
+  </dgm:styleLbl>
+  <dgm:styleLbl name="node2">
+    <dgm:scene3d>
+      <a:camera prst="orthographicFront"/>
+      <a:lightRig rig="threePt" dir="t"/>
+    </dgm:scene3d>
+    <dgm:sp3d/>
+    <dgm:txPr/>
+    <dgm:style>
+      <a:lnRef idx="2">
+        <a:scrgbClr r="0" g="0" b="0"/>
+      </a:lnRef>
+      <a:fillRef idx="1">
+        <a:scrgbClr r="0" g="0" b="0"/>
+      </a:fillRef>
+      <a:effectRef idx="0">
+        <a:scrgbClr r="0" g="0" b="0"/>
+      </a:effectRef>
+      <a:fontRef idx="minor">
+        <a:schemeClr val="lt1"/>
+      </a:fontRef>
+    </dgm:style>
+  </dgm:styleLbl>
+  <dgm:styleLbl name="node3">
+    <dgm:scene3d>
+      <a:camera prst="orthographicFront"/>
+      <a:lightRig rig="threePt" dir="t"/>
+    </dgm:scene3d>
+    <dgm:sp3d/>
+    <dgm:txPr/>
+    <dgm:style>
+      <a:lnRef idx="2">
+        <a:scrgbClr r="0" g="0" b="0"/>
+      </a:lnRef>
+      <a:fillRef idx="1">
+        <a:scrgbClr r="0" g="0" b="0"/>
+      </a:fillRef>
+      <a:effectRef idx="0">
+        <a:scrgbClr r="0" g="0" b="0"/>
+      </a:effectRef>
+      <a:fontRef idx="minor">
+        <a:schemeClr val="lt1"/>
+      </a:fontRef>
+    </dgm:style>
+  </dgm:styleLbl>
+  <dgm:styleLbl name="node4">
+    <dgm:scene3d>
+      <a:camera prst="orthographicFront"/>
+      <a:lightRig rig="threePt" dir="t"/>
+    </dgm:scene3d>
+    <dgm:sp3d/>
+    <dgm:txPr/>
+    <dgm:style>
+      <a:lnRef idx="2">
+        <a:scrgbClr r="0" g="0" b="0"/>
+      </a:lnRef>
+      <a:fillRef idx="1">
+        <a:scrgbClr r="0" g="0" b="0"/>
+      </a:fillRef>
+      <a:effectRef idx="0">
+        <a:scrgbClr r="0" g="0" b="0"/>
+      </a:effectRef>
+      <a:fontRef idx="minor">
+        <a:schemeClr val="lt1"/>
+      </a:fontRef>
+    </dgm:style>
+  </dgm:styleLbl>
+  <dgm:styleLbl name="fgImgPlace1">
+    <dgm:scene3d>
+      <a:camera prst="orthographicFront"/>
+      <a:lightRig rig="threePt" dir="t"/>
+    </dgm:scene3d>
+    <dgm:sp3d/>
+    <dgm:txPr/>
+    <dgm:style>
+      <a:lnRef idx="2">
+        <a:scrgbClr r="0" g="0" b="0"/>
+      </a:lnRef>
+      <a:fillRef idx="1">
+        <a:scrgbClr r="0" g="0" b="0"/>
+      </a:fillRef>
+      <a:effectRef idx="0">
+        <a:scrgbClr r="0" g="0" b="0"/>
+      </a:effectRef>
+      <a:fontRef idx="minor"/>
+    </dgm:style>
+  </dgm:styleLbl>
+  <dgm:styleLbl name="alignImgPlace1">
+    <dgm:scene3d>
+      <a:camera prst="orthographicFront"/>
+      <a:lightRig rig="threePt" dir="t"/>
+    </dgm:scene3d>
+    <dgm:sp3d/>
+    <dgm:txPr/>
+    <dgm:style>
+      <a:lnRef idx="2">
+        <a:scrgbClr r="0" g="0" b="0"/>
+      </a:lnRef>
+      <a:fillRef idx="1">
+        <a:scrgbClr r="0" g="0" b="0"/>
+      </a:fillRef>
+      <a:effectRef idx="0">
+        <a:scrgbClr r="0" g="0" b="0"/>
+      </a:effectRef>
+      <a:fontRef idx="minor"/>
+    </dgm:style>
+  </dgm:styleLbl>
+  <dgm:styleLbl name="bgImgPlace1">
+    <dgm:scene3d>
+      <a:camera prst="orthographicFront"/>
+      <a:lightRig rig="threePt" dir="t"/>
+    </dgm:scene3d>
+    <dgm:sp3d/>
+    <dgm:txPr/>
+    <dgm:style>
+      <a:lnRef idx="2">
+        <a:scrgbClr r="0" g="0" b="0"/>
+      </a:lnRef>
+      <a:fillRef idx="1">
+        <a:scrgbClr r="0" g="0" b="0"/>
+      </a:fillRef>
+      <a:effectRef idx="0">
+        <a:scrgbClr r="0" g="0" b="0"/>
+      </a:effectRef>
+      <a:fontRef idx="minor"/>
+    </dgm:style>
+  </dgm:styleLbl>
+  <dgm:styleLbl name="sibTrans2D1">
+    <dgm:scene3d>
+      <a:camera prst="orthographicFront"/>
+      <a:lightRig rig="threePt" dir="t"/>
+    </dgm:scene3d>
+    <dgm:sp3d/>
+    <dgm:txPr/>
+    <dgm:style>
+      <a:lnRef idx="0">
+        <a:scrgbClr r="0" g="0" b="0"/>
+      </a:lnRef>
+      <a:fillRef idx="1">
+        <a:scrgbClr r="0" g="0" b="0"/>
+      </a:fillRef>
+      <a:effectRef idx="0">
+        <a:scrgbClr r="0" g="0" b="0"/>
+      </a:effectRef>
+      <a:fontRef idx="minor">
+        <a:schemeClr val="lt1"/>
+      </a:fontRef>
+    </dgm:style>
+  </dgm:styleLbl>
+  <dgm:styleLbl name="fgSibTrans2D1">
+    <dgm:scene3d>
+      <a:camera prst="orthographicFront"/>
+      <a:lightRig rig="threePt" dir="t"/>
+    </dgm:scene3d>
+    <dgm:sp3d/>
+    <dgm:txPr/>
+    <dgm:style>
+      <a:lnRef idx="0">
+        <a:scrgbClr r="0" g="0" b="0"/>
+      </a:lnRef>
+      <a:fillRef idx="1">
+        <a:scrgbClr r="0" g="0" b="0"/>
+      </a:fillRef>
+      <a:effectRef idx="0">
+        <a:scrgbClr r="0" g="0" b="0"/>
+      </a:effectRef>
+      <a:fontRef idx="minor">
+        <a:schemeClr val="lt1"/>
+      </a:fontRef>
+    </dgm:style>
+  </dgm:styleLbl>
+  <dgm:styleLbl name="bgSibTrans2D1">
+    <dgm:scene3d>
+      <a:camera prst="orthographicFront"/>
+      <a:lightRig rig="threePt" dir="t"/>
+    </dgm:scene3d>
+    <dgm:sp3d/>
+    <dgm:txPr/>
+    <dgm:style>
+      <a:lnRef idx="0">
+        <a:scrgbClr r="0" g="0" b="0"/>
+      </a:lnRef>
+      <a:fillRef idx="1">
+        <a:scrgbClr r="0" g="0" b="0"/>
+      </a:fillRef>
+      <a:effectRef idx="0">
+        <a:scrgbClr r="0" g="0" b="0"/>
+      </a:effectRef>
+      <a:fontRef idx="minor">
+        <a:schemeClr val="lt1"/>
+      </a:fontRef>
+    </dgm:style>
+  </dgm:styleLbl>
+  <dgm:styleLbl name="sibTrans1D1">
+    <dgm:scene3d>
+      <a:camera prst="orthographicFront"/>
+      <a:lightRig rig="threePt" dir="t"/>
+    </dgm:scene3d>
+    <dgm:sp3d/>
+    <dgm:txPr/>
+    <dgm:style>
+      <a:lnRef idx="1">
+        <a:scrgbClr r="0" g="0" b="0"/>
+      </a:lnRef>
+      <a:fillRef idx="0">
+        <a:scrgbClr r="0" g="0" b="0"/>
+      </a:fillRef>
+      <a:effectRef idx="0">
+        <a:scrgbClr r="0" g="0" b="0"/>
+      </a:effectRef>
+      <a:fontRef idx="minor"/>
+    </dgm:style>
+  </dgm:styleLbl>
+  <dgm:styleLbl name="callout">
+    <dgm:scene3d>
+      <a:camera prst="orthographicFront"/>
+      <a:lightRig rig="threePt" dir="t"/>
+    </dgm:scene3d>
+    <dgm:sp3d/>
+    <dgm:txPr/>
+    <dgm:style>
+      <a:lnRef idx="2">
+        <a:scrgbClr r="0" g="0" b="0"/>
+      </a:lnRef>
+      <a:fillRef idx="1">
+        <a:scrgbClr r="0" g="0" b="0"/>
+      </a:fillRef>
+      <a:effectRef idx="0">
+        <a:scrgbClr r="0" g="0" b="0"/>
+      </a:effectRef>
+      <a:fontRef idx="minor"/>
+    </dgm:style>
+  </dgm:styleLbl>
+  <dgm:styleLbl name="asst0">
+    <dgm:scene3d>
+      <a:camera prst="orthographicFront"/>
+      <a:lightRig rig="threePt" dir="t"/>
+    </dgm:scene3d>
+    <dgm:sp3d/>
+    <dgm:txPr/>
+    <dgm:style>
+      <a:lnRef idx="2">
+        <a:scrgbClr r="0" g="0" b="0"/>
+      </a:lnRef>
+      <a:fillRef idx="1">
+        <a:scrgbClr r="0" g="0" b="0"/>
+      </a:fillRef>
+      <a:effectRef idx="0">
+        <a:scrgbClr r="0" g="0" b="0"/>
+      </a:effectRef>
+      <a:fontRef idx="minor">
+        <a:schemeClr val="lt1"/>
+      </a:fontRef>
+    </dgm:style>
+  </dgm:styleLbl>
+  <dgm:styleLbl name="asst1">
+    <dgm:scene3d>
+      <a:camera prst="orthographicFront"/>
+      <a:lightRig rig="threePt" dir="t"/>
+    </dgm:scene3d>
+    <dgm:sp3d/>
+    <dgm:txPr/>
+    <dgm:style>
+      <a:lnRef idx="2">
+        <a:scrgbClr r="0" g="0" b="0"/>
+      </a:lnRef>
+      <a:fillRef idx="1">
+        <a:scrgbClr r="0" g="0" b="0"/>
+      </a:fillRef>
+      <a:effectRef idx="0">
+        <a:scrgbClr r="0" g="0" b="0"/>
+      </a:effectRef>
+      <a:fontRef idx="minor">
+        <a:schemeClr val="lt1"/>
+      </a:fontRef>
+    </dgm:style>
+  </dgm:styleLbl>
+  <dgm:styleLbl name="asst2">
+    <dgm:scene3d>
+      <a:camera prst="orthographicFront"/>
+      <a:lightRig rig="threePt" dir="t"/>
+    </dgm:scene3d>
+    <dgm:sp3d/>
+    <dgm:txPr/>
+    <dgm:style>
+      <a:lnRef idx="2">
+        <a:scrgbClr r="0" g="0" b="0"/>
+      </a:lnRef>
+      <a:fillRef idx="1">
+        <a:scrgbClr r="0" g="0" b="0"/>
+      </a:fillRef>
+      <a:effectRef idx="0">
+        <a:scrgbClr r="0" g="0" b="0"/>
+      </a:effectRef>
+      <a:fontRef idx="minor">
+        <a:schemeClr val="lt1"/>
+      </a:fontRef>
+    </dgm:style>
+  </dgm:styleLbl>
+  <dgm:styleLbl name="asst3">
+    <dgm:scene3d>
+      <a:camera prst="orthographicFront"/>
+      <a:lightRig rig="threePt" dir="t"/>
+    </dgm:scene3d>
+    <dgm:sp3d/>
+    <dgm:txPr/>
+    <dgm:style>
+      <a:lnRef idx="2">
+        <a:scrgbClr r="0" g="0" b="0"/>
+      </a:lnRef>
+      <a:fillRef idx="1">
+        <a:scrgbClr r="0" g="0" b="0"/>
+      </a:fillRef>
+      <a:effectRef idx="0">
+        <a:scrgbClr r="0" g="0" b="0"/>
+      </a:effectRef>
+      <a:fontRef idx="minor">
+        <a:schemeClr val="lt1"/>
+      </a:fontRef>
+    </dgm:style>
+  </dgm:styleLbl>
+  <dgm:styleLbl name="asst4">
+    <dgm:scene3d>
+      <a:camera prst="orthographicFront"/>
+      <a:lightRig rig="threePt" dir="t"/>
+    </dgm:scene3d>
+    <dgm:sp3d/>
+    <dgm:txPr/>
+    <dgm:style>
+      <a:lnRef idx="2">
+        <a:scrgbClr r="0" g="0" b="0"/>
+      </a:lnRef>
+      <a:fillRef idx="1">
+        <a:scrgbClr r="0" g="0" b="0"/>
+      </a:fillRef>
+      <a:effectRef idx="0">
+        <a:scrgbClr r="0" g="0" b="0"/>
+      </a:effectRef>
+      <a:fontRef idx="minor">
+        <a:schemeClr val="lt1"/>
+      </a:fontRef>
+    </dgm:style>
+  </dgm:styleLbl>
+  <dgm:styleLbl name="parChTrans2D1">
+    <dgm:scene3d>
+      <a:camera prst="orthographicFront"/>
+      <a:lightRig rig="threePt" dir="t"/>
+    </dgm:scene3d>
+    <dgm:sp3d/>
+    <dgm:txPr/>
+    <dgm:style>
+      <a:lnRef idx="2">
+        <a:scrgbClr r="0" g="0" b="0"/>
+      </a:lnRef>
+      <a:fillRef idx="1">
+        <a:scrgbClr r="0" g="0" b="0"/>
+      </a:fillRef>
+      <a:effectRef idx="0">
+        <a:scrgbClr r="0" g="0" b="0"/>
+      </a:effectRef>
+      <a:fontRef idx="minor">
+        <a:schemeClr val="lt1"/>
+      </a:fontRef>
+    </dgm:style>
+  </dgm:styleLbl>
+  <dgm:styleLbl name="parChTrans2D2">
+    <dgm:scene3d>
+      <a:camera prst="orthographicFront"/>
+      <a:lightRig rig="threePt" dir="t"/>
+    </dgm:scene3d>
+    <dgm:sp3d/>
+    <dgm:txPr/>
+    <dgm:style>
+      <a:lnRef idx="2">
+        <a:scrgbClr r="0" g="0" b="0"/>
+      </a:lnRef>
+      <a:fillRef idx="1">
+        <a:scrgbClr r="0" g="0" b="0"/>
+      </a:fillRef>
+      <a:effectRef idx="0">
+        <a:scrgbClr r="0" g="0" b="0"/>
+      </a:effectRef>
+      <a:fontRef idx="minor">
+        <a:schemeClr val="lt1"/>
+      </a:fontRef>
+    </dgm:style>
+  </dgm:styleLbl>
+  <dgm:styleLbl name="parChTrans2D3">
+    <dgm:scene3d>
+      <a:camera prst="orthographicFront"/>
+      <a:lightRig rig="threePt" dir="t"/>
+    </dgm:scene3d>
+    <dgm:sp3d/>
+    <dgm:txPr/>
+    <dgm:style>
+      <a:lnRef idx="2">
+        <a:scrgbClr r="0" g="0" b="0"/>
+      </a:lnRef>
+      <a:fillRef idx="1">
+        <a:scrgbClr r="0" g="0" b="0"/>
+      </a:fillRef>
+      <a:effectRef idx="0">
+        <a:scrgbClr r="0" g="0" b="0"/>
+      </a:effectRef>
+      <a:fontRef idx="minor">
+        <a:schemeClr val="lt1"/>
+      </a:fontRef>
+    </dgm:style>
+  </dgm:styleLbl>
+  <dgm:styleLbl name="parChTrans2D4">
+    <dgm:scene3d>
+      <a:camera prst="orthographicFront"/>
+      <a:lightRig rig="threePt" dir="t"/>
+    </dgm:scene3d>
+    <dgm:sp3d/>
+    <dgm:txPr/>
+    <dgm:style>
+      <a:lnRef idx="2">
+        <a:scrgbClr r="0" g="0" b="0"/>
+      </a:lnRef>
+      <a:fillRef idx="1">
+        <a:scrgbClr r="0" g="0" b="0"/>
+      </a:fillRef>
+      <a:effectRef idx="0">
+        <a:scrgbClr r="0" g="0" b="0"/>
+      </a:effectRef>
+      <a:fontRef idx="minor">
+        <a:schemeClr val="lt1"/>
+      </a:fontRef>
+    </dgm:style>
+  </dgm:styleLbl>
+  <dgm:styleLbl name="parChTrans1D1">
+    <dgm:scene3d>
+      <a:camera prst="orthographicFront"/>
+      <a:lightRig rig="threePt" dir="t"/>
+    </dgm:scene3d>
+    <dgm:sp3d/>
+    <dgm:txPr/>
+    <dgm:style>
+      <a:lnRef idx="2">
+        <a:scrgbClr r="0" g="0" b="0"/>
+      </a:lnRef>
+      <a:fillRef idx="0">
+        <a:scrgbClr r="0" g="0" b="0"/>
+      </a:fillRef>
+      <a:effectRef idx="0">
+        <a:scrgbClr r="0" g="0" b="0"/>
+      </a:effectRef>
+      <a:fontRef idx="minor"/>
+    </dgm:style>
+  </dgm:styleLbl>
+  <dgm:styleLbl name="parChTrans1D2">
+    <dgm:scene3d>
+      <a:camera prst="orthographicFront"/>
+      <a:lightRig rig="threePt" dir="t"/>
+    </dgm:scene3d>
+    <dgm:sp3d/>
+    <dgm:txPr/>
+    <dgm:style>
+      <a:lnRef idx="2">
+        <a:scrgbClr r="0" g="0" b="0"/>
+      </a:lnRef>
+      <a:fillRef idx="0">
+        <a:scrgbClr r="0" g="0" b="0"/>
+      </a:fillRef>
+      <a:effectRef idx="0">
+        <a:scrgbClr r="0" g="0" b="0"/>
+      </a:effectRef>
+      <a:fontRef idx="minor"/>
+    </dgm:style>
+  </dgm:styleLbl>
+  <dgm:styleLbl name="parChTrans1D3">
+    <dgm:scene3d>
+      <a:camera prst="orthographicFront"/>
+      <a:lightRig rig="threePt" dir="t"/>
+    </dgm:scene3d>
+    <dgm:sp3d/>
+    <dgm:txPr/>
+    <dgm:style>
+      <a:lnRef idx="2">
+        <a:scrgbClr r="0" g="0" b="0"/>
+      </a:lnRef>
+      <a:fillRef idx="0">
+        <a:scrgbClr r="0" g="0" b="0"/>
+      </a:fillRef>
+      <a:effectRef idx="0">
+        <a:scrgbClr r="0" g="0" b="0"/>
+      </a:effectRef>
+      <a:fontRef idx="minor"/>
+    </dgm:style>
+  </dgm:styleLbl>
+  <dgm:styleLbl name="parChTrans1D4">
+    <dgm:scene3d>
+      <a:camera prst="orthographicFront"/>
+      <a:lightRig rig="threePt" dir="t"/>
+    </dgm:scene3d>
+    <dgm:sp3d/>
+    <dgm:txPr/>
+    <dgm:style>
+      <a:lnRef idx="2">
+        <a:scrgbClr r="0" g="0" b="0"/>
+      </a:lnRef>
+      <a:fillRef idx="0">
+        <a:scrgbClr r="0" g="0" b="0"/>
+      </a:fillRef>
+      <a:effectRef idx="0">
+        <a:scrgbClr r="0" g="0" b="0"/>
+      </a:effectRef>
+      <a:fontRef idx="minor"/>
+    </dgm:style>
+  </dgm:styleLbl>
+  <dgm:styleLbl name="fgAcc1">
+    <dgm:scene3d>
+      <a:camera prst="orthographicFront"/>
+      <a:lightRig rig="threePt" dir="t"/>
+    </dgm:scene3d>
+    <dgm:sp3d/>
+    <dgm:txPr/>
+    <dgm:style>
+      <a:lnRef idx="2">
+        <a:scrgbClr r="0" g="0" b="0"/>
+      </a:lnRef>
+      <a:fillRef idx="1">
+        <a:scrgbClr r="0" g="0" b="0"/>
+      </a:fillRef>
+      <a:effectRef idx="0">
+        <a:scrgbClr r="0" g="0" b="0"/>
+      </a:effectRef>
+      <a:fontRef idx="minor"/>
+    </dgm:style>
+  </dgm:styleLbl>
+  <dgm:styleLbl name="conFgAcc1">
+    <dgm:scene3d>
+      <a:camera prst="orthographicFront"/>
+      <a:lightRig rig="threePt" dir="t"/>
+    </dgm:scene3d>
+    <dgm:sp3d/>
+    <dgm:txPr/>
+    <dgm:style>
+      <a:lnRef idx="2">
+        <a:scrgbClr r="0" g="0" b="0"/>
+      </a:lnRef>
+      <a:fillRef idx="1">
+        <a:scrgbClr r="0" g="0" b="0"/>
+      </a:fillRef>
+      <a:effectRef idx="0">
+        <a:scrgbClr r="0" g="0" b="0"/>
+      </a:effectRef>
+      <a:fontRef idx="minor"/>
+    </dgm:style>
+  </dgm:styleLbl>
+  <dgm:styleLbl name="alignAcc1">
+    <dgm:scene3d>
+      <a:camera prst="orthographicFront"/>
+      <a:lightRig rig="threePt" dir="t"/>
+    </dgm:scene3d>
+    <dgm:sp3d/>
+    <dgm:txPr/>
+    <dgm:style>
+      <a:lnRef idx="2">
+        <a:scrgbClr r="0" g="0" b="0"/>
+      </a:lnRef>
+      <a:fillRef idx="1">
+        <a:scrgbClr r="0" g="0" b="0"/>
+      </a:fillRef>
+      <a:effectRef idx="0">
+        <a:scrgbClr r="0" g="0" b="0"/>
+      </a:effectRef>
+      <a:fontRef idx="minor"/>
+    </dgm:style>
+  </dgm:styleLbl>
+  <dgm:styleLbl name="trAlignAcc1">
+    <dgm:scene3d>
+      <a:camera prst="orthographicFront"/>
+      <a:lightRig rig="threePt" dir="t"/>
+    </dgm:scene3d>
+    <dgm:sp3d/>
+    <dgm:txPr/>
+    <dgm:style>
+      <a:lnRef idx="1">
+        <a:scrgbClr r="0" g="0" b="0"/>
+      </a:lnRef>
+      <a:fillRef idx="1">
+        <a:scrgbClr r="0" g="0" b="0"/>
+      </a:fillRef>
+      <a:effectRef idx="0">
+        <a:scrgbClr r="0" g="0" b="0"/>
+      </a:effectRef>
+      <a:fontRef idx="minor"/>
+    </dgm:style>
+  </dgm:styleLbl>
+  <dgm:styleLbl name="bgAcc1">
+    <dgm:scene3d>
+      <a:camera prst="orthographicFront"/>
+      <a:lightRig rig="threePt" dir="t"/>
+    </dgm:scene3d>
+    <dgm:sp3d/>
+    <dgm:txPr/>
+    <dgm:style>
+      <a:lnRef idx="2">
+        <a:scrgbClr r="0" g="0" b="0"/>
+      </a:lnRef>
+      <a:fillRef idx="1">
+        <a:scrgbClr r="0" g="0" b="0"/>
+      </a:fillRef>
+      <a:effectRef idx="0">
+        <a:scrgbClr r="0" g="0" b="0"/>
+      </a:effectRef>
+      <a:fontRef idx="minor"/>
+    </dgm:style>
+  </dgm:styleLbl>
+  <dgm:styleLbl name="solidFgAcc1">
+    <dgm:scene3d>
+      <a:camera prst="orthographicFront"/>
+      <a:lightRig rig="threePt" dir="t"/>
+    </dgm:scene3d>
+    <dgm:sp3d/>
+    <dgm:txPr/>
+    <dgm:style>
+      <a:lnRef idx="2">
+        <a:scrgbClr r="0" g="0" b="0"/>
+      </a:lnRef>
+      <a:fillRef idx="1">
+        <a:scrgbClr r="0" g="0" b="0"/>
+      </a:fillRef>
+      <a:effectRef idx="0">
+        <a:scrgbClr r="0" g="0" b="0"/>
+      </a:effectRef>
+      <a:fontRef idx="minor"/>
+    </dgm:style>
+  </dgm:styleLbl>
+  <dgm:styleLbl name="solidAlignAcc1">
+    <dgm:scene3d>
+      <a:camera prst="orthographicFront"/>
+      <a:lightRig rig="threePt" dir="t"/>
+    </dgm:scene3d>
+    <dgm:sp3d/>
+    <dgm:txPr/>
+    <dgm:style>
+      <a:lnRef idx="2">
+        <a:scrgbClr r="0" g="0" b="0"/>
+      </a:lnRef>
+      <a:fillRef idx="1">
+        <a:scrgbClr r="0" g="0" b="0"/>
+      </a:fillRef>
+      <a:effectRef idx="0">
+        <a:scrgbClr r="0" g="0" b="0"/>
+      </a:effectRef>
+      <a:fontRef idx="minor"/>
+    </dgm:style>
+  </dgm:styleLbl>
+  <dgm:styleLbl name="solidBgAcc1">
+    <dgm:scene3d>
+      <a:camera prst="orthographicFront"/>
+      <a:lightRig rig="threePt" dir="t"/>
+    </dgm:scene3d>
+    <dgm:sp3d/>
+    <dgm:txPr/>
+    <dgm:style>
+      <a:lnRef idx="2">
+        <a:scrgbClr r="0" g="0" b="0"/>
+      </a:lnRef>
+      <a:fillRef idx="1">
+        <a:scrgbClr r="0" g="0" b="0"/>
+      </a:fillRef>
+      <a:effectRef idx="0">
+        <a:scrgbClr r="0" g="0" b="0"/>
+      </a:effectRef>
+      <a:fontRef idx="minor"/>
+    </dgm:style>
+  </dgm:styleLbl>
+  <dgm:styleLbl name="fgAccFollowNode1">
+    <dgm:scene3d>
+      <a:camera prst="orthographicFront"/>
+      <a:lightRig rig="threePt" dir="t"/>
+    </dgm:scene3d>
+    <dgm:sp3d/>
+    <dgm:txPr/>
+    <dgm:style>
+      <a:lnRef idx="2">
+        <a:scrgbClr r="0" g="0" b="0"/>
+      </a:lnRef>
+      <a:fillRef idx="1">
+        <a:scrgbClr r="0" g="0" b="0"/>
+      </a:fillRef>
+      <a:effectRef idx="0">
+        <a:scrgbClr r="0" g="0" b="0"/>
+      </a:effectRef>
+      <a:fontRef idx="minor"/>
+    </dgm:style>
+  </dgm:styleLbl>
+  <dgm:styleLbl name="alignAccFollowNode1">
+    <dgm:scene3d>
+      <a:camera prst="orthographicFront"/>
+      <a:lightRig rig="threePt" dir="t"/>
+    </dgm:scene3d>
+    <dgm:sp3d/>
+    <dgm:txPr/>
+    <dgm:style>
+      <a:lnRef idx="2">
+        <a:scrgbClr r="0" g="0" b="0"/>
+      </a:lnRef>
+      <a:fillRef idx="1">
+        <a:scrgbClr r="0" g="0" b="0"/>
+      </a:fillRef>
+      <a:effectRef idx="0">
+        <a:scrgbClr r="0" g="0" b="0"/>
+      </a:effectRef>
+      <a:fontRef idx="minor"/>
+    </dgm:style>
+  </dgm:styleLbl>
+  <dgm:styleLbl name="bgAccFollowNode1">
+    <dgm:scene3d>
+      <a:camera prst="orthographicFront"/>
+      <a:lightRig rig="threePt" dir="t"/>
+    </dgm:scene3d>
+    <dgm:sp3d/>
+    <dgm:txPr/>
+    <dgm:style>
+      <a:lnRef idx="2">
+        <a:scrgbClr r="0" g="0" b="0"/>
+      </a:lnRef>
+      <a:fillRef idx="1">
+        <a:scrgbClr r="0" g="0" b="0"/>
+      </a:fillRef>
+      <a:effectRef idx="0">
+        <a:scrgbClr r="0" g="0" b="0"/>
+      </a:effectRef>
+      <a:fontRef idx="minor"/>
+    </dgm:style>
+  </dgm:styleLbl>
+  <dgm:styleLbl name="fgAcc0">
+    <dgm:scene3d>
+      <a:camera prst="orthographicFront"/>
+      <a:lightRig rig="threePt" dir="t"/>
+    </dgm:scene3d>
+    <dgm:sp3d/>
+    <dgm:txPr/>
+    <dgm:style>
+      <a:lnRef idx="2">
+        <a:scrgbClr r="0" g="0" b="0"/>
+      </a:lnRef>
+      <a:fillRef idx="1">
+        <a:scrgbClr r="0" g="0" b="0"/>
+      </a:fillRef>
+      <a:effectRef idx="0">
+        <a:scrgbClr r="0" g="0" b="0"/>
+      </a:effectRef>
+      <a:fontRef idx="minor"/>
+    </dgm:style>
+  </dgm:styleLbl>
+  <dgm:styleLbl name="fgAcc2">
+    <dgm:scene3d>
+      <a:camera prst="orthographicFront"/>
+      <a:lightRig rig="threePt" dir="t"/>
+    </dgm:scene3d>
+    <dgm:sp3d/>
+    <dgm:txPr/>
+    <dgm:style>
+      <a:lnRef idx="2">
+        <a:scrgbClr r="0" g="0" b="0"/>
+      </a:lnRef>
+      <a:fillRef idx="1">
+        <a:scrgbClr r="0" g="0" b="0"/>
+      </a:fillRef>
+      <a:effectRef idx="0">
+        <a:scrgbClr r="0" g="0" b="0"/>
+      </a:effectRef>
+      <a:fontRef idx="minor"/>
+    </dgm:style>
+  </dgm:styleLbl>
+  <dgm:styleLbl name="fgAcc3">
+    <dgm:scene3d>
+      <a:camera prst="orthographicFront"/>
+      <a:lightRig rig="threePt" dir="t"/>
+    </dgm:scene3d>
+    <dgm:sp3d/>
+    <dgm:txPr/>
+    <dgm:style>
+      <a:lnRef idx="2">
+        <a:scrgbClr r="0" g="0" b="0"/>
+      </a:lnRef>
+      <a:fillRef idx="1">
+        <a:scrgbClr r="0" g="0" b="0"/>
+      </a:fillRef>
+      <a:effectRef idx="0">
+        <a:scrgbClr r="0" g="0" b="0"/>
+      </a:effectRef>
+      <a:fontRef idx="minor"/>
+    </dgm:style>
+  </dgm:styleLbl>
+  <dgm:styleLbl name="fgAcc4">
+    <dgm:scene3d>
+      <a:camera prst="orthographicFront"/>
+      <a:lightRig rig="threePt" dir="t"/>
+    </dgm:scene3d>
+    <dgm:sp3d/>
+    <dgm:txPr/>
+    <dgm:style>
+      <a:lnRef idx="2">
+        <a:scrgbClr r="0" g="0" b="0"/>
+      </a:lnRef>
+      <a:fillRef idx="1">
+        <a:scrgbClr r="0" g="0" b="0"/>
+      </a:fillRef>
+      <a:effectRef idx="0">
+        <a:scrgbClr r="0" g="0" b="0"/>
+      </a:effectRef>
+      <a:fontRef idx="minor"/>
+    </dgm:style>
+  </dgm:styleLbl>
+  <dgm:styleLbl name="bgShp">
+    <dgm:scene3d>
+      <a:camera prst="orthographicFront"/>
+      <a:lightRig rig="threePt" dir="t"/>
+    </dgm:scene3d>
+    <dgm:sp3d/>
+    <dgm:txPr/>
+    <dgm:style>
+      <a:lnRef idx="0">
+        <a:scrgbClr r="0" g="0" b="0"/>
+      </a:lnRef>
+      <a:fillRef idx="1">
+        <a:scrgbClr r="0" g="0" b="0"/>
+      </a:fillRef>
+      <a:effectRef idx="0">
+        <a:scrgbClr r="0" g="0" b="0"/>
+      </a:effectRef>
+      <a:fontRef idx="minor"/>
+    </dgm:style>
+  </dgm:styleLbl>
+  <dgm:styleLbl name="dkBgShp">
+    <dgm:scene3d>
+      <a:camera prst="orthographicFront"/>
+      <a:lightRig rig="threePt" dir="t"/>
+    </dgm:scene3d>
+    <dgm:sp3d/>
+    <dgm:txPr/>
+    <dgm:style>
+      <a:lnRef idx="0">
+        <a:scrgbClr r="0" g="0" b="0"/>
+      </a:lnRef>
+      <a:fillRef idx="1">
+        <a:scrgbClr r="0" g="0" b="0"/>
+      </a:fillRef>
+      <a:effectRef idx="0">
+        <a:scrgbClr r="0" g="0" b="0"/>
+      </a:effectRef>
+      <a:fontRef idx="minor"/>
+    </dgm:style>
+  </dgm:styleLbl>
+  <dgm:styleLbl name="trBgShp">
+    <dgm:scene3d>
+      <a:camera prst="orthographicFront"/>
+      <a:lightRig rig="threePt" dir="t"/>
+    </dgm:scene3d>
+    <dgm:sp3d/>
+    <dgm:txPr/>
+    <dgm:style>
+      <a:lnRef idx="0">
+        <a:scrgbClr r="0" g="0" b="0"/>
+      </a:lnRef>
+      <a:fillRef idx="1">
+        <a:scrgbClr r="0" g="0" b="0"/>
+      </a:fillRef>
+      <a:effectRef idx="0">
+        <a:scrgbClr r="0" g="0" b="0"/>
+      </a:effectRef>
+      <a:fontRef idx="minor"/>
+    </dgm:style>
+  </dgm:styleLbl>
+  <dgm:styleLbl name="fgShp">
+    <dgm:scene3d>
+      <a:camera prst="orthographicFront"/>
+      <a:lightRig rig="threePt" dir="t"/>
+    </dgm:scene3d>
+    <dgm:sp3d/>
+    <dgm:txPr/>
+    <dgm:style>
+      <a:lnRef idx="2">
+        <a:scrgbClr r="0" g="0" b="0"/>
+      </a:lnRef>
+      <a:fillRef idx="1">
+        <a:scrgbClr r="0" g="0" b="0"/>
+      </a:fillRef>
+      <a:effectRef idx="0">
+        <a:scrgbClr r="0" g="0" b="0"/>
+      </a:effectRef>
+      <a:fontRef idx="minor"/>
+    </dgm:style>
+  </dgm:styleLbl>
+  <dgm:styleLbl name="revTx">
+    <dgm:scene3d>
+      <a:camera prst="orthographicFront"/>
+      <a:lightRig rig="threePt" dir="t"/>
+    </dgm:scene3d>
+    <dgm:sp3d/>
+    <dgm:txPr/>
+    <dgm:style>
+      <a:lnRef idx="0">
+        <a:scrgbClr r="0" g="0" b="0"/>
+      </a:lnRef>
+      <a:fillRef idx="0">
+        <a:scrgbClr r="0" g="0" b="0"/>
+      </a:fillRef>
+      <a:effectRef idx="0">
+        <a:scrgbClr r="0" g="0" b="0"/>
+      </a:effectRef>
+      <a:fontRef idx="minor"/>
+    </dgm:style>
+  </dgm:styleLbl>
+</dgm:styleDef>
+</file>
+
 <file path=ppt/slideLayouts/slideLayout1.xml><?xml version="1.0" encoding="utf-8"?>
-<p:sldLayout xmlns:a="http://schemas.openxmlformats.org/drawingml/2006/main" xmlns:p="http://schemas.openxmlformats.org/presentationml/2006/main" xmlns:r="http://schemas.openxmlformats.org/officeDocument/2006/relationships" xmlns:p14="http://schemas.microsoft.com/office/powerpoint/2010/main" xmlns:p15="http://schemas.microsoft.com/office/powerpoint/2012/main" xmlns:mc="http://schemas.openxmlformats.org/markup-compatibility/2006" type="blank" preserve="1">
+<p:sldLayout xmlns:a="http://schemas.openxmlformats.org/drawingml/2006/main" xmlns:r="http://schemas.openxmlformats.org/officeDocument/2006/relationships" xmlns:p="http://schemas.openxmlformats.org/presentationml/2006/main" type="blank" preserve="1">
   <p:cSld name="Blank Slide">
     <p:spTree>
       <p:nvGrpSpPr>
@@ -31,11 +6128,14 @@
       </p:grpSpPr>
     </p:spTree>
   </p:cSld>
+  <p:clrMapOvr>
+    <a:masterClrMapping/>
+  </p:clrMapOvr>
 </p:sldLayout>
 </file>
 
 <file path=ppt/slideLayouts/slideLayout10.xml><?xml version="1.0" encoding="utf-8"?>
-<p:sldLayout xmlns:a="http://schemas.openxmlformats.org/drawingml/2006/main" xmlns:p="http://schemas.openxmlformats.org/presentationml/2006/main" xmlns:r="http://schemas.openxmlformats.org/officeDocument/2006/relationships" xmlns:p14="http://schemas.microsoft.com/office/powerpoint/2010/main" xmlns:p15="http://schemas.microsoft.com/office/powerpoint/2012/main" xmlns:mc="http://schemas.openxmlformats.org/markup-compatibility/2006" type="objOverTx" preserve="1">
+<p:sldLayout xmlns:a="http://schemas.openxmlformats.org/drawingml/2006/main" xmlns:r="http://schemas.openxmlformats.org/officeDocument/2006/relationships" xmlns:p="http://schemas.openxmlformats.org/presentationml/2006/main" type="objOverTx" preserve="1">
   <p:cSld name="Title, Content over Content">
     <p:spTree>
       <p:nvGrpSpPr>
@@ -71,15 +6171,16 @@
           </a:prstGeom>
         </p:spPr>
         <p:txBody>
-          <a:bodyPr lIns="0" rIns="0" tIns="0" bIns="0" anchor="ctr"/>
+          <a:bodyPr lIns="0" tIns="0" rIns="0" bIns="0" anchor="ctr"/>
+          <a:lstStyle/>
           <a:p>
-            <a:endParaRPr b="0" lang="fr-FR" sz="2400" spc="-1" strike="noStrike">
+            <a:endParaRPr lang="fr-FR" sz="2400" b="0" strike="noStrike" spc="-1">
               <a:solidFill>
                 <a:srgbClr val="000000"/>
               </a:solidFill>
               <a:uFill>
                 <a:solidFill>
-                  <a:srgbClr val="ffffff"/>
+                  <a:srgbClr val="FFFFFF"/>
                 </a:solidFill>
               </a:uFill>
               <a:latin typeface="Arial"/>
@@ -107,15 +6208,16 @@
           </a:prstGeom>
         </p:spPr>
         <p:txBody>
-          <a:bodyPr lIns="0" rIns="0" tIns="0" bIns="0"/>
+          <a:bodyPr lIns="0" tIns="0" rIns="0" bIns="0"/>
+          <a:lstStyle/>
           <a:p>
-            <a:endParaRPr b="0" lang="fr-FR" sz="15300" spc="-1" strike="noStrike">
+            <a:endParaRPr lang="fr-FR" sz="15300" b="0" strike="noStrike" spc="-1">
               <a:solidFill>
                 <a:srgbClr val="000000"/>
               </a:solidFill>
               <a:uFill>
                 <a:solidFill>
-                  <a:srgbClr val="ffffff"/>
+                  <a:srgbClr val="FFFFFF"/>
                 </a:solidFill>
               </a:uFill>
               <a:latin typeface="Arial"/>
@@ -143,15 +6245,16 @@
           </a:prstGeom>
         </p:spPr>
         <p:txBody>
-          <a:bodyPr lIns="0" rIns="0" tIns="0" bIns="0"/>
+          <a:bodyPr lIns="0" tIns="0" rIns="0" bIns="0"/>
+          <a:lstStyle/>
           <a:p>
-            <a:endParaRPr b="0" lang="fr-FR" sz="15300" spc="-1" strike="noStrike">
+            <a:endParaRPr lang="fr-FR" sz="15300" b="0" strike="noStrike" spc="-1">
               <a:solidFill>
                 <a:srgbClr val="000000"/>
               </a:solidFill>
               <a:uFill>
                 <a:solidFill>
-                  <a:srgbClr val="ffffff"/>
+                  <a:srgbClr val="FFFFFF"/>
                 </a:solidFill>
               </a:uFill>
               <a:latin typeface="Arial"/>
@@ -161,11 +6264,14 @@
       </p:sp>
     </p:spTree>
   </p:cSld>
+  <p:clrMapOvr>
+    <a:masterClrMapping/>
+  </p:clrMapOvr>
 </p:sldLayout>
 </file>
 
 <file path=ppt/slideLayouts/slideLayout11.xml><?xml version="1.0" encoding="utf-8"?>
-<p:sldLayout xmlns:a="http://schemas.openxmlformats.org/drawingml/2006/main" xmlns:p="http://schemas.openxmlformats.org/presentationml/2006/main" xmlns:r="http://schemas.openxmlformats.org/officeDocument/2006/relationships" xmlns:p14="http://schemas.microsoft.com/office/powerpoint/2010/main" xmlns:p15="http://schemas.microsoft.com/office/powerpoint/2012/main" xmlns:mc="http://schemas.openxmlformats.org/markup-compatibility/2006" type="fourObj" preserve="1">
+<p:sldLayout xmlns:a="http://schemas.openxmlformats.org/drawingml/2006/main" xmlns:r="http://schemas.openxmlformats.org/officeDocument/2006/relationships" xmlns:p="http://schemas.openxmlformats.org/presentationml/2006/main" type="fourObj" preserve="1">
   <p:cSld name="Title, 4 Content">
     <p:spTree>
       <p:nvGrpSpPr>
@@ -201,15 +6307,16 @@
           </a:prstGeom>
         </p:spPr>
         <p:txBody>
-          <a:bodyPr lIns="0" rIns="0" tIns="0" bIns="0" anchor="ctr"/>
+          <a:bodyPr lIns="0" tIns="0" rIns="0" bIns="0" anchor="ctr"/>
+          <a:lstStyle/>
           <a:p>
-            <a:endParaRPr b="0" lang="fr-FR" sz="2400" spc="-1" strike="noStrike">
+            <a:endParaRPr lang="fr-FR" sz="2400" b="0" strike="noStrike" spc="-1">
               <a:solidFill>
                 <a:srgbClr val="000000"/>
               </a:solidFill>
               <a:uFill>
                 <a:solidFill>
-                  <a:srgbClr val="ffffff"/>
+                  <a:srgbClr val="FFFFFF"/>
                 </a:solidFill>
               </a:uFill>
               <a:latin typeface="Arial"/>
@@ -237,15 +6344,16 @@
           </a:prstGeom>
         </p:spPr>
         <p:txBody>
-          <a:bodyPr lIns="0" rIns="0" tIns="0" bIns="0"/>
+          <a:bodyPr lIns="0" tIns="0" rIns="0" bIns="0"/>
+          <a:lstStyle/>
           <a:p>
-            <a:endParaRPr b="0" lang="fr-FR" sz="15300" spc="-1" strike="noStrike">
+            <a:endParaRPr lang="fr-FR" sz="15300" b="0" strike="noStrike" spc="-1">
               <a:solidFill>
                 <a:srgbClr val="000000"/>
               </a:solidFill>
               <a:uFill>
                 <a:solidFill>
-                  <a:srgbClr val="ffffff"/>
+                  <a:srgbClr val="FFFFFF"/>
                 </a:solidFill>
               </a:uFill>
               <a:latin typeface="Arial"/>
@@ -273,15 +6381,16 @@
           </a:prstGeom>
         </p:spPr>
         <p:txBody>
-          <a:bodyPr lIns="0" rIns="0" tIns="0" bIns="0"/>
+          <a:bodyPr lIns="0" tIns="0" rIns="0" bIns="0"/>
+          <a:lstStyle/>
           <a:p>
-            <a:endParaRPr b="0" lang="fr-FR" sz="15300" spc="-1" strike="noStrike">
+            <a:endParaRPr lang="fr-FR" sz="15300" b="0" strike="noStrike" spc="-1">
               <a:solidFill>
                 <a:srgbClr val="000000"/>
               </a:solidFill>
               <a:uFill>
                 <a:solidFill>
-                  <a:srgbClr val="ffffff"/>
+                  <a:srgbClr val="FFFFFF"/>
                 </a:solidFill>
               </a:uFill>
               <a:latin typeface="Arial"/>
@@ -309,15 +6418,16 @@
           </a:prstGeom>
         </p:spPr>
         <p:txBody>
-          <a:bodyPr lIns="0" rIns="0" tIns="0" bIns="0"/>
+          <a:bodyPr lIns="0" tIns="0" rIns="0" bIns="0"/>
+          <a:lstStyle/>
           <a:p>
-            <a:endParaRPr b="0" lang="fr-FR" sz="15300" spc="-1" strike="noStrike">
+            <a:endParaRPr lang="fr-FR" sz="15300" b="0" strike="noStrike" spc="-1">
               <a:solidFill>
                 <a:srgbClr val="000000"/>
               </a:solidFill>
               <a:uFill>
                 <a:solidFill>
-                  <a:srgbClr val="ffffff"/>
+                  <a:srgbClr val="FFFFFF"/>
                 </a:solidFill>
               </a:uFill>
               <a:latin typeface="Arial"/>
@@ -345,15 +6455,16 @@
           </a:prstGeom>
         </p:spPr>
         <p:txBody>
-          <a:bodyPr lIns="0" rIns="0" tIns="0" bIns="0"/>
+          <a:bodyPr lIns="0" tIns="0" rIns="0" bIns="0"/>
+          <a:lstStyle/>
           <a:p>
-            <a:endParaRPr b="0" lang="fr-FR" sz="15300" spc="-1" strike="noStrike">
+            <a:endParaRPr lang="fr-FR" sz="15300" b="0" strike="noStrike" spc="-1">
               <a:solidFill>
                 <a:srgbClr val="000000"/>
               </a:solidFill>
               <a:uFill>
                 <a:solidFill>
-                  <a:srgbClr val="ffffff"/>
+                  <a:srgbClr val="FFFFFF"/>
                 </a:solidFill>
               </a:uFill>
               <a:latin typeface="Arial"/>
@@ -363,11 +6474,14 @@
       </p:sp>
     </p:spTree>
   </p:cSld>
+  <p:clrMapOvr>
+    <a:masterClrMapping/>
+  </p:clrMapOvr>
 </p:sldLayout>
 </file>
 
 <file path=ppt/slideLayouts/slideLayout12.xml><?xml version="1.0" encoding="utf-8"?>
-<p:sldLayout xmlns:a="http://schemas.openxmlformats.org/drawingml/2006/main" xmlns:p="http://schemas.openxmlformats.org/presentationml/2006/main" xmlns:r="http://schemas.openxmlformats.org/officeDocument/2006/relationships" xmlns:p14="http://schemas.microsoft.com/office/powerpoint/2010/main" xmlns:p15="http://schemas.microsoft.com/office/powerpoint/2012/main" xmlns:mc="http://schemas.openxmlformats.org/markup-compatibility/2006" type="blank" preserve="1">
+<p:sldLayout xmlns:a="http://schemas.openxmlformats.org/drawingml/2006/main" xmlns:r="http://schemas.openxmlformats.org/officeDocument/2006/relationships" xmlns:p="http://schemas.openxmlformats.org/presentationml/2006/main" type="blank" preserve="1">
   <p:cSld name="Title, 6 Content">
     <p:spTree>
       <p:nvGrpSpPr>
@@ -403,15 +6517,16 @@
           </a:prstGeom>
         </p:spPr>
         <p:txBody>
-          <a:bodyPr lIns="0" rIns="0" tIns="0" bIns="0" anchor="ctr"/>
+          <a:bodyPr lIns="0" tIns="0" rIns="0" bIns="0" anchor="ctr"/>
+          <a:lstStyle/>
           <a:p>
-            <a:endParaRPr b="0" lang="fr-FR" sz="2400" spc="-1" strike="noStrike">
+            <a:endParaRPr lang="fr-FR" sz="2400" b="0" strike="noStrike" spc="-1">
               <a:solidFill>
                 <a:srgbClr val="000000"/>
               </a:solidFill>
               <a:uFill>
                 <a:solidFill>
-                  <a:srgbClr val="ffffff"/>
+                  <a:srgbClr val="FFFFFF"/>
                 </a:solidFill>
               </a:uFill>
               <a:latin typeface="Arial"/>
@@ -439,15 +6554,16 @@
           </a:prstGeom>
         </p:spPr>
         <p:txBody>
-          <a:bodyPr lIns="0" rIns="0" tIns="0" bIns="0"/>
+          <a:bodyPr lIns="0" tIns="0" rIns="0" bIns="0"/>
+          <a:lstStyle/>
           <a:p>
-            <a:endParaRPr b="0" lang="fr-FR" sz="15300" spc="-1" strike="noStrike">
+            <a:endParaRPr lang="fr-FR" sz="15300" b="0" strike="noStrike" spc="-1">
               <a:solidFill>
                 <a:srgbClr val="000000"/>
               </a:solidFill>
               <a:uFill>
                 <a:solidFill>
-                  <a:srgbClr val="ffffff"/>
+                  <a:srgbClr val="FFFFFF"/>
                 </a:solidFill>
               </a:uFill>
               <a:latin typeface="Arial"/>
@@ -475,15 +6591,16 @@
           </a:prstGeom>
         </p:spPr>
         <p:txBody>
-          <a:bodyPr lIns="0" rIns="0" tIns="0" bIns="0"/>
+          <a:bodyPr lIns="0" tIns="0" rIns="0" bIns="0"/>
+          <a:lstStyle/>
           <a:p>
-            <a:endParaRPr b="0" lang="fr-FR" sz="15300" spc="-1" strike="noStrike">
+            <a:endParaRPr lang="fr-FR" sz="15300" b="0" strike="noStrike" spc="-1">
               <a:solidFill>
                 <a:srgbClr val="000000"/>
               </a:solidFill>
               <a:uFill>
                 <a:solidFill>
-                  <a:srgbClr val="ffffff"/>
+                  <a:srgbClr val="FFFFFF"/>
                 </a:solidFill>
               </a:uFill>
               <a:latin typeface="Arial"/>
@@ -493,7 +6610,7 @@
       </p:sp>
       <p:pic>
         <p:nvPicPr>
-          <p:cNvPr id="36" name="" descr=""/>
+          <p:cNvPr id="36" name="Image 35"/>
           <p:cNvPicPr/>
           <p:nvPr/>
         </p:nvPicPr>
@@ -516,12 +6633,12 @@
       </p:pic>
       <p:pic>
         <p:nvPicPr>
-          <p:cNvPr id="37" name="" descr=""/>
+          <p:cNvPr id="37" name="Image 36"/>
           <p:cNvPicPr/>
           <p:nvPr/>
         </p:nvPicPr>
         <p:blipFill>
-          <a:blip r:embed="rId3"/>
+          <a:blip r:embed="rId2"/>
           <a:stretch/>
         </p:blipFill>
         <p:spPr>
@@ -539,11 +6656,14 @@
       </p:pic>
     </p:spTree>
   </p:cSld>
+  <p:clrMapOvr>
+    <a:masterClrMapping/>
+  </p:clrMapOvr>
 </p:sldLayout>
 </file>
 
 <file path=ppt/slideLayouts/slideLayout2.xml><?xml version="1.0" encoding="utf-8"?>
-<p:sldLayout xmlns:a="http://schemas.openxmlformats.org/drawingml/2006/main" xmlns:p="http://schemas.openxmlformats.org/presentationml/2006/main" xmlns:r="http://schemas.openxmlformats.org/officeDocument/2006/relationships" xmlns:p14="http://schemas.microsoft.com/office/powerpoint/2010/main" xmlns:p15="http://schemas.microsoft.com/office/powerpoint/2012/main" xmlns:mc="http://schemas.openxmlformats.org/markup-compatibility/2006" type="tx" preserve="1">
+<p:sldLayout xmlns:a="http://schemas.openxmlformats.org/drawingml/2006/main" xmlns:r="http://schemas.openxmlformats.org/officeDocument/2006/relationships" xmlns:p="http://schemas.openxmlformats.org/presentationml/2006/main" type="tx" preserve="1">
   <p:cSld name="Title Slide">
     <p:spTree>
       <p:nvGrpSpPr>
@@ -579,15 +6699,16 @@
           </a:prstGeom>
         </p:spPr>
         <p:txBody>
-          <a:bodyPr lIns="0" rIns="0" tIns="0" bIns="0" anchor="ctr"/>
+          <a:bodyPr lIns="0" tIns="0" rIns="0" bIns="0" anchor="ctr"/>
+          <a:lstStyle/>
           <a:p>
-            <a:endParaRPr b="0" lang="fr-FR" sz="2400" spc="-1" strike="noStrike">
+            <a:endParaRPr lang="fr-FR" sz="2400" b="0" strike="noStrike" spc="-1">
               <a:solidFill>
                 <a:srgbClr val="000000"/>
               </a:solidFill>
               <a:uFill>
                 <a:solidFill>
-                  <a:srgbClr val="ffffff"/>
+                  <a:srgbClr val="FFFFFF"/>
                 </a:solidFill>
               </a:uFill>
               <a:latin typeface="Arial"/>
@@ -615,16 +6736,17 @@
           </a:prstGeom>
         </p:spPr>
         <p:txBody>
-          <a:bodyPr lIns="0" rIns="0" tIns="0" bIns="0" anchor="ctr"/>
+          <a:bodyPr lIns="0" tIns="0" rIns="0" bIns="0" anchor="ctr"/>
+          <a:lstStyle/>
           <a:p>
             <a:pPr algn="ctr"/>
-            <a:endParaRPr b="0" lang="fr-BE" sz="3200" spc="-1" strike="noStrike">
+            <a:endParaRPr lang="fr-BE" sz="3200" b="0" strike="noStrike" spc="-1">
               <a:solidFill>
                 <a:srgbClr val="000000"/>
               </a:solidFill>
               <a:uFill>
                 <a:solidFill>
-                  <a:srgbClr val="ffffff"/>
+                  <a:srgbClr val="FFFFFF"/>
                 </a:solidFill>
               </a:uFill>
               <a:latin typeface="Arial"/>
@@ -634,11 +6756,14 @@
       </p:sp>
     </p:spTree>
   </p:cSld>
+  <p:clrMapOvr>
+    <a:masterClrMapping/>
+  </p:clrMapOvr>
 </p:sldLayout>
 </file>
 
 <file path=ppt/slideLayouts/slideLayout3.xml><?xml version="1.0" encoding="utf-8"?>
-<p:sldLayout xmlns:a="http://schemas.openxmlformats.org/drawingml/2006/main" xmlns:p="http://schemas.openxmlformats.org/presentationml/2006/main" xmlns:r="http://schemas.openxmlformats.org/officeDocument/2006/relationships" xmlns:p14="http://schemas.microsoft.com/office/powerpoint/2010/main" xmlns:p15="http://schemas.microsoft.com/office/powerpoint/2012/main" xmlns:mc="http://schemas.openxmlformats.org/markup-compatibility/2006" type="obj" preserve="1">
+<p:sldLayout xmlns:a="http://schemas.openxmlformats.org/drawingml/2006/main" xmlns:r="http://schemas.openxmlformats.org/officeDocument/2006/relationships" xmlns:p="http://schemas.openxmlformats.org/presentationml/2006/main" type="obj" preserve="1">
   <p:cSld name="Title, Content">
     <p:spTree>
       <p:nvGrpSpPr>
@@ -674,15 +6799,16 @@
           </a:prstGeom>
         </p:spPr>
         <p:txBody>
-          <a:bodyPr lIns="0" rIns="0" tIns="0" bIns="0" anchor="ctr"/>
+          <a:bodyPr lIns="0" tIns="0" rIns="0" bIns="0" anchor="ctr"/>
+          <a:lstStyle/>
           <a:p>
-            <a:endParaRPr b="0" lang="fr-FR" sz="2400" spc="-1" strike="noStrike">
+            <a:endParaRPr lang="fr-FR" sz="2400" b="0" strike="noStrike" spc="-1">
               <a:solidFill>
                 <a:srgbClr val="000000"/>
               </a:solidFill>
               <a:uFill>
                 <a:solidFill>
-                  <a:srgbClr val="ffffff"/>
+                  <a:srgbClr val="FFFFFF"/>
                 </a:solidFill>
               </a:uFill>
               <a:latin typeface="Arial"/>
@@ -710,15 +6836,16 @@
           </a:prstGeom>
         </p:spPr>
         <p:txBody>
-          <a:bodyPr lIns="0" rIns="0" tIns="0" bIns="0"/>
+          <a:bodyPr lIns="0" tIns="0" rIns="0" bIns="0"/>
+          <a:lstStyle/>
           <a:p>
-            <a:endParaRPr b="0" lang="fr-FR" sz="15300" spc="-1" strike="noStrike">
+            <a:endParaRPr lang="fr-FR" sz="15300" b="0" strike="noStrike" spc="-1">
               <a:solidFill>
                 <a:srgbClr val="000000"/>
               </a:solidFill>
               <a:uFill>
                 <a:solidFill>
-                  <a:srgbClr val="ffffff"/>
+                  <a:srgbClr val="FFFFFF"/>
                 </a:solidFill>
               </a:uFill>
               <a:latin typeface="Arial"/>
@@ -728,11 +6855,14 @@
       </p:sp>
     </p:spTree>
   </p:cSld>
+  <p:clrMapOvr>
+    <a:masterClrMapping/>
+  </p:clrMapOvr>
 </p:sldLayout>
 </file>
 
 <file path=ppt/slideLayouts/slideLayout4.xml><?xml version="1.0" encoding="utf-8"?>
-<p:sldLayout xmlns:a="http://schemas.openxmlformats.org/drawingml/2006/main" xmlns:p="http://schemas.openxmlformats.org/presentationml/2006/main" xmlns:r="http://schemas.openxmlformats.org/officeDocument/2006/relationships" xmlns:p14="http://schemas.microsoft.com/office/powerpoint/2010/main" xmlns:p15="http://schemas.microsoft.com/office/powerpoint/2012/main" xmlns:mc="http://schemas.openxmlformats.org/markup-compatibility/2006" type="twoObj" preserve="1">
+<p:sldLayout xmlns:a="http://schemas.openxmlformats.org/drawingml/2006/main" xmlns:r="http://schemas.openxmlformats.org/officeDocument/2006/relationships" xmlns:p="http://schemas.openxmlformats.org/presentationml/2006/main" type="twoObj" preserve="1">
   <p:cSld name="Title, 2 Content">
     <p:spTree>
       <p:nvGrpSpPr>
@@ -768,15 +6898,16 @@
           </a:prstGeom>
         </p:spPr>
         <p:txBody>
-          <a:bodyPr lIns="0" rIns="0" tIns="0" bIns="0" anchor="ctr"/>
+          <a:bodyPr lIns="0" tIns="0" rIns="0" bIns="0" anchor="ctr"/>
+          <a:lstStyle/>
           <a:p>
-            <a:endParaRPr b="0" lang="fr-FR" sz="2400" spc="-1" strike="noStrike">
+            <a:endParaRPr lang="fr-FR" sz="2400" b="0" strike="noStrike" spc="-1">
               <a:solidFill>
                 <a:srgbClr val="000000"/>
               </a:solidFill>
               <a:uFill>
                 <a:solidFill>
-                  <a:srgbClr val="ffffff"/>
+                  <a:srgbClr val="FFFFFF"/>
                 </a:solidFill>
               </a:uFill>
               <a:latin typeface="Arial"/>
@@ -804,15 +6935,16 @@
           </a:prstGeom>
         </p:spPr>
         <p:txBody>
-          <a:bodyPr lIns="0" rIns="0" tIns="0" bIns="0"/>
+          <a:bodyPr lIns="0" tIns="0" rIns="0" bIns="0"/>
+          <a:lstStyle/>
           <a:p>
-            <a:endParaRPr b="0" lang="fr-FR" sz="15300" spc="-1" strike="noStrike">
+            <a:endParaRPr lang="fr-FR" sz="15300" b="0" strike="noStrike" spc="-1">
               <a:solidFill>
                 <a:srgbClr val="000000"/>
               </a:solidFill>
               <a:uFill>
                 <a:solidFill>
-                  <a:srgbClr val="ffffff"/>
+                  <a:srgbClr val="FFFFFF"/>
                 </a:solidFill>
               </a:uFill>
               <a:latin typeface="Arial"/>
@@ -840,15 +6972,16 @@
           </a:prstGeom>
         </p:spPr>
         <p:txBody>
-          <a:bodyPr lIns="0" rIns="0" tIns="0" bIns="0"/>
+          <a:bodyPr lIns="0" tIns="0" rIns="0" bIns="0"/>
+          <a:lstStyle/>
           <a:p>
-            <a:endParaRPr b="0" lang="fr-FR" sz="15300" spc="-1" strike="noStrike">
+            <a:endParaRPr lang="fr-FR" sz="15300" b="0" strike="noStrike" spc="-1">
               <a:solidFill>
                 <a:srgbClr val="000000"/>
               </a:solidFill>
               <a:uFill>
                 <a:solidFill>
-                  <a:srgbClr val="ffffff"/>
+                  <a:srgbClr val="FFFFFF"/>
                 </a:solidFill>
               </a:uFill>
               <a:latin typeface="Arial"/>
@@ -858,11 +6991,14 @@
       </p:sp>
     </p:spTree>
   </p:cSld>
+  <p:clrMapOvr>
+    <a:masterClrMapping/>
+  </p:clrMapOvr>
 </p:sldLayout>
 </file>
 
 <file path=ppt/slideLayouts/slideLayout5.xml><?xml version="1.0" encoding="utf-8"?>
-<p:sldLayout xmlns:a="http://schemas.openxmlformats.org/drawingml/2006/main" xmlns:p="http://schemas.openxmlformats.org/presentationml/2006/main" xmlns:r="http://schemas.openxmlformats.org/officeDocument/2006/relationships" xmlns:p14="http://schemas.microsoft.com/office/powerpoint/2010/main" xmlns:p15="http://schemas.microsoft.com/office/powerpoint/2012/main" xmlns:mc="http://schemas.openxmlformats.org/markup-compatibility/2006" type="titleOnly" preserve="1">
+<p:sldLayout xmlns:a="http://schemas.openxmlformats.org/drawingml/2006/main" xmlns:r="http://schemas.openxmlformats.org/officeDocument/2006/relationships" xmlns:p="http://schemas.openxmlformats.org/presentationml/2006/main" type="titleOnly" preserve="1">
   <p:cSld name="Title Only">
     <p:spTree>
       <p:nvGrpSpPr>
@@ -898,15 +7034,16 @@
           </a:prstGeom>
         </p:spPr>
         <p:txBody>
-          <a:bodyPr lIns="0" rIns="0" tIns="0" bIns="0" anchor="ctr"/>
+          <a:bodyPr lIns="0" tIns="0" rIns="0" bIns="0" anchor="ctr"/>
+          <a:lstStyle/>
           <a:p>
-            <a:endParaRPr b="0" lang="fr-FR" sz="2400" spc="-1" strike="noStrike">
+            <a:endParaRPr lang="fr-FR" sz="2400" b="0" strike="noStrike" spc="-1">
               <a:solidFill>
                 <a:srgbClr val="000000"/>
               </a:solidFill>
               <a:uFill>
                 <a:solidFill>
-                  <a:srgbClr val="ffffff"/>
+                  <a:srgbClr val="FFFFFF"/>
                 </a:solidFill>
               </a:uFill>
               <a:latin typeface="Arial"/>
@@ -916,11 +7053,14 @@
       </p:sp>
     </p:spTree>
   </p:cSld>
+  <p:clrMapOvr>
+    <a:masterClrMapping/>
+  </p:clrMapOvr>
 </p:sldLayout>
 </file>
 
 <file path=ppt/slideLayouts/slideLayout6.xml><?xml version="1.0" encoding="utf-8"?>
-<p:sldLayout xmlns:a="http://schemas.openxmlformats.org/drawingml/2006/main" xmlns:p="http://schemas.openxmlformats.org/presentationml/2006/main" xmlns:r="http://schemas.openxmlformats.org/officeDocument/2006/relationships" xmlns:p14="http://schemas.microsoft.com/office/powerpoint/2010/main" xmlns:p15="http://schemas.microsoft.com/office/powerpoint/2012/main" xmlns:mc="http://schemas.openxmlformats.org/markup-compatibility/2006" type="objOnly" preserve="1">
+<p:sldLayout xmlns:a="http://schemas.openxmlformats.org/drawingml/2006/main" xmlns:r="http://schemas.openxmlformats.org/officeDocument/2006/relationships" xmlns:p="http://schemas.openxmlformats.org/presentationml/2006/main" type="objOnly" preserve="1">
   <p:cSld name="Centered Text">
     <p:spTree>
       <p:nvGrpSpPr>
@@ -956,16 +7096,17 @@
           </a:prstGeom>
         </p:spPr>
         <p:txBody>
-          <a:bodyPr lIns="0" rIns="0" tIns="0" bIns="0" anchor="ctr"/>
+          <a:bodyPr lIns="0" tIns="0" rIns="0" bIns="0" anchor="ctr"/>
+          <a:lstStyle/>
           <a:p>
             <a:pPr algn="ctr"/>
-            <a:endParaRPr b="0" lang="fr-BE" sz="3200" spc="-1" strike="noStrike">
+            <a:endParaRPr lang="fr-BE" sz="3200" b="0" strike="noStrike" spc="-1">
               <a:solidFill>
                 <a:srgbClr val="000000"/>
               </a:solidFill>
               <a:uFill>
                 <a:solidFill>
-                  <a:srgbClr val="ffffff"/>
+                  <a:srgbClr val="FFFFFF"/>
                 </a:solidFill>
               </a:uFill>
               <a:latin typeface="Arial"/>
@@ -975,11 +7116,14 @@
       </p:sp>
     </p:spTree>
   </p:cSld>
+  <p:clrMapOvr>
+    <a:masterClrMapping/>
+  </p:clrMapOvr>
 </p:sldLayout>
 </file>
 
 <file path=ppt/slideLayouts/slideLayout7.xml><?xml version="1.0" encoding="utf-8"?>
-<p:sldLayout xmlns:a="http://schemas.openxmlformats.org/drawingml/2006/main" xmlns:p="http://schemas.openxmlformats.org/presentationml/2006/main" xmlns:r="http://schemas.openxmlformats.org/officeDocument/2006/relationships" xmlns:p14="http://schemas.microsoft.com/office/powerpoint/2010/main" xmlns:p15="http://schemas.microsoft.com/office/powerpoint/2012/main" xmlns:mc="http://schemas.openxmlformats.org/markup-compatibility/2006" type="twoObjAndObj" preserve="1">
+<p:sldLayout xmlns:a="http://schemas.openxmlformats.org/drawingml/2006/main" xmlns:r="http://schemas.openxmlformats.org/officeDocument/2006/relationships" xmlns:p="http://schemas.openxmlformats.org/presentationml/2006/main" type="twoObjAndObj" preserve="1">
   <p:cSld name="Title, 2 Content and Content">
     <p:spTree>
       <p:nvGrpSpPr>
@@ -1015,15 +7159,16 @@
           </a:prstGeom>
         </p:spPr>
         <p:txBody>
-          <a:bodyPr lIns="0" rIns="0" tIns="0" bIns="0" anchor="ctr"/>
+          <a:bodyPr lIns="0" tIns="0" rIns="0" bIns="0" anchor="ctr"/>
+          <a:lstStyle/>
           <a:p>
-            <a:endParaRPr b="0" lang="fr-FR" sz="2400" spc="-1" strike="noStrike">
+            <a:endParaRPr lang="fr-FR" sz="2400" b="0" strike="noStrike" spc="-1">
               <a:solidFill>
                 <a:srgbClr val="000000"/>
               </a:solidFill>
               <a:uFill>
                 <a:solidFill>
-                  <a:srgbClr val="ffffff"/>
+                  <a:srgbClr val="FFFFFF"/>
                 </a:solidFill>
               </a:uFill>
               <a:latin typeface="Arial"/>
@@ -1051,15 +7196,16 @@
           </a:prstGeom>
         </p:spPr>
         <p:txBody>
-          <a:bodyPr lIns="0" rIns="0" tIns="0" bIns="0"/>
+          <a:bodyPr lIns="0" tIns="0" rIns="0" bIns="0"/>
+          <a:lstStyle/>
           <a:p>
-            <a:endParaRPr b="0" lang="fr-FR" sz="15300" spc="-1" strike="noStrike">
+            <a:endParaRPr lang="fr-FR" sz="15300" b="0" strike="noStrike" spc="-1">
               <a:solidFill>
                 <a:srgbClr val="000000"/>
               </a:solidFill>
               <a:uFill>
                 <a:solidFill>
-                  <a:srgbClr val="ffffff"/>
+                  <a:srgbClr val="FFFFFF"/>
                 </a:solidFill>
               </a:uFill>
               <a:latin typeface="Arial"/>
@@ -1087,15 +7233,16 @@
           </a:prstGeom>
         </p:spPr>
         <p:txBody>
-          <a:bodyPr lIns="0" rIns="0" tIns="0" bIns="0"/>
+          <a:bodyPr lIns="0" tIns="0" rIns="0" bIns="0"/>
+          <a:lstStyle/>
           <a:p>
-            <a:endParaRPr b="0" lang="fr-FR" sz="15300" spc="-1" strike="noStrike">
+            <a:endParaRPr lang="fr-FR" sz="15300" b="0" strike="noStrike" spc="-1">
               <a:solidFill>
                 <a:srgbClr val="000000"/>
               </a:solidFill>
               <a:uFill>
                 <a:solidFill>
-                  <a:srgbClr val="ffffff"/>
+                  <a:srgbClr val="FFFFFF"/>
                 </a:solidFill>
               </a:uFill>
               <a:latin typeface="Arial"/>
@@ -1123,15 +7270,16 @@
           </a:prstGeom>
         </p:spPr>
         <p:txBody>
-          <a:bodyPr lIns="0" rIns="0" tIns="0" bIns="0"/>
+          <a:bodyPr lIns="0" tIns="0" rIns="0" bIns="0"/>
+          <a:lstStyle/>
           <a:p>
-            <a:endParaRPr b="0" lang="fr-FR" sz="15300" spc="-1" strike="noStrike">
+            <a:endParaRPr lang="fr-FR" sz="15300" b="0" strike="noStrike" spc="-1">
               <a:solidFill>
                 <a:srgbClr val="000000"/>
               </a:solidFill>
               <a:uFill>
                 <a:solidFill>
-                  <a:srgbClr val="ffffff"/>
+                  <a:srgbClr val="FFFFFF"/>
                 </a:solidFill>
               </a:uFill>
               <a:latin typeface="Arial"/>
@@ -1141,11 +7289,14 @@
       </p:sp>
     </p:spTree>
   </p:cSld>
+  <p:clrMapOvr>
+    <a:masterClrMapping/>
+  </p:clrMapOvr>
 </p:sldLayout>
 </file>
 
 <file path=ppt/slideLayouts/slideLayout8.xml><?xml version="1.0" encoding="utf-8"?>
-<p:sldLayout xmlns:a="http://schemas.openxmlformats.org/drawingml/2006/main" xmlns:p="http://schemas.openxmlformats.org/presentationml/2006/main" xmlns:r="http://schemas.openxmlformats.org/officeDocument/2006/relationships" xmlns:p14="http://schemas.microsoft.com/office/powerpoint/2010/main" xmlns:p15="http://schemas.microsoft.com/office/powerpoint/2012/main" xmlns:mc="http://schemas.openxmlformats.org/markup-compatibility/2006" type="objAndTwoObj" preserve="1">
+<p:sldLayout xmlns:a="http://schemas.openxmlformats.org/drawingml/2006/main" xmlns:r="http://schemas.openxmlformats.org/officeDocument/2006/relationships" xmlns:p="http://schemas.openxmlformats.org/presentationml/2006/main" type="objAndTwoObj" preserve="1">
   <p:cSld name="Title Content and 2 Content">
     <p:spTree>
       <p:nvGrpSpPr>
@@ -1181,15 +7332,16 @@
           </a:prstGeom>
         </p:spPr>
         <p:txBody>
-          <a:bodyPr lIns="0" rIns="0" tIns="0" bIns="0" anchor="ctr"/>
+          <a:bodyPr lIns="0" tIns="0" rIns="0" bIns="0" anchor="ctr"/>
+          <a:lstStyle/>
           <a:p>
-            <a:endParaRPr b="0" lang="fr-FR" sz="2400" spc="-1" strike="noStrike">
+            <a:endParaRPr lang="fr-FR" sz="2400" b="0" strike="noStrike" spc="-1">
               <a:solidFill>
                 <a:srgbClr val="000000"/>
               </a:solidFill>
               <a:uFill>
                 <a:solidFill>
-                  <a:srgbClr val="ffffff"/>
+                  <a:srgbClr val="FFFFFF"/>
                 </a:solidFill>
               </a:uFill>
               <a:latin typeface="Arial"/>
@@ -1217,15 +7369,16 @@
           </a:prstGeom>
         </p:spPr>
         <p:txBody>
-          <a:bodyPr lIns="0" rIns="0" tIns="0" bIns="0"/>
+          <a:bodyPr lIns="0" tIns="0" rIns="0" bIns="0"/>
+          <a:lstStyle/>
           <a:p>
-            <a:endParaRPr b="0" lang="fr-FR" sz="15300" spc="-1" strike="noStrike">
+            <a:endParaRPr lang="fr-FR" sz="15300" b="0" strike="noStrike" spc="-1">
               <a:solidFill>
                 <a:srgbClr val="000000"/>
               </a:solidFill>
               <a:uFill>
                 <a:solidFill>
-                  <a:srgbClr val="ffffff"/>
+                  <a:srgbClr val="FFFFFF"/>
                 </a:solidFill>
               </a:uFill>
               <a:latin typeface="Arial"/>
@@ -1253,15 +7406,16 @@
           </a:prstGeom>
         </p:spPr>
         <p:txBody>
-          <a:bodyPr lIns="0" rIns="0" tIns="0" bIns="0"/>
+          <a:bodyPr lIns="0" tIns="0" rIns="0" bIns="0"/>
+          <a:lstStyle/>
           <a:p>
-            <a:endParaRPr b="0" lang="fr-FR" sz="15300" spc="-1" strike="noStrike">
+            <a:endParaRPr lang="fr-FR" sz="15300" b="0" strike="noStrike" spc="-1">
               <a:solidFill>
                 <a:srgbClr val="000000"/>
               </a:solidFill>
               <a:uFill>
                 <a:solidFill>
-                  <a:srgbClr val="ffffff"/>
+                  <a:srgbClr val="FFFFFF"/>
                 </a:solidFill>
               </a:uFill>
               <a:latin typeface="Arial"/>
@@ -1289,15 +7443,16 @@
           </a:prstGeom>
         </p:spPr>
         <p:txBody>
-          <a:bodyPr lIns="0" rIns="0" tIns="0" bIns="0"/>
+          <a:bodyPr lIns="0" tIns="0" rIns="0" bIns="0"/>
+          <a:lstStyle/>
           <a:p>
-            <a:endParaRPr b="0" lang="fr-FR" sz="15300" spc="-1" strike="noStrike">
+            <a:endParaRPr lang="fr-FR" sz="15300" b="0" strike="noStrike" spc="-1">
               <a:solidFill>
                 <a:srgbClr val="000000"/>
               </a:solidFill>
               <a:uFill>
                 <a:solidFill>
-                  <a:srgbClr val="ffffff"/>
+                  <a:srgbClr val="FFFFFF"/>
                 </a:solidFill>
               </a:uFill>
               <a:latin typeface="Arial"/>
@@ -1307,11 +7462,14 @@
       </p:sp>
     </p:spTree>
   </p:cSld>
+  <p:clrMapOvr>
+    <a:masterClrMapping/>
+  </p:clrMapOvr>
 </p:sldLayout>
 </file>
 
 <file path=ppt/slideLayouts/slideLayout9.xml><?xml version="1.0" encoding="utf-8"?>
-<p:sldLayout xmlns:a="http://schemas.openxmlformats.org/drawingml/2006/main" xmlns:p="http://schemas.openxmlformats.org/presentationml/2006/main" xmlns:r="http://schemas.openxmlformats.org/officeDocument/2006/relationships" xmlns:p14="http://schemas.microsoft.com/office/powerpoint/2010/main" xmlns:p15="http://schemas.microsoft.com/office/powerpoint/2012/main" xmlns:mc="http://schemas.openxmlformats.org/markup-compatibility/2006" type="twoObjOverTx" preserve="1">
+<p:sldLayout xmlns:a="http://schemas.openxmlformats.org/drawingml/2006/main" xmlns:r="http://schemas.openxmlformats.org/officeDocument/2006/relationships" xmlns:p="http://schemas.openxmlformats.org/presentationml/2006/main" type="twoObjOverTx" preserve="1">
   <p:cSld name="Title, 2 Content over Content">
     <p:spTree>
       <p:nvGrpSpPr>
@@ -1347,15 +7505,16 @@
           </a:prstGeom>
         </p:spPr>
         <p:txBody>
-          <a:bodyPr lIns="0" rIns="0" tIns="0" bIns="0" anchor="ctr"/>
+          <a:bodyPr lIns="0" tIns="0" rIns="0" bIns="0" anchor="ctr"/>
+          <a:lstStyle/>
           <a:p>
-            <a:endParaRPr b="0" lang="fr-FR" sz="2400" spc="-1" strike="noStrike">
+            <a:endParaRPr lang="fr-FR" sz="2400" b="0" strike="noStrike" spc="-1">
               <a:solidFill>
                 <a:srgbClr val="000000"/>
               </a:solidFill>
               <a:uFill>
                 <a:solidFill>
-                  <a:srgbClr val="ffffff"/>
+                  <a:srgbClr val="FFFFFF"/>
                 </a:solidFill>
               </a:uFill>
               <a:latin typeface="Arial"/>
@@ -1383,15 +7542,16 @@
           </a:prstGeom>
         </p:spPr>
         <p:txBody>
-          <a:bodyPr lIns="0" rIns="0" tIns="0" bIns="0"/>
+          <a:bodyPr lIns="0" tIns="0" rIns="0" bIns="0"/>
+          <a:lstStyle/>
           <a:p>
-            <a:endParaRPr b="0" lang="fr-FR" sz="15300" spc="-1" strike="noStrike">
+            <a:endParaRPr lang="fr-FR" sz="15300" b="0" strike="noStrike" spc="-1">
               <a:solidFill>
                 <a:srgbClr val="000000"/>
               </a:solidFill>
               <a:uFill>
                 <a:solidFill>
-                  <a:srgbClr val="ffffff"/>
+                  <a:srgbClr val="FFFFFF"/>
                 </a:solidFill>
               </a:uFill>
               <a:latin typeface="Arial"/>
@@ -1419,15 +7579,16 @@
           </a:prstGeom>
         </p:spPr>
         <p:txBody>
-          <a:bodyPr lIns="0" rIns="0" tIns="0" bIns="0"/>
+          <a:bodyPr lIns="0" tIns="0" rIns="0" bIns="0"/>
+          <a:lstStyle/>
           <a:p>
-            <a:endParaRPr b="0" lang="fr-FR" sz="15300" spc="-1" strike="noStrike">
+            <a:endParaRPr lang="fr-FR" sz="15300" b="0" strike="noStrike" spc="-1">
               <a:solidFill>
                 <a:srgbClr val="000000"/>
               </a:solidFill>
               <a:uFill>
                 <a:solidFill>
-                  <a:srgbClr val="ffffff"/>
+                  <a:srgbClr val="FFFFFF"/>
                 </a:solidFill>
               </a:uFill>
               <a:latin typeface="Arial"/>
@@ -1455,15 +7616,16 @@
           </a:prstGeom>
         </p:spPr>
         <p:txBody>
-          <a:bodyPr lIns="0" rIns="0" tIns="0" bIns="0"/>
+          <a:bodyPr lIns="0" tIns="0" rIns="0" bIns="0"/>
+          <a:lstStyle/>
           <a:p>
-            <a:endParaRPr b="0" lang="fr-FR" sz="15300" spc="-1" strike="noStrike">
+            <a:endParaRPr lang="fr-FR" sz="15300" b="0" strike="noStrike" spc="-1">
               <a:solidFill>
                 <a:srgbClr val="000000"/>
               </a:solidFill>
               <a:uFill>
                 <a:solidFill>
-                  <a:srgbClr val="ffffff"/>
+                  <a:srgbClr val="FFFFFF"/>
                 </a:solidFill>
               </a:uFill>
               <a:latin typeface="Arial"/>
@@ -1473,17 +7635,21 @@
       </p:sp>
     </p:spTree>
   </p:cSld>
+  <p:clrMapOvr>
+    <a:masterClrMapping/>
+  </p:clrMapOvr>
 </p:sldLayout>
 </file>
 
 <file path=ppt/slideMasters/slideMaster1.xml><?xml version="1.0" encoding="utf-8"?>
-<p:sldMaster xmlns:a="http://schemas.openxmlformats.org/drawingml/2006/main" xmlns:p="http://schemas.openxmlformats.org/presentationml/2006/main" xmlns:r="http://schemas.openxmlformats.org/officeDocument/2006/relationships" xmlns:p14="http://schemas.microsoft.com/office/powerpoint/2010/main" xmlns:p15="http://schemas.microsoft.com/office/powerpoint/2012/main" xmlns:mc="http://schemas.openxmlformats.org/markup-compatibility/2006">
+<p:sldMaster xmlns:a="http://schemas.openxmlformats.org/drawingml/2006/main" xmlns:r="http://schemas.openxmlformats.org/officeDocument/2006/relationships" xmlns:p="http://schemas.openxmlformats.org/presentationml/2006/main">
   <p:cSld>
     <p:bg>
       <p:bgPr>
         <a:solidFill>
-          <a:srgbClr val="ffffff"/>
+          <a:srgbClr val="FFFFFF"/>
         </a:solidFill>
+        <a:effectLst/>
       </p:bgPr>
     </p:bg>
     <p:spTree>
@@ -1502,7 +7668,7 @@
       </p:grpSpPr>
       <p:sp>
         <p:nvSpPr>
-          <p:cNvPr id="0" name="PlaceHolder 1"/>
+          <p:cNvPr id="4" name="PlaceHolder 1"/>
           <p:cNvSpPr>
             <a:spLocks noGrp="1"/>
           </p:cNvSpPr>
@@ -1520,7 +7686,8 @@
           </a:prstGeom>
         </p:spPr>
         <p:txBody>
-          <a:bodyPr lIns="437040" rIns="437040" tIns="218520" bIns="218520" anchor="ctr"/>
+          <a:bodyPr lIns="437040" tIns="218520" rIns="437040" bIns="218520" anchor="ctr"/>
+          <a:lstStyle/>
           <a:p>
             <a:pPr algn="ctr">
               <a:lnSpc>
@@ -1528,312 +7695,27 @@
               </a:lnSpc>
             </a:pPr>
             <a:r>
-              <a:rPr b="0" lang="fr-FR" sz="21000" spc="-1" strike="noStrike">
+              <a:rPr lang="fr-FR" sz="21000" b="0" strike="noStrike" spc="-1">
                 <a:solidFill>
                   <a:srgbClr val="000000"/>
                 </a:solidFill>
                 <a:uFill>
                   <a:solidFill>
-                    <a:srgbClr val="ffffff"/>
+                    <a:srgbClr val="FFFFFF"/>
                   </a:solidFill>
                 </a:uFill>
                 <a:latin typeface="Arial"/>
                 <a:ea typeface="ＭＳ Ｐゴシック"/>
               </a:rPr>
-              <a:t>Cl</a:t>
+              <a:t>Cliquez pour modifier le style du titre</a:t>
             </a:r>
-            <a:r>
-              <a:rPr b="0" lang="fr-FR" sz="21000" spc="-1" strike="noStrike">
-                <a:solidFill>
-                  <a:srgbClr val="000000"/>
-                </a:solidFill>
-                <a:uFill>
-                  <a:solidFill>
-                    <a:srgbClr val="ffffff"/>
-                  </a:solidFill>
-                </a:uFill>
-                <a:latin typeface="Arial"/>
-                <a:ea typeface="ＭＳ Ｐゴシック"/>
-              </a:rPr>
-              <a:t>iq</a:t>
-            </a:r>
-            <a:r>
-              <a:rPr b="0" lang="fr-FR" sz="21000" spc="-1" strike="noStrike">
-                <a:solidFill>
-                  <a:srgbClr val="000000"/>
-                </a:solidFill>
-                <a:uFill>
-                  <a:solidFill>
-                    <a:srgbClr val="ffffff"/>
-                  </a:solidFill>
-                </a:uFill>
-                <a:latin typeface="Arial"/>
-                <a:ea typeface="ＭＳ Ｐゴシック"/>
-              </a:rPr>
-              <a:t>u</a:t>
-            </a:r>
-            <a:r>
-              <a:rPr b="0" lang="fr-FR" sz="21000" spc="-1" strike="noStrike">
-                <a:solidFill>
-                  <a:srgbClr val="000000"/>
-                </a:solidFill>
-                <a:uFill>
-                  <a:solidFill>
-                    <a:srgbClr val="ffffff"/>
-                  </a:solidFill>
-                </a:uFill>
-                <a:latin typeface="Arial"/>
-                <a:ea typeface="ＭＳ Ｐゴシック"/>
-              </a:rPr>
-              <a:t>ez </a:t>
-            </a:r>
-            <a:r>
-              <a:rPr b="0" lang="fr-FR" sz="21000" spc="-1" strike="noStrike">
-                <a:solidFill>
-                  <a:srgbClr val="000000"/>
-                </a:solidFill>
-                <a:uFill>
-                  <a:solidFill>
-                    <a:srgbClr val="ffffff"/>
-                  </a:solidFill>
-                </a:uFill>
-                <a:latin typeface="Arial"/>
-                <a:ea typeface="ＭＳ Ｐゴシック"/>
-              </a:rPr>
-              <a:t>p</a:t>
-            </a:r>
-            <a:r>
-              <a:rPr b="0" lang="fr-FR" sz="21000" spc="-1" strike="noStrike">
-                <a:solidFill>
-                  <a:srgbClr val="000000"/>
-                </a:solidFill>
-                <a:uFill>
-                  <a:solidFill>
-                    <a:srgbClr val="ffffff"/>
-                  </a:solidFill>
-                </a:uFill>
-                <a:latin typeface="Arial"/>
-                <a:ea typeface="ＭＳ Ｐゴシック"/>
-              </a:rPr>
-              <a:t>o</a:t>
-            </a:r>
-            <a:r>
-              <a:rPr b="0" lang="fr-FR" sz="21000" spc="-1" strike="noStrike">
-                <a:solidFill>
-                  <a:srgbClr val="000000"/>
-                </a:solidFill>
-                <a:uFill>
-                  <a:solidFill>
-                    <a:srgbClr val="ffffff"/>
-                  </a:solidFill>
-                </a:uFill>
-                <a:latin typeface="Arial"/>
-                <a:ea typeface="ＭＳ Ｐゴシック"/>
-              </a:rPr>
-              <a:t>ur </a:t>
-            </a:r>
-            <a:r>
-              <a:rPr b="0" lang="fr-FR" sz="21000" spc="-1" strike="noStrike">
-                <a:solidFill>
-                  <a:srgbClr val="000000"/>
-                </a:solidFill>
-                <a:uFill>
-                  <a:solidFill>
-                    <a:srgbClr val="ffffff"/>
-                  </a:solidFill>
-                </a:uFill>
-                <a:latin typeface="Arial"/>
-                <a:ea typeface="ＭＳ Ｐゴシック"/>
-              </a:rPr>
-              <a:t>m</a:t>
-            </a:r>
-            <a:r>
-              <a:rPr b="0" lang="fr-FR" sz="21000" spc="-1" strike="noStrike">
-                <a:solidFill>
-                  <a:srgbClr val="000000"/>
-                </a:solidFill>
-                <a:uFill>
-                  <a:solidFill>
-                    <a:srgbClr val="ffffff"/>
-                  </a:solidFill>
-                </a:uFill>
-                <a:latin typeface="Arial"/>
-                <a:ea typeface="ＭＳ Ｐゴシック"/>
-              </a:rPr>
-              <a:t>o</a:t>
-            </a:r>
-            <a:r>
-              <a:rPr b="0" lang="fr-FR" sz="21000" spc="-1" strike="noStrike">
-                <a:solidFill>
-                  <a:srgbClr val="000000"/>
-                </a:solidFill>
-                <a:uFill>
-                  <a:solidFill>
-                    <a:srgbClr val="ffffff"/>
-                  </a:solidFill>
-                </a:uFill>
-                <a:latin typeface="Arial"/>
-                <a:ea typeface="ＭＳ Ｐゴシック"/>
-              </a:rPr>
-              <a:t>dif</a:t>
-            </a:r>
-            <a:r>
-              <a:rPr b="0" lang="fr-FR" sz="21000" spc="-1" strike="noStrike">
-                <a:solidFill>
-                  <a:srgbClr val="000000"/>
-                </a:solidFill>
-                <a:uFill>
-                  <a:solidFill>
-                    <a:srgbClr val="ffffff"/>
-                  </a:solidFill>
-                </a:uFill>
-                <a:latin typeface="Arial"/>
-                <a:ea typeface="ＭＳ Ｐゴシック"/>
-              </a:rPr>
-              <a:t>ie</a:t>
-            </a:r>
-            <a:r>
-              <a:rPr b="0" lang="fr-FR" sz="21000" spc="-1" strike="noStrike">
-                <a:solidFill>
-                  <a:srgbClr val="000000"/>
-                </a:solidFill>
-                <a:uFill>
-                  <a:solidFill>
-                    <a:srgbClr val="ffffff"/>
-                  </a:solidFill>
-                </a:uFill>
-                <a:latin typeface="Arial"/>
-                <a:ea typeface="ＭＳ Ｐゴシック"/>
-              </a:rPr>
-              <a:t>r </a:t>
-            </a:r>
-            <a:r>
-              <a:rPr b="0" lang="fr-FR" sz="21000" spc="-1" strike="noStrike">
-                <a:solidFill>
-                  <a:srgbClr val="000000"/>
-                </a:solidFill>
-                <a:uFill>
-                  <a:solidFill>
-                    <a:srgbClr val="ffffff"/>
-                  </a:solidFill>
-                </a:uFill>
-                <a:latin typeface="Arial"/>
-                <a:ea typeface="ＭＳ Ｐゴシック"/>
-              </a:rPr>
-              <a:t>le </a:t>
-            </a:r>
-            <a:r>
-              <a:rPr b="0" lang="fr-FR" sz="21000" spc="-1" strike="noStrike">
-                <a:solidFill>
-                  <a:srgbClr val="000000"/>
-                </a:solidFill>
-                <a:uFill>
-                  <a:solidFill>
-                    <a:srgbClr val="ffffff"/>
-                  </a:solidFill>
-                </a:uFill>
-                <a:latin typeface="Arial"/>
-                <a:ea typeface="ＭＳ Ｐゴシック"/>
-              </a:rPr>
-              <a:t>st</a:t>
-            </a:r>
-            <a:r>
-              <a:rPr b="0" lang="fr-FR" sz="21000" spc="-1" strike="noStrike">
-                <a:solidFill>
-                  <a:srgbClr val="000000"/>
-                </a:solidFill>
-                <a:uFill>
-                  <a:solidFill>
-                    <a:srgbClr val="ffffff"/>
-                  </a:solidFill>
-                </a:uFill>
-                <a:latin typeface="Arial"/>
-                <a:ea typeface="ＭＳ Ｐゴシック"/>
-              </a:rPr>
-              <a:t>yl</a:t>
-            </a:r>
-            <a:r>
-              <a:rPr b="0" lang="fr-FR" sz="21000" spc="-1" strike="noStrike">
-                <a:solidFill>
-                  <a:srgbClr val="000000"/>
-                </a:solidFill>
-                <a:uFill>
-                  <a:solidFill>
-                    <a:srgbClr val="ffffff"/>
-                  </a:solidFill>
-                </a:uFill>
-                <a:latin typeface="Arial"/>
-                <a:ea typeface="ＭＳ Ｐゴシック"/>
-              </a:rPr>
-              <a:t>e </a:t>
-            </a:r>
-            <a:r>
-              <a:rPr b="0" lang="fr-FR" sz="21000" spc="-1" strike="noStrike">
-                <a:solidFill>
-                  <a:srgbClr val="000000"/>
-                </a:solidFill>
-                <a:uFill>
-                  <a:solidFill>
-                    <a:srgbClr val="ffffff"/>
-                  </a:solidFill>
-                </a:uFill>
-                <a:latin typeface="Arial"/>
-                <a:ea typeface="ＭＳ Ｐゴシック"/>
-              </a:rPr>
-              <a:t>d</a:t>
-            </a:r>
-            <a:r>
-              <a:rPr b="0" lang="fr-FR" sz="21000" spc="-1" strike="noStrike">
-                <a:solidFill>
-                  <a:srgbClr val="000000"/>
-                </a:solidFill>
-                <a:uFill>
-                  <a:solidFill>
-                    <a:srgbClr val="ffffff"/>
-                  </a:solidFill>
-                </a:uFill>
-                <a:latin typeface="Arial"/>
-                <a:ea typeface="ＭＳ Ｐゴシック"/>
-              </a:rPr>
-              <a:t>u </a:t>
-            </a:r>
-            <a:r>
-              <a:rPr b="0" lang="fr-FR" sz="21000" spc="-1" strike="noStrike">
-                <a:solidFill>
-                  <a:srgbClr val="000000"/>
-                </a:solidFill>
-                <a:uFill>
-                  <a:solidFill>
-                    <a:srgbClr val="ffffff"/>
-                  </a:solidFill>
-                </a:uFill>
-                <a:latin typeface="Arial"/>
-                <a:ea typeface="ＭＳ Ｐゴシック"/>
-              </a:rPr>
-              <a:t>tit</a:t>
-            </a:r>
-            <a:r>
-              <a:rPr b="0" lang="fr-FR" sz="21000" spc="-1" strike="noStrike">
-                <a:solidFill>
-                  <a:srgbClr val="000000"/>
-                </a:solidFill>
-                <a:uFill>
-                  <a:solidFill>
-                    <a:srgbClr val="ffffff"/>
-                  </a:solidFill>
-                </a:uFill>
-                <a:latin typeface="Arial"/>
-                <a:ea typeface="ＭＳ Ｐゴシック"/>
-              </a:rPr>
-              <a:t>re</a:t>
-            </a:r>
-            <a:endParaRPr b="0" lang="fr-FR" sz="2400" spc="-1" strike="noStrike">
+            <a:endParaRPr lang="fr-FR" sz="2400" b="0" strike="noStrike" spc="-1">
               <a:solidFill>
                 <a:srgbClr val="000000"/>
               </a:solidFill>
               <a:uFill>
                 <a:solidFill>
-                  <a:srgbClr val="ffffff"/>
+                  <a:srgbClr val="FFFFFF"/>
                 </a:solidFill>
               </a:uFill>
               <a:latin typeface="Arial"/>
@@ -1843,7 +7725,7 @@
       </p:sp>
       <p:sp>
         <p:nvSpPr>
-          <p:cNvPr id="1" name="PlaceHolder 2"/>
+          <p:cNvPr id="5" name="PlaceHolder 2"/>
           <p:cNvSpPr>
             <a:spLocks noGrp="1"/>
           </p:cNvSpPr>
@@ -1861,15 +7743,16 @@
           </a:prstGeom>
         </p:spPr>
         <p:txBody>
-          <a:bodyPr lIns="437040" rIns="437040" tIns="218520" bIns="218520"/>
+          <a:bodyPr lIns="437040" tIns="218520" rIns="437040" bIns="218520"/>
+          <a:lstStyle/>
           <a:p>
-            <a:endParaRPr b="0" lang="fr-BE" sz="2400" spc="-1" strike="noStrike">
+            <a:endParaRPr lang="fr-BE" sz="2400" b="0" strike="noStrike" spc="-1">
               <a:solidFill>
                 <a:srgbClr val="000000"/>
               </a:solidFill>
               <a:uFill>
                 <a:solidFill>
-                  <a:srgbClr val="ffffff"/>
+                  <a:srgbClr val="FFFFFF"/>
                 </a:solidFill>
               </a:uFill>
               <a:latin typeface="Times New Roman"/>
@@ -1897,15 +7780,16 @@
           </a:prstGeom>
         </p:spPr>
         <p:txBody>
-          <a:bodyPr lIns="437040" rIns="437040" tIns="218520" bIns="218520"/>
+          <a:bodyPr lIns="437040" tIns="218520" rIns="437040" bIns="218520"/>
+          <a:lstStyle/>
           <a:p>
-            <a:endParaRPr b="0" lang="fr-BE" sz="2400" spc="-1" strike="noStrike">
+            <a:endParaRPr lang="fr-BE" sz="2400" b="0" strike="noStrike" spc="-1">
               <a:solidFill>
                 <a:srgbClr val="000000"/>
               </a:solidFill>
               <a:uFill>
                 <a:solidFill>
-                  <a:srgbClr val="ffffff"/>
+                  <a:srgbClr val="FFFFFF"/>
                 </a:solidFill>
               </a:uFill>
               <a:latin typeface="Times New Roman"/>
@@ -1933,7 +7817,8 @@
           </a:prstGeom>
         </p:spPr>
         <p:txBody>
-          <a:bodyPr lIns="437040" rIns="437040" tIns="218520" bIns="218520"/>
+          <a:bodyPr lIns="437040" tIns="218520" rIns="437040" bIns="218520"/>
+          <a:lstStyle/>
           <a:p>
             <a:pPr algn="r">
               <a:lnSpc>
@@ -1941,27 +7826,27 @@
               </a:lnSpc>
             </a:pPr>
             <a:fld id="{C27126F1-57B0-4301-B226-CE141BF1E9E5}" type="slidenum">
-              <a:rPr b="0" lang="fr-BE" sz="6700" spc="-1" strike="noStrike">
+              <a:rPr lang="fr-BE" sz="6700" b="0" strike="noStrike" spc="-1">
                 <a:solidFill>
                   <a:srgbClr val="000000"/>
                 </a:solidFill>
                 <a:uFill>
                   <a:solidFill>
-                    <a:srgbClr val="ffffff"/>
+                    <a:srgbClr val="FFFFFF"/>
                   </a:solidFill>
                 </a:uFill>
                 <a:latin typeface="Arial"/>
                 <a:ea typeface="ＭＳ Ｐゴシック"/>
               </a:rPr>
-              <a:t>&lt;numéro&gt;</a:t>
+              <a:t>‹N°›</a:t>
             </a:fld>
-            <a:endParaRPr b="0" lang="fr-BE" sz="1400" spc="-1" strike="noStrike">
+            <a:endParaRPr lang="fr-BE" sz="1400" b="0" strike="noStrike" spc="-1">
               <a:solidFill>
                 <a:srgbClr val="000000"/>
               </a:solidFill>
               <a:uFill>
                 <a:solidFill>
-                  <a:srgbClr val="ffffff"/>
+                  <a:srgbClr val="FFFFFF"/>
                 </a:solidFill>
               </a:uFill>
               <a:latin typeface="Times New Roman"/>
@@ -1971,26 +7856,306 @@
       </p:sp>
     </p:spTree>
   </p:cSld>
-  <p:clrMap bg1="lt1" bg2="lt2" tx1="dk1" tx2="dk2" accent1="accent1" accent2="accent2" accent3="accent3" accent4="accent4" accent5="accent5" accent6="accent6" hlink="hlink" folHlink="folHlink"/>
+  <p:clrMap bg1="lt1" tx1="dk1" bg2="lt2" tx2="dk2" accent1="accent1" accent2="accent2" accent3="accent3" accent4="accent4" accent5="accent5" accent6="accent6" hlink="hlink" folHlink="folHlink"/>
   <p:sldLayoutIdLst>
-    <p:sldLayoutId id="2147483649" r:id="rId2"/>
-    <p:sldLayoutId id="2147483650" r:id="rId3"/>
-    <p:sldLayoutId id="2147483651" r:id="rId4"/>
-    <p:sldLayoutId id="2147483652" r:id="rId5"/>
-    <p:sldLayoutId id="2147483653" r:id="rId6"/>
-    <p:sldLayoutId id="2147483654" r:id="rId7"/>
-    <p:sldLayoutId id="2147483655" r:id="rId8"/>
-    <p:sldLayoutId id="2147483656" r:id="rId9"/>
-    <p:sldLayoutId id="2147483657" r:id="rId10"/>
-    <p:sldLayoutId id="2147483658" r:id="rId11"/>
-    <p:sldLayoutId id="2147483659" r:id="rId12"/>
-    <p:sldLayoutId id="2147483660" r:id="rId13"/>
+    <p:sldLayoutId id="2147483649" r:id="rId1"/>
+    <p:sldLayoutId id="2147483650" r:id="rId2"/>
+    <p:sldLayoutId id="2147483651" r:id="rId3"/>
+    <p:sldLayoutId id="2147483652" r:id="rId4"/>
+    <p:sldLayoutId id="2147483653" r:id="rId5"/>
+    <p:sldLayoutId id="2147483654" r:id="rId6"/>
+    <p:sldLayoutId id="2147483655" r:id="rId7"/>
+    <p:sldLayoutId id="2147483656" r:id="rId8"/>
+    <p:sldLayoutId id="2147483657" r:id="rId9"/>
+    <p:sldLayoutId id="2147483658" r:id="rId10"/>
+    <p:sldLayoutId id="2147483659" r:id="rId11"/>
+    <p:sldLayoutId id="2147483660" r:id="rId12"/>
   </p:sldLayoutIdLst>
+  <p:txStyles>
+    <p:titleStyle>
+      <a:lvl1pPr algn="l" defTabSz="914400" rtl="0" eaLnBrk="1" latinLnBrk="0" hangingPunct="1">
+        <a:lnSpc>
+          <a:spcPct val="90000"/>
+        </a:lnSpc>
+        <a:spcBef>
+          <a:spcPct val="0"/>
+        </a:spcBef>
+        <a:buNone/>
+        <a:defRPr sz="4400" kern="1200">
+          <a:solidFill>
+            <a:schemeClr val="tx1"/>
+          </a:solidFill>
+          <a:latin typeface="+mj-lt"/>
+          <a:ea typeface="+mj-ea"/>
+          <a:cs typeface="+mj-cs"/>
+        </a:defRPr>
+      </a:lvl1pPr>
+    </p:titleStyle>
+    <p:bodyStyle>
+      <a:lvl1pPr marL="228600" indent="-228600" algn="l" defTabSz="914400" rtl="0" eaLnBrk="1" latinLnBrk="0" hangingPunct="1">
+        <a:lnSpc>
+          <a:spcPct val="90000"/>
+        </a:lnSpc>
+        <a:spcBef>
+          <a:spcPts val="1000"/>
+        </a:spcBef>
+        <a:buFont typeface="Arial" panose="020B0604020202020204" pitchFamily="34" charset="0"/>
+        <a:buChar char="•"/>
+        <a:defRPr sz="2800" kern="1200">
+          <a:solidFill>
+            <a:schemeClr val="tx1"/>
+          </a:solidFill>
+          <a:latin typeface="+mn-lt"/>
+          <a:ea typeface="+mn-ea"/>
+          <a:cs typeface="+mn-cs"/>
+        </a:defRPr>
+      </a:lvl1pPr>
+      <a:lvl2pPr marL="685800" indent="-228600" algn="l" defTabSz="914400" rtl="0" eaLnBrk="1" latinLnBrk="0" hangingPunct="1">
+        <a:lnSpc>
+          <a:spcPct val="90000"/>
+        </a:lnSpc>
+        <a:spcBef>
+          <a:spcPts val="500"/>
+        </a:spcBef>
+        <a:buFont typeface="Arial" panose="020B0604020202020204" pitchFamily="34" charset="0"/>
+        <a:buChar char="•"/>
+        <a:defRPr sz="2400" kern="1200">
+          <a:solidFill>
+            <a:schemeClr val="tx1"/>
+          </a:solidFill>
+          <a:latin typeface="+mn-lt"/>
+          <a:ea typeface="+mn-ea"/>
+          <a:cs typeface="+mn-cs"/>
+        </a:defRPr>
+      </a:lvl2pPr>
+      <a:lvl3pPr marL="1143000" indent="-228600" algn="l" defTabSz="914400" rtl="0" eaLnBrk="1" latinLnBrk="0" hangingPunct="1">
+        <a:lnSpc>
+          <a:spcPct val="90000"/>
+        </a:lnSpc>
+        <a:spcBef>
+          <a:spcPts val="500"/>
+        </a:spcBef>
+        <a:buFont typeface="Arial" panose="020B0604020202020204" pitchFamily="34" charset="0"/>
+        <a:buChar char="•"/>
+        <a:defRPr sz="2000" kern="1200">
+          <a:solidFill>
+            <a:schemeClr val="tx1"/>
+          </a:solidFill>
+          <a:latin typeface="+mn-lt"/>
+          <a:ea typeface="+mn-ea"/>
+          <a:cs typeface="+mn-cs"/>
+        </a:defRPr>
+      </a:lvl3pPr>
+      <a:lvl4pPr marL="1600200" indent="-228600" algn="l" defTabSz="914400" rtl="0" eaLnBrk="1" latinLnBrk="0" hangingPunct="1">
+        <a:lnSpc>
+          <a:spcPct val="90000"/>
+        </a:lnSpc>
+        <a:spcBef>
+          <a:spcPts val="500"/>
+        </a:spcBef>
+        <a:buFont typeface="Arial" panose="020B0604020202020204" pitchFamily="34" charset="0"/>
+        <a:buChar char="•"/>
+        <a:defRPr sz="1800" kern="1200">
+          <a:solidFill>
+            <a:schemeClr val="tx1"/>
+          </a:solidFill>
+          <a:latin typeface="+mn-lt"/>
+          <a:ea typeface="+mn-ea"/>
+          <a:cs typeface="+mn-cs"/>
+        </a:defRPr>
+      </a:lvl4pPr>
+      <a:lvl5pPr marL="2057400" indent="-228600" algn="l" defTabSz="914400" rtl="0" eaLnBrk="1" latinLnBrk="0" hangingPunct="1">
+        <a:lnSpc>
+          <a:spcPct val="90000"/>
+        </a:lnSpc>
+        <a:spcBef>
+          <a:spcPts val="500"/>
+        </a:spcBef>
+        <a:buFont typeface="Arial" panose="020B0604020202020204" pitchFamily="34" charset="0"/>
+        <a:buChar char="•"/>
+        <a:defRPr sz="1800" kern="1200">
+          <a:solidFill>
+            <a:schemeClr val="tx1"/>
+          </a:solidFill>
+          <a:latin typeface="+mn-lt"/>
+          <a:ea typeface="+mn-ea"/>
+          <a:cs typeface="+mn-cs"/>
+        </a:defRPr>
+      </a:lvl5pPr>
+      <a:lvl6pPr marL="2514600" indent="-228600" algn="l" defTabSz="914400" rtl="0" eaLnBrk="1" latinLnBrk="0" hangingPunct="1">
+        <a:lnSpc>
+          <a:spcPct val="90000"/>
+        </a:lnSpc>
+        <a:spcBef>
+          <a:spcPts val="500"/>
+        </a:spcBef>
+        <a:buFont typeface="Arial" panose="020B0604020202020204" pitchFamily="34" charset="0"/>
+        <a:buChar char="•"/>
+        <a:defRPr sz="1800" kern="1200">
+          <a:solidFill>
+            <a:schemeClr val="tx1"/>
+          </a:solidFill>
+          <a:latin typeface="+mn-lt"/>
+          <a:ea typeface="+mn-ea"/>
+          <a:cs typeface="+mn-cs"/>
+        </a:defRPr>
+      </a:lvl6pPr>
+      <a:lvl7pPr marL="2971800" indent="-228600" algn="l" defTabSz="914400" rtl="0" eaLnBrk="1" latinLnBrk="0" hangingPunct="1">
+        <a:lnSpc>
+          <a:spcPct val="90000"/>
+        </a:lnSpc>
+        <a:spcBef>
+          <a:spcPts val="500"/>
+        </a:spcBef>
+        <a:buFont typeface="Arial" panose="020B0604020202020204" pitchFamily="34" charset="0"/>
+        <a:buChar char="•"/>
+        <a:defRPr sz="1800" kern="1200">
+          <a:solidFill>
+            <a:schemeClr val="tx1"/>
+          </a:solidFill>
+          <a:latin typeface="+mn-lt"/>
+          <a:ea typeface="+mn-ea"/>
+          <a:cs typeface="+mn-cs"/>
+        </a:defRPr>
+      </a:lvl7pPr>
+      <a:lvl8pPr marL="3429000" indent="-228600" algn="l" defTabSz="914400" rtl="0" eaLnBrk="1" latinLnBrk="0" hangingPunct="1">
+        <a:lnSpc>
+          <a:spcPct val="90000"/>
+        </a:lnSpc>
+        <a:spcBef>
+          <a:spcPts val="500"/>
+        </a:spcBef>
+        <a:buFont typeface="Arial" panose="020B0604020202020204" pitchFamily="34" charset="0"/>
+        <a:buChar char="•"/>
+        <a:defRPr sz="1800" kern="1200">
+          <a:solidFill>
+            <a:schemeClr val="tx1"/>
+          </a:solidFill>
+          <a:latin typeface="+mn-lt"/>
+          <a:ea typeface="+mn-ea"/>
+          <a:cs typeface="+mn-cs"/>
+        </a:defRPr>
+      </a:lvl8pPr>
+      <a:lvl9pPr marL="3886200" indent="-228600" algn="l" defTabSz="914400" rtl="0" eaLnBrk="1" latinLnBrk="0" hangingPunct="1">
+        <a:lnSpc>
+          <a:spcPct val="90000"/>
+        </a:lnSpc>
+        <a:spcBef>
+          <a:spcPts val="500"/>
+        </a:spcBef>
+        <a:buFont typeface="Arial" panose="020B0604020202020204" pitchFamily="34" charset="0"/>
+        <a:buChar char="•"/>
+        <a:defRPr sz="1800" kern="1200">
+          <a:solidFill>
+            <a:schemeClr val="tx1"/>
+          </a:solidFill>
+          <a:latin typeface="+mn-lt"/>
+          <a:ea typeface="+mn-ea"/>
+          <a:cs typeface="+mn-cs"/>
+        </a:defRPr>
+      </a:lvl9pPr>
+    </p:bodyStyle>
+    <p:otherStyle>
+      <a:defPPr>
+        <a:defRPr lang="fr-FR"/>
+      </a:defPPr>
+      <a:lvl1pPr marL="0" algn="l" defTabSz="914400" rtl="0" eaLnBrk="1" latinLnBrk="0" hangingPunct="1">
+        <a:defRPr sz="1800" kern="1200">
+          <a:solidFill>
+            <a:schemeClr val="tx1"/>
+          </a:solidFill>
+          <a:latin typeface="+mn-lt"/>
+          <a:ea typeface="+mn-ea"/>
+          <a:cs typeface="+mn-cs"/>
+        </a:defRPr>
+      </a:lvl1pPr>
+      <a:lvl2pPr marL="457200" algn="l" defTabSz="914400" rtl="0" eaLnBrk="1" latinLnBrk="0" hangingPunct="1">
+        <a:defRPr sz="1800" kern="1200">
+          <a:solidFill>
+            <a:schemeClr val="tx1"/>
+          </a:solidFill>
+          <a:latin typeface="+mn-lt"/>
+          <a:ea typeface="+mn-ea"/>
+          <a:cs typeface="+mn-cs"/>
+        </a:defRPr>
+      </a:lvl2pPr>
+      <a:lvl3pPr marL="914400" algn="l" defTabSz="914400" rtl="0" eaLnBrk="1" latinLnBrk="0" hangingPunct="1">
+        <a:defRPr sz="1800" kern="1200">
+          <a:solidFill>
+            <a:schemeClr val="tx1"/>
+          </a:solidFill>
+          <a:latin typeface="+mn-lt"/>
+          <a:ea typeface="+mn-ea"/>
+          <a:cs typeface="+mn-cs"/>
+        </a:defRPr>
+      </a:lvl3pPr>
+      <a:lvl4pPr marL="1371600" algn="l" defTabSz="914400" rtl="0" eaLnBrk="1" latinLnBrk="0" hangingPunct="1">
+        <a:defRPr sz="1800" kern="1200">
+          <a:solidFill>
+            <a:schemeClr val="tx1"/>
+          </a:solidFill>
+          <a:latin typeface="+mn-lt"/>
+          <a:ea typeface="+mn-ea"/>
+          <a:cs typeface="+mn-cs"/>
+        </a:defRPr>
+      </a:lvl4pPr>
+      <a:lvl5pPr marL="1828800" algn="l" defTabSz="914400" rtl="0" eaLnBrk="1" latinLnBrk="0" hangingPunct="1">
+        <a:defRPr sz="1800" kern="1200">
+          <a:solidFill>
+            <a:schemeClr val="tx1"/>
+          </a:solidFill>
+          <a:latin typeface="+mn-lt"/>
+          <a:ea typeface="+mn-ea"/>
+          <a:cs typeface="+mn-cs"/>
+        </a:defRPr>
+      </a:lvl5pPr>
+      <a:lvl6pPr marL="2286000" algn="l" defTabSz="914400" rtl="0" eaLnBrk="1" latinLnBrk="0" hangingPunct="1">
+        <a:defRPr sz="1800" kern="1200">
+          <a:solidFill>
+            <a:schemeClr val="tx1"/>
+          </a:solidFill>
+          <a:latin typeface="+mn-lt"/>
+          <a:ea typeface="+mn-ea"/>
+          <a:cs typeface="+mn-cs"/>
+        </a:defRPr>
+      </a:lvl6pPr>
+      <a:lvl7pPr marL="2743200" algn="l" defTabSz="914400" rtl="0" eaLnBrk="1" latinLnBrk="0" hangingPunct="1">
+        <a:defRPr sz="1800" kern="1200">
+          <a:solidFill>
+            <a:schemeClr val="tx1"/>
+          </a:solidFill>
+          <a:latin typeface="+mn-lt"/>
+          <a:ea typeface="+mn-ea"/>
+          <a:cs typeface="+mn-cs"/>
+        </a:defRPr>
+      </a:lvl7pPr>
+      <a:lvl8pPr marL="3200400" algn="l" defTabSz="914400" rtl="0" eaLnBrk="1" latinLnBrk="0" hangingPunct="1">
+        <a:defRPr sz="1800" kern="1200">
+          <a:solidFill>
+            <a:schemeClr val="tx1"/>
+          </a:solidFill>
+          <a:latin typeface="+mn-lt"/>
+          <a:ea typeface="+mn-ea"/>
+          <a:cs typeface="+mn-cs"/>
+        </a:defRPr>
+      </a:lvl8pPr>
+      <a:lvl9pPr marL="3657600" algn="l" defTabSz="914400" rtl="0" eaLnBrk="1" latinLnBrk="0" hangingPunct="1">
+        <a:defRPr sz="1800" kern="1200">
+          <a:solidFill>
+            <a:schemeClr val="tx1"/>
+          </a:solidFill>
+          <a:latin typeface="+mn-lt"/>
+          <a:ea typeface="+mn-ea"/>
+          <a:cs typeface="+mn-cs"/>
+        </a:defRPr>
+      </a:lvl9pPr>
+    </p:otherStyle>
+  </p:txStyles>
 </p:sldMaster>
 </file>
 
 <file path=ppt/slides/slide1.xml><?xml version="1.0" encoding="utf-8"?>
-<p:sld xmlns:a="http://schemas.openxmlformats.org/drawingml/2006/main" xmlns:p="http://schemas.openxmlformats.org/presentationml/2006/main" xmlns:r="http://schemas.openxmlformats.org/officeDocument/2006/relationships" xmlns:p14="http://schemas.microsoft.com/office/powerpoint/2010/main" xmlns:p15="http://schemas.microsoft.com/office/powerpoint/2012/main" xmlns:mc="http://schemas.openxmlformats.org/markup-compatibility/2006">
+<p:sld xmlns:a="http://schemas.openxmlformats.org/drawingml/2006/main" xmlns:r="http://schemas.openxmlformats.org/officeDocument/2006/relationships" xmlns:p="http://schemas.openxmlformats.org/presentationml/2006/main">
   <p:cSld>
     <p:spTree>
       <p:nvGrpSpPr>
@@ -2023,19 +8188,25 @@
             </a:avLst>
           </a:prstGeom>
           <a:solidFill>
-            <a:srgbClr val="729fcf"/>
+            <a:srgbClr val="729FCF"/>
           </a:solidFill>
           <a:ln w="127080">
             <a:solidFill>
-              <a:srgbClr val="bdafd5"/>
+              <a:srgbClr val="BDAFD5"/>
             </a:solidFill>
             <a:round/>
           </a:ln>
         </p:spPr>
         <p:style>
-          <a:lnRef idx="0"/>
-          <a:fillRef idx="0"/>
-          <a:effectRef idx="0"/>
+          <a:lnRef idx="0">
+            <a:scrgbClr r="0" g="0" b="0"/>
+          </a:lnRef>
+          <a:fillRef idx="0">
+            <a:scrgbClr r="0" g="0" b="0"/>
+          </a:fillRef>
+          <a:effectRef idx="0">
+            <a:scrgbClr r="0" g="0" b="0"/>
+          </a:effectRef>
           <a:fontRef idx="minor"/>
         </p:style>
       </p:sp>
@@ -2054,20 +8225,27 @@
             <a:avLst/>
           </a:prstGeom>
           <a:solidFill>
-            <a:srgbClr val="6c5098"/>
+            <a:srgbClr val="6C5098"/>
           </a:solidFill>
           <a:ln>
             <a:noFill/>
           </a:ln>
         </p:spPr>
         <p:style>
-          <a:lnRef idx="0"/>
-          <a:fillRef idx="0"/>
-          <a:effectRef idx="0"/>
+          <a:lnRef idx="0">
+            <a:scrgbClr r="0" g="0" b="0"/>
+          </a:lnRef>
+          <a:fillRef idx="0">
+            <a:scrgbClr r="0" g="0" b="0"/>
+          </a:fillRef>
+          <a:effectRef idx="0">
+            <a:scrgbClr r="0" g="0" b="0"/>
+          </a:effectRef>
           <a:fontRef idx="minor"/>
         </p:style>
         <p:txBody>
-          <a:bodyPr lIns="90000" rIns="90000" tIns="45000" bIns="45000" anchor="ctr"/>
+          <a:bodyPr lIns="90000" tIns="45000" rIns="90000" bIns="45000" anchor="ctr"/>
+          <a:lstStyle/>
           <a:p>
             <a:pPr algn="ctr">
               <a:lnSpc>
@@ -2075,13 +8253,13 @@
               </a:lnSpc>
             </a:pPr>
             <a:r>
-              <a:rPr b="1" lang="fr-BE" sz="6600" spc="-1" strike="noStrike">
+              <a:rPr lang="fr-BE" sz="6600" b="1" strike="noStrike" spc="-1">
                 <a:solidFill>
-                  <a:srgbClr val="ffffff"/>
+                  <a:srgbClr val="FFFFFF"/>
                 </a:solidFill>
                 <a:uFill>
                   <a:solidFill>
-                    <a:srgbClr val="ffffff"/>
+                    <a:srgbClr val="FFFFFF"/>
                   </a:solidFill>
                 </a:uFill>
                 <a:latin typeface="Arial"/>
@@ -2090,13 +8268,13 @@
               <a:t>UNIVERSITÉ LIBRE DE BRUXELLES</a:t>
             </a:r>
             <a:r>
-              <a:rPr b="0" lang="fr-BE" sz="6600" spc="-1" strike="noStrike">
+              <a:rPr lang="fr-BE" sz="6600" b="0" strike="noStrike" spc="-1">
                 <a:solidFill>
-                  <a:srgbClr val="ffffff"/>
+                  <a:srgbClr val="FFFFFF"/>
                 </a:solidFill>
                 <a:uFill>
                   <a:solidFill>
-                    <a:srgbClr val="ffffff"/>
+                    <a:srgbClr val="FFFFFF"/>
                   </a:solidFill>
                 </a:uFill>
                 <a:latin typeface="Arial"/>
@@ -2105,13 +8283,13 @@
               <a:t> - </a:t>
             </a:r>
             <a:r>
-              <a:rPr b="1" lang="fr-BE" sz="6600" spc="-1" strike="noStrike">
+              <a:rPr lang="fr-BE" sz="6600" b="1" strike="noStrike" spc="-1">
                 <a:solidFill>
-                  <a:srgbClr val="ffffff"/>
+                  <a:srgbClr val="FFFFFF"/>
                 </a:solidFill>
                 <a:uFill>
                   <a:solidFill>
-                    <a:srgbClr val="ffffff"/>
+                    <a:srgbClr val="FFFFFF"/>
                   </a:solidFill>
                 </a:uFill>
                 <a:latin typeface="Arial"/>
@@ -2119,13 +8297,13 @@
               </a:rPr>
               <a:t>FACULTÉ DES SCIENCES</a:t>
             </a:r>
-            <a:endParaRPr b="0" lang="fr-BE" sz="1800" spc="-1" strike="noStrike">
+            <a:endParaRPr lang="fr-BE" sz="1800" b="0" strike="noStrike" spc="-1">
               <a:solidFill>
                 <a:srgbClr val="000000"/>
               </a:solidFill>
               <a:uFill>
                 <a:solidFill>
-                  <a:srgbClr val="ffffff"/>
+                  <a:srgbClr val="FFFFFF"/>
                 </a:solidFill>
               </a:uFill>
               <a:latin typeface="Arial"/>
@@ -2135,12 +8313,12 @@
       </p:sp>
       <p:pic>
         <p:nvPicPr>
-          <p:cNvPr id="40" name="Picture 11" descr=""/>
+          <p:cNvPr id="40" name="Picture 11"/>
           <p:cNvPicPr/>
           <p:nvPr/>
         </p:nvPicPr>
         <p:blipFill>
-          <a:blip r:embed="rId1"/>
+          <a:blip r:embed="rId2"/>
           <a:stretch/>
         </p:blipFill>
         <p:spPr>
@@ -2158,12 +8336,12 @@
       </p:pic>
       <p:pic>
         <p:nvPicPr>
-          <p:cNvPr id="41" name="Picture 13" descr=""/>
+          <p:cNvPr id="41" name="Picture 13"/>
           <p:cNvPicPr/>
           <p:nvPr/>
         </p:nvPicPr>
         <p:blipFill>
-          <a:blip r:embed="rId2"/>
+          <a:blip r:embed="rId3"/>
           <a:stretch/>
         </p:blipFill>
         <p:spPr>
@@ -2199,13 +8377,20 @@
           </a:ln>
         </p:spPr>
         <p:style>
-          <a:lnRef idx="0"/>
-          <a:fillRef idx="0"/>
-          <a:effectRef idx="0"/>
+          <a:lnRef idx="0">
+            <a:scrgbClr r="0" g="0" b="0"/>
+          </a:lnRef>
+          <a:fillRef idx="0">
+            <a:scrgbClr r="0" g="0" b="0"/>
+          </a:fillRef>
+          <a:effectRef idx="0">
+            <a:scrgbClr r="0" g="0" b="0"/>
+          </a:effectRef>
           <a:fontRef idx="minor"/>
         </p:style>
         <p:txBody>
-          <a:bodyPr lIns="90000" rIns="90000" tIns="45000" bIns="45000"/>
+          <a:bodyPr lIns="90000" tIns="45000" rIns="90000" bIns="45000"/>
+          <a:lstStyle/>
           <a:p>
             <a:pPr algn="ctr">
               <a:lnSpc>
@@ -2213,58 +8398,28 @@
               </a:lnSpc>
             </a:pPr>
             <a:r>
-              <a:rPr b="0" lang="fr-BE" sz="1900" spc="-1" strike="noStrike">
+              <a:rPr lang="fr-BE" sz="1900" b="0" strike="noStrike" spc="-1">
                 <a:solidFill>
                   <a:srgbClr val="000000"/>
                 </a:solidFill>
                 <a:uFill>
                   <a:solidFill>
-                    <a:srgbClr val="ffffff"/>
+                    <a:srgbClr val="FFFFFF"/>
                   </a:solidFill>
                 </a:uFill>
                 <a:latin typeface="Arial"/>
                 <a:ea typeface="ＭＳ Ｐゴシック"/>
               </a:rPr>
-              <a:t>© Toute reproduction, même partielle, doit indiquer clairement le nom de tous les auteurs, le nom du Département, </a:t>
+              <a:t>© Toute reproduction, même partielle, doit indiquer clairement le nom de tous les auteurs, le nom du Département, 
+ainsi que la mention « Printemps des Sciences 2018 – Exposition des Sciences – Bruxelles »</a:t>
             </a:r>
-            <a:r>
-              <a:rPr b="0" lang="fr-BE" sz="1900" spc="-1" strike="noStrike">
-                <a:solidFill>
-                  <a:srgbClr val="000000"/>
-                </a:solidFill>
-                <a:uFill>
-                  <a:solidFill>
-                    <a:srgbClr val="ffffff"/>
-                  </a:solidFill>
-                </a:uFill>
-                <a:latin typeface="Arial"/>
-                <a:ea typeface="ＭＳ Ｐゴシック"/>
-              </a:rPr>
-              <a:t>
-</a:t>
-            </a:r>
-            <a:r>
-              <a:rPr b="0" lang="fr-BE" sz="1900" spc="-1" strike="noStrike">
-                <a:solidFill>
-                  <a:srgbClr val="000000"/>
-                </a:solidFill>
-                <a:uFill>
-                  <a:solidFill>
-                    <a:srgbClr val="ffffff"/>
-                  </a:solidFill>
-                </a:uFill>
-                <a:latin typeface="Arial"/>
-                <a:ea typeface="ＭＳ Ｐゴシック"/>
-              </a:rPr>
-              <a:t>ainsi que la mention « Printemps des Sciences 2018 – Exposition des Sciences – Bruxelles »</a:t>
-            </a:r>
-            <a:endParaRPr b="0" lang="fr-BE" sz="1800" spc="-1" strike="noStrike">
+            <a:endParaRPr lang="fr-BE" sz="1800" b="0" strike="noStrike" spc="-1">
               <a:solidFill>
                 <a:srgbClr val="000000"/>
               </a:solidFill>
               <a:uFill>
                 <a:solidFill>
-                  <a:srgbClr val="ffffff"/>
+                  <a:srgbClr val="FFFFFF"/>
                 </a:solidFill>
               </a:uFill>
               <a:latin typeface="Arial"/>
@@ -2276,13 +8431,13 @@
                 <a:spcPct val="100000"/>
               </a:lnSpc>
             </a:pPr>
-            <a:endParaRPr b="0" lang="fr-BE" sz="1800" spc="-1" strike="noStrike">
+            <a:endParaRPr lang="fr-BE" sz="1800" b="0" strike="noStrike" spc="-1">
               <a:solidFill>
                 <a:srgbClr val="000000"/>
               </a:solidFill>
               <a:uFill>
                 <a:solidFill>
-                  <a:srgbClr val="ffffff"/>
+                  <a:srgbClr val="FFFFFF"/>
                 </a:solidFill>
               </a:uFill>
               <a:latin typeface="Arial"/>
@@ -2292,12 +8447,12 @@
       </p:sp>
       <p:pic>
         <p:nvPicPr>
-          <p:cNvPr id="43" name="Image 47" descr=""/>
+          <p:cNvPr id="43" name="Image 47"/>
           <p:cNvPicPr/>
           <p:nvPr/>
         </p:nvPicPr>
         <p:blipFill>
-          <a:blip r:embed="rId3"/>
+          <a:blip r:embed="rId4"/>
           <a:stretch/>
         </p:blipFill>
         <p:spPr>
@@ -2315,12 +8470,12 @@
       </p:pic>
       <p:pic>
         <p:nvPicPr>
-          <p:cNvPr id="44" name="Image 13" descr=""/>
+          <p:cNvPr id="44" name="Image 13"/>
           <p:cNvPicPr/>
           <p:nvPr/>
         </p:nvPicPr>
         <p:blipFill>
-          <a:blip r:embed="rId4"/>
+          <a:blip r:embed="rId5"/>
           <a:stretch/>
         </p:blipFill>
         <p:spPr>
@@ -2359,15 +8514,21 @@
           </a:solidFill>
           <a:ln w="127080">
             <a:solidFill>
-              <a:srgbClr val="bdafd5"/>
+              <a:srgbClr val="BDAFD5"/>
             </a:solidFill>
             <a:round/>
           </a:ln>
         </p:spPr>
         <p:style>
-          <a:lnRef idx="0"/>
-          <a:fillRef idx="0"/>
-          <a:effectRef idx="0"/>
+          <a:lnRef idx="0">
+            <a:scrgbClr r="0" g="0" b="0"/>
+          </a:lnRef>
+          <a:fillRef idx="0">
+            <a:scrgbClr r="0" g="0" b="0"/>
+          </a:fillRef>
+          <a:effectRef idx="0">
+            <a:scrgbClr r="0" g="0" b="0"/>
+          </a:effectRef>
           <a:fontRef idx="minor"/>
         </p:style>
       </p:sp>
@@ -2391,13 +8552,20 @@
           </a:ln>
         </p:spPr>
         <p:style>
-          <a:lnRef idx="0"/>
-          <a:fillRef idx="0"/>
-          <a:effectRef idx="0"/>
+          <a:lnRef idx="0">
+            <a:scrgbClr r="0" g="0" b="0"/>
+          </a:lnRef>
+          <a:fillRef idx="0">
+            <a:scrgbClr r="0" g="0" b="0"/>
+          </a:fillRef>
+          <a:effectRef idx="0">
+            <a:scrgbClr r="0" g="0" b="0"/>
+          </a:effectRef>
           <a:fontRef idx="minor"/>
         </p:style>
         <p:txBody>
-          <a:bodyPr lIns="90000" rIns="90000" tIns="45000" bIns="45000"/>
+          <a:bodyPr lIns="90000" tIns="45000" rIns="90000" bIns="45000"/>
+          <a:lstStyle/>
           <a:p>
             <a:pPr>
               <a:lnSpc>
@@ -2405,13 +8573,13 @@
               </a:lnSpc>
             </a:pPr>
             <a:r>
-              <a:rPr b="0" lang="fr-BE" sz="5400" spc="-1" strike="noStrike">
+              <a:rPr lang="fr-BE" sz="5400" b="0" strike="noStrike" spc="-1">
                 <a:solidFill>
-                  <a:srgbClr val="ffffff"/>
+                  <a:srgbClr val="FFFFFF"/>
                 </a:solidFill>
                 <a:uFill>
                   <a:solidFill>
-                    <a:srgbClr val="ffffff"/>
+                    <a:srgbClr val="FFFFFF"/>
                   </a:solidFill>
                 </a:uFill>
                 <a:latin typeface="Arial"/>
@@ -2419,13 +8587,13 @@
               </a:rPr>
               <a:t>Consulter des informations, se renseigner à travers les réseaux sociaux fait partie de notre quotidien. Cependant on s'interroge pas toujours sur l'exactitude de ces données. Il y a de plus en plus de fausses informations qui circulent sur ces réseaux et ceci devient un vrai problème car on ne sait plus faire la différence entre le vrai et le faux. Le but de ce projet est d'implémenter un classificateur qui après une phase d'apprentissage sur une base de données sait faire la différence entre les fake news et les informations authentiques. </a:t>
             </a:r>
-            <a:endParaRPr b="0" lang="fr-BE" sz="1800" spc="-1" strike="noStrike">
+            <a:endParaRPr lang="fr-BE" sz="1800" b="0" strike="noStrike" spc="-1">
               <a:solidFill>
                 <a:srgbClr val="000000"/>
               </a:solidFill>
               <a:uFill>
                 <a:solidFill>
-                  <a:srgbClr val="ffffff"/>
+                  <a:srgbClr val="FFFFFF"/>
                 </a:solidFill>
               </a:uFill>
               <a:latin typeface="Arial"/>
@@ -2450,19 +8618,25 @@
             </a:avLst>
           </a:prstGeom>
           <a:solidFill>
-            <a:srgbClr val="00b050"/>
+            <a:srgbClr val="00B050"/>
           </a:solidFill>
           <a:ln w="127080">
             <a:solidFill>
-              <a:srgbClr val="bdafd5"/>
+              <a:srgbClr val="BDAFD5"/>
             </a:solidFill>
             <a:round/>
           </a:ln>
         </p:spPr>
         <p:style>
-          <a:lnRef idx="0"/>
-          <a:fillRef idx="0"/>
-          <a:effectRef idx="0"/>
+          <a:lnRef idx="0">
+            <a:scrgbClr r="0" g="0" b="0"/>
+          </a:lnRef>
+          <a:fillRef idx="0">
+            <a:scrgbClr r="0" g="0" b="0"/>
+          </a:fillRef>
+          <a:effectRef idx="0">
+            <a:scrgbClr r="0" g="0" b="0"/>
+          </a:effectRef>
           <a:fontRef idx="minor"/>
         </p:style>
       </p:sp>
@@ -2483,19 +8657,25 @@
             </a:avLst>
           </a:prstGeom>
           <a:solidFill>
-            <a:srgbClr val="00b0f0"/>
+            <a:srgbClr val="00B0F0"/>
           </a:solidFill>
           <a:ln w="127080">
             <a:solidFill>
-              <a:srgbClr val="bdafd5"/>
+              <a:srgbClr val="BDAFD5"/>
             </a:solidFill>
             <a:round/>
           </a:ln>
         </p:spPr>
         <p:style>
-          <a:lnRef idx="0"/>
-          <a:fillRef idx="0"/>
-          <a:effectRef idx="0"/>
+          <a:lnRef idx="0">
+            <a:scrgbClr r="0" g="0" b="0"/>
+          </a:lnRef>
+          <a:fillRef idx="0">
+            <a:scrgbClr r="0" g="0" b="0"/>
+          </a:fillRef>
+          <a:effectRef idx="0">
+            <a:scrgbClr r="0" g="0" b="0"/>
+          </a:effectRef>
           <a:fontRef idx="minor"/>
         </p:style>
       </p:sp>
@@ -2519,13 +8699,20 @@
           </a:ln>
         </p:spPr>
         <p:style>
-          <a:lnRef idx="0"/>
-          <a:fillRef idx="0"/>
-          <a:effectRef idx="0"/>
+          <a:lnRef idx="0">
+            <a:scrgbClr r="0" g="0" b="0"/>
+          </a:lnRef>
+          <a:fillRef idx="0">
+            <a:scrgbClr r="0" g="0" b="0"/>
+          </a:fillRef>
+          <a:effectRef idx="0">
+            <a:scrgbClr r="0" g="0" b="0"/>
+          </a:effectRef>
           <a:fontRef idx="minor"/>
         </p:style>
         <p:txBody>
-          <a:bodyPr lIns="90000" rIns="90000" tIns="45000" bIns="45000"/>
+          <a:bodyPr lIns="90000" tIns="45000" rIns="90000" bIns="45000"/>
+          <a:lstStyle/>
           <a:p>
             <a:pPr>
               <a:lnSpc>
@@ -2533,13 +8720,13 @@
               </a:lnSpc>
             </a:pPr>
             <a:r>
-              <a:rPr b="0" lang="fr-BE" sz="5400" spc="-1" strike="noStrike">
+              <a:rPr lang="fr-BE" sz="5400" b="0" strike="noStrike" spc="-1">
                 <a:solidFill>
-                  <a:srgbClr val="ffffff"/>
+                  <a:srgbClr val="FFFFFF"/>
                 </a:solidFill>
                 <a:uFill>
                   <a:solidFill>
-                    <a:srgbClr val="ffffff"/>
+                    <a:srgbClr val="FFFFFF"/>
                   </a:solidFill>
                 </a:uFill>
                 <a:latin typeface="Arial"/>
@@ -2547,13 +8734,13 @@
               </a:rPr>
               <a:t>Le terme de Machine Learning décrit un processus d’apprentissage d’un système d’intelligence artificielle grâce à des données collectées et permettant à celle-ci de réagir à données semblables.</a:t>
             </a:r>
-            <a:endParaRPr b="0" lang="fr-BE" sz="1800" spc="-1" strike="noStrike">
+            <a:endParaRPr lang="fr-BE" sz="1800" b="0" strike="noStrike" spc="-1">
               <a:solidFill>
                 <a:srgbClr val="000000"/>
               </a:solidFill>
               <a:uFill>
                 <a:solidFill>
-                  <a:srgbClr val="ffffff"/>
+                  <a:srgbClr val="FFFFFF"/>
                 </a:solidFill>
               </a:uFill>
               <a:latin typeface="Arial"/>
@@ -2581,13 +8768,20 @@
           </a:ln>
         </p:spPr>
         <p:style>
-          <a:lnRef idx="0"/>
-          <a:fillRef idx="0"/>
-          <a:effectRef idx="0"/>
+          <a:lnRef idx="0">
+            <a:scrgbClr r="0" g="0" b="0"/>
+          </a:lnRef>
+          <a:fillRef idx="0">
+            <a:scrgbClr r="0" g="0" b="0"/>
+          </a:fillRef>
+          <a:effectRef idx="0">
+            <a:scrgbClr r="0" g="0" b="0"/>
+          </a:effectRef>
           <a:fontRef idx="minor"/>
         </p:style>
         <p:txBody>
-          <a:bodyPr lIns="90000" rIns="90000" tIns="45000" bIns="45000"/>
+          <a:bodyPr lIns="90000" tIns="45000" rIns="90000" bIns="45000"/>
+          <a:lstStyle/>
           <a:p>
             <a:pPr>
               <a:lnSpc>
@@ -2595,13 +8789,13 @@
               </a:lnSpc>
             </a:pPr>
             <a:r>
-              <a:rPr b="0" lang="fr-BE" sz="5400" spc="-1" strike="noStrike">
+              <a:rPr lang="fr-BE" sz="5400" b="0" strike="noStrike" spc="-1">
                 <a:solidFill>
-                  <a:srgbClr val="ffffff"/>
+                  <a:srgbClr val="FFFFFF"/>
                 </a:solidFill>
                 <a:uFill>
                   <a:solidFill>
-                    <a:srgbClr val="ffffff"/>
+                    <a:srgbClr val="FFFFFF"/>
                   </a:solidFill>
                 </a:uFill>
                 <a:latin typeface="Arial"/>
@@ -2609,13 +8803,13 @@
               </a:rPr>
               <a:t>Les Fake News sont des informations délibérément fausses, truquées, satiriques ou parodiques émanant en général d'un ou de plusieurs médias, d'un organisme ou d'un individu. </a:t>
             </a:r>
-            <a:endParaRPr b="0" lang="fr-BE" sz="1800" spc="-1" strike="noStrike">
+            <a:endParaRPr lang="fr-BE" sz="1800" b="0" strike="noStrike" spc="-1">
               <a:solidFill>
                 <a:srgbClr val="000000"/>
               </a:solidFill>
               <a:uFill>
                 <a:solidFill>
-                  <a:srgbClr val="ffffff"/>
+                  <a:srgbClr val="FFFFFF"/>
                 </a:solidFill>
               </a:uFill>
               <a:latin typeface="Arial"/>
@@ -2643,13 +8837,20 @@
           </a:ln>
         </p:spPr>
         <p:style>
-          <a:lnRef idx="0"/>
-          <a:fillRef idx="0"/>
-          <a:effectRef idx="0"/>
+          <a:lnRef idx="0">
+            <a:scrgbClr r="0" g="0" b="0"/>
+          </a:lnRef>
+          <a:fillRef idx="0">
+            <a:scrgbClr r="0" g="0" b="0"/>
+          </a:fillRef>
+          <a:effectRef idx="0">
+            <a:scrgbClr r="0" g="0" b="0"/>
+          </a:effectRef>
           <a:fontRef idx="minor"/>
         </p:style>
         <p:txBody>
-          <a:bodyPr lIns="90000" rIns="90000" tIns="45000" bIns="45000"/>
+          <a:bodyPr lIns="90000" tIns="45000" rIns="90000" bIns="45000"/>
+          <a:lstStyle/>
           <a:p>
             <a:pPr>
               <a:lnSpc>
@@ -2657,13 +8858,13 @@
               </a:lnSpc>
             </a:pPr>
             <a:r>
-              <a:rPr b="1" lang="fr-BE" sz="6600" spc="-1" strike="noStrike">
+              <a:rPr lang="fr-BE" sz="6600" b="1" strike="noStrike" spc="-1">
                 <a:solidFill>
-                  <a:srgbClr val="ffffff"/>
+                  <a:srgbClr val="FFFFFF"/>
                 </a:solidFill>
                 <a:uFill>
                   <a:solidFill>
-                    <a:srgbClr val="ffffff"/>
+                    <a:srgbClr val="FFFFFF"/>
                   </a:solidFill>
                 </a:uFill>
                 <a:latin typeface="Arial"/>
@@ -2671,13 +8872,13 @@
               </a:rPr>
               <a:t>OBJECTIF</a:t>
             </a:r>
-            <a:endParaRPr b="0" lang="fr-BE" sz="1800" spc="-1" strike="noStrike">
+            <a:endParaRPr lang="fr-BE" sz="1800" b="0" strike="noStrike" spc="-1">
               <a:solidFill>
                 <a:srgbClr val="000000"/>
               </a:solidFill>
               <a:uFill>
                 <a:solidFill>
-                  <a:srgbClr val="ffffff"/>
+                  <a:srgbClr val="FFFFFF"/>
                 </a:solidFill>
               </a:uFill>
               <a:latin typeface="Arial"/>
@@ -2705,13 +8906,20 @@
           </a:ln>
         </p:spPr>
         <p:style>
-          <a:lnRef idx="0"/>
-          <a:fillRef idx="0"/>
-          <a:effectRef idx="0"/>
+          <a:lnRef idx="0">
+            <a:scrgbClr r="0" g="0" b="0"/>
+          </a:lnRef>
+          <a:fillRef idx="0">
+            <a:scrgbClr r="0" g="0" b="0"/>
+          </a:fillRef>
+          <a:effectRef idx="0">
+            <a:scrgbClr r="0" g="0" b="0"/>
+          </a:effectRef>
           <a:fontRef idx="minor"/>
         </p:style>
         <p:txBody>
-          <a:bodyPr lIns="90000" rIns="90000" tIns="45000" bIns="45000"/>
+          <a:bodyPr lIns="90000" tIns="45000" rIns="90000" bIns="45000"/>
+          <a:lstStyle/>
           <a:p>
             <a:pPr>
               <a:lnSpc>
@@ -2719,13 +8927,13 @@
               </a:lnSpc>
             </a:pPr>
             <a:r>
-              <a:rPr b="1" lang="fr-BE" sz="6600" spc="-1" strike="noStrike">
+              <a:rPr lang="fr-BE" sz="6600" b="1" strike="noStrike" spc="-1">
                 <a:solidFill>
-                  <a:srgbClr val="ffffff"/>
+                  <a:srgbClr val="FFFFFF"/>
                 </a:solidFill>
                 <a:uFill>
                   <a:solidFill>
-                    <a:srgbClr val="ffffff"/>
+                    <a:srgbClr val="FFFFFF"/>
                   </a:solidFill>
                 </a:uFill>
                 <a:latin typeface="Arial"/>
@@ -2733,13 +8941,13 @@
               </a:rPr>
               <a:t>FAKE NEWS</a:t>
             </a:r>
-            <a:endParaRPr b="0" lang="fr-BE" sz="1800" spc="-1" strike="noStrike">
+            <a:endParaRPr lang="fr-BE" sz="1800" b="0" strike="noStrike" spc="-1">
               <a:solidFill>
                 <a:srgbClr val="000000"/>
               </a:solidFill>
               <a:uFill>
                 <a:solidFill>
-                  <a:srgbClr val="ffffff"/>
+                  <a:srgbClr val="FFFFFF"/>
                 </a:solidFill>
               </a:uFill>
               <a:latin typeface="Arial"/>
@@ -2767,13 +8975,20 @@
           </a:ln>
         </p:spPr>
         <p:style>
-          <a:lnRef idx="0"/>
-          <a:fillRef idx="0"/>
-          <a:effectRef idx="0"/>
+          <a:lnRef idx="0">
+            <a:scrgbClr r="0" g="0" b="0"/>
+          </a:lnRef>
+          <a:fillRef idx="0">
+            <a:scrgbClr r="0" g="0" b="0"/>
+          </a:fillRef>
+          <a:effectRef idx="0">
+            <a:scrgbClr r="0" g="0" b="0"/>
+          </a:effectRef>
           <a:fontRef idx="minor"/>
         </p:style>
         <p:txBody>
-          <a:bodyPr lIns="90000" rIns="90000" tIns="45000" bIns="45000"/>
+          <a:bodyPr lIns="90000" tIns="45000" rIns="90000" bIns="45000"/>
+          <a:lstStyle/>
           <a:p>
             <a:pPr algn="ctr">
               <a:lnSpc>
@@ -2781,13 +8996,13 @@
               </a:lnSpc>
             </a:pPr>
             <a:r>
-              <a:rPr b="1" lang="fr-BE" sz="6600" spc="-1" strike="noStrike">
+              <a:rPr lang="fr-BE" sz="6600" b="1" strike="noStrike" spc="-1">
                 <a:solidFill>
-                  <a:srgbClr val="ffffff"/>
+                  <a:srgbClr val="FFFFFF"/>
                 </a:solidFill>
                 <a:uFill>
                   <a:solidFill>
-                    <a:srgbClr val="ffffff"/>
+                    <a:srgbClr val="FFFFFF"/>
                   </a:solidFill>
                 </a:uFill>
                 <a:latin typeface="Arial"/>
@@ -2795,745 +9010,13 @@
               </a:rPr>
               <a:t>COMMENT ÇA MARCHE  ?</a:t>
             </a:r>
-            <a:endParaRPr b="0" lang="fr-BE" sz="1800" spc="-1" strike="noStrike">
+            <a:endParaRPr lang="fr-BE" sz="1800" b="0" strike="noStrike" spc="-1">
               <a:solidFill>
                 <a:srgbClr val="000000"/>
               </a:solidFill>
               <a:uFill>
                 <a:solidFill>
-                  <a:srgbClr val="ffffff"/>
-                </a:solidFill>
-              </a:uFill>
-              <a:latin typeface="Arial"/>
-            </a:endParaRPr>
-          </a:p>
-        </p:txBody>
-      </p:sp>
-      <p:sp>
-        <p:nvSpPr>
-          <p:cNvPr id="54" name="CustomShape 13"/>
-          <p:cNvSpPr/>
-          <p:nvPr/>
-        </p:nvSpPr>
-        <p:spPr>
-          <a:xfrm>
-            <a:off x="5702760" y="28799280"/>
-            <a:ext cx="3575520" cy="1986480"/>
-          </a:xfrm>
-          <a:prstGeom prst="roundRect">
-            <a:avLst>
-              <a:gd name="adj" fmla="val 10000"/>
-            </a:avLst>
-          </a:prstGeom>
-          <a:solidFill>
-            <a:schemeClr val="accent2">
-              <a:shade val="50000"/>
-              <a:hueOff val="0"/>
-              <a:satOff val="0"/>
-              <a:lumOff val="0"/>
-              <a:alphaOff val="0"/>
-            </a:schemeClr>
-          </a:solidFill>
-          <a:ln>
-            <a:solidFill>
-              <a:schemeClr val="lt1">
-                <a:hueOff val="0"/>
-                <a:satOff val="0"/>
-                <a:lumOff val="0"/>
-                <a:alphaOff val="0"/>
-              </a:schemeClr>
-            </a:solidFill>
-            <a:round/>
-          </a:ln>
-        </p:spPr>
-        <p:style>
-          <a:lnRef idx="2"/>
-          <a:fillRef idx="0"/>
-          <a:effectRef idx="0"/>
-          <a:fontRef idx="minor"/>
-        </p:style>
-        <p:txBody>
-          <a:bodyPr lIns="176400" rIns="118080" tIns="176400" bIns="176040" anchor="ctr"/>
-          <a:p>
-            <a:pPr algn="ctr">
-              <a:lnSpc>
-                <a:spcPct val="90000"/>
-              </a:lnSpc>
-            </a:pPr>
-            <a:r>
-              <a:rPr b="0" lang="fr-BE" sz="3100" spc="-1" strike="noStrike">
-                <a:solidFill>
-                  <a:srgbClr val="ffffff"/>
-                </a:solidFill>
-                <a:uFill>
-                  <a:solidFill>
-                    <a:srgbClr val="ffffff"/>
-                  </a:solidFill>
-                </a:uFill>
-                <a:latin typeface="Arial"/>
-                <a:ea typeface="ＭＳ Ｐゴシック"/>
-              </a:rPr>
-              <a:t>Préparation des données</a:t>
-            </a:r>
-            <a:endParaRPr b="0" lang="fr-BE" sz="2400" spc="-1" strike="noStrike">
-              <a:solidFill>
-                <a:srgbClr val="000000"/>
-              </a:solidFill>
-              <a:uFill>
-                <a:solidFill>
-                  <a:srgbClr val="ffffff"/>
-                </a:solidFill>
-              </a:uFill>
-              <a:latin typeface="Arial"/>
-            </a:endParaRPr>
-          </a:p>
-        </p:txBody>
-      </p:sp>
-      <p:sp>
-        <p:nvSpPr>
-          <p:cNvPr id="55" name="CustomShape 14"/>
-          <p:cNvSpPr/>
-          <p:nvPr/>
-        </p:nvSpPr>
-        <p:spPr>
-          <a:xfrm rot="5400000">
-            <a:off x="7118640" y="30835440"/>
-            <a:ext cx="744480" cy="893520"/>
-          </a:xfrm>
-          <a:prstGeom prst="rightArrow">
-            <a:avLst>
-              <a:gd name="adj1" fmla="val 60000"/>
-              <a:gd name="adj2" fmla="val 50000"/>
-            </a:avLst>
-          </a:prstGeom>
-          <a:solidFill>
-            <a:schemeClr val="accent2">
-              <a:shade val="90000"/>
-              <a:hueOff val="0"/>
-              <a:satOff val="0"/>
-              <a:lumOff val="0"/>
-              <a:alphaOff val="0"/>
-            </a:schemeClr>
-          </a:solidFill>
-          <a:ln>
-            <a:noFill/>
-          </a:ln>
-        </p:spPr>
-        <p:style>
-          <a:lnRef idx="0"/>
-          <a:fillRef idx="0"/>
-          <a:effectRef idx="0"/>
-          <a:fontRef idx="minor"/>
-        </p:style>
-      </p:sp>
-      <p:sp>
-        <p:nvSpPr>
-          <p:cNvPr id="56" name="CustomShape 15"/>
-          <p:cNvSpPr/>
-          <p:nvPr/>
-        </p:nvSpPr>
-        <p:spPr>
-          <a:xfrm>
-            <a:off x="5702760" y="31779360"/>
-            <a:ext cx="3575520" cy="1986480"/>
-          </a:xfrm>
-          <a:prstGeom prst="roundRect">
-            <a:avLst>
-              <a:gd name="adj" fmla="val 10000"/>
-            </a:avLst>
-          </a:prstGeom>
-          <a:solidFill>
-            <a:schemeClr val="accent2">
-              <a:shade val="50000"/>
-              <a:hueOff val="0"/>
-              <a:satOff val="-16266"/>
-              <a:lumOff val="26389"/>
-              <a:alphaOff val="0"/>
-            </a:schemeClr>
-          </a:solidFill>
-          <a:ln>
-            <a:solidFill>
-              <a:schemeClr val="lt1">
-                <a:hueOff val="0"/>
-                <a:satOff val="0"/>
-                <a:lumOff val="0"/>
-                <a:alphaOff val="0"/>
-              </a:schemeClr>
-            </a:solidFill>
-            <a:round/>
-          </a:ln>
-        </p:spPr>
-        <p:style>
-          <a:lnRef idx="2"/>
-          <a:fillRef idx="0"/>
-          <a:effectRef idx="0"/>
-          <a:fontRef idx="minor"/>
-        </p:style>
-        <p:txBody>
-          <a:bodyPr lIns="176400" rIns="118080" tIns="176400" bIns="176040" anchor="ctr"/>
-          <a:p>
-            <a:pPr algn="ctr">
-              <a:lnSpc>
-                <a:spcPct val="90000"/>
-              </a:lnSpc>
-            </a:pPr>
-            <a:r>
-              <a:rPr b="0" lang="fr-BE" sz="3100" spc="-1" strike="noStrike">
-                <a:solidFill>
-                  <a:srgbClr val="ffffff"/>
-                </a:solidFill>
-                <a:uFill>
-                  <a:solidFill>
-                    <a:srgbClr val="ffffff"/>
-                  </a:solidFill>
-                </a:uFill>
-                <a:latin typeface="Arial"/>
-                <a:ea typeface="ＭＳ Ｐゴシック"/>
-              </a:rPr>
-              <a:t>Sélection du modèle de Machine Learning </a:t>
-            </a:r>
-            <a:endParaRPr b="0" lang="fr-BE" sz="2400" spc="-1" strike="noStrike">
-              <a:solidFill>
-                <a:srgbClr val="000000"/>
-              </a:solidFill>
-              <a:uFill>
-                <a:solidFill>
-                  <a:srgbClr val="ffffff"/>
-                </a:solidFill>
-              </a:uFill>
-              <a:latin typeface="Arial"/>
-            </a:endParaRPr>
-          </a:p>
-        </p:txBody>
-      </p:sp>
-      <p:sp>
-        <p:nvSpPr>
-          <p:cNvPr id="57" name="CustomShape 16"/>
-          <p:cNvSpPr/>
-          <p:nvPr/>
-        </p:nvSpPr>
-        <p:spPr>
-          <a:xfrm rot="5400000">
-            <a:off x="7118640" y="33815520"/>
-            <a:ext cx="744480" cy="893520"/>
-          </a:xfrm>
-          <a:prstGeom prst="rightArrow">
-            <a:avLst>
-              <a:gd name="adj1" fmla="val 60000"/>
-              <a:gd name="adj2" fmla="val 50000"/>
-            </a:avLst>
-          </a:prstGeom>
-          <a:solidFill>
-            <a:schemeClr val="accent2">
-              <a:shade val="90000"/>
-              <a:hueOff val="0"/>
-              <a:satOff val="-19999"/>
-              <a:lumOff val="27237"/>
-              <a:alphaOff val="0"/>
-            </a:schemeClr>
-          </a:solidFill>
-          <a:ln>
-            <a:noFill/>
-          </a:ln>
-        </p:spPr>
-        <p:style>
-          <a:lnRef idx="0"/>
-          <a:fillRef idx="0"/>
-          <a:effectRef idx="0"/>
-          <a:fontRef idx="minor"/>
-        </p:style>
-      </p:sp>
-      <p:sp>
-        <p:nvSpPr>
-          <p:cNvPr id="58" name="CustomShape 17"/>
-          <p:cNvSpPr/>
-          <p:nvPr/>
-        </p:nvSpPr>
-        <p:spPr>
-          <a:xfrm>
-            <a:off x="5702760" y="34759440"/>
-            <a:ext cx="3575520" cy="1986480"/>
-          </a:xfrm>
-          <a:prstGeom prst="roundRect">
-            <a:avLst>
-              <a:gd name="adj" fmla="val 10000"/>
-            </a:avLst>
-          </a:prstGeom>
-          <a:solidFill>
-            <a:schemeClr val="accent2">
-              <a:shade val="50000"/>
-              <a:hueOff val="0"/>
-              <a:satOff val="-32532"/>
-              <a:lumOff val="52778"/>
-              <a:alphaOff val="0"/>
-            </a:schemeClr>
-          </a:solidFill>
-          <a:ln>
-            <a:solidFill>
-              <a:schemeClr val="lt1">
-                <a:hueOff val="0"/>
-                <a:satOff val="0"/>
-                <a:lumOff val="0"/>
-                <a:alphaOff val="0"/>
-              </a:schemeClr>
-            </a:solidFill>
-            <a:round/>
-          </a:ln>
-        </p:spPr>
-        <p:style>
-          <a:lnRef idx="2"/>
-          <a:fillRef idx="0"/>
-          <a:effectRef idx="0"/>
-          <a:fontRef idx="minor"/>
-        </p:style>
-        <p:txBody>
-          <a:bodyPr lIns="176400" rIns="118080" tIns="176400" bIns="176040" anchor="ctr"/>
-          <a:p>
-            <a:pPr algn="ctr">
-              <a:lnSpc>
-                <a:spcPct val="90000"/>
-              </a:lnSpc>
-            </a:pPr>
-            <a:r>
-              <a:rPr b="0" lang="fr-BE" sz="3100" spc="-1" strike="noStrike">
-                <a:solidFill>
-                  <a:srgbClr val="ffffff"/>
-                </a:solidFill>
-                <a:uFill>
-                  <a:solidFill>
-                    <a:srgbClr val="ffffff"/>
-                  </a:solidFill>
-                </a:uFill>
-                <a:latin typeface="Arial"/>
-                <a:ea typeface="ＭＳ Ｐゴシック"/>
-              </a:rPr>
-              <a:t>Entraînement du modèle</a:t>
-            </a:r>
-            <a:endParaRPr b="0" lang="fr-BE" sz="2400" spc="-1" strike="noStrike">
-              <a:solidFill>
-                <a:srgbClr val="000000"/>
-              </a:solidFill>
-              <a:uFill>
-                <a:solidFill>
-                  <a:srgbClr val="ffffff"/>
-                </a:solidFill>
-              </a:uFill>
-              <a:latin typeface="Arial"/>
-            </a:endParaRPr>
-          </a:p>
-        </p:txBody>
-      </p:sp>
-      <p:sp>
-        <p:nvSpPr>
-          <p:cNvPr id="59" name="CustomShape 18"/>
-          <p:cNvSpPr/>
-          <p:nvPr/>
-        </p:nvSpPr>
-        <p:spPr>
-          <a:xfrm rot="5400000">
-            <a:off x="7118640" y="36795600"/>
-            <a:ext cx="744480" cy="893520"/>
-          </a:xfrm>
-          <a:prstGeom prst="rightArrow">
-            <a:avLst>
-              <a:gd name="adj1" fmla="val 60000"/>
-              <a:gd name="adj2" fmla="val 50000"/>
-            </a:avLst>
-          </a:prstGeom>
-          <a:solidFill>
-            <a:schemeClr val="accent2">
-              <a:shade val="90000"/>
-              <a:hueOff val="0"/>
-              <a:satOff val="-19999"/>
-              <a:lumOff val="27237"/>
-              <a:alphaOff val="0"/>
-            </a:schemeClr>
-          </a:solidFill>
-          <a:ln>
-            <a:noFill/>
-          </a:ln>
-        </p:spPr>
-        <p:style>
-          <a:lnRef idx="0"/>
-          <a:fillRef idx="0"/>
-          <a:effectRef idx="0"/>
-          <a:fontRef idx="minor"/>
-        </p:style>
-      </p:sp>
-      <p:sp>
-        <p:nvSpPr>
-          <p:cNvPr id="60" name="CustomShape 19"/>
-          <p:cNvSpPr/>
-          <p:nvPr/>
-        </p:nvSpPr>
-        <p:spPr>
-          <a:xfrm>
-            <a:off x="5702760" y="37739520"/>
-            <a:ext cx="3575520" cy="1986480"/>
-          </a:xfrm>
-          <a:prstGeom prst="roundRect">
-            <a:avLst>
-              <a:gd name="adj" fmla="val 10000"/>
-            </a:avLst>
-          </a:prstGeom>
-          <a:solidFill>
-            <a:schemeClr val="accent2">
-              <a:shade val="50000"/>
-              <a:hueOff val="0"/>
-              <a:satOff val="-16266"/>
-              <a:lumOff val="26389"/>
-              <a:alphaOff val="0"/>
-            </a:schemeClr>
-          </a:solidFill>
-          <a:ln>
-            <a:solidFill>
-              <a:schemeClr val="lt1">
-                <a:hueOff val="0"/>
-                <a:satOff val="0"/>
-                <a:lumOff val="0"/>
-                <a:alphaOff val="0"/>
-              </a:schemeClr>
-            </a:solidFill>
-            <a:round/>
-          </a:ln>
-        </p:spPr>
-        <p:style>
-          <a:lnRef idx="2"/>
-          <a:fillRef idx="0"/>
-          <a:effectRef idx="0"/>
-          <a:fontRef idx="minor"/>
-        </p:style>
-        <p:txBody>
-          <a:bodyPr lIns="176400" rIns="118080" tIns="176400" bIns="176040" anchor="ctr"/>
-          <a:p>
-            <a:pPr algn="ctr">
-              <a:lnSpc>
-                <a:spcPct val="90000"/>
-              </a:lnSpc>
-            </a:pPr>
-            <a:r>
-              <a:rPr b="0" lang="fr-BE" sz="3100" spc="-1" strike="noStrike">
-                <a:solidFill>
-                  <a:srgbClr val="ffffff"/>
-                </a:solidFill>
-                <a:uFill>
-                  <a:solidFill>
-                    <a:srgbClr val="ffffff"/>
-                  </a:solidFill>
-                </a:uFill>
-                <a:latin typeface="Arial"/>
-                <a:ea typeface="ＭＳ Ｐゴシック"/>
-              </a:rPr>
-              <a:t>Test du modèle</a:t>
-            </a:r>
-            <a:endParaRPr b="0" lang="fr-BE" sz="2400" spc="-1" strike="noStrike">
-              <a:solidFill>
-                <a:srgbClr val="000000"/>
-              </a:solidFill>
-              <a:uFill>
-                <a:solidFill>
-                  <a:srgbClr val="ffffff"/>
-                </a:solidFill>
-              </a:uFill>
-              <a:latin typeface="Arial"/>
-            </a:endParaRPr>
-          </a:p>
-        </p:txBody>
-      </p:sp>
-      <p:sp>
-        <p:nvSpPr>
-          <p:cNvPr id="61" name="CustomShape 20"/>
-          <p:cNvSpPr/>
-          <p:nvPr/>
-        </p:nvSpPr>
-        <p:spPr>
-          <a:xfrm>
-            <a:off x="25412040" y="28501920"/>
-            <a:ext cx="2545920" cy="2545920"/>
-          </a:xfrm>
-          <a:prstGeom prst="ellipse">
-            <a:avLst/>
-          </a:prstGeom>
-          <a:solidFill>
-            <a:schemeClr val="accent2">
-              <a:shade val="80000"/>
-              <a:hueOff val="0"/>
-              <a:satOff val="0"/>
-              <a:lumOff val="0"/>
-              <a:alphaOff val="0"/>
-            </a:schemeClr>
-          </a:solidFill>
-          <a:ln>
-            <a:solidFill>
-              <a:schemeClr val="lt1">
-                <a:hueOff val="0"/>
-                <a:satOff val="0"/>
-                <a:lumOff val="0"/>
-                <a:alphaOff val="0"/>
-              </a:schemeClr>
-            </a:solidFill>
-            <a:round/>
-          </a:ln>
-        </p:spPr>
-        <p:style>
-          <a:lnRef idx="2"/>
-          <a:fillRef idx="0"/>
-          <a:effectRef idx="0"/>
-          <a:fontRef idx="minor"/>
-        </p:style>
-        <p:txBody>
-          <a:bodyPr lIns="38160" rIns="38160" tIns="38160" bIns="38160" anchor="ctr"/>
-          <a:p>
-            <a:pPr>
-              <a:lnSpc>
-                <a:spcPct val="90000"/>
-              </a:lnSpc>
-            </a:pPr>
-            <a:r>
-              <a:rPr b="0" lang="fr-BE" sz="3000" spc="-1" strike="noStrike">
-                <a:solidFill>
-                  <a:srgbClr val="ffffff"/>
-                </a:solidFill>
-                <a:uFill>
-                  <a:solidFill>
-                    <a:srgbClr val="ffffff"/>
-                  </a:solidFill>
-                </a:uFill>
-                <a:latin typeface="Arial"/>
-                <a:ea typeface="ＭＳ Ｐゴシック"/>
-              </a:rPr>
-              <a:t>Modèle</a:t>
-            </a:r>
-            <a:endParaRPr b="0" lang="fr-BE" sz="2400" spc="-1" strike="noStrike">
-              <a:solidFill>
-                <a:srgbClr val="000000"/>
-              </a:solidFill>
-              <a:uFill>
-                <a:solidFill>
-                  <a:srgbClr val="ffffff"/>
-                </a:solidFill>
-              </a:uFill>
-              <a:latin typeface="Arial"/>
-            </a:endParaRPr>
-          </a:p>
-        </p:txBody>
-      </p:sp>
-      <p:sp>
-        <p:nvSpPr>
-          <p:cNvPr id="62" name="CustomShape 21"/>
-          <p:cNvSpPr/>
-          <p:nvPr/>
-        </p:nvSpPr>
-        <p:spPr>
-          <a:xfrm>
-            <a:off x="26002440" y="31057560"/>
-            <a:ext cx="1476360" cy="1476360"/>
-          </a:xfrm>
-          <a:prstGeom prst="mathPlus">
-            <a:avLst>
-              <a:gd name="adj1" fmla="val 23520"/>
-            </a:avLst>
-          </a:prstGeom>
-          <a:solidFill>
-            <a:schemeClr val="accent2">
-              <a:shade val="90000"/>
-              <a:hueOff val="0"/>
-              <a:satOff val="0"/>
-              <a:lumOff val="0"/>
-              <a:alphaOff val="0"/>
-            </a:schemeClr>
-          </a:solidFill>
-          <a:ln>
-            <a:noFill/>
-          </a:ln>
-        </p:spPr>
-        <p:style>
-          <a:lnRef idx="0"/>
-          <a:fillRef idx="0"/>
-          <a:effectRef idx="0"/>
-          <a:fontRef idx="minor"/>
-        </p:style>
-      </p:sp>
-      <p:sp>
-        <p:nvSpPr>
-          <p:cNvPr id="63" name="CustomShape 22"/>
-          <p:cNvSpPr/>
-          <p:nvPr/>
-        </p:nvSpPr>
-        <p:spPr>
-          <a:xfrm>
-            <a:off x="25412040" y="32864760"/>
-            <a:ext cx="2545920" cy="2545920"/>
-          </a:xfrm>
-          <a:prstGeom prst="ellipse">
-            <a:avLst/>
-          </a:prstGeom>
-          <a:solidFill>
-            <a:schemeClr val="accent2">
-              <a:shade val="80000"/>
-              <a:hueOff val="0"/>
-              <a:satOff val="-14010"/>
-              <a:lumOff val="15876"/>
-              <a:alphaOff val="0"/>
-            </a:schemeClr>
-          </a:solidFill>
-          <a:ln>
-            <a:solidFill>
-              <a:schemeClr val="lt1">
-                <a:hueOff val="0"/>
-                <a:satOff val="0"/>
-                <a:lumOff val="0"/>
-                <a:alphaOff val="0"/>
-              </a:schemeClr>
-            </a:solidFill>
-            <a:round/>
-          </a:ln>
-        </p:spPr>
-        <p:style>
-          <a:lnRef idx="2"/>
-          <a:fillRef idx="0"/>
-          <a:effectRef idx="0"/>
-          <a:fontRef idx="minor"/>
-        </p:style>
-        <p:txBody>
-          <a:bodyPr lIns="38160" rIns="38160" tIns="38160" bIns="38160" anchor="ctr"/>
-          <a:p>
-            <a:pPr>
-              <a:lnSpc>
-                <a:spcPct val="90000"/>
-              </a:lnSpc>
-            </a:pPr>
-            <a:r>
-              <a:rPr b="0" lang="fr-BE" sz="3000" spc="-1" strike="noStrike">
-                <a:solidFill>
-                  <a:srgbClr val="ffffff"/>
-                </a:solidFill>
-                <a:uFill>
-                  <a:solidFill>
-                    <a:srgbClr val="ffffff"/>
-                  </a:solidFill>
-                </a:uFill>
-                <a:latin typeface="Arial"/>
-                <a:ea typeface="ＭＳ Ｐゴシック"/>
-              </a:rPr>
-              <a:t>Article de presse</a:t>
-            </a:r>
-            <a:endParaRPr b="0" lang="fr-BE" sz="2400" spc="-1" strike="noStrike">
-              <a:solidFill>
-                <a:srgbClr val="000000"/>
-              </a:solidFill>
-              <a:uFill>
-                <a:solidFill>
-                  <a:srgbClr val="ffffff"/>
-                </a:solidFill>
-              </a:uFill>
-              <a:latin typeface="Arial"/>
-            </a:endParaRPr>
-          </a:p>
-        </p:txBody>
-      </p:sp>
-      <p:sp>
-        <p:nvSpPr>
-          <p:cNvPr id="64" name="CustomShape 23"/>
-          <p:cNvSpPr/>
-          <p:nvPr/>
-        </p:nvSpPr>
-        <p:spPr>
-          <a:xfrm>
-            <a:off x="25902720" y="35630640"/>
-            <a:ext cx="1476360" cy="1476360"/>
-          </a:xfrm>
-          <a:prstGeom prst="mathEqual">
-            <a:avLst>
-              <a:gd name="adj1" fmla="val 23520"/>
-              <a:gd name="adj2" fmla="val 11760"/>
-            </a:avLst>
-          </a:prstGeom>
-          <a:solidFill>
-            <a:srgbClr val="000099"/>
-          </a:solidFill>
-          <a:ln>
-            <a:noFill/>
-          </a:ln>
-        </p:spPr>
-        <p:style>
-          <a:lnRef idx="0"/>
-          <a:fillRef idx="0"/>
-          <a:effectRef idx="0"/>
-          <a:fontRef idx="minor"/>
-        </p:style>
-      </p:sp>
-      <p:sp>
-        <p:nvSpPr>
-          <p:cNvPr id="65" name="CustomShape 24"/>
-          <p:cNvSpPr/>
-          <p:nvPr/>
-        </p:nvSpPr>
-        <p:spPr>
-          <a:xfrm>
-            <a:off x="25412040" y="37204560"/>
-            <a:ext cx="2545920" cy="2545920"/>
-          </a:xfrm>
-          <a:prstGeom prst="ellipse">
-            <a:avLst/>
-          </a:prstGeom>
-          <a:solidFill>
-            <a:schemeClr val="accent2">
-              <a:shade val="80000"/>
-              <a:hueOff val="0"/>
-              <a:satOff val="-28019"/>
-              <a:lumOff val="31752"/>
-              <a:alphaOff val="0"/>
-            </a:schemeClr>
-          </a:solidFill>
-          <a:ln>
-            <a:solidFill>
-              <a:schemeClr val="lt1">
-                <a:hueOff val="0"/>
-                <a:satOff val="0"/>
-                <a:lumOff val="0"/>
-                <a:alphaOff val="0"/>
-              </a:schemeClr>
-            </a:solidFill>
-            <a:round/>
-          </a:ln>
-        </p:spPr>
-        <p:style>
-          <a:lnRef idx="2"/>
-          <a:fillRef idx="0"/>
-          <a:effectRef idx="0"/>
-          <a:fontRef idx="minor"/>
-        </p:style>
-        <p:txBody>
-          <a:bodyPr lIns="38160" rIns="38160" tIns="38160" bIns="38160" anchor="ctr"/>
-          <a:p>
-            <a:pPr>
-              <a:lnSpc>
-                <a:spcPct val="90000"/>
-              </a:lnSpc>
-            </a:pPr>
-            <a:r>
-              <a:rPr b="0" lang="fr-BE" sz="3000" spc="-1" strike="noStrike">
-                <a:solidFill>
-                  <a:srgbClr val="ffffff"/>
-                </a:solidFill>
-                <a:uFill>
-                  <a:solidFill>
-                    <a:srgbClr val="ffffff"/>
-                  </a:solidFill>
-                </a:uFill>
-                <a:latin typeface="Arial"/>
-                <a:ea typeface="ＭＳ Ｐゴシック"/>
-              </a:rPr>
-              <a:t>Prédiction</a:t>
-            </a:r>
-            <a:endParaRPr b="0" lang="fr-BE" sz="2400" spc="-1" strike="noStrike">
-              <a:solidFill>
-                <a:srgbClr val="000000"/>
-              </a:solidFill>
-              <a:uFill>
-                <a:solidFill>
-                  <a:srgbClr val="ffffff"/>
+                  <a:srgbClr val="FFFFFF"/>
                 </a:solidFill>
               </a:uFill>
               <a:latin typeface="Arial"/>
@@ -3561,13 +9044,20 @@
           </a:ln>
         </p:spPr>
         <p:style>
-          <a:lnRef idx="0"/>
-          <a:fillRef idx="0"/>
-          <a:effectRef idx="0"/>
+          <a:lnRef idx="0">
+            <a:scrgbClr r="0" g="0" b="0"/>
+          </a:lnRef>
+          <a:fillRef idx="0">
+            <a:scrgbClr r="0" g="0" b="0"/>
+          </a:fillRef>
+          <a:effectRef idx="0">
+            <a:scrgbClr r="0" g="0" b="0"/>
+          </a:effectRef>
           <a:fontRef idx="minor"/>
         </p:style>
         <p:txBody>
-          <a:bodyPr lIns="90000" rIns="90000" tIns="45000" bIns="45000"/>
+          <a:bodyPr lIns="90000" tIns="45000" rIns="90000" bIns="45000"/>
+          <a:lstStyle/>
           <a:p>
             <a:pPr>
               <a:lnSpc>
@@ -3575,13 +9065,13 @@
               </a:lnSpc>
             </a:pPr>
             <a:r>
-              <a:rPr b="1" lang="fr-BE" sz="6600" spc="-1" strike="noStrike">
+              <a:rPr lang="fr-BE" sz="6600" b="1" strike="noStrike" spc="-1">
                 <a:solidFill>
-                  <a:srgbClr val="ffffff"/>
+                  <a:srgbClr val="FFFFFF"/>
                 </a:solidFill>
                 <a:uFill>
                   <a:solidFill>
-                    <a:srgbClr val="ffffff"/>
+                    <a:srgbClr val="FFFFFF"/>
                   </a:solidFill>
                 </a:uFill>
                 <a:latin typeface="Arial"/>
@@ -3590,13 +9080,13 @@
               <a:t>MACHINE</a:t>
             </a:r>
             <a:r>
-              <a:rPr b="0" lang="fr-BE" sz="6600" spc="-1" strike="noStrike">
+              <a:rPr lang="fr-BE" sz="6600" b="0" strike="noStrike" spc="-1">
                 <a:solidFill>
                   <a:srgbClr val="000000"/>
                 </a:solidFill>
                 <a:uFill>
                   <a:solidFill>
-                    <a:srgbClr val="ffffff"/>
+                    <a:srgbClr val="FFFFFF"/>
                   </a:solidFill>
                 </a:uFill>
                 <a:latin typeface="Arial"/>
@@ -3605,13 +9095,13 @@
               <a:t> </a:t>
             </a:r>
             <a:r>
-              <a:rPr b="1" lang="fr-BE" sz="6600" spc="-1" strike="noStrike">
+              <a:rPr lang="fr-BE" sz="6600" b="1" strike="noStrike" spc="-1">
                 <a:solidFill>
-                  <a:srgbClr val="ffffff"/>
+                  <a:srgbClr val="FFFFFF"/>
                 </a:solidFill>
                 <a:uFill>
                   <a:solidFill>
-                    <a:srgbClr val="ffffff"/>
+                    <a:srgbClr val="FFFFFF"/>
                   </a:solidFill>
                 </a:uFill>
                 <a:latin typeface="Arial"/>
@@ -3619,13 +9109,13 @@
               </a:rPr>
               <a:t>LEARNING</a:t>
             </a:r>
-            <a:endParaRPr b="0" lang="fr-BE" sz="1800" spc="-1" strike="noStrike">
+            <a:endParaRPr lang="fr-BE" sz="1800" b="0" strike="noStrike" spc="-1">
               <a:solidFill>
                 <a:srgbClr val="000000"/>
               </a:solidFill>
               <a:uFill>
                 <a:solidFill>
-                  <a:srgbClr val="ffffff"/>
+                  <a:srgbClr val="FFFFFF"/>
                 </a:solidFill>
               </a:uFill>
               <a:latin typeface="Arial"/>
@@ -3635,12 +9125,12 @@
       </p:sp>
       <p:pic>
         <p:nvPicPr>
-          <p:cNvPr id="67" name="Picture 10" descr=""/>
+          <p:cNvPr id="67" name="Picture 10"/>
           <p:cNvPicPr/>
           <p:nvPr/>
         </p:nvPicPr>
         <p:blipFill>
-          <a:blip r:embed="rId5"/>
+          <a:blip r:embed="rId6"/>
           <a:stretch/>
         </p:blipFill>
         <p:spPr>
@@ -3658,12 +9148,12 @@
       </p:pic>
       <p:pic>
         <p:nvPicPr>
-          <p:cNvPr id="68" name="Picture 16" descr=""/>
+          <p:cNvPr id="68" name="Picture 16"/>
           <p:cNvPicPr/>
           <p:nvPr/>
         </p:nvPicPr>
         <p:blipFill>
-          <a:blip r:embed="rId6"/>
+          <a:blip r:embed="rId7"/>
           <a:stretch/>
         </p:blipFill>
         <p:spPr>
@@ -3707,9 +9197,15 @@
           </a:ln>
         </p:spPr>
         <p:style>
-          <a:lnRef idx="0"/>
-          <a:fillRef idx="0"/>
-          <a:effectRef idx="0"/>
+          <a:lnRef idx="0">
+            <a:scrgbClr r="0" g="0" b="0"/>
+          </a:lnRef>
+          <a:fillRef idx="0">
+            <a:scrgbClr r="0" g="0" b="0"/>
+          </a:fillRef>
+          <a:effectRef idx="0">
+            <a:scrgbClr r="0" g="0" b="0"/>
+          </a:effectRef>
           <a:fontRef idx="minor"/>
         </p:style>
       </p:sp>
@@ -3728,7 +9224,7 @@
             <a:avLst/>
           </a:prstGeom>
           <a:solidFill>
-            <a:srgbClr val="3c75c2"/>
+            <a:srgbClr val="3C75C2"/>
           </a:solidFill>
           <a:ln w="9360">
             <a:solidFill>
@@ -3738,26 +9234,33 @@
           </a:ln>
         </p:spPr>
         <p:style>
-          <a:lnRef idx="0"/>
-          <a:fillRef idx="0"/>
-          <a:effectRef idx="0"/>
+          <a:lnRef idx="0">
+            <a:scrgbClr r="0" g="0" b="0"/>
+          </a:lnRef>
+          <a:fillRef idx="0">
+            <a:scrgbClr r="0" g="0" b="0"/>
+          </a:fillRef>
+          <a:effectRef idx="0">
+            <a:scrgbClr r="0" g="0" b="0"/>
+          </a:effectRef>
           <a:fontRef idx="minor"/>
         </p:style>
         <p:txBody>
           <a:bodyPr/>
+          <a:lstStyle/>
           <a:p>
             <a:pPr algn="ctr">
               <a:lnSpc>
                 <a:spcPct val="100000"/>
               </a:lnSpc>
             </a:pPr>
-            <a:endParaRPr b="0" lang="fr-BE" sz="2400" spc="-1" strike="noStrike">
+            <a:endParaRPr lang="fr-BE" sz="2400" b="0" strike="noStrike" spc="-1">
               <a:solidFill>
                 <a:srgbClr val="000000"/>
               </a:solidFill>
               <a:uFill>
                 <a:solidFill>
-                  <a:srgbClr val="ffffff"/>
+                  <a:srgbClr val="FFFFFF"/>
                 </a:solidFill>
               </a:uFill>
               <a:latin typeface="Arial"/>
@@ -3770,13 +9273,13 @@
               </a:lnSpc>
             </a:pPr>
             <a:r>
-              <a:rPr b="0" lang="fr-BE" sz="3600" spc="-1" strike="noStrike">
+              <a:rPr lang="fr-BE" sz="3600" b="0" strike="noStrike" spc="-1">
                 <a:solidFill>
-                  <a:srgbClr val="ffffff"/>
+                  <a:srgbClr val="FFFFFF"/>
                 </a:solidFill>
                 <a:uFill>
                   <a:solidFill>
-                    <a:srgbClr val="ffffff"/>
+                    <a:srgbClr val="FFFFFF"/>
                   </a:solidFill>
                 </a:uFill>
                 <a:latin typeface="Arial"/>
@@ -3784,13 +9287,13 @@
               </a:rPr>
               <a:t>Ponctuation</a:t>
             </a:r>
-            <a:endParaRPr b="0" lang="fr-BE" sz="2400" spc="-1" strike="noStrike">
+            <a:endParaRPr lang="fr-BE" sz="2400" b="0" strike="noStrike" spc="-1">
               <a:solidFill>
                 <a:srgbClr val="000000"/>
               </a:solidFill>
               <a:uFill>
                 <a:solidFill>
-                  <a:srgbClr val="ffffff"/>
+                  <a:srgbClr val="FFFFFF"/>
                 </a:solidFill>
               </a:uFill>
               <a:latin typeface="Arial"/>
@@ -3813,7 +9316,7 @@
             <a:avLst/>
           </a:prstGeom>
           <a:solidFill>
-            <a:srgbClr val="3c75c2"/>
+            <a:srgbClr val="3C75C2"/>
           </a:solidFill>
           <a:ln w="9360">
             <a:solidFill>
@@ -3823,26 +9326,33 @@
           </a:ln>
         </p:spPr>
         <p:style>
-          <a:lnRef idx="0"/>
-          <a:fillRef idx="0"/>
-          <a:effectRef idx="0"/>
+          <a:lnRef idx="0">
+            <a:scrgbClr r="0" g="0" b="0"/>
+          </a:lnRef>
+          <a:fillRef idx="0">
+            <a:scrgbClr r="0" g="0" b="0"/>
+          </a:fillRef>
+          <a:effectRef idx="0">
+            <a:scrgbClr r="0" g="0" b="0"/>
+          </a:effectRef>
           <a:fontRef idx="minor"/>
         </p:style>
         <p:txBody>
           <a:bodyPr/>
+          <a:lstStyle/>
           <a:p>
             <a:pPr algn="ctr">
               <a:lnSpc>
                 <a:spcPct val="100000"/>
               </a:lnSpc>
             </a:pPr>
-            <a:endParaRPr b="0" lang="fr-BE" sz="2400" spc="-1" strike="noStrike">
+            <a:endParaRPr lang="fr-BE" sz="2400" b="0" strike="noStrike" spc="-1">
               <a:solidFill>
                 <a:srgbClr val="000000"/>
               </a:solidFill>
               <a:uFill>
                 <a:solidFill>
-                  <a:srgbClr val="ffffff"/>
+                  <a:srgbClr val="FFFFFF"/>
                 </a:solidFill>
               </a:uFill>
               <a:latin typeface="Arial"/>
@@ -3855,13 +9365,13 @@
               </a:lnSpc>
             </a:pPr>
             <a:r>
-              <a:rPr b="0" lang="fr-BE" sz="3600" spc="-1" strike="noStrike">
+              <a:rPr lang="fr-BE" sz="3600" b="0" strike="noStrike" spc="-1">
                 <a:solidFill>
-                  <a:srgbClr val="ffffff"/>
+                  <a:srgbClr val="FFFFFF"/>
                 </a:solidFill>
                 <a:uFill>
                   <a:solidFill>
-                    <a:srgbClr val="ffffff"/>
+                    <a:srgbClr val="FFFFFF"/>
                   </a:solidFill>
                 </a:uFill>
                 <a:latin typeface="Arial"/>
@@ -3869,13 +9379,13 @@
               </a:rPr>
               <a:t>Fréquence des mots</a:t>
             </a:r>
-            <a:endParaRPr b="0" lang="fr-BE" sz="2400" spc="-1" strike="noStrike">
+            <a:endParaRPr lang="fr-BE" sz="2400" b="0" strike="noStrike" spc="-1">
               <a:solidFill>
                 <a:srgbClr val="000000"/>
               </a:solidFill>
               <a:uFill>
                 <a:solidFill>
-                  <a:srgbClr val="ffffff"/>
+                  <a:srgbClr val="FFFFFF"/>
                 </a:solidFill>
               </a:uFill>
               <a:latin typeface="Arial"/>
@@ -3898,7 +9408,7 @@
             <a:avLst/>
           </a:prstGeom>
           <a:solidFill>
-            <a:srgbClr val="3c75c2"/>
+            <a:srgbClr val="3C75C2"/>
           </a:solidFill>
           <a:ln w="9360">
             <a:solidFill>
@@ -3908,26 +9418,33 @@
           </a:ln>
         </p:spPr>
         <p:style>
-          <a:lnRef idx="0"/>
-          <a:fillRef idx="0"/>
-          <a:effectRef idx="0"/>
+          <a:lnRef idx="0">
+            <a:scrgbClr r="0" g="0" b="0"/>
+          </a:lnRef>
+          <a:fillRef idx="0">
+            <a:scrgbClr r="0" g="0" b="0"/>
+          </a:fillRef>
+          <a:effectRef idx="0">
+            <a:scrgbClr r="0" g="0" b="0"/>
+          </a:effectRef>
           <a:fontRef idx="minor"/>
         </p:style>
         <p:txBody>
           <a:bodyPr/>
+          <a:lstStyle/>
           <a:p>
             <a:pPr algn="ctr">
               <a:lnSpc>
                 <a:spcPct val="100000"/>
               </a:lnSpc>
             </a:pPr>
-            <a:endParaRPr b="0" lang="fr-BE" sz="2400" spc="-1" strike="noStrike">
+            <a:endParaRPr lang="fr-BE" sz="2400" b="0" strike="noStrike" spc="-1">
               <a:solidFill>
                 <a:srgbClr val="000000"/>
               </a:solidFill>
               <a:uFill>
                 <a:solidFill>
-                  <a:srgbClr val="ffffff"/>
+                  <a:srgbClr val="FFFFFF"/>
                 </a:solidFill>
               </a:uFill>
               <a:latin typeface="Arial"/>
@@ -3940,13 +9457,13 @@
               </a:lnSpc>
             </a:pPr>
             <a:r>
-              <a:rPr b="0" lang="fr-BE" sz="3600" spc="-1" strike="noStrike">
+              <a:rPr lang="fr-BE" sz="3600" b="0" strike="noStrike" spc="-1">
                 <a:solidFill>
-                  <a:srgbClr val="ffffff"/>
+                  <a:srgbClr val="FFFFFF"/>
                 </a:solidFill>
                 <a:uFill>
                   <a:solidFill>
-                    <a:srgbClr val="ffffff"/>
+                    <a:srgbClr val="FFFFFF"/>
                   </a:solidFill>
                 </a:uFill>
                 <a:latin typeface="Arial"/>
@@ -3954,13 +9471,13 @@
               </a:rPr>
               <a:t>Pronoms</a:t>
             </a:r>
-            <a:endParaRPr b="0" lang="fr-BE" sz="2400" spc="-1" strike="noStrike">
+            <a:endParaRPr lang="fr-BE" sz="2400" b="0" strike="noStrike" spc="-1">
               <a:solidFill>
                 <a:srgbClr val="000000"/>
               </a:solidFill>
               <a:uFill>
                 <a:solidFill>
-                  <a:srgbClr val="ffffff"/>
+                  <a:srgbClr val="FFFFFF"/>
                 </a:solidFill>
               </a:uFill>
               <a:latin typeface="Arial"/>
@@ -3970,12 +9487,12 @@
       </p:sp>
       <p:pic>
         <p:nvPicPr>
-          <p:cNvPr id="73" name="Picture 22" descr=""/>
+          <p:cNvPr id="73" name="Picture 22"/>
           <p:cNvPicPr/>
           <p:nvPr/>
         </p:nvPicPr>
         <p:blipFill>
-          <a:blip r:embed="rId7"/>
+          <a:blip r:embed="rId8"/>
           <a:stretch/>
         </p:blipFill>
         <p:spPr>
@@ -4011,13 +9528,20 @@
           </a:ln>
         </p:spPr>
         <p:style>
-          <a:lnRef idx="0"/>
-          <a:fillRef idx="0"/>
-          <a:effectRef idx="0"/>
+          <a:lnRef idx="0">
+            <a:scrgbClr r="0" g="0" b="0"/>
+          </a:lnRef>
+          <a:fillRef idx="0">
+            <a:scrgbClr r="0" g="0" b="0"/>
+          </a:fillRef>
+          <a:effectRef idx="0">
+            <a:scrgbClr r="0" g="0" b="0"/>
+          </a:effectRef>
           <a:fontRef idx="minor"/>
         </p:style>
         <p:txBody>
-          <a:bodyPr lIns="90000" rIns="90000" tIns="45000" bIns="45000"/>
+          <a:bodyPr lIns="90000" tIns="45000" rIns="90000" bIns="45000"/>
+          <a:lstStyle/>
           <a:p>
             <a:pPr algn="ctr">
               <a:lnSpc>
@@ -4025,13 +9549,13 @@
               </a:lnSpc>
             </a:pPr>
             <a:r>
-              <a:rPr b="1" lang="fr-BE" sz="4400" spc="-1" strike="noStrike">
+              <a:rPr lang="fr-BE" sz="4400" b="1" strike="noStrike" spc="-1">
                 <a:solidFill>
                   <a:srgbClr val="000000"/>
                 </a:solidFill>
                 <a:uFill>
                   <a:solidFill>
-                    <a:srgbClr val="ffffff"/>
+                    <a:srgbClr val="FFFFFF"/>
                   </a:solidFill>
                 </a:uFill>
                 <a:latin typeface="Arial"/>
@@ -4039,13 +9563,13 @@
               </a:rPr>
               <a:t>Jacobs Alexandre, Bonaert Gregory, Ruggoo Prateeba, Rouma Florian, Engelman David, Engelman Benjamin</a:t>
             </a:r>
-            <a:endParaRPr b="0" lang="fr-BE" sz="1800" spc="-1" strike="noStrike">
+            <a:endParaRPr lang="fr-BE" sz="1800" b="0" strike="noStrike" spc="-1">
               <a:solidFill>
                 <a:srgbClr val="000000"/>
               </a:solidFill>
               <a:uFill>
                 <a:solidFill>
-                  <a:srgbClr val="ffffff"/>
+                  <a:srgbClr val="FFFFFF"/>
                 </a:solidFill>
               </a:uFill>
               <a:latin typeface="Arial"/>
@@ -4055,12 +9579,12 @@
       </p:sp>
       <p:pic>
         <p:nvPicPr>
-          <p:cNvPr id="75" name="Image 2" descr=""/>
+          <p:cNvPr id="75" name="Image 2"/>
           <p:cNvPicPr/>
           <p:nvPr/>
         </p:nvPicPr>
         <p:blipFill>
-          <a:blip r:embed="rId8"/>
+          <a:blip r:embed="rId9"/>
           <a:stretch/>
         </p:blipFill>
         <p:spPr>
@@ -4076,8 +9600,67 @@
           </a:ln>
         </p:spPr>
       </p:pic>
+      <p:graphicFrame>
+        <p:nvGraphicFramePr>
+          <p:cNvPr id="76" name="Diagramme 75">
+            <a:extLst>
+              <a:ext uri="{FF2B5EF4-FFF2-40B4-BE49-F238E27FC236}">
+                <a16:creationId xmlns:a16="http://schemas.microsoft.com/office/drawing/2014/main" id="{2FC8EF5B-8169-4518-A20B-16A03C0EE98E}"/>
+              </a:ext>
+            </a:extLst>
+          </p:cNvPr>
+          <p:cNvGraphicFramePr/>
+          <p:nvPr>
+            <p:extLst>
+              <p:ext uri="{D42A27DB-BD31-4B8C-83A1-F6EECF244321}">
+                <p14:modId xmlns:p14="http://schemas.microsoft.com/office/powerpoint/2010/main" val="801275453"/>
+              </p:ext>
+            </p:extLst>
+          </p:nvPr>
+        </p:nvGraphicFramePr>
+        <p:xfrm>
+          <a:off x="-340862" y="28851861"/>
+          <a:ext cx="15326942" cy="10937477"/>
+        </p:xfrm>
+        <a:graphic>
+          <a:graphicData uri="http://schemas.openxmlformats.org/drawingml/2006/diagram">
+            <dgm:relIds xmlns:dgm="http://schemas.openxmlformats.org/drawingml/2006/diagram" xmlns:r="http://schemas.openxmlformats.org/officeDocument/2006/relationships" r:dm="rId10" r:lo="rId11" r:qs="rId12" r:cs="rId13"/>
+          </a:graphicData>
+        </a:graphic>
+      </p:graphicFrame>
+      <p:graphicFrame>
+        <p:nvGraphicFramePr>
+          <p:cNvPr id="78" name="Diagramme 77">
+            <a:extLst>
+              <a:ext uri="{FF2B5EF4-FFF2-40B4-BE49-F238E27FC236}">
+                <a16:creationId xmlns:a16="http://schemas.microsoft.com/office/drawing/2014/main" id="{F15AA010-5101-423E-AB08-5DFE0163A0A8}"/>
+              </a:ext>
+            </a:extLst>
+          </p:cNvPr>
+          <p:cNvGraphicFramePr/>
+          <p:nvPr>
+            <p:extLst>
+              <p:ext uri="{D42A27DB-BD31-4B8C-83A1-F6EECF244321}">
+                <p14:modId xmlns:p14="http://schemas.microsoft.com/office/powerpoint/2010/main" val="4119209463"/>
+              </p:ext>
+            </p:extLst>
+          </p:nvPr>
+        </p:nvGraphicFramePr>
+        <p:xfrm>
+          <a:off x="23218427" y="28478038"/>
+          <a:ext cx="11423349" cy="11249190"/>
+        </p:xfrm>
+        <a:graphic>
+          <a:graphicData uri="http://schemas.openxmlformats.org/drawingml/2006/diagram">
+            <dgm:relIds xmlns:dgm="http://schemas.openxmlformats.org/drawingml/2006/diagram" xmlns:r="http://schemas.openxmlformats.org/officeDocument/2006/relationships" r:dm="rId15" r:lo="rId16" r:qs="rId17" r:cs="rId18"/>
+          </a:graphicData>
+        </a:graphic>
+      </p:graphicFrame>
     </p:spTree>
   </p:cSld>
+  <p:clrMapOvr>
+    <a:masterClrMapping/>
+  </p:clrMapOvr>
   <p:timing>
     <p:tnLst>
       <p:par>
@@ -4086,14 +9669,14 @@
             <p:seq>
               <p:cTn id="2" nodeType="mainSeq"/>
               <p:prevCondLst>
-                <p:cond delay="0" evt="onPrev">
+                <p:cond evt="onPrev" delay="0">
                   <p:tgtEl>
                     <p:sldTgt/>
                   </p:tgtEl>
                 </p:cond>
               </p:prevCondLst>
               <p:nextCondLst>
-                <p:cond delay="0" evt="onNext">
+                <p:cond evt="onNext" delay="0">
                   <p:tgtEl>
                     <p:sldTgt/>
                   </p:tgtEl>
@@ -4328,5 +9911,7 @@
       </a:bgFillStyleLst>
     </a:fmtScheme>
   </a:themeElements>
+  <a:objectDefaults/>
+  <a:extraClrSchemeLst/>
 </a:theme>
 </file>